--- a/Praesentation/Vorlage Präsentation.pptx
+++ b/Praesentation/Vorlage Präsentation.pptx
@@ -5,10 +5,10 @@
     <p:sldMasterId id="2147483648" r:id="rId1"/>
   </p:sldMasterIdLst>
   <p:notesMasterIdLst>
-    <p:notesMasterId r:id="rId13"/>
+    <p:notesMasterId r:id="rId14"/>
   </p:notesMasterIdLst>
   <p:handoutMasterIdLst>
-    <p:handoutMasterId r:id="rId14"/>
+    <p:handoutMasterId r:id="rId15"/>
   </p:handoutMasterIdLst>
   <p:sldIdLst>
     <p:sldId id="589" r:id="rId2"/>
@@ -22,6 +22,7 @@
     <p:sldId id="598" r:id="rId10"/>
     <p:sldId id="599" r:id="rId11"/>
     <p:sldId id="600" r:id="rId12"/>
+    <p:sldId id="601" r:id="rId13"/>
   </p:sldIdLst>
   <p:sldSz cx="9144000" cy="6858000" type="screen4x3"/>
   <p:notesSz cx="6797675" cy="9928225"/>
@@ -152,7 +153,7 @@
   </p:defaultTextStyle>
   <p:extLst>
     <p:ext uri="{EFAFB233-063F-42B5-8137-9DF3F51BA10A}">
-      <p15:sldGuideLst xmlns:p15="http://schemas.microsoft.com/office/powerpoint/2012/main" xmlns="">
+      <p15:sldGuideLst xmlns="" xmlns:p15="http://schemas.microsoft.com/office/powerpoint/2012/main">
         <p15:guide id="1" orient="horz" pos="2160">
           <p15:clr>
             <a:srgbClr val="A4A3A4"/>
@@ -166,7 +167,7 @@
       </p15:sldGuideLst>
     </p:ext>
     <p:ext uri="{2D200454-40CA-4A62-9FC3-DE9A4176ACB9}">
-      <p15:notesGuideLst xmlns:p15="http://schemas.microsoft.com/office/powerpoint/2012/main" xmlns="">
+      <p15:notesGuideLst xmlns="" xmlns:p15="http://schemas.microsoft.com/office/powerpoint/2012/main">
         <p15:guide id="1" orient="horz" pos="3127">
           <p15:clr>
             <a:srgbClr val="A4A3A4"/>
@@ -288,14 +289,14 @@
           </a:ln>
           <a:extLst>
             <a:ext uri="{909E8E84-426E-40DD-AFC4-6F175D3DCCD1}">
-              <a14:hiddenFill xmlns:a14="http://schemas.microsoft.com/office/drawing/2010/main" xmlns="">
+              <a14:hiddenFill xmlns:a14="http://schemas.microsoft.com/office/drawing/2010/main">
                 <a:solidFill>
                   <a:srgbClr val="FFFFFF"/>
                 </a:solidFill>
               </a14:hiddenFill>
             </a:ext>
             <a:ext uri="{91240B29-F687-4F45-9708-019B960494DF}">
-              <a14:hiddenLine xmlns:a14="http://schemas.microsoft.com/office/drawing/2010/main" xmlns="" w="9525">
+              <a14:hiddenLine xmlns:a14="http://schemas.microsoft.com/office/drawing/2010/main" w="9525">
                 <a:solidFill>
                   <a:srgbClr val="000000"/>
                 </a:solidFill>
@@ -471,10 +472,10 @@
           <p:nvPr/>
         </p:nvPicPr>
         <p:blipFill>
-          <a:blip r:embed="rId2">
+          <a:blip r:embed="rId2" cstate="print">
             <a:extLst>
               <a:ext uri="{28A0092B-C50C-407E-A947-70E740481C1C}">
-                <a14:useLocalDpi xmlns:a14="http://schemas.microsoft.com/office/drawing/2010/main" xmlns="" val="0"/>
+                <a14:useLocalDpi xmlns:a14="http://schemas.microsoft.com/office/drawing/2010/main" val="0"/>
               </a:ext>
             </a:extLst>
           </a:blip>
@@ -497,14 +498,14 @@
           </a:ln>
           <a:extLst>
             <a:ext uri="{909E8E84-426E-40DD-AFC4-6F175D3DCCD1}">
-              <a14:hiddenFill xmlns:a14="http://schemas.microsoft.com/office/drawing/2010/main" xmlns="">
+              <a14:hiddenFill xmlns:a14="http://schemas.microsoft.com/office/drawing/2010/main">
                 <a:solidFill>
                   <a:srgbClr val="FFFFFF"/>
                 </a:solidFill>
               </a14:hiddenFill>
             </a:ext>
             <a:ext uri="{91240B29-F687-4F45-9708-019B960494DF}">
-              <a14:hiddenLine xmlns:a14="http://schemas.microsoft.com/office/drawing/2010/main" xmlns="" w="9525">
+              <a14:hiddenLine xmlns:a14="http://schemas.microsoft.com/office/drawing/2010/main" w="9525">
                 <a:solidFill>
                   <a:srgbClr val="000000"/>
                 </a:solidFill>
@@ -519,7 +520,7 @@
     </p:spTree>
     <p:extLst>
       <p:ext uri="{BB962C8B-B14F-4D97-AF65-F5344CB8AC3E}">
-        <p14:creationId xmlns:p14="http://schemas.microsoft.com/office/powerpoint/2010/main" xmlns="" val="1778754129"/>
+        <p14:creationId xmlns:p14="http://schemas.microsoft.com/office/powerpoint/2010/main" val="1778754129"/>
       </p:ext>
     </p:extLst>
   </p:cSld>
@@ -691,7 +692,7 @@
           </a:ln>
           <a:extLst>
             <a:ext uri="{909E8E84-426E-40DD-AFC4-6F175D3DCCD1}">
-              <a14:hiddenFill xmlns:a14="http://schemas.microsoft.com/office/drawing/2010/main" xmlns="">
+              <a14:hiddenFill xmlns:a14="http://schemas.microsoft.com/office/drawing/2010/main">
                 <a:solidFill>
                   <a:srgbClr val="FFFFFF"/>
                 </a:solidFill>
@@ -884,7 +885,7 @@
     </p:spTree>
     <p:extLst>
       <p:ext uri="{BB962C8B-B14F-4D97-AF65-F5344CB8AC3E}">
-        <p14:creationId xmlns:p14="http://schemas.microsoft.com/office/powerpoint/2010/main" xmlns="" val="3790590708"/>
+        <p14:creationId xmlns:p14="http://schemas.microsoft.com/office/powerpoint/2010/main" val="3790590708"/>
       </p:ext>
     </p:extLst>
   </p:cSld>
@@ -1054,14 +1055,14 @@
           </a:ln>
           <a:extLst>
             <a:ext uri="{909E8E84-426E-40DD-AFC4-6F175D3DCCD1}">
-              <a14:hiddenFill xmlns:a14="http://schemas.microsoft.com/office/drawing/2010/main" xmlns="">
+              <a14:hiddenFill xmlns:a14="http://schemas.microsoft.com/office/drawing/2010/main">
                 <a:solidFill>
                   <a:srgbClr val="FFFFFF"/>
                 </a:solidFill>
               </a14:hiddenFill>
             </a:ext>
             <a:ext uri="{91240B29-F687-4F45-9708-019B960494DF}">
-              <a14:hiddenLine xmlns:a14="http://schemas.microsoft.com/office/drawing/2010/main" xmlns="" w="9525">
+              <a14:hiddenLine xmlns:a14="http://schemas.microsoft.com/office/drawing/2010/main" w="9525">
                 <a:solidFill>
                   <a:srgbClr val="000000"/>
                 </a:solidFill>
@@ -1202,7 +1203,7 @@
               </a:pPr>
               <a:t>1</a:t>
             </a:fld>
-            <a:endParaRPr lang="de-DE" altLang="de-DE" b="0"/>
+            <a:endParaRPr lang="de-DE" altLang="de-DE" b="0" dirty="0"/>
           </a:p>
         </p:txBody>
       </p:sp>
@@ -1248,7 +1249,7 @@
           <a:lstStyle/>
           <a:p>
             <a:pPr eaLnBrk="1" hangingPunct="1"/>
-            <a:endParaRPr lang="de-DE" altLang="de-DE" smtClean="0">
+            <a:endParaRPr lang="de-DE" altLang="de-DE" dirty="0" smtClean="0">
               <a:latin typeface="Arial" panose="020B0604020202020204" pitchFamily="34" charset="0"/>
             </a:endParaRPr>
           </a:p>
@@ -1257,7 +1258,7 @@
     </p:spTree>
     <p:extLst>
       <p:ext uri="{BB962C8B-B14F-4D97-AF65-F5344CB8AC3E}">
-        <p14:creationId xmlns:p14="http://schemas.microsoft.com/office/powerpoint/2010/main" xmlns="" val="2386370709"/>
+        <p14:creationId xmlns:p14="http://schemas.microsoft.com/office/powerpoint/2010/main" val="2386370709"/>
       </p:ext>
     </p:extLst>
   </p:cSld>
@@ -1296,7 +1297,7 @@
           <a:blip r:embed="rId2">
             <a:extLst>
               <a:ext uri="{28A0092B-C50C-407E-A947-70E740481C1C}">
-                <a14:useLocalDpi xmlns:a14="http://schemas.microsoft.com/office/drawing/2010/main" xmlns="" val="0"/>
+                <a14:useLocalDpi xmlns:a14="http://schemas.microsoft.com/office/drawing/2010/main" val="0"/>
               </a:ext>
             </a:extLst>
           </a:blip>
@@ -1319,14 +1320,14 @@
           </a:ln>
           <a:extLst>
             <a:ext uri="{909E8E84-426E-40DD-AFC4-6F175D3DCCD1}">
-              <a14:hiddenFill xmlns:a14="http://schemas.microsoft.com/office/drawing/2010/main" xmlns="">
+              <a14:hiddenFill xmlns:a14="http://schemas.microsoft.com/office/drawing/2010/main">
                 <a:solidFill>
                   <a:srgbClr val="FFFFFF"/>
                 </a:solidFill>
               </a14:hiddenFill>
             </a:ext>
             <a:ext uri="{91240B29-F687-4F45-9708-019B960494DF}">
-              <a14:hiddenLine xmlns:a14="http://schemas.microsoft.com/office/drawing/2010/main" xmlns="" w="9525">
+              <a14:hiddenLine xmlns:a14="http://schemas.microsoft.com/office/drawing/2010/main" w="9525">
                 <a:solidFill>
                   <a:srgbClr val="000000"/>
                 </a:solidFill>
@@ -1360,14 +1361,14 @@
           </a:ln>
           <a:extLst>
             <a:ext uri="{909E8E84-426E-40DD-AFC4-6F175D3DCCD1}">
-              <a14:hiddenFill xmlns:a14="http://schemas.microsoft.com/office/drawing/2010/main" xmlns="">
+              <a14:hiddenFill xmlns:a14="http://schemas.microsoft.com/office/drawing/2010/main">
                 <a:solidFill>
                   <a:srgbClr val="FFFFFF"/>
                 </a:solidFill>
               </a14:hiddenFill>
             </a:ext>
             <a:ext uri="{91240B29-F687-4F45-9708-019B960494DF}">
-              <a14:hiddenLine xmlns:a14="http://schemas.microsoft.com/office/drawing/2010/main" xmlns="" w="9525">
+              <a14:hiddenLine xmlns:a14="http://schemas.microsoft.com/office/drawing/2010/main" w="9525">
                 <a:solidFill>
                   <a:srgbClr val="000000"/>
                 </a:solidFill>
@@ -1530,14 +1531,14 @@
           </a:ln>
           <a:extLst>
             <a:ext uri="{909E8E84-426E-40DD-AFC4-6F175D3DCCD1}">
-              <a14:hiddenFill xmlns:a14="http://schemas.microsoft.com/office/drawing/2010/main" xmlns="">
+              <a14:hiddenFill xmlns:a14="http://schemas.microsoft.com/office/drawing/2010/main">
                 <a:solidFill>
                   <a:srgbClr val="FFFFFF"/>
                 </a:solidFill>
               </a14:hiddenFill>
             </a:ext>
             <a:ext uri="{91240B29-F687-4F45-9708-019B960494DF}">
-              <a14:hiddenLine xmlns:a14="http://schemas.microsoft.com/office/drawing/2010/main" xmlns="" w="9525">
+              <a14:hiddenLine xmlns:a14="http://schemas.microsoft.com/office/drawing/2010/main" w="9525">
                 <a:solidFill>
                   <a:srgbClr val="000000"/>
                 </a:solidFill>
@@ -1718,14 +1719,14 @@
           </a:ln>
           <a:extLst>
             <a:ext uri="{909E8E84-426E-40DD-AFC4-6F175D3DCCD1}">
-              <a14:hiddenFill xmlns:a14="http://schemas.microsoft.com/office/drawing/2010/main" xmlns="">
+              <a14:hiddenFill xmlns:a14="http://schemas.microsoft.com/office/drawing/2010/main">
                 <a:solidFill>
                   <a:srgbClr val="FFFFFF"/>
                 </a:solidFill>
               </a14:hiddenFill>
             </a:ext>
             <a:ext uri="{91240B29-F687-4F45-9708-019B960494DF}">
-              <a14:hiddenLine xmlns:a14="http://schemas.microsoft.com/office/drawing/2010/main" xmlns="" w="9525">
+              <a14:hiddenLine xmlns:a14="http://schemas.microsoft.com/office/drawing/2010/main" w="9525">
                 <a:solidFill>
                   <a:srgbClr val="000000"/>
                 </a:solidFill>
@@ -1878,7 +1879,7 @@
           <a:blip r:embed="rId3" cstate="print">
             <a:extLst>
               <a:ext uri="{28A0092B-C50C-407E-A947-70E740481C1C}">
-                <a14:useLocalDpi xmlns:a14="http://schemas.microsoft.com/office/drawing/2010/main" xmlns="" val="0"/>
+                <a14:useLocalDpi xmlns:a14="http://schemas.microsoft.com/office/drawing/2010/main" val="0"/>
               </a:ext>
             </a:extLst>
           </a:blip>
@@ -1901,14 +1902,14 @@
           </a:ln>
           <a:extLst>
             <a:ext uri="{909E8E84-426E-40DD-AFC4-6F175D3DCCD1}">
-              <a14:hiddenFill xmlns:a14="http://schemas.microsoft.com/office/drawing/2010/main" xmlns="">
+              <a14:hiddenFill xmlns:a14="http://schemas.microsoft.com/office/drawing/2010/main">
                 <a:solidFill>
                   <a:srgbClr val="FFFFFF"/>
                 </a:solidFill>
               </a14:hiddenFill>
             </a:ext>
             <a:ext uri="{91240B29-F687-4F45-9708-019B960494DF}">
-              <a14:hiddenLine xmlns:a14="http://schemas.microsoft.com/office/drawing/2010/main" xmlns="" w="9525">
+              <a14:hiddenLine xmlns:a14="http://schemas.microsoft.com/office/drawing/2010/main" w="9525">
                 <a:solidFill>
                   <a:srgbClr val="000000"/>
                 </a:solidFill>
@@ -1923,7 +1924,7 @@
     </p:spTree>
     <p:extLst>
       <p:ext uri="{BB962C8B-B14F-4D97-AF65-F5344CB8AC3E}">
-        <p14:creationId xmlns:p14="http://schemas.microsoft.com/office/powerpoint/2010/main" xmlns="" val="1853772849"/>
+        <p14:creationId xmlns:p14="http://schemas.microsoft.com/office/powerpoint/2010/main" val="1853772849"/>
       </p:ext>
     </p:extLst>
   </p:cSld>
@@ -2029,7 +2030,7 @@
     </p:spTree>
     <p:extLst>
       <p:ext uri="{BB962C8B-B14F-4D97-AF65-F5344CB8AC3E}">
-        <p14:creationId xmlns:p14="http://schemas.microsoft.com/office/powerpoint/2010/main" xmlns="" val="4275079219"/>
+        <p14:creationId xmlns:p14="http://schemas.microsoft.com/office/powerpoint/2010/main" val="4275079219"/>
       </p:ext>
     </p:extLst>
   </p:cSld>
@@ -2144,7 +2145,7 @@
     </p:spTree>
     <p:extLst>
       <p:ext uri="{BB962C8B-B14F-4D97-AF65-F5344CB8AC3E}">
-        <p14:creationId xmlns:p14="http://schemas.microsoft.com/office/powerpoint/2010/main" xmlns="" val="3739785638"/>
+        <p14:creationId xmlns:p14="http://schemas.microsoft.com/office/powerpoint/2010/main" val="3739785638"/>
       </p:ext>
     </p:extLst>
   </p:cSld>
@@ -2227,7 +2228,7 @@
     </p:spTree>
     <p:extLst>
       <p:ext uri="{BB962C8B-B14F-4D97-AF65-F5344CB8AC3E}">
-        <p14:creationId xmlns:p14="http://schemas.microsoft.com/office/powerpoint/2010/main" xmlns="" val="2389652220"/>
+        <p14:creationId xmlns:p14="http://schemas.microsoft.com/office/powerpoint/2010/main" val="2389652220"/>
       </p:ext>
     </p:extLst>
   </p:cSld>
@@ -2332,7 +2333,7 @@
     </p:spTree>
     <p:extLst>
       <p:ext uri="{BB962C8B-B14F-4D97-AF65-F5344CB8AC3E}">
-        <p14:creationId xmlns:p14="http://schemas.microsoft.com/office/powerpoint/2010/main" xmlns="" val="639587486"/>
+        <p14:creationId xmlns:p14="http://schemas.microsoft.com/office/powerpoint/2010/main" val="639587486"/>
       </p:ext>
     </p:extLst>
   </p:cSld>
@@ -2459,7 +2460,7 @@
     </p:spTree>
     <p:extLst>
       <p:ext uri="{BB962C8B-B14F-4D97-AF65-F5344CB8AC3E}">
-        <p14:creationId xmlns:p14="http://schemas.microsoft.com/office/powerpoint/2010/main" xmlns="" val="3851426115"/>
+        <p14:creationId xmlns:p14="http://schemas.microsoft.com/office/powerpoint/2010/main" val="3851426115"/>
       </p:ext>
     </p:extLst>
   </p:cSld>
@@ -2682,7 +2683,7 @@
     </p:spTree>
     <p:extLst>
       <p:ext uri="{BB962C8B-B14F-4D97-AF65-F5344CB8AC3E}">
-        <p14:creationId xmlns:p14="http://schemas.microsoft.com/office/powerpoint/2010/main" xmlns="" val="382903280"/>
+        <p14:creationId xmlns:p14="http://schemas.microsoft.com/office/powerpoint/2010/main" val="382903280"/>
       </p:ext>
     </p:extLst>
   </p:cSld>
@@ -3044,7 +3045,7 @@
     </p:spTree>
     <p:extLst>
       <p:ext uri="{BB962C8B-B14F-4D97-AF65-F5344CB8AC3E}">
-        <p14:creationId xmlns:p14="http://schemas.microsoft.com/office/powerpoint/2010/main" xmlns="" val="1062291010"/>
+        <p14:creationId xmlns:p14="http://schemas.microsoft.com/office/powerpoint/2010/main" val="1062291010"/>
       </p:ext>
     </p:extLst>
   </p:cSld>
@@ -3104,7 +3105,7 @@
     </p:spTree>
     <p:extLst>
       <p:ext uri="{BB962C8B-B14F-4D97-AF65-F5344CB8AC3E}">
-        <p14:creationId xmlns:p14="http://schemas.microsoft.com/office/powerpoint/2010/main" xmlns="" val="2608059310"/>
+        <p14:creationId xmlns:p14="http://schemas.microsoft.com/office/powerpoint/2010/main" val="2608059310"/>
       </p:ext>
     </p:extLst>
   </p:cSld>
@@ -3134,7 +3135,7 @@
     </p:spTree>
     <p:extLst>
       <p:ext uri="{BB962C8B-B14F-4D97-AF65-F5344CB8AC3E}">
-        <p14:creationId xmlns:p14="http://schemas.microsoft.com/office/powerpoint/2010/main" xmlns="" val="229801959"/>
+        <p14:creationId xmlns:p14="http://schemas.microsoft.com/office/powerpoint/2010/main" val="229801959"/>
       </p:ext>
     </p:extLst>
   </p:cSld>
@@ -3346,7 +3347,7 @@
     </p:spTree>
     <p:extLst>
       <p:ext uri="{BB962C8B-B14F-4D97-AF65-F5344CB8AC3E}">
-        <p14:creationId xmlns:p14="http://schemas.microsoft.com/office/powerpoint/2010/main" xmlns="" val="4048644694"/>
+        <p14:creationId xmlns:p14="http://schemas.microsoft.com/office/powerpoint/2010/main" val="4048644694"/>
       </p:ext>
     </p:extLst>
   </p:cSld>
@@ -3535,7 +3536,7 @@
     </p:spTree>
     <p:extLst>
       <p:ext uri="{BB962C8B-B14F-4D97-AF65-F5344CB8AC3E}">
-        <p14:creationId xmlns:p14="http://schemas.microsoft.com/office/powerpoint/2010/main" xmlns="" val="2996506015"/>
+        <p14:creationId xmlns:p14="http://schemas.microsoft.com/office/powerpoint/2010/main" val="2996506015"/>
       </p:ext>
     </p:extLst>
   </p:cSld>
@@ -3582,7 +3583,7 @@
           <a:blip r:embed="rId14">
             <a:extLst>
               <a:ext uri="{28A0092B-C50C-407E-A947-70E740481C1C}">
-                <a14:useLocalDpi xmlns:a14="http://schemas.microsoft.com/office/drawing/2010/main" xmlns="" val="0"/>
+                <a14:useLocalDpi xmlns:a14="http://schemas.microsoft.com/office/drawing/2010/main" val="0"/>
               </a:ext>
             </a:extLst>
           </a:blip>
@@ -3605,14 +3606,14 @@
           </a:ln>
           <a:extLst>
             <a:ext uri="{909E8E84-426E-40DD-AFC4-6F175D3DCCD1}">
-              <a14:hiddenFill xmlns:a14="http://schemas.microsoft.com/office/drawing/2010/main" xmlns="">
+              <a14:hiddenFill xmlns:a14="http://schemas.microsoft.com/office/drawing/2010/main">
                 <a:solidFill>
                   <a:srgbClr val="FFFFFF"/>
                 </a:solidFill>
               </a14:hiddenFill>
             </a:ext>
             <a:ext uri="{91240B29-F687-4F45-9708-019B960494DF}">
-              <a14:hiddenLine xmlns:a14="http://schemas.microsoft.com/office/drawing/2010/main" xmlns="" w="9525">
+              <a14:hiddenLine xmlns:a14="http://schemas.microsoft.com/office/drawing/2010/main" w="9525">
                 <a:solidFill>
                   <a:srgbClr val="000000"/>
                 </a:solidFill>
@@ -3648,14 +3649,14 @@
           </a:ln>
           <a:extLst>
             <a:ext uri="{909E8E84-426E-40DD-AFC4-6F175D3DCCD1}">
-              <a14:hiddenFill xmlns:a14="http://schemas.microsoft.com/office/drawing/2010/main" xmlns="">
+              <a14:hiddenFill xmlns:a14="http://schemas.microsoft.com/office/drawing/2010/main">
                 <a:solidFill>
                   <a:srgbClr val="FFFFFF"/>
                 </a:solidFill>
               </a14:hiddenFill>
             </a:ext>
             <a:ext uri="{91240B29-F687-4F45-9708-019B960494DF}">
-              <a14:hiddenLine xmlns:a14="http://schemas.microsoft.com/office/drawing/2010/main" xmlns="" w="9525">
+              <a14:hiddenLine xmlns:a14="http://schemas.microsoft.com/office/drawing/2010/main" w="9525">
                 <a:solidFill>
                   <a:srgbClr val="000000"/>
                 </a:solidFill>
@@ -3713,14 +3714,14 @@
           </a:ln>
           <a:extLst>
             <a:ext uri="{909E8E84-426E-40DD-AFC4-6F175D3DCCD1}">
-              <a14:hiddenFill xmlns:a14="http://schemas.microsoft.com/office/drawing/2010/main" xmlns="">
+              <a14:hiddenFill xmlns:a14="http://schemas.microsoft.com/office/drawing/2010/main">
                 <a:solidFill>
                   <a:srgbClr val="FFFFFF"/>
                 </a:solidFill>
               </a14:hiddenFill>
             </a:ext>
             <a:ext uri="{91240B29-F687-4F45-9708-019B960494DF}">
-              <a14:hiddenLine xmlns:a14="http://schemas.microsoft.com/office/drawing/2010/main" xmlns="" w="9525">
+              <a14:hiddenLine xmlns:a14="http://schemas.microsoft.com/office/drawing/2010/main" w="9525">
                 <a:solidFill>
                   <a:srgbClr val="000000"/>
                 </a:solidFill>
@@ -3797,14 +3798,14 @@
           </a:ln>
           <a:extLst>
             <a:ext uri="{909E8E84-426E-40DD-AFC4-6F175D3DCCD1}">
-              <a14:hiddenFill xmlns:a14="http://schemas.microsoft.com/office/drawing/2010/main" xmlns="">
+              <a14:hiddenFill xmlns:a14="http://schemas.microsoft.com/office/drawing/2010/main">
                 <a:solidFill>
                   <a:srgbClr val="FFFFFF"/>
                 </a:solidFill>
               </a14:hiddenFill>
             </a:ext>
             <a:ext uri="{91240B29-F687-4F45-9708-019B960494DF}">
-              <a14:hiddenLine xmlns:a14="http://schemas.microsoft.com/office/drawing/2010/main" xmlns="" w="9525">
+              <a14:hiddenLine xmlns:a14="http://schemas.microsoft.com/office/drawing/2010/main" w="9525">
                 <a:solidFill>
                   <a:srgbClr val="000000"/>
                 </a:solidFill>
@@ -4009,14 +4010,14 @@
           </a:ln>
           <a:extLst>
             <a:ext uri="{909E8E84-426E-40DD-AFC4-6F175D3DCCD1}">
-              <a14:hiddenFill xmlns:a14="http://schemas.microsoft.com/office/drawing/2010/main" xmlns="">
+              <a14:hiddenFill xmlns:a14="http://schemas.microsoft.com/office/drawing/2010/main">
                 <a:solidFill>
                   <a:srgbClr val="FFFFFF"/>
                 </a:solidFill>
               </a14:hiddenFill>
             </a:ext>
             <a:ext uri="{91240B29-F687-4F45-9708-019B960494DF}">
-              <a14:hiddenLine xmlns:a14="http://schemas.microsoft.com/office/drawing/2010/main" xmlns="" w="9525">
+              <a14:hiddenLine xmlns:a14="http://schemas.microsoft.com/office/drawing/2010/main" w="9525">
                 <a:solidFill>
                   <a:srgbClr val="000000"/>
                 </a:solidFill>
@@ -4175,7 +4176,7 @@
           <a:blip r:embed="rId15" cstate="print">
             <a:extLst>
               <a:ext uri="{28A0092B-C50C-407E-A947-70E740481C1C}">
-                <a14:useLocalDpi xmlns:a14="http://schemas.microsoft.com/office/drawing/2010/main" xmlns="" val="0"/>
+                <a14:useLocalDpi xmlns:a14="http://schemas.microsoft.com/office/drawing/2010/main" val="0"/>
               </a:ext>
             </a:extLst>
           </a:blip>
@@ -4198,14 +4199,14 @@
           </a:ln>
           <a:extLst>
             <a:ext uri="{909E8E84-426E-40DD-AFC4-6F175D3DCCD1}">
-              <a14:hiddenFill xmlns:a14="http://schemas.microsoft.com/office/drawing/2010/main" xmlns="">
+              <a14:hiddenFill xmlns:a14="http://schemas.microsoft.com/office/drawing/2010/main">
                 <a:solidFill>
                   <a:srgbClr val="FFFFFF"/>
                 </a:solidFill>
               </a14:hiddenFill>
             </a:ext>
             <a:ext uri="{91240B29-F687-4F45-9708-019B960494DF}">
-              <a14:hiddenLine xmlns:a14="http://schemas.microsoft.com/office/drawing/2010/main" xmlns="" w="9525">
+              <a14:hiddenLine xmlns:a14="http://schemas.microsoft.com/office/drawing/2010/main" w="9525">
                 <a:solidFill>
                   <a:srgbClr val="000000"/>
                 </a:solidFill>
@@ -4239,14 +4240,14 @@
           </a:ln>
           <a:extLst>
             <a:ext uri="{909E8E84-426E-40DD-AFC4-6F175D3DCCD1}">
-              <a14:hiddenFill xmlns:a14="http://schemas.microsoft.com/office/drawing/2010/main" xmlns="">
+              <a14:hiddenFill xmlns:a14="http://schemas.microsoft.com/office/drawing/2010/main">
                 <a:solidFill>
                   <a:srgbClr val="FFFFFF"/>
                 </a:solidFill>
               </a14:hiddenFill>
             </a:ext>
             <a:ext uri="{91240B29-F687-4F45-9708-019B960494DF}">
-              <a14:hiddenLine xmlns:a14="http://schemas.microsoft.com/office/drawing/2010/main" xmlns="" w="9525">
+              <a14:hiddenLine xmlns:a14="http://schemas.microsoft.com/office/drawing/2010/main" w="9525">
                 <a:solidFill>
                   <a:srgbClr val="000000"/>
                 </a:solidFill>
@@ -4383,7 +4384,7 @@
               <a:pPr>
                 <a:defRPr/>
               </a:pPr>
-              <a:t>12.07.2016</a:t>
+              <a:t>14.07.2016</a:t>
             </a:fld>
             <a:r>
               <a:rPr lang="de-DE" altLang="de-DE" sz="900" b="0" dirty="0" smtClean="0">
@@ -4868,7 +4869,7 @@
           <a:blip r:embed="rId3">
             <a:extLst>
               <a:ext uri="{28A0092B-C50C-407E-A947-70E740481C1C}">
-                <a14:useLocalDpi xmlns:a14="http://schemas.microsoft.com/office/drawing/2010/main" xmlns="" val="0"/>
+                <a14:useLocalDpi xmlns:a14="http://schemas.microsoft.com/office/drawing/2010/main" val="0"/>
               </a:ext>
             </a:extLst>
           </a:blip>
@@ -4891,14 +4892,14 @@
           </a:ln>
           <a:extLst>
             <a:ext uri="{909E8E84-426E-40DD-AFC4-6F175D3DCCD1}">
-              <a14:hiddenFill xmlns:a14="http://schemas.microsoft.com/office/drawing/2010/main" xmlns="">
+              <a14:hiddenFill xmlns:a14="http://schemas.microsoft.com/office/drawing/2010/main">
                 <a:solidFill>
                   <a:srgbClr val="FFFFFF"/>
                 </a:solidFill>
               </a14:hiddenFill>
             </a:ext>
             <a:ext uri="{91240B29-F687-4F45-9708-019B960494DF}">
-              <a14:hiddenLine xmlns:a14="http://schemas.microsoft.com/office/drawing/2010/main" xmlns="" w="9525">
+              <a14:hiddenLine xmlns:a14="http://schemas.microsoft.com/office/drawing/2010/main" w="9525">
                 <a:solidFill>
                   <a:srgbClr val="000000"/>
                 </a:solidFill>
@@ -4968,14 +4969,14 @@
           </a:ln>
           <a:extLst>
             <a:ext uri="{909E8E84-426E-40DD-AFC4-6F175D3DCCD1}">
-              <a14:hiddenFill xmlns:a14="http://schemas.microsoft.com/office/drawing/2010/main" xmlns="">
+              <a14:hiddenFill xmlns:a14="http://schemas.microsoft.com/office/drawing/2010/main">
                 <a:solidFill>
                   <a:srgbClr val="FFFFFF"/>
                 </a:solidFill>
               </a14:hiddenFill>
             </a:ext>
             <a:ext uri="{91240B29-F687-4F45-9708-019B960494DF}">
-              <a14:hiddenLine xmlns:a14="http://schemas.microsoft.com/office/drawing/2010/main" xmlns="" w="9525">
+              <a14:hiddenLine xmlns:a14="http://schemas.microsoft.com/office/drawing/2010/main" w="9525">
                 <a:solidFill>
                   <a:srgbClr val="000000"/>
                 </a:solidFill>
@@ -5139,7 +5140,7 @@
               <a:buFontTx/>
               <a:buNone/>
             </a:pPr>
-            <a:endParaRPr lang="de-DE" altLang="de-DE" sz="1800">
+            <a:endParaRPr lang="de-DE" altLang="de-DE" sz="1800" dirty="0">
               <a:solidFill>
                 <a:schemeClr val="tx2"/>
               </a:solidFill>
@@ -5169,14 +5170,14 @@
           </a:ln>
           <a:extLst>
             <a:ext uri="{909E8E84-426E-40DD-AFC4-6F175D3DCCD1}">
-              <a14:hiddenFill xmlns:a14="http://schemas.microsoft.com/office/drawing/2010/main" xmlns="">
+              <a14:hiddenFill xmlns:a14="http://schemas.microsoft.com/office/drawing/2010/main">
                 <a:solidFill>
                   <a:srgbClr val="FFFFFF"/>
                 </a:solidFill>
               </a14:hiddenFill>
             </a:ext>
             <a:ext uri="{91240B29-F687-4F45-9708-019B960494DF}">
-              <a14:hiddenLine xmlns:a14="http://schemas.microsoft.com/office/drawing/2010/main" xmlns="" w="9525">
+              <a14:hiddenLine xmlns:a14="http://schemas.microsoft.com/office/drawing/2010/main" w="9525">
                 <a:solidFill>
                   <a:srgbClr val="000000"/>
                 </a:solidFill>
@@ -5340,7 +5341,7 @@
               <a:buFontTx/>
               <a:buNone/>
             </a:pPr>
-            <a:endParaRPr lang="de-DE" altLang="de-DE" sz="1800">
+            <a:endParaRPr lang="de-DE" altLang="de-DE" sz="1800" dirty="0">
               <a:solidFill>
                 <a:schemeClr val="tx2"/>
               </a:solidFill>
@@ -5370,14 +5371,14 @@
           </a:ln>
           <a:extLst>
             <a:ext uri="{909E8E84-426E-40DD-AFC4-6F175D3DCCD1}">
-              <a14:hiddenFill xmlns:a14="http://schemas.microsoft.com/office/drawing/2010/main" xmlns="">
+              <a14:hiddenFill xmlns:a14="http://schemas.microsoft.com/office/drawing/2010/main">
                 <a:solidFill>
                   <a:srgbClr val="FFFFFF"/>
                 </a:solidFill>
               </a14:hiddenFill>
             </a:ext>
             <a:ext uri="{91240B29-F687-4F45-9708-019B960494DF}">
-              <a14:hiddenLine xmlns:a14="http://schemas.microsoft.com/office/drawing/2010/main" xmlns="" w="9525">
+              <a14:hiddenLine xmlns:a14="http://schemas.microsoft.com/office/drawing/2010/main" w="9525">
                 <a:solidFill>
                   <a:srgbClr val="000000"/>
                 </a:solidFill>
@@ -5541,7 +5542,7 @@
               <a:buFontTx/>
               <a:buNone/>
             </a:pPr>
-            <a:endParaRPr lang="de-DE" altLang="de-DE" sz="1800">
+            <a:endParaRPr lang="de-DE" altLang="de-DE" sz="1800" dirty="0">
               <a:solidFill>
                 <a:schemeClr val="tx2"/>
               </a:solidFill>
@@ -5571,14 +5572,14 @@
           </a:ln>
           <a:extLst>
             <a:ext uri="{909E8E84-426E-40DD-AFC4-6F175D3DCCD1}">
-              <a14:hiddenFill xmlns:a14="http://schemas.microsoft.com/office/drawing/2010/main" xmlns="">
+              <a14:hiddenFill xmlns:a14="http://schemas.microsoft.com/office/drawing/2010/main">
                 <a:solidFill>
                   <a:srgbClr val="FFFFFF"/>
                 </a:solidFill>
               </a14:hiddenFill>
             </a:ext>
             <a:ext uri="{91240B29-F687-4F45-9708-019B960494DF}">
-              <a14:hiddenLine xmlns:a14="http://schemas.microsoft.com/office/drawing/2010/main" xmlns="" w="9525">
+              <a14:hiddenLine xmlns:a14="http://schemas.microsoft.com/office/drawing/2010/main" w="9525">
                 <a:solidFill>
                   <a:srgbClr val="000000"/>
                 </a:solidFill>
@@ -5742,7 +5743,7 @@
               <a:buFontTx/>
               <a:buNone/>
             </a:pPr>
-            <a:endParaRPr lang="de-DE" altLang="de-DE" sz="1800">
+            <a:endParaRPr lang="de-DE" altLang="de-DE" sz="1800" dirty="0">
               <a:solidFill>
                 <a:schemeClr val="tx2"/>
               </a:solidFill>
@@ -5762,7 +5763,7 @@
           <a:blip r:embed="rId7">
             <a:extLst>
               <a:ext uri="{28A0092B-C50C-407E-A947-70E740481C1C}">
-                <a14:useLocalDpi xmlns:a14="http://schemas.microsoft.com/office/drawing/2010/main" xmlns="" val="0"/>
+                <a14:useLocalDpi xmlns:a14="http://schemas.microsoft.com/office/drawing/2010/main" val="0"/>
               </a:ext>
             </a:extLst>
           </a:blip>
@@ -5785,14 +5786,14 @@
           </a:ln>
           <a:extLst>
             <a:ext uri="{909E8E84-426E-40DD-AFC4-6F175D3DCCD1}">
-              <a14:hiddenFill xmlns:a14="http://schemas.microsoft.com/office/drawing/2010/main" xmlns="">
+              <a14:hiddenFill xmlns:a14="http://schemas.microsoft.com/office/drawing/2010/main">
                 <a:solidFill>
                   <a:srgbClr val="FFFFFF"/>
                 </a:solidFill>
               </a14:hiddenFill>
             </a:ext>
             <a:ext uri="{91240B29-F687-4F45-9708-019B960494DF}">
-              <a14:hiddenLine xmlns:a14="http://schemas.microsoft.com/office/drawing/2010/main" xmlns="" w="9525">
+              <a14:hiddenLine xmlns:a14="http://schemas.microsoft.com/office/drawing/2010/main" w="9525">
                 <a:solidFill>
                   <a:srgbClr val="000000"/>
                 </a:solidFill>
@@ -5965,11 +5966,186 @@
           <a:bodyPr/>
           <a:lstStyle/>
           <a:p>
-            <a:endParaRPr lang="en-US"/>
+            <a:r>
+              <a:rPr lang="en-US" dirty="0" err="1" smtClean="0"/>
+              <a:t>Maskieren</a:t>
+            </a:r>
+            <a:r>
+              <a:rPr lang="en-US" dirty="0" smtClean="0"/>
+              <a:t> des </a:t>
+            </a:r>
+            <a:r>
+              <a:rPr lang="en-US" dirty="0" err="1" smtClean="0"/>
+              <a:t>Werkstücks</a:t>
+            </a:r>
+            <a:endParaRPr lang="en-US" dirty="0" smtClean="0"/>
+          </a:p>
+          <a:p>
+            <a:r>
+              <a:rPr lang="en-US" dirty="0" err="1" smtClean="0"/>
+              <a:t>Filtern</a:t>
+            </a:r>
+            <a:endParaRPr lang="en-US" dirty="0" smtClean="0"/>
+          </a:p>
+          <a:p>
+            <a:pPr lvl="1"/>
+            <a:r>
+              <a:rPr lang="en-US" dirty="0" smtClean="0"/>
+              <a:t>Guided </a:t>
+            </a:r>
+            <a:r>
+              <a:rPr lang="en-US" dirty="0"/>
+              <a:t>I</a:t>
+            </a:r>
+            <a:r>
+              <a:rPr lang="en-US" dirty="0" smtClean="0"/>
+              <a:t>mage Filter</a:t>
+            </a:r>
+          </a:p>
+          <a:p>
+            <a:r>
+              <a:rPr lang="en-US" dirty="0" err="1" smtClean="0"/>
+              <a:t>Kantendetektion</a:t>
+            </a:r>
+            <a:r>
+              <a:rPr lang="en-US" dirty="0" smtClean="0"/>
+              <a:t> </a:t>
+            </a:r>
+            <a:r>
+              <a:rPr lang="en-US" dirty="0" err="1" smtClean="0"/>
+              <a:t>mit</a:t>
+            </a:r>
+            <a:r>
+              <a:rPr lang="en-US" dirty="0" smtClean="0"/>
+              <a:t> Canny</a:t>
+            </a:r>
+          </a:p>
+          <a:p>
+            <a:r>
+              <a:rPr lang="en-US" dirty="0" err="1" smtClean="0"/>
+              <a:t>Kanten</a:t>
+            </a:r>
+            <a:r>
+              <a:rPr lang="en-US" dirty="0" smtClean="0"/>
+              <a:t> und </a:t>
+            </a:r>
+            <a:r>
+              <a:rPr lang="en-US" dirty="0" err="1" smtClean="0"/>
+              <a:t>Bohrungen</a:t>
+            </a:r>
+            <a:r>
+              <a:rPr lang="en-US" dirty="0" smtClean="0"/>
+              <a:t> </a:t>
+            </a:r>
+            <a:r>
+              <a:rPr lang="en-US" dirty="0" err="1" smtClean="0"/>
+              <a:t>entfernen</a:t>
+            </a:r>
+            <a:endParaRPr lang="en-US" dirty="0" smtClean="0"/>
+          </a:p>
+          <a:p>
+            <a:r>
+              <a:rPr lang="en-US" dirty="0" smtClean="0"/>
+              <a:t>Cluster </a:t>
+            </a:r>
+            <a:r>
+              <a:rPr lang="en-US" dirty="0" err="1" smtClean="0"/>
+              <a:t>finden</a:t>
+            </a:r>
+            <a:endParaRPr lang="en-US" dirty="0" smtClean="0"/>
+          </a:p>
+          <a:p>
+            <a:r>
+              <a:rPr lang="en-US" dirty="0" err="1" smtClean="0"/>
+              <a:t>Zusätzlich</a:t>
+            </a:r>
+            <a:r>
+              <a:rPr lang="en-US" dirty="0" smtClean="0"/>
+              <a:t>: </a:t>
+            </a:r>
+            <a:r>
+              <a:rPr lang="en-US" dirty="0" err="1" smtClean="0"/>
+              <a:t>Überprüfung</a:t>
+            </a:r>
+            <a:r>
+              <a:rPr lang="en-US" dirty="0" smtClean="0"/>
+              <a:t> des </a:t>
+            </a:r>
+            <a:r>
+              <a:rPr lang="en-US" dirty="0" err="1" smtClean="0"/>
+              <a:t>Stegs</a:t>
+            </a:r>
+            <a:endParaRPr lang="en-US" dirty="0" smtClean="0"/>
+          </a:p>
+          <a:p>
+            <a:pPr lvl="1"/>
+            <a:r>
+              <a:rPr lang="en-US" dirty="0" smtClean="0"/>
+              <a:t>Threshold</a:t>
+            </a:r>
+            <a:endParaRPr lang="en-US" dirty="0"/>
           </a:p>
         </p:txBody>
       </p:sp>
     </p:spTree>
+  </p:cSld>
+  <p:clrMapOvr>
+    <a:masterClrMapping/>
+  </p:clrMapOvr>
+</p:sld>
+</file>
+
+<file path=ppt/slides/slide12.xml><?xml version="1.0" encoding="utf-8"?>
+<p:sld xmlns:a="http://schemas.openxmlformats.org/drawingml/2006/main" xmlns:r="http://schemas.openxmlformats.org/officeDocument/2006/relationships" xmlns:p="http://schemas.openxmlformats.org/presentationml/2006/main">
+  <p:cSld>
+    <p:spTree>
+      <p:nvGrpSpPr>
+        <p:cNvPr id="1" name=""/>
+        <p:cNvGrpSpPr/>
+        <p:nvPr/>
+      </p:nvGrpSpPr>
+      <p:grpSpPr>
+        <a:xfrm>
+          <a:off x="0" y="0"/>
+          <a:ext cx="0" cy="0"/>
+          <a:chOff x="0" y="0"/>
+          <a:chExt cx="0" cy="0"/>
+        </a:xfrm>
+      </p:grpSpPr>
+      <p:sp>
+        <p:nvSpPr>
+          <p:cNvPr id="2" name="Titel 1"/>
+          <p:cNvSpPr>
+            <a:spLocks noGrp="1"/>
+          </p:cNvSpPr>
+          <p:nvPr>
+            <p:ph type="title"/>
+          </p:nvPr>
+        </p:nvSpPr>
+        <p:spPr>
+          <a:xfrm>
+            <a:off x="1600200" y="2895600"/>
+            <a:ext cx="6911975" cy="693737"/>
+          </a:xfrm>
+        </p:spPr>
+        <p:txBody>
+          <a:bodyPr/>
+          <a:lstStyle/>
+          <a:p>
+            <a:r>
+              <a:rPr lang="de-DE" sz="7200" dirty="0" smtClean="0"/>
+              <a:t>Vorführung</a:t>
+            </a:r>
+            <a:endParaRPr lang="de-DE" sz="7200" dirty="0"/>
+          </a:p>
+        </p:txBody>
+      </p:sp>
+    </p:spTree>
+    <p:extLst>
+      <p:ext uri="{BB962C8B-B14F-4D97-AF65-F5344CB8AC3E}">
+        <p14:creationId xmlns:p14="http://schemas.microsoft.com/office/powerpoint/2010/main" val="543134797"/>
+      </p:ext>
+    </p:extLst>
   </p:cSld>
   <p:clrMapOvr>
     <a:masterClrMapping/>
@@ -6060,8 +6236,13 @@
             </a:r>
             <a:r>
               <a:rPr lang="en-US" sz="2400" dirty="0" smtClean="0"/>
-              <a:t> Soft- und Hardware</a:t>
-            </a:r>
+              <a:t> </a:t>
+            </a:r>
+            <a:r>
+              <a:rPr lang="en-US" sz="2400" dirty="0" smtClean="0"/>
+              <a:t>Software</a:t>
+            </a:r>
+            <a:endParaRPr lang="en-US" sz="2400" dirty="0" smtClean="0"/>
           </a:p>
           <a:p>
             <a:r>
@@ -6090,6 +6271,13 @@
             <a:r>
               <a:rPr lang="en-US" sz="2400" dirty="0" err="1" smtClean="0"/>
               <a:t>Vorgehensweise</a:t>
+            </a:r>
+            <a:endParaRPr lang="en-US" sz="2400" dirty="0" smtClean="0"/>
+          </a:p>
+          <a:p>
+            <a:r>
+              <a:rPr lang="en-US" sz="2400" dirty="0" err="1" smtClean="0"/>
+              <a:t>Vorführung</a:t>
             </a:r>
             <a:endParaRPr lang="en-US" sz="2400" dirty="0" smtClean="0"/>
           </a:p>
@@ -6471,7 +6659,7 @@
           <a:p>
             <a:r>
               <a:rPr lang="en-US" dirty="0" smtClean="0"/>
-              <a:t>60x60x60 </a:t>
+              <a:t>60 x 60 x 60 cm </a:t>
             </a:r>
             <a:r>
               <a:rPr lang="en-US" dirty="0" err="1" smtClean="0"/>
@@ -6486,11 +6674,11 @@
             </a:r>
             <a:r>
               <a:rPr lang="en-US" dirty="0" smtClean="0"/>
-              <a:t> UI-1</a:t>
-            </a:r>
-            <a:r>
-              <a:rPr lang="en-US" dirty="0" smtClean="0"/>
-              <a:t> </a:t>
+              <a:t>: </a:t>
+            </a:r>
+            <a:r>
+              <a:rPr lang="en-US" dirty="0" smtClean="0"/>
+              <a:t>UI-1 </a:t>
             </a:r>
             <a:r>
               <a:rPr lang="en-US" dirty="0" smtClean="0"/>
@@ -6498,21 +6686,25 @@
             </a:r>
           </a:p>
           <a:p>
+            <a:pPr lvl="1"/>
+            <a:r>
+              <a:rPr lang="en-US" dirty="0" smtClean="0"/>
+              <a:t>2048 x 1536</a:t>
+            </a:r>
+            <a:endParaRPr lang="en-US" dirty="0" smtClean="0"/>
+          </a:p>
+          <a:p>
             <a:r>
               <a:rPr lang="en-US" dirty="0" err="1" smtClean="0"/>
               <a:t>Objektiv</a:t>
             </a:r>
             <a:r>
               <a:rPr lang="en-US" dirty="0" smtClean="0"/>
-              <a:t> </a:t>
-            </a:r>
-            <a:r>
-              <a:rPr lang="en-US" dirty="0" err="1" smtClean="0"/>
-              <a:t>Tamron</a:t>
-            </a:r>
-            <a:r>
-              <a:rPr lang="en-US" dirty="0" smtClean="0"/>
-              <a:t> 1:1,6 25mm</a:t>
+              <a:t>: </a:t>
+            </a:r>
+            <a:r>
+              <a:rPr lang="en-US" dirty="0" smtClean="0"/>
+              <a:t>Tamron 1:1,6 25mm</a:t>
             </a:r>
           </a:p>
           <a:p>
@@ -6605,6 +6797,47 @@
           <a:chExt cx="0" cy="0"/>
         </a:xfrm>
       </p:grpSpPr>
+      <p:pic>
+        <p:nvPicPr>
+          <p:cNvPr id="1030" name="Picture 6" descr="http://mspoweruser.com/wp-content/uploads/2016/02/rsz_visual-studio-logo-7.jpg"/>
+          <p:cNvPicPr>
+            <a:picLocks noChangeAspect="1" noChangeArrowheads="1"/>
+          </p:cNvPicPr>
+          <p:nvPr/>
+        </p:nvPicPr>
+        <p:blipFill>
+          <a:blip r:embed="rId2">
+            <a:extLst>
+              <a:ext uri="{28A0092B-C50C-407E-A947-70E740481C1C}">
+                <a14:useLocalDpi xmlns:a14="http://schemas.microsoft.com/office/drawing/2010/main" val="0"/>
+              </a:ext>
+            </a:extLst>
+          </a:blip>
+          <a:srcRect/>
+          <a:stretch>
+            <a:fillRect/>
+          </a:stretch>
+        </p:blipFill>
+        <p:spPr bwMode="auto">
+          <a:xfrm>
+            <a:off x="4572000" y="3535192"/>
+            <a:ext cx="4021137" cy="2679083"/>
+          </a:xfrm>
+          <a:prstGeom prst="rect">
+            <a:avLst/>
+          </a:prstGeom>
+          <a:noFill/>
+          <a:extLst>
+            <a:ext uri="{909E8E84-426E-40DD-AFC4-6F175D3DCCD1}">
+              <a14:hiddenFill xmlns:a14="http://schemas.microsoft.com/office/drawing/2010/main">
+                <a:solidFill>
+                  <a:srgbClr val="FFFFFF"/>
+                </a:solidFill>
+              </a14:hiddenFill>
+            </a:ext>
+          </a:extLst>
+        </p:spPr>
+      </p:pic>
       <p:sp>
         <p:nvSpPr>
           <p:cNvPr id="2" name="Titel 1"/>
@@ -6626,7 +6859,11 @@
             </a:r>
             <a:r>
               <a:rPr lang="en-US" dirty="0" smtClean="0"/>
-              <a:t> Soft- und Hardware</a:t>
+              <a:t> </a:t>
+            </a:r>
+            <a:r>
+              <a:rPr lang="en-US" dirty="0" smtClean="0"/>
+              <a:t>Software</a:t>
             </a:r>
             <a:endParaRPr lang="en-US" dirty="0"/>
           </a:p>
@@ -6687,6 +6924,129 @@
           </a:p>
         </p:txBody>
       </p:sp>
+      <p:pic>
+        <p:nvPicPr>
+          <p:cNvPr id="1026" name="Picture 2" descr="https://justonyx.files.wordpress.com/2015/03/autocad-logo.jpg"/>
+          <p:cNvPicPr>
+            <a:picLocks noChangeAspect="1" noChangeArrowheads="1"/>
+          </p:cNvPicPr>
+          <p:nvPr/>
+        </p:nvPicPr>
+        <p:blipFill>
+          <a:blip r:embed="rId3" cstate="print">
+            <a:extLst>
+              <a:ext uri="{28A0092B-C50C-407E-A947-70E740481C1C}">
+                <a14:useLocalDpi xmlns:a14="http://schemas.microsoft.com/office/drawing/2010/main" val="0"/>
+              </a:ext>
+            </a:extLst>
+          </a:blip>
+          <a:srcRect/>
+          <a:stretch>
+            <a:fillRect/>
+          </a:stretch>
+        </p:blipFill>
+        <p:spPr bwMode="auto">
+          <a:xfrm>
+            <a:off x="3026816" y="1163025"/>
+            <a:ext cx="2598242" cy="2342542"/>
+          </a:xfrm>
+          <a:prstGeom prst="rect">
+            <a:avLst/>
+          </a:prstGeom>
+          <a:noFill/>
+          <a:extLst>
+            <a:ext uri="{909E8E84-426E-40DD-AFC4-6F175D3DCCD1}">
+              <a14:hiddenFill xmlns:a14="http://schemas.microsoft.com/office/drawing/2010/main">
+                <a:solidFill>
+                  <a:srgbClr val="FFFFFF"/>
+                </a:solidFill>
+              </a14:hiddenFill>
+            </a:ext>
+          </a:extLst>
+        </p:spPr>
+      </p:pic>
+      <p:pic>
+        <p:nvPicPr>
+          <p:cNvPr id="1028" name="Picture 4" descr="https://download.blender.org/institute/logos/blender-plain.png"/>
+          <p:cNvPicPr>
+            <a:picLocks noChangeAspect="1" noChangeArrowheads="1"/>
+          </p:cNvPicPr>
+          <p:nvPr/>
+        </p:nvPicPr>
+        <p:blipFill>
+          <a:blip r:embed="rId4">
+            <a:extLst>
+              <a:ext uri="{28A0092B-C50C-407E-A947-70E740481C1C}">
+                <a14:useLocalDpi xmlns:a14="http://schemas.microsoft.com/office/drawing/2010/main" val="0"/>
+              </a:ext>
+            </a:extLst>
+          </a:blip>
+          <a:srcRect/>
+          <a:stretch>
+            <a:fillRect/>
+          </a:stretch>
+        </p:blipFill>
+        <p:spPr bwMode="auto">
+          <a:xfrm>
+            <a:off x="381000" y="4331365"/>
+            <a:ext cx="3692525" cy="1027486"/>
+          </a:xfrm>
+          <a:prstGeom prst="rect">
+            <a:avLst/>
+          </a:prstGeom>
+          <a:noFill/>
+          <a:extLst>
+            <a:ext uri="{909E8E84-426E-40DD-AFC4-6F175D3DCCD1}">
+              <a14:hiddenFill xmlns:a14="http://schemas.microsoft.com/office/drawing/2010/main">
+                <a:solidFill>
+                  <a:srgbClr val="FFFFFF"/>
+                </a:solidFill>
+              </a14:hiddenFill>
+            </a:ext>
+          </a:extLst>
+        </p:spPr>
+      </p:pic>
+      <p:pic>
+        <p:nvPicPr>
+          <p:cNvPr id="1032" name="Picture 8" descr="https://upload.wikimedia.org/wikipedia/commons/5/53/OpenCV_Logo_with_text.png"/>
+          <p:cNvPicPr>
+            <a:picLocks noChangeAspect="1" noChangeArrowheads="1"/>
+          </p:cNvPicPr>
+          <p:nvPr/>
+        </p:nvPicPr>
+        <p:blipFill>
+          <a:blip r:embed="rId5" cstate="print">
+            <a:extLst>
+              <a:ext uri="{28A0092B-C50C-407E-A947-70E740481C1C}">
+                <a14:useLocalDpi xmlns:a14="http://schemas.microsoft.com/office/drawing/2010/main" val="0"/>
+              </a:ext>
+            </a:extLst>
+          </a:blip>
+          <a:srcRect/>
+          <a:stretch>
+            <a:fillRect/>
+          </a:stretch>
+        </p:blipFill>
+        <p:spPr bwMode="auto">
+          <a:xfrm>
+            <a:off x="6324600" y="1163025"/>
+            <a:ext cx="1920779" cy="2365759"/>
+          </a:xfrm>
+          <a:prstGeom prst="rect">
+            <a:avLst/>
+          </a:prstGeom>
+          <a:noFill/>
+          <a:extLst>
+            <a:ext uri="{909E8E84-426E-40DD-AFC4-6F175D3DCCD1}">
+              <a14:hiddenFill xmlns:a14="http://schemas.microsoft.com/office/drawing/2010/main">
+                <a:solidFill>
+                  <a:srgbClr val="FFFFFF"/>
+                </a:solidFill>
+              </a14:hiddenFill>
+            </a:ext>
+          </a:extLst>
+        </p:spPr>
+      </p:pic>
     </p:spTree>
   </p:cSld>
   <p:clrMapOvr>

--- a/Praesentation/Vorlage Präsentation.pptx
+++ b/Praesentation/Vorlage Präsentation.pptx
@@ -153,7 +153,7 @@
   </p:defaultTextStyle>
   <p:extLst>
     <p:ext uri="{EFAFB233-063F-42B5-8137-9DF3F51BA10A}">
-      <p15:sldGuideLst xmlns="" xmlns:p15="http://schemas.microsoft.com/office/powerpoint/2012/main">
+      <p15:sldGuideLst xmlns:p15="http://schemas.microsoft.com/office/powerpoint/2012/main" xmlns="">
         <p15:guide id="1" orient="horz" pos="2160">
           <p15:clr>
             <a:srgbClr val="A4A3A4"/>
@@ -167,7 +167,7 @@
       </p15:sldGuideLst>
     </p:ext>
     <p:ext uri="{2D200454-40CA-4A62-9FC3-DE9A4176ACB9}">
-      <p15:notesGuideLst xmlns="" xmlns:p15="http://schemas.microsoft.com/office/powerpoint/2012/main">
+      <p15:notesGuideLst xmlns:p15="http://schemas.microsoft.com/office/powerpoint/2012/main" xmlns="">
         <p15:guide id="1" orient="horz" pos="3127">
           <p15:clr>
             <a:srgbClr val="A4A3A4"/>
@@ -1287,6 +1287,47 @@
       </p:grpSpPr>
       <p:pic>
         <p:nvPicPr>
+          <p:cNvPr id="2050" name="Picture 2" descr="C:\Users\ich\Desktop\titelbild.png"/>
+          <p:cNvPicPr>
+            <a:picLocks noChangeAspect="1" noChangeArrowheads="1"/>
+          </p:cNvPicPr>
+          <p:nvPr userDrawn="1"/>
+        </p:nvPicPr>
+        <p:blipFill>
+          <a:blip r:embed="rId2">
+            <a:extLst>
+              <a:ext uri="{28A0092B-C50C-407E-A947-70E740481C1C}">
+                <a14:useLocalDpi xmlns:a14="http://schemas.microsoft.com/office/drawing/2010/main" val="0"/>
+              </a:ext>
+            </a:extLst>
+          </a:blip>
+          <a:srcRect/>
+          <a:stretch>
+            <a:fillRect/>
+          </a:stretch>
+        </p:blipFill>
+        <p:spPr bwMode="auto">
+          <a:xfrm>
+            <a:off x="-1588" y="3429001"/>
+            <a:ext cx="9045575" cy="3429000"/>
+          </a:xfrm>
+          <a:prstGeom prst="rect">
+            <a:avLst/>
+          </a:prstGeom>
+          <a:noFill/>
+          <a:extLst>
+            <a:ext uri="{909E8E84-426E-40DD-AFC4-6F175D3DCCD1}">
+              <a14:hiddenFill xmlns:a14="http://schemas.microsoft.com/office/drawing/2010/main">
+                <a:solidFill>
+                  <a:srgbClr val="FFFFFF"/>
+                </a:solidFill>
+              </a14:hiddenFill>
+            </a:ext>
+          </a:extLst>
+        </p:spPr>
+      </p:pic>
+      <p:pic>
+        <p:nvPicPr>
           <p:cNvPr id="2" name="Picture 9" descr="II_rahmen_neu_titel"/>
           <p:cNvPicPr>
             <a:picLocks noChangeAspect="1" noChangeArrowheads="1"/>
@@ -1294,7 +1335,7 @@
           <p:nvPr/>
         </p:nvPicPr>
         <p:blipFill>
-          <a:blip r:embed="rId2">
+          <a:blip r:embed="rId3">
             <a:extLst>
               <a:ext uri="{28A0092B-C50C-407E-A947-70E740481C1C}">
                 <a14:useLocalDpi xmlns:a14="http://schemas.microsoft.com/office/drawing/2010/main" val="0"/>
@@ -1876,7 +1917,7 @@
           <p:nvPr/>
         </p:nvPicPr>
         <p:blipFill>
-          <a:blip r:embed="rId3" cstate="print">
+          <a:blip r:embed="rId4" cstate="print">
             <a:extLst>
               <a:ext uri="{28A0092B-C50C-407E-A947-70E740481C1C}">
                 <a14:useLocalDpi xmlns:a14="http://schemas.microsoft.com/office/drawing/2010/main" val="0"/>
@@ -1931,6 +1972,13 @@
   <p:clrMapOvr>
     <a:masterClrMapping/>
   </p:clrMapOvr>
+  <p:timing>
+    <p:tnLst>
+      <p:par>
+        <p:cTn id="1" dur="indefinite" restart="never" nodeType="tmRoot"/>
+      </p:par>
+    </p:tnLst>
+  </p:timing>
   <p:hf hdr="0"/>
 </p:sldLayout>
 </file>
@@ -2235,6 +2283,13 @@
   <p:clrMapOvr>
     <a:masterClrMapping/>
   </p:clrMapOvr>
+  <p:timing>
+    <p:tnLst>
+      <p:par>
+        <p:cTn id="1" dur="indefinite" restart="never" nodeType="tmRoot"/>
+      </p:par>
+    </p:tnLst>
+  </p:timing>
 </p:sldLayout>
 </file>
 
@@ -2340,6 +2395,13 @@
   <p:clrMapOvr>
     <a:masterClrMapping/>
   </p:clrMapOvr>
+  <p:timing>
+    <p:tnLst>
+      <p:par>
+        <p:cTn id="1" dur="indefinite" restart="never" nodeType="tmRoot"/>
+      </p:par>
+    </p:tnLst>
+  </p:timing>
 </p:sldLayout>
 </file>
 
@@ -2690,6 +2752,13 @@
   <p:clrMapOvr>
     <a:masterClrMapping/>
   </p:clrMapOvr>
+  <p:timing>
+    <p:tnLst>
+      <p:par>
+        <p:cTn id="1" dur="indefinite" restart="never" nodeType="tmRoot"/>
+      </p:par>
+    </p:tnLst>
+  </p:timing>
 </p:sldLayout>
 </file>
 
@@ -4433,6 +4502,13 @@
     <p:sldLayoutId id="2147485990" r:id="rId11"/>
     <p:sldLayoutId id="2147485991" r:id="rId12"/>
   </p:sldLayoutIdLst>
+  <p:timing>
+    <p:tnLst>
+      <p:par>
+        <p:cTn id="1" dur="indefinite" restart="never" nodeType="tmRoot"/>
+      </p:par>
+    </p:tnLst>
+  </p:timing>
   <p:hf hdr="0"/>
   <p:txStyles>
     <p:titleStyle>
@@ -4857,60 +4933,6 @@
           <a:chExt cx="0" cy="0"/>
         </a:xfrm>
       </p:grpSpPr>
-      <p:pic>
-        <p:nvPicPr>
-          <p:cNvPr id="3074" name="Picture 7" descr="Foto0018_IPR"/>
-          <p:cNvPicPr>
-            <a:picLocks noChangeAspect="1" noChangeArrowheads="1"/>
-          </p:cNvPicPr>
-          <p:nvPr/>
-        </p:nvPicPr>
-        <p:blipFill>
-          <a:blip r:embed="rId3">
-            <a:extLst>
-              <a:ext uri="{28A0092B-C50C-407E-A947-70E740481C1C}">
-                <a14:useLocalDpi xmlns:a14="http://schemas.microsoft.com/office/drawing/2010/main" val="0"/>
-              </a:ext>
-            </a:extLst>
-          </a:blip>
-          <a:srcRect t="15706" r="-18" b="26187"/>
-          <a:stretch>
-            <a:fillRect/>
-          </a:stretch>
-        </p:blipFill>
-        <p:spPr bwMode="auto">
-          <a:xfrm>
-            <a:off x="106363" y="3663950"/>
-            <a:ext cx="8931275" cy="2725738"/>
-          </a:xfrm>
-          <a:prstGeom prst="rect">
-            <a:avLst/>
-          </a:prstGeom>
-          <a:noFill/>
-          <a:ln>
-            <a:noFill/>
-          </a:ln>
-          <a:extLst>
-            <a:ext uri="{909E8E84-426E-40DD-AFC4-6F175D3DCCD1}">
-              <a14:hiddenFill xmlns:a14="http://schemas.microsoft.com/office/drawing/2010/main">
-                <a:solidFill>
-                  <a:srgbClr val="FFFFFF"/>
-                </a:solidFill>
-              </a14:hiddenFill>
-            </a:ext>
-            <a:ext uri="{91240B29-F687-4F45-9708-019B960494DF}">
-              <a14:hiddenLine xmlns:a14="http://schemas.microsoft.com/office/drawing/2010/main" w="9525">
-                <a:solidFill>
-                  <a:srgbClr val="000000"/>
-                </a:solidFill>
-                <a:miter lim="800000"/>
-                <a:headEnd/>
-                <a:tailEnd/>
-              </a14:hiddenLine>
-            </a:ext>
-          </a:extLst>
-        </p:spPr>
-      </p:pic>
       <p:sp>
         <p:nvSpPr>
           <p:cNvPr id="3075" name="Rectangle 6"/>
@@ -4923,7 +4945,7 @@
         </p:nvSpPr>
         <p:spPr>
           <a:xfrm>
-            <a:off x="152400" y="1658938"/>
+            <a:off x="0" y="1658938"/>
             <a:ext cx="8839200" cy="703262"/>
           </a:xfrm>
         </p:spPr>
@@ -4995,7 +5017,7 @@
                 <a:spcPct val="20000"/>
               </a:spcBef>
               <a:buBlip>
-                <a:blip r:embed="rId4"/>
+                <a:blip r:embed="rId3"/>
               </a:buBlip>
               <a:defRPr sz="2000">
                 <a:solidFill>
@@ -5009,7 +5031,7 @@
                 <a:spcPct val="20000"/>
               </a:spcBef>
               <a:buBlip>
-                <a:blip r:embed="rId5"/>
+                <a:blip r:embed="rId4"/>
               </a:buBlip>
               <a:defRPr>
                 <a:solidFill>
@@ -5023,7 +5045,7 @@
                 <a:spcPct val="20000"/>
               </a:spcBef>
               <a:buBlip>
-                <a:blip r:embed="rId6"/>
+                <a:blip r:embed="rId5"/>
               </a:buBlip>
               <a:defRPr sz="1600">
                 <a:solidFill>
@@ -5037,7 +5059,7 @@
                 <a:spcPct val="20000"/>
               </a:spcBef>
               <a:buBlip>
-                <a:blip r:embed="rId6"/>
+                <a:blip r:embed="rId5"/>
               </a:buBlip>
               <a:defRPr sz="1600">
                 <a:solidFill>
@@ -5051,7 +5073,7 @@
                 <a:spcPct val="20000"/>
               </a:spcBef>
               <a:buBlip>
-                <a:blip r:embed="rId6"/>
+                <a:blip r:embed="rId5"/>
               </a:buBlip>
               <a:defRPr sz="1600">
                 <a:solidFill>
@@ -5068,7 +5090,7 @@
                 <a:spcPct val="0"/>
               </a:spcAft>
               <a:buBlip>
-                <a:blip r:embed="rId6"/>
+                <a:blip r:embed="rId5"/>
               </a:buBlip>
               <a:defRPr sz="1600">
                 <a:solidFill>
@@ -5085,7 +5107,7 @@
                 <a:spcPct val="0"/>
               </a:spcAft>
               <a:buBlip>
-                <a:blip r:embed="rId6"/>
+                <a:blip r:embed="rId5"/>
               </a:buBlip>
               <a:defRPr sz="1600">
                 <a:solidFill>
@@ -5102,7 +5124,7 @@
                 <a:spcPct val="0"/>
               </a:spcAft>
               <a:buBlip>
-                <a:blip r:embed="rId6"/>
+                <a:blip r:embed="rId5"/>
               </a:buBlip>
               <a:defRPr sz="1600">
                 <a:solidFill>
@@ -5119,7 +5141,7 @@
                 <a:spcPct val="0"/>
               </a:spcAft>
               <a:buBlip>
-                <a:blip r:embed="rId6"/>
+                <a:blip r:embed="rId5"/>
               </a:buBlip>
               <a:defRPr sz="1600">
                 <a:solidFill>
@@ -5196,7 +5218,7 @@
                 <a:spcPct val="20000"/>
               </a:spcBef>
               <a:buBlip>
-                <a:blip r:embed="rId4"/>
+                <a:blip r:embed="rId3"/>
               </a:buBlip>
               <a:defRPr sz="2000">
                 <a:solidFill>
@@ -5210,7 +5232,7 @@
                 <a:spcPct val="20000"/>
               </a:spcBef>
               <a:buBlip>
-                <a:blip r:embed="rId5"/>
+                <a:blip r:embed="rId4"/>
               </a:buBlip>
               <a:defRPr>
                 <a:solidFill>
@@ -5224,7 +5246,7 @@
                 <a:spcPct val="20000"/>
               </a:spcBef>
               <a:buBlip>
-                <a:blip r:embed="rId6"/>
+                <a:blip r:embed="rId5"/>
               </a:buBlip>
               <a:defRPr sz="1600">
                 <a:solidFill>
@@ -5238,7 +5260,7 @@
                 <a:spcPct val="20000"/>
               </a:spcBef>
               <a:buBlip>
-                <a:blip r:embed="rId6"/>
+                <a:blip r:embed="rId5"/>
               </a:buBlip>
               <a:defRPr sz="1600">
                 <a:solidFill>
@@ -5252,7 +5274,7 @@
                 <a:spcPct val="20000"/>
               </a:spcBef>
               <a:buBlip>
-                <a:blip r:embed="rId6"/>
+                <a:blip r:embed="rId5"/>
               </a:buBlip>
               <a:defRPr sz="1600">
                 <a:solidFill>
@@ -5269,7 +5291,7 @@
                 <a:spcPct val="0"/>
               </a:spcAft>
               <a:buBlip>
-                <a:blip r:embed="rId6"/>
+                <a:blip r:embed="rId5"/>
               </a:buBlip>
               <a:defRPr sz="1600">
                 <a:solidFill>
@@ -5286,7 +5308,7 @@
                 <a:spcPct val="0"/>
               </a:spcAft>
               <a:buBlip>
-                <a:blip r:embed="rId6"/>
+                <a:blip r:embed="rId5"/>
               </a:buBlip>
               <a:defRPr sz="1600">
                 <a:solidFill>
@@ -5303,7 +5325,7 @@
                 <a:spcPct val="0"/>
               </a:spcAft>
               <a:buBlip>
-                <a:blip r:embed="rId6"/>
+                <a:blip r:embed="rId5"/>
               </a:buBlip>
               <a:defRPr sz="1600">
                 <a:solidFill>
@@ -5320,7 +5342,7 @@
                 <a:spcPct val="0"/>
               </a:spcAft>
               <a:buBlip>
-                <a:blip r:embed="rId6"/>
+                <a:blip r:embed="rId5"/>
               </a:buBlip>
               <a:defRPr sz="1600">
                 <a:solidFill>
@@ -5397,7 +5419,7 @@
                 <a:spcPct val="20000"/>
               </a:spcBef>
               <a:buBlip>
-                <a:blip r:embed="rId4"/>
+                <a:blip r:embed="rId3"/>
               </a:buBlip>
               <a:defRPr sz="2000">
                 <a:solidFill>
@@ -5411,7 +5433,7 @@
                 <a:spcPct val="20000"/>
               </a:spcBef>
               <a:buBlip>
-                <a:blip r:embed="rId5"/>
+                <a:blip r:embed="rId4"/>
               </a:buBlip>
               <a:defRPr>
                 <a:solidFill>
@@ -5425,7 +5447,7 @@
                 <a:spcPct val="20000"/>
               </a:spcBef>
               <a:buBlip>
-                <a:blip r:embed="rId6"/>
+                <a:blip r:embed="rId5"/>
               </a:buBlip>
               <a:defRPr sz="1600">
                 <a:solidFill>
@@ -5439,7 +5461,7 @@
                 <a:spcPct val="20000"/>
               </a:spcBef>
               <a:buBlip>
-                <a:blip r:embed="rId6"/>
+                <a:blip r:embed="rId5"/>
               </a:buBlip>
               <a:defRPr sz="1600">
                 <a:solidFill>
@@ -5453,7 +5475,7 @@
                 <a:spcPct val="20000"/>
               </a:spcBef>
               <a:buBlip>
-                <a:blip r:embed="rId6"/>
+                <a:blip r:embed="rId5"/>
               </a:buBlip>
               <a:defRPr sz="1600">
                 <a:solidFill>
@@ -5470,7 +5492,7 @@
                 <a:spcPct val="0"/>
               </a:spcAft>
               <a:buBlip>
-                <a:blip r:embed="rId6"/>
+                <a:blip r:embed="rId5"/>
               </a:buBlip>
               <a:defRPr sz="1600">
                 <a:solidFill>
@@ -5487,7 +5509,7 @@
                 <a:spcPct val="0"/>
               </a:spcAft>
               <a:buBlip>
-                <a:blip r:embed="rId6"/>
+                <a:blip r:embed="rId5"/>
               </a:buBlip>
               <a:defRPr sz="1600">
                 <a:solidFill>
@@ -5504,7 +5526,7 @@
                 <a:spcPct val="0"/>
               </a:spcAft>
               <a:buBlip>
-                <a:blip r:embed="rId6"/>
+                <a:blip r:embed="rId5"/>
               </a:buBlip>
               <a:defRPr sz="1600">
                 <a:solidFill>
@@ -5521,7 +5543,7 @@
                 <a:spcPct val="0"/>
               </a:spcAft>
               <a:buBlip>
-                <a:blip r:embed="rId6"/>
+                <a:blip r:embed="rId5"/>
               </a:buBlip>
               <a:defRPr sz="1600">
                 <a:solidFill>
@@ -5598,7 +5620,7 @@
                 <a:spcPct val="20000"/>
               </a:spcBef>
               <a:buBlip>
-                <a:blip r:embed="rId4"/>
+                <a:blip r:embed="rId3"/>
               </a:buBlip>
               <a:defRPr sz="2000">
                 <a:solidFill>
@@ -5612,7 +5634,7 @@
                 <a:spcPct val="20000"/>
               </a:spcBef>
               <a:buBlip>
-                <a:blip r:embed="rId5"/>
+                <a:blip r:embed="rId4"/>
               </a:buBlip>
               <a:defRPr>
                 <a:solidFill>
@@ -5626,7 +5648,7 @@
                 <a:spcPct val="20000"/>
               </a:spcBef>
               <a:buBlip>
-                <a:blip r:embed="rId6"/>
+                <a:blip r:embed="rId5"/>
               </a:buBlip>
               <a:defRPr sz="1600">
                 <a:solidFill>
@@ -5640,7 +5662,7 @@
                 <a:spcPct val="20000"/>
               </a:spcBef>
               <a:buBlip>
-                <a:blip r:embed="rId6"/>
+                <a:blip r:embed="rId5"/>
               </a:buBlip>
               <a:defRPr sz="1600">
                 <a:solidFill>
@@ -5654,7 +5676,7 @@
                 <a:spcPct val="20000"/>
               </a:spcBef>
               <a:buBlip>
-                <a:blip r:embed="rId6"/>
+                <a:blip r:embed="rId5"/>
               </a:buBlip>
               <a:defRPr sz="1600">
                 <a:solidFill>
@@ -5671,7 +5693,7 @@
                 <a:spcPct val="0"/>
               </a:spcAft>
               <a:buBlip>
-                <a:blip r:embed="rId6"/>
+                <a:blip r:embed="rId5"/>
               </a:buBlip>
               <a:defRPr sz="1600">
                 <a:solidFill>
@@ -5688,7 +5710,7 @@
                 <a:spcPct val="0"/>
               </a:spcAft>
               <a:buBlip>
-                <a:blip r:embed="rId6"/>
+                <a:blip r:embed="rId5"/>
               </a:buBlip>
               <a:defRPr sz="1600">
                 <a:solidFill>
@@ -5705,7 +5727,7 @@
                 <a:spcPct val="0"/>
               </a:spcAft>
               <a:buBlip>
-                <a:blip r:embed="rId6"/>
+                <a:blip r:embed="rId5"/>
               </a:buBlip>
               <a:defRPr sz="1600">
                 <a:solidFill>
@@ -5722,7 +5744,7 @@
                 <a:spcPct val="0"/>
               </a:spcAft>
               <a:buBlip>
-                <a:blip r:embed="rId6"/>
+                <a:blip r:embed="rId5"/>
               </a:buBlip>
               <a:defRPr sz="1600">
                 <a:solidFill>
@@ -5751,60 +5773,6 @@
           </a:p>
         </p:txBody>
       </p:sp>
-      <p:pic>
-        <p:nvPicPr>
-          <p:cNvPr id="3085" name="Picture 16" descr="Downloads: 697"/>
-          <p:cNvPicPr>
-            <a:picLocks noChangeAspect="1" noChangeArrowheads="1" noCrop="1"/>
-          </p:cNvPicPr>
-          <p:nvPr/>
-        </p:nvPicPr>
-        <p:blipFill>
-          <a:blip r:embed="rId7">
-            <a:extLst>
-              <a:ext uri="{28A0092B-C50C-407E-A947-70E740481C1C}">
-                <a14:useLocalDpi xmlns:a14="http://schemas.microsoft.com/office/drawing/2010/main" val="0"/>
-              </a:ext>
-            </a:extLst>
-          </a:blip>
-          <a:srcRect/>
-          <a:stretch>
-            <a:fillRect/>
-          </a:stretch>
-        </p:blipFill>
-        <p:spPr bwMode="auto">
-          <a:xfrm>
-            <a:off x="5127625" y="3598863"/>
-            <a:ext cx="3209925" cy="485775"/>
-          </a:xfrm>
-          <a:prstGeom prst="rect">
-            <a:avLst/>
-          </a:prstGeom>
-          <a:noFill/>
-          <a:ln>
-            <a:noFill/>
-          </a:ln>
-          <a:extLst>
-            <a:ext uri="{909E8E84-426E-40DD-AFC4-6F175D3DCCD1}">
-              <a14:hiddenFill xmlns:a14="http://schemas.microsoft.com/office/drawing/2010/main">
-                <a:solidFill>
-                  <a:srgbClr val="FFFFFF"/>
-                </a:solidFill>
-              </a14:hiddenFill>
-            </a:ext>
-            <a:ext uri="{91240B29-F687-4F45-9708-019B960494DF}">
-              <a14:hiddenLine xmlns:a14="http://schemas.microsoft.com/office/drawing/2010/main" w="9525">
-                <a:solidFill>
-                  <a:srgbClr val="000000"/>
-                </a:solidFill>
-                <a:miter lim="800000"/>
-                <a:headEnd/>
-                <a:tailEnd/>
-              </a14:hiddenLine>
-            </a:ext>
-          </a:extLst>
-        </p:spPr>
-      </p:pic>
     </p:spTree>
   </p:cSld>
   <p:clrMapOvr>
@@ -6092,6 +6060,13 @@
   <p:clrMapOvr>
     <a:masterClrMapping/>
   </p:clrMapOvr>
+  <p:timing>
+    <p:tnLst>
+      <p:par>
+        <p:cTn id="1" dur="indefinite" restart="never" nodeType="tmRoot"/>
+      </p:par>
+    </p:tnLst>
+  </p:timing>
 </p:sld>
 </file>
 
@@ -6124,7 +6099,7 @@
         </p:nvSpPr>
         <p:spPr>
           <a:xfrm>
-            <a:off x="1600200" y="2895600"/>
+            <a:off x="1905000" y="2895600"/>
             <a:ext cx="6911975" cy="693737"/>
           </a:xfrm>
         </p:spPr>
@@ -6133,10 +6108,10 @@
           <a:lstStyle/>
           <a:p>
             <a:r>
-              <a:rPr lang="de-DE" sz="7200" dirty="0" smtClean="0"/>
+              <a:rPr lang="de-DE" sz="6000" dirty="0" smtClean="0"/>
               <a:t>Vorführung</a:t>
             </a:r>
-            <a:endParaRPr lang="de-DE" sz="7200" dirty="0"/>
+            <a:endParaRPr lang="de-DE" sz="6000" dirty="0"/>
           </a:p>
         </p:txBody>
       </p:sp>
@@ -6150,6 +6125,13 @@
   <p:clrMapOvr>
     <a:masterClrMapping/>
   </p:clrMapOvr>
+  <p:timing>
+    <p:tnLst>
+      <p:par>
+        <p:cTn id="1" dur="indefinite" restart="never" nodeType="tmRoot"/>
+      </p:par>
+    </p:tnLst>
+  </p:timing>
 </p:sld>
 </file>
 
@@ -6236,13 +6218,8 @@
             </a:r>
             <a:r>
               <a:rPr lang="en-US" sz="2400" dirty="0" smtClean="0"/>
-              <a:t> </a:t>
-            </a:r>
-            <a:r>
-              <a:rPr lang="en-US" sz="2400" dirty="0" smtClean="0"/>
-              <a:t>Software</a:t>
-            </a:r>
-            <a:endParaRPr lang="en-US" sz="2400" dirty="0" smtClean="0"/>
+              <a:t> Software</a:t>
+            </a:r>
           </a:p>
           <a:p>
             <a:r>
@@ -6599,6 +6576,13 @@
   <p:clrMapOvr>
     <a:masterClrMapping/>
   </p:clrMapOvr>
+  <p:timing>
+    <p:tnLst>
+      <p:par>
+        <p:cTn id="1" dur="indefinite" restart="never" nodeType="tmRoot"/>
+      </p:par>
+    </p:tnLst>
+  </p:timing>
 </p:sld>
 </file>
 
@@ -6674,15 +6658,7 @@
             </a:r>
             <a:r>
               <a:rPr lang="en-US" dirty="0" smtClean="0"/>
-              <a:t>: </a:t>
-            </a:r>
-            <a:r>
-              <a:rPr lang="en-US" dirty="0" smtClean="0"/>
-              <a:t>UI-1 </a:t>
-            </a:r>
-            <a:r>
-              <a:rPr lang="en-US" dirty="0" smtClean="0"/>
-              <a:t>460SE-C-HQ</a:t>
+              <a:t>: UI-1 460SE-C-HQ</a:t>
             </a:r>
           </a:p>
           <a:p>
@@ -6691,7 +6667,6 @@
               <a:rPr lang="en-US" dirty="0" smtClean="0"/>
               <a:t>2048 x 1536</a:t>
             </a:r>
-            <a:endParaRPr lang="en-US" dirty="0" smtClean="0"/>
           </a:p>
           <a:p>
             <a:r>
@@ -6700,11 +6675,7 @@
             </a:r>
             <a:r>
               <a:rPr lang="en-US" dirty="0" smtClean="0"/>
-              <a:t>: </a:t>
-            </a:r>
-            <a:r>
-              <a:rPr lang="en-US" dirty="0" smtClean="0"/>
-              <a:t>Tamron 1:1,6 25mm</a:t>
+              <a:t>: Tamron 1:1,6 25mm</a:t>
             </a:r>
           </a:p>
           <a:p>
@@ -6777,6 +6748,13 @@
   <p:clrMapOvr>
     <a:masterClrMapping/>
   </p:clrMapOvr>
+  <p:timing>
+    <p:tnLst>
+      <p:par>
+        <p:cTn id="1" dur="indefinite" restart="never" nodeType="tmRoot"/>
+      </p:par>
+    </p:tnLst>
+  </p:timing>
 </p:sld>
 </file>
 
@@ -6859,11 +6837,7 @@
             </a:r>
             <a:r>
               <a:rPr lang="en-US" dirty="0" smtClean="0"/>
-              <a:t> </a:t>
-            </a:r>
-            <a:r>
-              <a:rPr lang="en-US" dirty="0" smtClean="0"/>
-              <a:t>Software</a:t>
+              <a:t> Software</a:t>
             </a:r>
             <a:endParaRPr lang="en-US" dirty="0"/>
           </a:p>
@@ -7052,6 +7026,13 @@
   <p:clrMapOvr>
     <a:masterClrMapping/>
   </p:clrMapOvr>
+  <p:timing>
+    <p:tnLst>
+      <p:par>
+        <p:cTn id="1" dur="indefinite" restart="never" nodeType="tmRoot"/>
+      </p:par>
+    </p:tnLst>
+  </p:timing>
 </p:sld>
 </file>
 
@@ -7234,6 +7215,13 @@
   <p:clrMapOvr>
     <a:masterClrMapping/>
   </p:clrMapOvr>
+  <p:timing>
+    <p:tnLst>
+      <p:par>
+        <p:cTn id="1" dur="indefinite" restart="never" nodeType="tmRoot"/>
+      </p:par>
+    </p:tnLst>
+  </p:timing>
 </p:sld>
 </file>
 
@@ -7325,6 +7313,13 @@
   <p:clrMapOvr>
     <a:masterClrMapping/>
   </p:clrMapOvr>
+  <p:timing>
+    <p:tnLst>
+      <p:par>
+        <p:cTn id="1" dur="indefinite" restart="never" nodeType="tmRoot"/>
+      </p:par>
+    </p:tnLst>
+  </p:timing>
 </p:sld>
 </file>
 
@@ -7396,6 +7391,13 @@
   <p:clrMapOvr>
     <a:masterClrMapping/>
   </p:clrMapOvr>
+  <p:timing>
+    <p:tnLst>
+      <p:par>
+        <p:cTn id="1" dur="indefinite" restart="never" nodeType="tmRoot"/>
+      </p:par>
+    </p:tnLst>
+  </p:timing>
 </p:sld>
 </file>
 
@@ -7880,6 +7882,13 @@
   <p:clrMapOvr>
     <a:masterClrMapping/>
   </p:clrMapOvr>
+  <p:timing>
+    <p:tnLst>
+      <p:par>
+        <p:cTn id="1" dur="indefinite" restart="never" nodeType="tmRoot"/>
+      </p:par>
+    </p:tnLst>
+  </p:timing>
 </p:sld>
 </file>
 

--- a/Praesentation/Vorlage Präsentation.pptx
+++ b/Praesentation/Vorlage Präsentation.pptx
@@ -5,10 +5,10 @@
     <p:sldMasterId id="2147483648" r:id="rId1"/>
   </p:sldMasterIdLst>
   <p:notesMasterIdLst>
-    <p:notesMasterId r:id="rId14"/>
+    <p:notesMasterId r:id="rId19"/>
   </p:notesMasterIdLst>
   <p:handoutMasterIdLst>
-    <p:handoutMasterId r:id="rId15"/>
+    <p:handoutMasterId r:id="rId20"/>
   </p:handoutMasterIdLst>
   <p:sldIdLst>
     <p:sldId id="589" r:id="rId2"/>
@@ -18,11 +18,16 @@
     <p:sldId id="594" r:id="rId6"/>
     <p:sldId id="595" r:id="rId7"/>
     <p:sldId id="596" r:id="rId8"/>
-    <p:sldId id="597" r:id="rId9"/>
-    <p:sldId id="598" r:id="rId10"/>
-    <p:sldId id="599" r:id="rId11"/>
-    <p:sldId id="600" r:id="rId12"/>
-    <p:sldId id="601" r:id="rId13"/>
+    <p:sldId id="602" r:id="rId9"/>
+    <p:sldId id="603" r:id="rId10"/>
+    <p:sldId id="597" r:id="rId11"/>
+    <p:sldId id="604" r:id="rId12"/>
+    <p:sldId id="598" r:id="rId13"/>
+    <p:sldId id="605" r:id="rId14"/>
+    <p:sldId id="599" r:id="rId15"/>
+    <p:sldId id="606" r:id="rId16"/>
+    <p:sldId id="600" r:id="rId17"/>
+    <p:sldId id="601" r:id="rId18"/>
   </p:sldIdLst>
   <p:sldSz cx="9144000" cy="6858000" type="screen4x3"/>
   <p:notesSz cx="6797675" cy="9928225"/>
@@ -153,7 +158,7 @@
   </p:defaultTextStyle>
   <p:extLst>
     <p:ext uri="{EFAFB233-063F-42B5-8137-9DF3F51BA10A}">
-      <p15:sldGuideLst xmlns:p15="http://schemas.microsoft.com/office/powerpoint/2012/main" xmlns="">
+      <p15:sldGuideLst xmlns:p15="http://schemas.microsoft.com/office/powerpoint/2012/main">
         <p15:guide id="1" orient="horz" pos="2160">
           <p15:clr>
             <a:srgbClr val="A4A3A4"/>
@@ -167,7 +172,7 @@
       </p15:sldGuideLst>
     </p:ext>
     <p:ext uri="{2D200454-40CA-4A62-9FC3-DE9A4176ACB9}">
-      <p15:notesGuideLst xmlns:p15="http://schemas.microsoft.com/office/powerpoint/2012/main" xmlns="">
+      <p15:notesGuideLst xmlns:p15="http://schemas.microsoft.com/office/powerpoint/2012/main">
         <p15:guide id="1" orient="horz" pos="3127">
           <p15:clr>
             <a:srgbClr val="A4A3A4"/>
@@ -1715,25 +1720,7 @@
                 </a:solidFill>
                 <a:cs typeface="+mn-cs"/>
               </a:rPr>
-              <a:t>Institut für </a:t>
-            </a:r>
-            <a:r>
-              <a:rPr lang="de-DE" sz="1400" b="0" dirty="0" err="1" smtClean="0">
-                <a:solidFill>
-                  <a:schemeClr val="bg1"/>
-                </a:solidFill>
-                <a:cs typeface="+mn-cs"/>
-              </a:rPr>
-              <a:t>Anthropomatik</a:t>
-            </a:r>
-            <a:r>
-              <a:rPr lang="de-DE" sz="1400" b="0" dirty="0" smtClean="0">
-                <a:solidFill>
-                  <a:schemeClr val="bg1"/>
-                </a:solidFill>
-                <a:cs typeface="+mn-cs"/>
-              </a:rPr>
-              <a:t> und Robotik (IAR) - Intelligente Prozessautomation und Robotik (IPR)</a:t>
+              <a:t>Institut für Anthropomatik und Robotik (IAR) - Intelligente Prozessautomation und Robotik (IPR)</a:t>
             </a:r>
           </a:p>
         </p:txBody>
@@ -2529,6 +2516,13 @@
   <p:clrMapOvr>
     <a:masterClrMapping/>
   </p:clrMapOvr>
+  <p:timing>
+    <p:tnLst>
+      <p:par>
+        <p:cTn id="1" dur="indefinite" restart="never" nodeType="tmRoot"/>
+      </p:par>
+    </p:tnLst>
+  </p:timing>
 </p:sldLayout>
 </file>
 
@@ -3181,6 +3175,13 @@
   <p:clrMapOvr>
     <a:masterClrMapping/>
   </p:clrMapOvr>
+  <p:timing>
+    <p:tnLst>
+      <p:par>
+        <p:cTn id="1" dur="indefinite" restart="never" nodeType="tmRoot"/>
+      </p:par>
+    </p:tnLst>
+  </p:timing>
 </p:sldLayout>
 </file>
 
@@ -4014,25 +4015,7 @@
                 </a:solidFill>
                 <a:cs typeface="+mn-cs"/>
               </a:rPr>
-              <a:t>Institut für </a:t>
-            </a:r>
-            <a:r>
-              <a:rPr lang="de-DE" sz="900" b="0" dirty="0" err="1" smtClean="0">
-                <a:solidFill>
-                  <a:schemeClr val="tx1"/>
-                </a:solidFill>
-                <a:cs typeface="+mn-cs"/>
-              </a:rPr>
-              <a:t>Anthropomatik</a:t>
-            </a:r>
-            <a:r>
-              <a:rPr lang="de-DE" sz="900" b="0" dirty="0" smtClean="0">
-                <a:solidFill>
-                  <a:schemeClr val="tx1"/>
-                </a:solidFill>
-                <a:cs typeface="+mn-cs"/>
-              </a:rPr>
-              <a:t> und Robotik (IAR) -</a:t>
+              <a:t>Institut für Anthropomatik und Robotik (IAR) -</a:t>
             </a:r>
           </a:p>
           <a:p>
@@ -4462,26 +4445,50 @@
                 </a:solidFill>
                 <a:cs typeface="+mn-cs"/>
               </a:rPr>
-              <a:t>	Prof. Heinz </a:t>
-            </a:r>
-            <a:r>
-              <a:rPr lang="de-DE" altLang="de-DE" sz="900" b="0" dirty="0" err="1" smtClean="0">
+              <a:t>	</a:t>
+            </a:r>
+            <a:r>
+              <a:rPr lang="de-DE" altLang="de-DE" sz="900" b="0" dirty="0" smtClean="0">
                 <a:solidFill>
                   <a:schemeClr val="tx1"/>
                 </a:solidFill>
                 <a:cs typeface="+mn-cs"/>
               </a:rPr>
-              <a:t>Wörn</a:t>
-            </a:r>
-            <a:r>
-              <a:rPr lang="de-DE" altLang="de-DE" sz="900" b="0" dirty="0" smtClean="0">
+              <a:t> Christoph Jost, Marcus </a:t>
+            </a:r>
+            <a:r>
+              <a:rPr lang="de-DE" altLang="de-DE" sz="900" b="0" dirty="0" err="1" smtClean="0">
                 <a:solidFill>
                   <a:schemeClr val="tx1"/>
                 </a:solidFill>
                 <a:cs typeface="+mn-cs"/>
               </a:rPr>
-              <a:t>, Prof. Björn Hein - Jahrespräsentation 2015</a:t>
-            </a:r>
+              <a:t>Conzelmann</a:t>
+            </a:r>
+            <a:r>
+              <a:rPr lang="de-DE" altLang="de-DE" sz="900" b="0" dirty="0" smtClean="0">
+                <a:solidFill>
+                  <a:schemeClr val="tx1"/>
+                </a:solidFill>
+                <a:cs typeface="+mn-cs"/>
+              </a:rPr>
+              <a:t>,</a:t>
+            </a:r>
+            <a:r>
+              <a:rPr lang="de-DE" altLang="de-DE" sz="900" b="0" baseline="0" dirty="0" smtClean="0">
+                <a:solidFill>
+                  <a:schemeClr val="tx1"/>
+                </a:solidFill>
+                <a:cs typeface="+mn-cs"/>
+              </a:rPr>
+              <a:t> Patrick Petersen</a:t>
+            </a:r>
+            <a:endParaRPr lang="de-DE" altLang="de-DE" sz="900" b="0" dirty="0" smtClean="0">
+              <a:solidFill>
+                <a:schemeClr val="tx1"/>
+              </a:solidFill>
+              <a:cs typeface="+mn-cs"/>
+            </a:endParaRPr>
           </a:p>
         </p:txBody>
       </p:sp>
@@ -4959,7 +4966,15 @@
                   <a:srgbClr val="006666"/>
                 </a:solidFill>
               </a:rPr>
-              <a:t>Praktikum Robotik und Automation I</a:t>
+              <a:t>Projektpraktikum </a:t>
+            </a:r>
+            <a:r>
+              <a:rPr lang="de-DE" altLang="de-DE" sz="3200" dirty="0">
+                <a:solidFill>
+                  <a:srgbClr val="006666"/>
+                </a:solidFill>
+              </a:rPr>
+              <a:t>Robotik und Automation I </a:t>
             </a:r>
             <a:endParaRPr lang="de-DE" altLang="de-DE" sz="2400" dirty="0" smtClean="0">
               <a:solidFill>
@@ -5821,26 +5836,10 @@
           <a:lstStyle/>
           <a:p>
             <a:r>
-              <a:rPr lang="en-US" dirty="0" err="1" smtClean="0"/>
-              <a:t>Prüfen</a:t>
-            </a:r>
-            <a:r>
-              <a:rPr lang="en-US" dirty="0" smtClean="0"/>
-              <a:t> </a:t>
-            </a:r>
-            <a:r>
-              <a:rPr lang="en-US" dirty="0" err="1" smtClean="0"/>
-              <a:t>der</a:t>
-            </a:r>
-            <a:r>
-              <a:rPr lang="en-US" dirty="0" smtClean="0"/>
-              <a:t> </a:t>
-            </a:r>
-            <a:r>
-              <a:rPr lang="en-US" dirty="0" err="1" smtClean="0"/>
-              <a:t>Bohrungen</a:t>
-            </a:r>
-            <a:endParaRPr lang="en-US" dirty="0"/>
+              <a:rPr lang="de-DE" dirty="0" smtClean="0"/>
+              <a:t>Kalibrierung</a:t>
+            </a:r>
+            <a:endParaRPr lang="de-DE" dirty="0"/>
           </a:p>
         </p:txBody>
       </p:sp>
@@ -5859,7 +5858,11 @@
           <a:bodyPr/>
           <a:lstStyle/>
           <a:p>
-            <a:endParaRPr lang="en-US"/>
+            <a:r>
+              <a:rPr lang="de-DE" dirty="0" err="1" smtClean="0"/>
+              <a:t>aaaa</a:t>
+            </a:r>
+            <a:endParaRPr lang="de-DE" dirty="0"/>
           </a:p>
         </p:txBody>
       </p:sp>
@@ -5868,6 +5871,13 @@
   <p:clrMapOvr>
     <a:masterClrMapping/>
   </p:clrMapOvr>
+  <p:timing>
+    <p:tnLst>
+      <p:par>
+        <p:cTn id="1" dur="indefinite" restart="never" nodeType="tmRoot"/>
+      </p:par>
+    </p:tnLst>
+  </p:timing>
 </p:sld>
 </file>
 
@@ -5904,18 +5914,412 @@
           <a:lstStyle/>
           <a:p>
             <a:r>
-              <a:rPr lang="en-US" dirty="0" err="1" smtClean="0"/>
-              <a:t>Prüfen</a:t>
-            </a:r>
-            <a:r>
-              <a:rPr lang="en-US" dirty="0" smtClean="0"/>
-              <a:t> auf </a:t>
-            </a:r>
-            <a:r>
-              <a:rPr lang="en-US" dirty="0" err="1" smtClean="0"/>
-              <a:t>Beschädigungen</a:t>
-            </a:r>
-            <a:endParaRPr lang="en-US" dirty="0"/>
+              <a:rPr lang="de-DE" dirty="0" smtClean="0"/>
+              <a:t>Programm-Ablauf</a:t>
+            </a:r>
+            <a:endParaRPr lang="de-DE" dirty="0"/>
+          </a:p>
+        </p:txBody>
+      </p:sp>
+      <p:sp>
+        <p:nvSpPr>
+          <p:cNvPr id="4" name="Flussdiagramm: Alternativer Prozess 3"/>
+          <p:cNvSpPr/>
+          <p:nvPr/>
+        </p:nvSpPr>
+        <p:spPr>
+          <a:xfrm>
+            <a:off x="2971800" y="1040600"/>
+            <a:ext cx="2743200" cy="612648"/>
+          </a:xfrm>
+          <a:prstGeom prst="flowChartAlternateProcess">
+            <a:avLst/>
+          </a:prstGeom>
+          <a:solidFill>
+            <a:schemeClr val="accent1">
+              <a:alpha val="25000"/>
+            </a:schemeClr>
+          </a:solidFill>
+          <a:ln>
+            <a:solidFill>
+              <a:schemeClr val="accent1">
+                <a:shade val="50000"/>
+                <a:alpha val="25000"/>
+              </a:schemeClr>
+            </a:solidFill>
+          </a:ln>
+        </p:spPr>
+        <p:style>
+          <a:lnRef idx="2">
+            <a:schemeClr val="accent1">
+              <a:shade val="50000"/>
+            </a:schemeClr>
+          </a:lnRef>
+          <a:fillRef idx="1">
+            <a:schemeClr val="accent1"/>
+          </a:fillRef>
+          <a:effectRef idx="0">
+            <a:schemeClr val="accent1"/>
+          </a:effectRef>
+          <a:fontRef idx="minor">
+            <a:schemeClr val="lt1"/>
+          </a:fontRef>
+        </p:style>
+        <p:txBody>
+          <a:bodyPr rtlCol="0" anchor="ctr"/>
+          <a:lstStyle/>
+          <a:p>
+            <a:pPr algn="ctr"/>
+            <a:r>
+              <a:rPr lang="de-DE" dirty="0" smtClean="0"/>
+              <a:t>Kalibrierung</a:t>
+            </a:r>
+            <a:endParaRPr lang="de-DE" dirty="0"/>
+          </a:p>
+        </p:txBody>
+      </p:sp>
+      <p:sp>
+        <p:nvSpPr>
+          <p:cNvPr id="5" name="Flussdiagramm: Alternativer Prozess 4"/>
+          <p:cNvSpPr/>
+          <p:nvPr/>
+        </p:nvSpPr>
+        <p:spPr>
+          <a:xfrm>
+            <a:off x="2971800" y="2397744"/>
+            <a:ext cx="2743200" cy="612648"/>
+          </a:xfrm>
+          <a:prstGeom prst="flowChartAlternateProcess">
+            <a:avLst/>
+          </a:prstGeom>
+          <a:solidFill>
+            <a:schemeClr val="accent1"/>
+          </a:solidFill>
+          <a:ln>
+            <a:solidFill>
+              <a:schemeClr val="accent1"/>
+            </a:solidFill>
+          </a:ln>
+        </p:spPr>
+        <p:style>
+          <a:lnRef idx="2">
+            <a:schemeClr val="accent1">
+              <a:shade val="50000"/>
+            </a:schemeClr>
+          </a:lnRef>
+          <a:fillRef idx="1">
+            <a:schemeClr val="accent1"/>
+          </a:fillRef>
+          <a:effectRef idx="0">
+            <a:schemeClr val="accent1"/>
+          </a:effectRef>
+          <a:fontRef idx="minor">
+            <a:schemeClr val="lt1"/>
+          </a:fontRef>
+        </p:style>
+        <p:txBody>
+          <a:bodyPr rtlCol="0" anchor="ctr"/>
+          <a:lstStyle/>
+          <a:p>
+            <a:pPr algn="ctr"/>
+            <a:r>
+              <a:rPr lang="de-DE" dirty="0"/>
+              <a:t>Lage und Maße</a:t>
+            </a:r>
+            <a:endParaRPr lang="de-DE" dirty="0"/>
+          </a:p>
+        </p:txBody>
+      </p:sp>
+      <p:sp>
+        <p:nvSpPr>
+          <p:cNvPr id="6" name="Flussdiagramm: Alternativer Prozess 5"/>
+          <p:cNvSpPr/>
+          <p:nvPr/>
+        </p:nvSpPr>
+        <p:spPr>
+          <a:xfrm>
+            <a:off x="2986216" y="3748710"/>
+            <a:ext cx="2743200" cy="612648"/>
+          </a:xfrm>
+          <a:prstGeom prst="flowChartAlternateProcess">
+            <a:avLst/>
+          </a:prstGeom>
+          <a:solidFill>
+            <a:schemeClr val="accent1">
+              <a:alpha val="25000"/>
+            </a:schemeClr>
+          </a:solidFill>
+          <a:ln>
+            <a:solidFill>
+              <a:schemeClr val="accent1">
+                <a:alpha val="25000"/>
+              </a:schemeClr>
+            </a:solidFill>
+          </a:ln>
+        </p:spPr>
+        <p:style>
+          <a:lnRef idx="2">
+            <a:schemeClr val="accent1">
+              <a:shade val="50000"/>
+            </a:schemeClr>
+          </a:lnRef>
+          <a:fillRef idx="1">
+            <a:schemeClr val="accent1"/>
+          </a:fillRef>
+          <a:effectRef idx="0">
+            <a:schemeClr val="accent1"/>
+          </a:effectRef>
+          <a:fontRef idx="minor">
+            <a:schemeClr val="lt1"/>
+          </a:fontRef>
+        </p:style>
+        <p:txBody>
+          <a:bodyPr rtlCol="0" anchor="ctr"/>
+          <a:lstStyle/>
+          <a:p>
+            <a:pPr algn="ctr"/>
+            <a:r>
+              <a:rPr lang="de-DE" dirty="0" smtClean="0"/>
+              <a:t>Bohrungen</a:t>
+            </a:r>
+            <a:endParaRPr lang="de-DE" dirty="0"/>
+          </a:p>
+        </p:txBody>
+      </p:sp>
+      <p:sp>
+        <p:nvSpPr>
+          <p:cNvPr id="7" name="Flussdiagramm: Alternativer Prozess 6"/>
+          <p:cNvSpPr/>
+          <p:nvPr/>
+        </p:nvSpPr>
+        <p:spPr>
+          <a:xfrm>
+            <a:off x="2971800" y="5105854"/>
+            <a:ext cx="2743200" cy="612648"/>
+          </a:xfrm>
+          <a:prstGeom prst="flowChartAlternateProcess">
+            <a:avLst/>
+          </a:prstGeom>
+          <a:solidFill>
+            <a:schemeClr val="accent1">
+              <a:alpha val="25000"/>
+            </a:schemeClr>
+          </a:solidFill>
+          <a:ln>
+            <a:solidFill>
+              <a:schemeClr val="accent1">
+                <a:alpha val="25000"/>
+              </a:schemeClr>
+            </a:solidFill>
+          </a:ln>
+        </p:spPr>
+        <p:style>
+          <a:lnRef idx="2">
+            <a:schemeClr val="accent1">
+              <a:shade val="50000"/>
+            </a:schemeClr>
+          </a:lnRef>
+          <a:fillRef idx="1">
+            <a:schemeClr val="accent1"/>
+          </a:fillRef>
+          <a:effectRef idx="0">
+            <a:schemeClr val="accent1"/>
+          </a:effectRef>
+          <a:fontRef idx="minor">
+            <a:schemeClr val="lt1"/>
+          </a:fontRef>
+        </p:style>
+        <p:txBody>
+          <a:bodyPr rtlCol="0" anchor="ctr"/>
+          <a:lstStyle/>
+          <a:p>
+            <a:pPr algn="ctr"/>
+            <a:r>
+              <a:rPr lang="de-DE" dirty="0" smtClean="0"/>
+              <a:t>Schäden</a:t>
+            </a:r>
+            <a:endParaRPr lang="de-DE" dirty="0"/>
+          </a:p>
+        </p:txBody>
+      </p:sp>
+      <p:cxnSp>
+        <p:nvCxnSpPr>
+          <p:cNvPr id="11" name="Gerade Verbindung mit Pfeil 10"/>
+          <p:cNvCxnSpPr>
+            <a:stCxn id="4" idx="2"/>
+            <a:endCxn id="5" idx="0"/>
+          </p:cNvCxnSpPr>
+          <p:nvPr/>
+        </p:nvCxnSpPr>
+        <p:spPr>
+          <a:xfrm>
+            <a:off x="4343400" y="1653248"/>
+            <a:ext cx="0" cy="744496"/>
+          </a:xfrm>
+          <a:prstGeom prst="straightConnector1">
+            <a:avLst/>
+          </a:prstGeom>
+          <a:ln>
+            <a:solidFill>
+              <a:schemeClr val="accent1">
+                <a:alpha val="25000"/>
+              </a:schemeClr>
+            </a:solidFill>
+            <a:tailEnd type="triangle"/>
+          </a:ln>
+        </p:spPr>
+        <p:style>
+          <a:lnRef idx="3">
+            <a:schemeClr val="accent1"/>
+          </a:lnRef>
+          <a:fillRef idx="0">
+            <a:schemeClr val="accent1"/>
+          </a:fillRef>
+          <a:effectRef idx="2">
+            <a:schemeClr val="accent1"/>
+          </a:effectRef>
+          <a:fontRef idx="minor">
+            <a:schemeClr val="tx1"/>
+          </a:fontRef>
+        </p:style>
+      </p:cxnSp>
+      <p:cxnSp>
+        <p:nvCxnSpPr>
+          <p:cNvPr id="13" name="Gerade Verbindung mit Pfeil 12"/>
+          <p:cNvCxnSpPr/>
+          <p:nvPr/>
+        </p:nvCxnSpPr>
+        <p:spPr>
+          <a:xfrm>
+            <a:off x="4343400" y="3004214"/>
+            <a:ext cx="0" cy="744496"/>
+          </a:xfrm>
+          <a:prstGeom prst="straightConnector1">
+            <a:avLst/>
+          </a:prstGeom>
+          <a:ln>
+            <a:solidFill>
+              <a:schemeClr val="accent1">
+                <a:alpha val="25000"/>
+              </a:schemeClr>
+            </a:solidFill>
+            <a:tailEnd type="triangle"/>
+          </a:ln>
+        </p:spPr>
+        <p:style>
+          <a:lnRef idx="3">
+            <a:schemeClr val="accent1"/>
+          </a:lnRef>
+          <a:fillRef idx="0">
+            <a:schemeClr val="accent1"/>
+          </a:fillRef>
+          <a:effectRef idx="2">
+            <a:schemeClr val="accent1"/>
+          </a:effectRef>
+          <a:fontRef idx="minor">
+            <a:schemeClr val="tx1"/>
+          </a:fontRef>
+        </p:style>
+      </p:cxnSp>
+      <p:cxnSp>
+        <p:nvCxnSpPr>
+          <p:cNvPr id="14" name="Gerade Verbindung mit Pfeil 13"/>
+          <p:cNvCxnSpPr/>
+          <p:nvPr/>
+        </p:nvCxnSpPr>
+        <p:spPr>
+          <a:xfrm>
+            <a:off x="4333103" y="4361358"/>
+            <a:ext cx="0" cy="744496"/>
+          </a:xfrm>
+          <a:prstGeom prst="straightConnector1">
+            <a:avLst/>
+          </a:prstGeom>
+          <a:ln>
+            <a:solidFill>
+              <a:schemeClr val="accent1">
+                <a:alpha val="25000"/>
+              </a:schemeClr>
+            </a:solidFill>
+            <a:tailEnd type="triangle"/>
+          </a:ln>
+        </p:spPr>
+        <p:style>
+          <a:lnRef idx="3">
+            <a:schemeClr val="accent1"/>
+          </a:lnRef>
+          <a:fillRef idx="0">
+            <a:schemeClr val="accent1"/>
+          </a:fillRef>
+          <a:effectRef idx="2">
+            <a:schemeClr val="accent1"/>
+          </a:effectRef>
+          <a:fontRef idx="minor">
+            <a:schemeClr val="tx1"/>
+          </a:fontRef>
+        </p:style>
+      </p:cxnSp>
+    </p:spTree>
+    <p:extLst>
+      <p:ext uri="{BB962C8B-B14F-4D97-AF65-F5344CB8AC3E}">
+        <p14:creationId xmlns:p14="http://schemas.microsoft.com/office/powerpoint/2010/main" val="3681891956"/>
+      </p:ext>
+    </p:extLst>
+  </p:cSld>
+  <p:clrMapOvr>
+    <a:masterClrMapping/>
+  </p:clrMapOvr>
+  <p:timing>
+    <p:tnLst>
+      <p:par>
+        <p:cTn id="1" dur="indefinite" restart="never" nodeType="tmRoot"/>
+      </p:par>
+    </p:tnLst>
+  </p:timing>
+</p:sld>
+</file>
+
+<file path=ppt/slides/slide12.xml><?xml version="1.0" encoding="utf-8"?>
+<p:sld xmlns:a="http://schemas.openxmlformats.org/drawingml/2006/main" xmlns:r="http://schemas.openxmlformats.org/officeDocument/2006/relationships" xmlns:p="http://schemas.openxmlformats.org/presentationml/2006/main">
+  <p:cSld>
+    <p:spTree>
+      <p:nvGrpSpPr>
+        <p:cNvPr id="1" name=""/>
+        <p:cNvGrpSpPr/>
+        <p:nvPr/>
+      </p:nvGrpSpPr>
+      <p:grpSpPr>
+        <a:xfrm>
+          <a:off x="0" y="0"/>
+          <a:ext cx="0" cy="0"/>
+          <a:chOff x="0" y="0"/>
+          <a:chExt cx="0" cy="0"/>
+        </a:xfrm>
+      </p:grpSpPr>
+      <p:sp>
+        <p:nvSpPr>
+          <p:cNvPr id="2" name="Titel 1"/>
+          <p:cNvSpPr>
+            <a:spLocks noGrp="1"/>
+          </p:cNvSpPr>
+          <p:nvPr>
+            <p:ph type="title"/>
+          </p:nvPr>
+        </p:nvSpPr>
+        <p:spPr/>
+        <p:txBody>
+          <a:bodyPr/>
+          <a:lstStyle/>
+          <a:p>
+            <a:r>
+              <a:rPr lang="de-DE" dirty="0" smtClean="0"/>
+              <a:t>Prüfen der Lage und </a:t>
+            </a:r>
+            <a:r>
+              <a:rPr lang="de-DE" dirty="0" err="1" smtClean="0"/>
+              <a:t>Abmaße</a:t>
+            </a:r>
+            <a:endParaRPr lang="de-DE" dirty="0"/>
           </a:p>
         </p:txBody>
       </p:sp>
@@ -5935,123 +6339,147 @@
           <a:lstStyle/>
           <a:p>
             <a:r>
-              <a:rPr lang="en-US" dirty="0" err="1" smtClean="0"/>
-              <a:t>Maskieren</a:t>
-            </a:r>
-            <a:r>
-              <a:rPr lang="en-US" dirty="0" smtClean="0"/>
-              <a:t> des </a:t>
-            </a:r>
-            <a:r>
-              <a:rPr lang="en-US" dirty="0" err="1" smtClean="0"/>
-              <a:t>Werkstücks</a:t>
-            </a:r>
-            <a:endParaRPr lang="en-US" dirty="0" smtClean="0"/>
-          </a:p>
-          <a:p>
-            <a:r>
-              <a:rPr lang="en-US" dirty="0" err="1" smtClean="0"/>
-              <a:t>Filtern</a:t>
-            </a:r>
-            <a:endParaRPr lang="en-US" dirty="0" smtClean="0"/>
+              <a:rPr lang="de-DE" dirty="0" smtClean="0"/>
+              <a:t>Bildvorverarbeitung</a:t>
+            </a:r>
           </a:p>
           <a:p>
             <a:pPr lvl="1"/>
             <a:r>
-              <a:rPr lang="en-US" dirty="0" smtClean="0"/>
-              <a:t>Guided </a:t>
-            </a:r>
-            <a:r>
-              <a:rPr lang="en-US" dirty="0"/>
-              <a:t>I</a:t>
-            </a:r>
-            <a:r>
-              <a:rPr lang="en-US" dirty="0" smtClean="0"/>
-              <a:t>mage Filter</a:t>
-            </a:r>
-          </a:p>
-          <a:p>
-            <a:r>
-              <a:rPr lang="en-US" dirty="0" err="1" smtClean="0"/>
-              <a:t>Kantendetektion</a:t>
-            </a:r>
-            <a:r>
-              <a:rPr lang="en-US" dirty="0" smtClean="0"/>
-              <a:t> </a:t>
-            </a:r>
-            <a:r>
-              <a:rPr lang="en-US" dirty="0" err="1" smtClean="0"/>
-              <a:t>mit</a:t>
-            </a:r>
-            <a:r>
-              <a:rPr lang="en-US" dirty="0" smtClean="0"/>
-              <a:t> Canny</a:t>
-            </a:r>
-          </a:p>
-          <a:p>
-            <a:r>
-              <a:rPr lang="en-US" dirty="0" err="1" smtClean="0"/>
-              <a:t>Kanten</a:t>
-            </a:r>
-            <a:r>
-              <a:rPr lang="en-US" dirty="0" smtClean="0"/>
-              <a:t> und </a:t>
-            </a:r>
-            <a:r>
-              <a:rPr lang="en-US" dirty="0" err="1" smtClean="0"/>
-              <a:t>Bohrungen</a:t>
-            </a:r>
-            <a:r>
-              <a:rPr lang="en-US" dirty="0" smtClean="0"/>
-              <a:t> </a:t>
-            </a:r>
-            <a:r>
-              <a:rPr lang="en-US" dirty="0" err="1" smtClean="0"/>
-              <a:t>entfernen</a:t>
-            </a:r>
-            <a:endParaRPr lang="en-US" dirty="0" smtClean="0"/>
-          </a:p>
-          <a:p>
-            <a:r>
-              <a:rPr lang="en-US" dirty="0" smtClean="0"/>
-              <a:t>Cluster </a:t>
-            </a:r>
-            <a:r>
-              <a:rPr lang="en-US" dirty="0" err="1" smtClean="0"/>
-              <a:t>finden</a:t>
-            </a:r>
-            <a:endParaRPr lang="en-US" dirty="0" smtClean="0"/>
-          </a:p>
-          <a:p>
-            <a:r>
-              <a:rPr lang="en-US" dirty="0" err="1" smtClean="0"/>
-              <a:t>Zusätzlich</a:t>
-            </a:r>
-            <a:r>
-              <a:rPr lang="en-US" dirty="0" smtClean="0"/>
-              <a:t>: </a:t>
-            </a:r>
-            <a:r>
-              <a:rPr lang="en-US" dirty="0" err="1" smtClean="0"/>
-              <a:t>Überprüfung</a:t>
-            </a:r>
-            <a:r>
-              <a:rPr lang="en-US" dirty="0" smtClean="0"/>
-              <a:t> des </a:t>
-            </a:r>
-            <a:r>
-              <a:rPr lang="en-US" dirty="0" err="1" smtClean="0"/>
-              <a:t>Stegs</a:t>
-            </a:r>
-            <a:endParaRPr lang="en-US" dirty="0" smtClean="0"/>
+              <a:rPr lang="de-DE" dirty="0" smtClean="0"/>
+              <a:t>Entfernen der </a:t>
+            </a:r>
+            <a:r>
+              <a:rPr lang="de-DE" dirty="0" err="1" smtClean="0"/>
+              <a:t>spekularen</a:t>
+            </a:r>
+            <a:r>
+              <a:rPr lang="de-DE" dirty="0" smtClean="0"/>
+              <a:t> Kante </a:t>
+            </a:r>
+          </a:p>
+          <a:p>
+            <a:pPr lvl="2"/>
+            <a:r>
+              <a:rPr lang="de-DE" dirty="0" smtClean="0"/>
+              <a:t>Pixel mit </a:t>
+            </a:r>
+            <a:r>
+              <a:rPr lang="de-DE" dirty="0" err="1" smtClean="0"/>
+              <a:t>Grauwert</a:t>
+            </a:r>
+            <a:r>
+              <a:rPr lang="de-DE" dirty="0" smtClean="0"/>
+              <a:t> &gt; 200 werden auf 0 gesetzt</a:t>
+            </a:r>
           </a:p>
           <a:p>
             <a:pPr lvl="1"/>
             <a:r>
-              <a:rPr lang="en-US" dirty="0" smtClean="0"/>
-              <a:t>Threshold</a:t>
-            </a:r>
-            <a:endParaRPr lang="en-US" dirty="0"/>
+              <a:rPr lang="de-DE" dirty="0" smtClean="0"/>
+              <a:t>Maskieren der Werkstück </a:t>
+            </a:r>
+            <a:r>
+              <a:rPr lang="de-DE" dirty="0" err="1" smtClean="0"/>
+              <a:t>pixel</a:t>
+            </a:r>
+            <a:endParaRPr lang="de-DE" dirty="0" smtClean="0"/>
+          </a:p>
+          <a:p>
+            <a:pPr lvl="2"/>
+            <a:r>
+              <a:rPr lang="de-DE" dirty="0" smtClean="0"/>
+              <a:t>Pixel mit </a:t>
+            </a:r>
+            <a:r>
+              <a:rPr lang="de-DE" dirty="0" err="1" smtClean="0"/>
+              <a:t>Grauwert</a:t>
+            </a:r>
+            <a:r>
+              <a:rPr lang="de-DE" dirty="0" smtClean="0"/>
+              <a:t> &gt;= 70 werden auf 255 (weiß) gesetzt</a:t>
+            </a:r>
+          </a:p>
+          <a:p>
+            <a:pPr lvl="1"/>
+            <a:r>
+              <a:rPr lang="de-DE" dirty="0" smtClean="0"/>
+              <a:t>Reduktion von Noise</a:t>
+            </a:r>
+          </a:p>
+          <a:p>
+            <a:pPr lvl="2"/>
+            <a:r>
+              <a:rPr lang="de-DE" dirty="0" smtClean="0"/>
+              <a:t>Morphologische Erosion und </a:t>
+            </a:r>
+            <a:r>
+              <a:rPr lang="de-DE" dirty="0" err="1" smtClean="0"/>
+              <a:t>Dilitation</a:t>
+            </a:r>
+            <a:endParaRPr lang="de-DE" dirty="0" smtClean="0"/>
+          </a:p>
+          <a:p>
+            <a:pPr lvl="1"/>
+            <a:r>
+              <a:rPr lang="de-DE" dirty="0" err="1" smtClean="0"/>
+              <a:t>Kantendektion</a:t>
+            </a:r>
+            <a:r>
+              <a:rPr lang="de-DE" dirty="0" smtClean="0"/>
+              <a:t> mit </a:t>
+            </a:r>
+            <a:r>
+              <a:rPr lang="de-DE" dirty="0" err="1" smtClean="0"/>
+              <a:t>Canny</a:t>
+            </a:r>
+            <a:endParaRPr lang="de-DE" dirty="0" smtClean="0"/>
+          </a:p>
+          <a:p>
+            <a:pPr lvl="1"/>
+            <a:endParaRPr lang="de-DE" dirty="0" smtClean="0"/>
+          </a:p>
+          <a:p>
+            <a:r>
+              <a:rPr lang="de-DE" dirty="0" smtClean="0"/>
+              <a:t>Überprüfen der </a:t>
+            </a:r>
+            <a:r>
+              <a:rPr lang="de-DE" dirty="0" err="1" smtClean="0"/>
+              <a:t>Abmaße</a:t>
+            </a:r>
+            <a:r>
+              <a:rPr lang="de-DE" dirty="0" smtClean="0"/>
+              <a:t> und finden der Lage</a:t>
+            </a:r>
+          </a:p>
+          <a:p>
+            <a:pPr lvl="1"/>
+            <a:r>
+              <a:rPr lang="de-DE" dirty="0" smtClean="0"/>
+              <a:t>Annahme: Kontur, die den Flächeninhalt des kleinsten, vollständig umschließenden Rechtecks maximiert ist die Kontur des Werkstücks</a:t>
+            </a:r>
+          </a:p>
+          <a:p>
+            <a:pPr lvl="1"/>
+            <a:r>
+              <a:rPr lang="de-DE" dirty="0" smtClean="0"/>
+              <a:t>Überprüfe die Länge jeder Kante des umschließenden Rechtecks</a:t>
+            </a:r>
+          </a:p>
+          <a:p>
+            <a:pPr lvl="1"/>
+            <a:endParaRPr lang="de-DE" dirty="0" smtClean="0"/>
+          </a:p>
+          <a:p>
+            <a:pPr lvl="2"/>
+            <a:endParaRPr lang="de-DE" dirty="0" smtClean="0"/>
+          </a:p>
+          <a:p>
+            <a:pPr>
+              <a:buNone/>
+            </a:pPr>
+            <a:endParaRPr lang="de-DE" dirty="0" smtClean="0"/>
           </a:p>
         </p:txBody>
       </p:sp>
@@ -6070,7 +6498,1008 @@
 </p:sld>
 </file>
 
-<file path=ppt/slides/slide12.xml><?xml version="1.0" encoding="utf-8"?>
+<file path=ppt/slides/slide13.xml><?xml version="1.0" encoding="utf-8"?>
+<p:sld xmlns:a="http://schemas.openxmlformats.org/drawingml/2006/main" xmlns:r="http://schemas.openxmlformats.org/officeDocument/2006/relationships" xmlns:p="http://schemas.openxmlformats.org/presentationml/2006/main">
+  <p:cSld>
+    <p:spTree>
+      <p:nvGrpSpPr>
+        <p:cNvPr id="1" name=""/>
+        <p:cNvGrpSpPr/>
+        <p:nvPr/>
+      </p:nvGrpSpPr>
+      <p:grpSpPr>
+        <a:xfrm>
+          <a:off x="0" y="0"/>
+          <a:ext cx="0" cy="0"/>
+          <a:chOff x="0" y="0"/>
+          <a:chExt cx="0" cy="0"/>
+        </a:xfrm>
+      </p:grpSpPr>
+      <p:sp>
+        <p:nvSpPr>
+          <p:cNvPr id="2" name="Titel 1"/>
+          <p:cNvSpPr>
+            <a:spLocks noGrp="1"/>
+          </p:cNvSpPr>
+          <p:nvPr>
+            <p:ph type="title"/>
+          </p:nvPr>
+        </p:nvSpPr>
+        <p:spPr/>
+        <p:txBody>
+          <a:bodyPr/>
+          <a:lstStyle/>
+          <a:p>
+            <a:r>
+              <a:rPr lang="de-DE" dirty="0" smtClean="0"/>
+              <a:t>Programm-Ablauf</a:t>
+            </a:r>
+            <a:endParaRPr lang="de-DE" dirty="0"/>
+          </a:p>
+        </p:txBody>
+      </p:sp>
+      <p:sp>
+        <p:nvSpPr>
+          <p:cNvPr id="4" name="Flussdiagramm: Alternativer Prozess 3"/>
+          <p:cNvSpPr/>
+          <p:nvPr/>
+        </p:nvSpPr>
+        <p:spPr>
+          <a:xfrm>
+            <a:off x="2971800" y="1040600"/>
+            <a:ext cx="2743200" cy="612648"/>
+          </a:xfrm>
+          <a:prstGeom prst="flowChartAlternateProcess">
+            <a:avLst/>
+          </a:prstGeom>
+          <a:solidFill>
+            <a:schemeClr val="accent1">
+              <a:alpha val="25000"/>
+            </a:schemeClr>
+          </a:solidFill>
+          <a:ln>
+            <a:solidFill>
+              <a:schemeClr val="accent1">
+                <a:shade val="50000"/>
+                <a:alpha val="25000"/>
+              </a:schemeClr>
+            </a:solidFill>
+          </a:ln>
+        </p:spPr>
+        <p:style>
+          <a:lnRef idx="2">
+            <a:schemeClr val="accent1">
+              <a:shade val="50000"/>
+            </a:schemeClr>
+          </a:lnRef>
+          <a:fillRef idx="1">
+            <a:schemeClr val="accent1"/>
+          </a:fillRef>
+          <a:effectRef idx="0">
+            <a:schemeClr val="accent1"/>
+          </a:effectRef>
+          <a:fontRef idx="minor">
+            <a:schemeClr val="lt1"/>
+          </a:fontRef>
+        </p:style>
+        <p:txBody>
+          <a:bodyPr rtlCol="0" anchor="ctr"/>
+          <a:lstStyle/>
+          <a:p>
+            <a:pPr algn="ctr"/>
+            <a:r>
+              <a:rPr lang="de-DE" dirty="0" smtClean="0"/>
+              <a:t>Kalibrierung</a:t>
+            </a:r>
+            <a:endParaRPr lang="de-DE" dirty="0"/>
+          </a:p>
+        </p:txBody>
+      </p:sp>
+      <p:sp>
+        <p:nvSpPr>
+          <p:cNvPr id="5" name="Flussdiagramm: Alternativer Prozess 4"/>
+          <p:cNvSpPr/>
+          <p:nvPr/>
+        </p:nvSpPr>
+        <p:spPr>
+          <a:xfrm>
+            <a:off x="2971800" y="2397744"/>
+            <a:ext cx="2743200" cy="612648"/>
+          </a:xfrm>
+          <a:prstGeom prst="flowChartAlternateProcess">
+            <a:avLst/>
+          </a:prstGeom>
+          <a:solidFill>
+            <a:schemeClr val="accent1">
+              <a:alpha val="25000"/>
+            </a:schemeClr>
+          </a:solidFill>
+          <a:ln>
+            <a:solidFill>
+              <a:schemeClr val="accent1">
+                <a:alpha val="25000"/>
+              </a:schemeClr>
+            </a:solidFill>
+          </a:ln>
+        </p:spPr>
+        <p:style>
+          <a:lnRef idx="2">
+            <a:schemeClr val="accent1">
+              <a:shade val="50000"/>
+            </a:schemeClr>
+          </a:lnRef>
+          <a:fillRef idx="1">
+            <a:schemeClr val="accent1"/>
+          </a:fillRef>
+          <a:effectRef idx="0">
+            <a:schemeClr val="accent1"/>
+          </a:effectRef>
+          <a:fontRef idx="minor">
+            <a:schemeClr val="lt1"/>
+          </a:fontRef>
+        </p:style>
+        <p:txBody>
+          <a:bodyPr rtlCol="0" anchor="ctr"/>
+          <a:lstStyle/>
+          <a:p>
+            <a:pPr algn="ctr"/>
+            <a:r>
+              <a:rPr lang="de-DE" dirty="0"/>
+              <a:t>Lage und Maße</a:t>
+            </a:r>
+            <a:endParaRPr lang="de-DE" dirty="0"/>
+          </a:p>
+        </p:txBody>
+      </p:sp>
+      <p:sp>
+        <p:nvSpPr>
+          <p:cNvPr id="6" name="Flussdiagramm: Alternativer Prozess 5"/>
+          <p:cNvSpPr/>
+          <p:nvPr/>
+        </p:nvSpPr>
+        <p:spPr>
+          <a:xfrm>
+            <a:off x="2986216" y="3748710"/>
+            <a:ext cx="2743200" cy="612648"/>
+          </a:xfrm>
+          <a:prstGeom prst="flowChartAlternateProcess">
+            <a:avLst/>
+          </a:prstGeom>
+          <a:solidFill>
+            <a:schemeClr val="accent1"/>
+          </a:solidFill>
+          <a:ln>
+            <a:solidFill>
+              <a:schemeClr val="accent1"/>
+            </a:solidFill>
+          </a:ln>
+        </p:spPr>
+        <p:style>
+          <a:lnRef idx="2">
+            <a:schemeClr val="accent1">
+              <a:shade val="50000"/>
+            </a:schemeClr>
+          </a:lnRef>
+          <a:fillRef idx="1">
+            <a:schemeClr val="accent1"/>
+          </a:fillRef>
+          <a:effectRef idx="0">
+            <a:schemeClr val="accent1"/>
+          </a:effectRef>
+          <a:fontRef idx="minor">
+            <a:schemeClr val="lt1"/>
+          </a:fontRef>
+        </p:style>
+        <p:txBody>
+          <a:bodyPr rtlCol="0" anchor="ctr"/>
+          <a:lstStyle/>
+          <a:p>
+            <a:pPr algn="ctr"/>
+            <a:r>
+              <a:rPr lang="de-DE" dirty="0" smtClean="0"/>
+              <a:t>Bohrungen</a:t>
+            </a:r>
+            <a:endParaRPr lang="de-DE" dirty="0"/>
+          </a:p>
+        </p:txBody>
+      </p:sp>
+      <p:sp>
+        <p:nvSpPr>
+          <p:cNvPr id="7" name="Flussdiagramm: Alternativer Prozess 6"/>
+          <p:cNvSpPr/>
+          <p:nvPr/>
+        </p:nvSpPr>
+        <p:spPr>
+          <a:xfrm>
+            <a:off x="2971800" y="5105854"/>
+            <a:ext cx="2743200" cy="612648"/>
+          </a:xfrm>
+          <a:prstGeom prst="flowChartAlternateProcess">
+            <a:avLst/>
+          </a:prstGeom>
+          <a:solidFill>
+            <a:schemeClr val="accent1">
+              <a:alpha val="25000"/>
+            </a:schemeClr>
+          </a:solidFill>
+          <a:ln>
+            <a:solidFill>
+              <a:schemeClr val="accent1">
+                <a:alpha val="25000"/>
+              </a:schemeClr>
+            </a:solidFill>
+          </a:ln>
+        </p:spPr>
+        <p:style>
+          <a:lnRef idx="2">
+            <a:schemeClr val="accent1">
+              <a:shade val="50000"/>
+            </a:schemeClr>
+          </a:lnRef>
+          <a:fillRef idx="1">
+            <a:schemeClr val="accent1"/>
+          </a:fillRef>
+          <a:effectRef idx="0">
+            <a:schemeClr val="accent1"/>
+          </a:effectRef>
+          <a:fontRef idx="minor">
+            <a:schemeClr val="lt1"/>
+          </a:fontRef>
+        </p:style>
+        <p:txBody>
+          <a:bodyPr rtlCol="0" anchor="ctr"/>
+          <a:lstStyle/>
+          <a:p>
+            <a:pPr algn="ctr"/>
+            <a:r>
+              <a:rPr lang="de-DE" dirty="0" smtClean="0"/>
+              <a:t>Schäden</a:t>
+            </a:r>
+            <a:endParaRPr lang="de-DE" dirty="0"/>
+          </a:p>
+        </p:txBody>
+      </p:sp>
+      <p:cxnSp>
+        <p:nvCxnSpPr>
+          <p:cNvPr id="11" name="Gerade Verbindung mit Pfeil 10"/>
+          <p:cNvCxnSpPr>
+            <a:stCxn id="4" idx="2"/>
+            <a:endCxn id="5" idx="0"/>
+          </p:cNvCxnSpPr>
+          <p:nvPr/>
+        </p:nvCxnSpPr>
+        <p:spPr>
+          <a:xfrm>
+            <a:off x="4343400" y="1653248"/>
+            <a:ext cx="0" cy="744496"/>
+          </a:xfrm>
+          <a:prstGeom prst="straightConnector1">
+            <a:avLst/>
+          </a:prstGeom>
+          <a:ln>
+            <a:solidFill>
+              <a:schemeClr val="accent1">
+                <a:alpha val="25000"/>
+              </a:schemeClr>
+            </a:solidFill>
+            <a:tailEnd type="triangle"/>
+          </a:ln>
+        </p:spPr>
+        <p:style>
+          <a:lnRef idx="3">
+            <a:schemeClr val="accent1"/>
+          </a:lnRef>
+          <a:fillRef idx="0">
+            <a:schemeClr val="accent1"/>
+          </a:fillRef>
+          <a:effectRef idx="2">
+            <a:schemeClr val="accent1"/>
+          </a:effectRef>
+          <a:fontRef idx="minor">
+            <a:schemeClr val="tx1"/>
+          </a:fontRef>
+        </p:style>
+      </p:cxnSp>
+      <p:cxnSp>
+        <p:nvCxnSpPr>
+          <p:cNvPr id="13" name="Gerade Verbindung mit Pfeil 12"/>
+          <p:cNvCxnSpPr/>
+          <p:nvPr/>
+        </p:nvCxnSpPr>
+        <p:spPr>
+          <a:xfrm>
+            <a:off x="4343400" y="3004214"/>
+            <a:ext cx="0" cy="744496"/>
+          </a:xfrm>
+          <a:prstGeom prst="straightConnector1">
+            <a:avLst/>
+          </a:prstGeom>
+          <a:ln>
+            <a:solidFill>
+              <a:schemeClr val="accent1">
+                <a:alpha val="25000"/>
+              </a:schemeClr>
+            </a:solidFill>
+            <a:tailEnd type="triangle"/>
+          </a:ln>
+        </p:spPr>
+        <p:style>
+          <a:lnRef idx="3">
+            <a:schemeClr val="accent1"/>
+          </a:lnRef>
+          <a:fillRef idx="0">
+            <a:schemeClr val="accent1"/>
+          </a:fillRef>
+          <a:effectRef idx="2">
+            <a:schemeClr val="accent1"/>
+          </a:effectRef>
+          <a:fontRef idx="minor">
+            <a:schemeClr val="tx1"/>
+          </a:fontRef>
+        </p:style>
+      </p:cxnSp>
+      <p:cxnSp>
+        <p:nvCxnSpPr>
+          <p:cNvPr id="14" name="Gerade Verbindung mit Pfeil 13"/>
+          <p:cNvCxnSpPr/>
+          <p:nvPr/>
+        </p:nvCxnSpPr>
+        <p:spPr>
+          <a:xfrm>
+            <a:off x="4333103" y="4361358"/>
+            <a:ext cx="0" cy="744496"/>
+          </a:xfrm>
+          <a:prstGeom prst="straightConnector1">
+            <a:avLst/>
+          </a:prstGeom>
+          <a:ln>
+            <a:solidFill>
+              <a:schemeClr val="accent1">
+                <a:alpha val="25000"/>
+              </a:schemeClr>
+            </a:solidFill>
+            <a:tailEnd type="triangle"/>
+          </a:ln>
+        </p:spPr>
+        <p:style>
+          <a:lnRef idx="3">
+            <a:schemeClr val="accent1"/>
+          </a:lnRef>
+          <a:fillRef idx="0">
+            <a:schemeClr val="accent1"/>
+          </a:fillRef>
+          <a:effectRef idx="2">
+            <a:schemeClr val="accent1"/>
+          </a:effectRef>
+          <a:fontRef idx="minor">
+            <a:schemeClr val="tx1"/>
+          </a:fontRef>
+        </p:style>
+      </p:cxnSp>
+    </p:spTree>
+    <p:extLst>
+      <p:ext uri="{BB962C8B-B14F-4D97-AF65-F5344CB8AC3E}">
+        <p14:creationId xmlns:p14="http://schemas.microsoft.com/office/powerpoint/2010/main" val="689969953"/>
+      </p:ext>
+    </p:extLst>
+  </p:cSld>
+  <p:clrMapOvr>
+    <a:masterClrMapping/>
+  </p:clrMapOvr>
+  <p:timing>
+    <p:tnLst>
+      <p:par>
+        <p:cTn id="1" dur="indefinite" restart="never" nodeType="tmRoot"/>
+      </p:par>
+    </p:tnLst>
+  </p:timing>
+</p:sld>
+</file>
+
+<file path=ppt/slides/slide14.xml><?xml version="1.0" encoding="utf-8"?>
+<p:sld xmlns:a="http://schemas.openxmlformats.org/drawingml/2006/main" xmlns:r="http://schemas.openxmlformats.org/officeDocument/2006/relationships" xmlns:p="http://schemas.openxmlformats.org/presentationml/2006/main">
+  <p:cSld>
+    <p:spTree>
+      <p:nvGrpSpPr>
+        <p:cNvPr id="1" name=""/>
+        <p:cNvGrpSpPr/>
+        <p:nvPr/>
+      </p:nvGrpSpPr>
+      <p:grpSpPr>
+        <a:xfrm>
+          <a:off x="0" y="0"/>
+          <a:ext cx="0" cy="0"/>
+          <a:chOff x="0" y="0"/>
+          <a:chExt cx="0" cy="0"/>
+        </a:xfrm>
+      </p:grpSpPr>
+      <p:sp>
+        <p:nvSpPr>
+          <p:cNvPr id="2" name="Titel 1"/>
+          <p:cNvSpPr>
+            <a:spLocks noGrp="1"/>
+          </p:cNvSpPr>
+          <p:nvPr>
+            <p:ph type="title"/>
+          </p:nvPr>
+        </p:nvSpPr>
+        <p:spPr/>
+        <p:txBody>
+          <a:bodyPr/>
+          <a:lstStyle/>
+          <a:p>
+            <a:r>
+              <a:rPr lang="de-DE" dirty="0" smtClean="0"/>
+              <a:t>Prüfen der Bohrungen</a:t>
+            </a:r>
+            <a:endParaRPr lang="de-DE" dirty="0"/>
+          </a:p>
+        </p:txBody>
+      </p:sp>
+      <p:sp>
+        <p:nvSpPr>
+          <p:cNvPr id="3" name="Inhaltsplatzhalter 2"/>
+          <p:cNvSpPr>
+            <a:spLocks noGrp="1"/>
+          </p:cNvSpPr>
+          <p:nvPr>
+            <p:ph idx="1"/>
+          </p:nvPr>
+        </p:nvSpPr>
+        <p:spPr/>
+        <p:txBody>
+          <a:bodyPr/>
+          <a:lstStyle/>
+          <a:p>
+            <a:endParaRPr lang="de-DE" dirty="0"/>
+          </a:p>
+        </p:txBody>
+      </p:sp>
+    </p:spTree>
+  </p:cSld>
+  <p:clrMapOvr>
+    <a:masterClrMapping/>
+  </p:clrMapOvr>
+  <p:timing>
+    <p:tnLst>
+      <p:par>
+        <p:cTn id="1" dur="indefinite" restart="never" nodeType="tmRoot"/>
+      </p:par>
+    </p:tnLst>
+  </p:timing>
+</p:sld>
+</file>
+
+<file path=ppt/slides/slide15.xml><?xml version="1.0" encoding="utf-8"?>
+<p:sld xmlns:a="http://schemas.openxmlformats.org/drawingml/2006/main" xmlns:r="http://schemas.openxmlformats.org/officeDocument/2006/relationships" xmlns:p="http://schemas.openxmlformats.org/presentationml/2006/main">
+  <p:cSld>
+    <p:spTree>
+      <p:nvGrpSpPr>
+        <p:cNvPr id="1" name=""/>
+        <p:cNvGrpSpPr/>
+        <p:nvPr/>
+      </p:nvGrpSpPr>
+      <p:grpSpPr>
+        <a:xfrm>
+          <a:off x="0" y="0"/>
+          <a:ext cx="0" cy="0"/>
+          <a:chOff x="0" y="0"/>
+          <a:chExt cx="0" cy="0"/>
+        </a:xfrm>
+      </p:grpSpPr>
+      <p:sp>
+        <p:nvSpPr>
+          <p:cNvPr id="2" name="Titel 1"/>
+          <p:cNvSpPr>
+            <a:spLocks noGrp="1"/>
+          </p:cNvSpPr>
+          <p:nvPr>
+            <p:ph type="title"/>
+          </p:nvPr>
+        </p:nvSpPr>
+        <p:spPr/>
+        <p:txBody>
+          <a:bodyPr/>
+          <a:lstStyle/>
+          <a:p>
+            <a:r>
+              <a:rPr lang="de-DE" dirty="0" smtClean="0"/>
+              <a:t>Programm-Ablauf</a:t>
+            </a:r>
+            <a:endParaRPr lang="de-DE" dirty="0"/>
+          </a:p>
+        </p:txBody>
+      </p:sp>
+      <p:sp>
+        <p:nvSpPr>
+          <p:cNvPr id="4" name="Flussdiagramm: Alternativer Prozess 3"/>
+          <p:cNvSpPr/>
+          <p:nvPr/>
+        </p:nvSpPr>
+        <p:spPr>
+          <a:xfrm>
+            <a:off x="2971800" y="1040600"/>
+            <a:ext cx="2743200" cy="612648"/>
+          </a:xfrm>
+          <a:prstGeom prst="flowChartAlternateProcess">
+            <a:avLst/>
+          </a:prstGeom>
+          <a:solidFill>
+            <a:schemeClr val="accent1">
+              <a:alpha val="25000"/>
+            </a:schemeClr>
+          </a:solidFill>
+          <a:ln>
+            <a:solidFill>
+              <a:schemeClr val="accent1">
+                <a:shade val="50000"/>
+                <a:alpha val="25000"/>
+              </a:schemeClr>
+            </a:solidFill>
+          </a:ln>
+        </p:spPr>
+        <p:style>
+          <a:lnRef idx="2">
+            <a:schemeClr val="accent1">
+              <a:shade val="50000"/>
+            </a:schemeClr>
+          </a:lnRef>
+          <a:fillRef idx="1">
+            <a:schemeClr val="accent1"/>
+          </a:fillRef>
+          <a:effectRef idx="0">
+            <a:schemeClr val="accent1"/>
+          </a:effectRef>
+          <a:fontRef idx="minor">
+            <a:schemeClr val="lt1"/>
+          </a:fontRef>
+        </p:style>
+        <p:txBody>
+          <a:bodyPr rtlCol="0" anchor="ctr"/>
+          <a:lstStyle/>
+          <a:p>
+            <a:pPr algn="ctr"/>
+            <a:r>
+              <a:rPr lang="de-DE" dirty="0" smtClean="0"/>
+              <a:t>Kalibrierung</a:t>
+            </a:r>
+            <a:endParaRPr lang="de-DE" dirty="0"/>
+          </a:p>
+        </p:txBody>
+      </p:sp>
+      <p:sp>
+        <p:nvSpPr>
+          <p:cNvPr id="5" name="Flussdiagramm: Alternativer Prozess 4"/>
+          <p:cNvSpPr/>
+          <p:nvPr/>
+        </p:nvSpPr>
+        <p:spPr>
+          <a:xfrm>
+            <a:off x="2971800" y="2397744"/>
+            <a:ext cx="2743200" cy="612648"/>
+          </a:xfrm>
+          <a:prstGeom prst="flowChartAlternateProcess">
+            <a:avLst/>
+          </a:prstGeom>
+          <a:solidFill>
+            <a:schemeClr val="accent1">
+              <a:alpha val="25000"/>
+            </a:schemeClr>
+          </a:solidFill>
+          <a:ln>
+            <a:solidFill>
+              <a:schemeClr val="accent1">
+                <a:alpha val="25000"/>
+              </a:schemeClr>
+            </a:solidFill>
+          </a:ln>
+        </p:spPr>
+        <p:style>
+          <a:lnRef idx="2">
+            <a:schemeClr val="accent1">
+              <a:shade val="50000"/>
+            </a:schemeClr>
+          </a:lnRef>
+          <a:fillRef idx="1">
+            <a:schemeClr val="accent1"/>
+          </a:fillRef>
+          <a:effectRef idx="0">
+            <a:schemeClr val="accent1"/>
+          </a:effectRef>
+          <a:fontRef idx="minor">
+            <a:schemeClr val="lt1"/>
+          </a:fontRef>
+        </p:style>
+        <p:txBody>
+          <a:bodyPr rtlCol="0" anchor="ctr"/>
+          <a:lstStyle/>
+          <a:p>
+            <a:pPr algn="ctr"/>
+            <a:r>
+              <a:rPr lang="de-DE" dirty="0"/>
+              <a:t>Lage und Maße</a:t>
+            </a:r>
+            <a:endParaRPr lang="de-DE" dirty="0"/>
+          </a:p>
+        </p:txBody>
+      </p:sp>
+      <p:sp>
+        <p:nvSpPr>
+          <p:cNvPr id="6" name="Flussdiagramm: Alternativer Prozess 5"/>
+          <p:cNvSpPr/>
+          <p:nvPr/>
+        </p:nvSpPr>
+        <p:spPr>
+          <a:xfrm>
+            <a:off x="2986216" y="3748710"/>
+            <a:ext cx="2743200" cy="612648"/>
+          </a:xfrm>
+          <a:prstGeom prst="flowChartAlternateProcess">
+            <a:avLst/>
+          </a:prstGeom>
+          <a:solidFill>
+            <a:schemeClr val="accent1">
+              <a:alpha val="25000"/>
+            </a:schemeClr>
+          </a:solidFill>
+          <a:ln>
+            <a:solidFill>
+              <a:schemeClr val="accent1">
+                <a:alpha val="25000"/>
+              </a:schemeClr>
+            </a:solidFill>
+          </a:ln>
+        </p:spPr>
+        <p:style>
+          <a:lnRef idx="2">
+            <a:schemeClr val="accent1">
+              <a:shade val="50000"/>
+            </a:schemeClr>
+          </a:lnRef>
+          <a:fillRef idx="1">
+            <a:schemeClr val="accent1"/>
+          </a:fillRef>
+          <a:effectRef idx="0">
+            <a:schemeClr val="accent1"/>
+          </a:effectRef>
+          <a:fontRef idx="minor">
+            <a:schemeClr val="lt1"/>
+          </a:fontRef>
+        </p:style>
+        <p:txBody>
+          <a:bodyPr rtlCol="0" anchor="ctr"/>
+          <a:lstStyle/>
+          <a:p>
+            <a:pPr algn="ctr"/>
+            <a:r>
+              <a:rPr lang="de-DE" dirty="0" smtClean="0"/>
+              <a:t>Bohrungen</a:t>
+            </a:r>
+            <a:endParaRPr lang="de-DE" dirty="0"/>
+          </a:p>
+        </p:txBody>
+      </p:sp>
+      <p:sp>
+        <p:nvSpPr>
+          <p:cNvPr id="7" name="Flussdiagramm: Alternativer Prozess 6"/>
+          <p:cNvSpPr/>
+          <p:nvPr/>
+        </p:nvSpPr>
+        <p:spPr>
+          <a:xfrm>
+            <a:off x="2971800" y="5105854"/>
+            <a:ext cx="2743200" cy="612648"/>
+          </a:xfrm>
+          <a:prstGeom prst="flowChartAlternateProcess">
+            <a:avLst/>
+          </a:prstGeom>
+          <a:solidFill>
+            <a:schemeClr val="accent1"/>
+          </a:solidFill>
+          <a:ln>
+            <a:solidFill>
+              <a:schemeClr val="accent1"/>
+            </a:solidFill>
+          </a:ln>
+        </p:spPr>
+        <p:style>
+          <a:lnRef idx="2">
+            <a:schemeClr val="accent1">
+              <a:shade val="50000"/>
+            </a:schemeClr>
+          </a:lnRef>
+          <a:fillRef idx="1">
+            <a:schemeClr val="accent1"/>
+          </a:fillRef>
+          <a:effectRef idx="0">
+            <a:schemeClr val="accent1"/>
+          </a:effectRef>
+          <a:fontRef idx="minor">
+            <a:schemeClr val="lt1"/>
+          </a:fontRef>
+        </p:style>
+        <p:txBody>
+          <a:bodyPr rtlCol="0" anchor="ctr"/>
+          <a:lstStyle/>
+          <a:p>
+            <a:pPr algn="ctr"/>
+            <a:r>
+              <a:rPr lang="de-DE" dirty="0" smtClean="0"/>
+              <a:t>Schäden</a:t>
+            </a:r>
+            <a:endParaRPr lang="de-DE" dirty="0"/>
+          </a:p>
+        </p:txBody>
+      </p:sp>
+      <p:cxnSp>
+        <p:nvCxnSpPr>
+          <p:cNvPr id="11" name="Gerade Verbindung mit Pfeil 10"/>
+          <p:cNvCxnSpPr>
+            <a:stCxn id="4" idx="2"/>
+            <a:endCxn id="5" idx="0"/>
+          </p:cNvCxnSpPr>
+          <p:nvPr/>
+        </p:nvCxnSpPr>
+        <p:spPr>
+          <a:xfrm>
+            <a:off x="4343400" y="1653248"/>
+            <a:ext cx="0" cy="744496"/>
+          </a:xfrm>
+          <a:prstGeom prst="straightConnector1">
+            <a:avLst/>
+          </a:prstGeom>
+          <a:ln>
+            <a:solidFill>
+              <a:schemeClr val="accent1">
+                <a:alpha val="25000"/>
+              </a:schemeClr>
+            </a:solidFill>
+            <a:tailEnd type="triangle"/>
+          </a:ln>
+        </p:spPr>
+        <p:style>
+          <a:lnRef idx="3">
+            <a:schemeClr val="accent1"/>
+          </a:lnRef>
+          <a:fillRef idx="0">
+            <a:schemeClr val="accent1"/>
+          </a:fillRef>
+          <a:effectRef idx="2">
+            <a:schemeClr val="accent1"/>
+          </a:effectRef>
+          <a:fontRef idx="minor">
+            <a:schemeClr val="tx1"/>
+          </a:fontRef>
+        </p:style>
+      </p:cxnSp>
+      <p:cxnSp>
+        <p:nvCxnSpPr>
+          <p:cNvPr id="13" name="Gerade Verbindung mit Pfeil 12"/>
+          <p:cNvCxnSpPr/>
+          <p:nvPr/>
+        </p:nvCxnSpPr>
+        <p:spPr>
+          <a:xfrm>
+            <a:off x="4343400" y="3004214"/>
+            <a:ext cx="0" cy="744496"/>
+          </a:xfrm>
+          <a:prstGeom prst="straightConnector1">
+            <a:avLst/>
+          </a:prstGeom>
+          <a:ln>
+            <a:solidFill>
+              <a:schemeClr val="accent1">
+                <a:alpha val="25000"/>
+              </a:schemeClr>
+            </a:solidFill>
+            <a:tailEnd type="triangle"/>
+          </a:ln>
+        </p:spPr>
+        <p:style>
+          <a:lnRef idx="3">
+            <a:schemeClr val="accent1"/>
+          </a:lnRef>
+          <a:fillRef idx="0">
+            <a:schemeClr val="accent1"/>
+          </a:fillRef>
+          <a:effectRef idx="2">
+            <a:schemeClr val="accent1"/>
+          </a:effectRef>
+          <a:fontRef idx="minor">
+            <a:schemeClr val="tx1"/>
+          </a:fontRef>
+        </p:style>
+      </p:cxnSp>
+      <p:cxnSp>
+        <p:nvCxnSpPr>
+          <p:cNvPr id="14" name="Gerade Verbindung mit Pfeil 13"/>
+          <p:cNvCxnSpPr/>
+          <p:nvPr/>
+        </p:nvCxnSpPr>
+        <p:spPr>
+          <a:xfrm>
+            <a:off x="4333103" y="4361358"/>
+            <a:ext cx="0" cy="744496"/>
+          </a:xfrm>
+          <a:prstGeom prst="straightConnector1">
+            <a:avLst/>
+          </a:prstGeom>
+          <a:ln>
+            <a:solidFill>
+              <a:schemeClr val="accent1">
+                <a:alpha val="25000"/>
+              </a:schemeClr>
+            </a:solidFill>
+            <a:tailEnd type="triangle"/>
+          </a:ln>
+        </p:spPr>
+        <p:style>
+          <a:lnRef idx="3">
+            <a:schemeClr val="accent1"/>
+          </a:lnRef>
+          <a:fillRef idx="0">
+            <a:schemeClr val="accent1"/>
+          </a:fillRef>
+          <a:effectRef idx="2">
+            <a:schemeClr val="accent1"/>
+          </a:effectRef>
+          <a:fontRef idx="minor">
+            <a:schemeClr val="tx1"/>
+          </a:fontRef>
+        </p:style>
+      </p:cxnSp>
+    </p:spTree>
+    <p:extLst>
+      <p:ext uri="{BB962C8B-B14F-4D97-AF65-F5344CB8AC3E}">
+        <p14:creationId xmlns:p14="http://schemas.microsoft.com/office/powerpoint/2010/main" val="1212497302"/>
+      </p:ext>
+    </p:extLst>
+  </p:cSld>
+  <p:clrMapOvr>
+    <a:masterClrMapping/>
+  </p:clrMapOvr>
+  <p:timing>
+    <p:tnLst>
+      <p:par>
+        <p:cTn id="1" dur="indefinite" restart="never" nodeType="tmRoot"/>
+      </p:par>
+    </p:tnLst>
+  </p:timing>
+</p:sld>
+</file>
+
+<file path=ppt/slides/slide16.xml><?xml version="1.0" encoding="utf-8"?>
+<p:sld xmlns:a="http://schemas.openxmlformats.org/drawingml/2006/main" xmlns:r="http://schemas.openxmlformats.org/officeDocument/2006/relationships" xmlns:p="http://schemas.openxmlformats.org/presentationml/2006/main">
+  <p:cSld>
+    <p:spTree>
+      <p:nvGrpSpPr>
+        <p:cNvPr id="1" name=""/>
+        <p:cNvGrpSpPr/>
+        <p:nvPr/>
+      </p:nvGrpSpPr>
+      <p:grpSpPr>
+        <a:xfrm>
+          <a:off x="0" y="0"/>
+          <a:ext cx="0" cy="0"/>
+          <a:chOff x="0" y="0"/>
+          <a:chExt cx="0" cy="0"/>
+        </a:xfrm>
+      </p:grpSpPr>
+      <p:sp>
+        <p:nvSpPr>
+          <p:cNvPr id="2" name="Titel 1"/>
+          <p:cNvSpPr>
+            <a:spLocks noGrp="1"/>
+          </p:cNvSpPr>
+          <p:nvPr>
+            <p:ph type="title"/>
+          </p:nvPr>
+        </p:nvSpPr>
+        <p:spPr/>
+        <p:txBody>
+          <a:bodyPr/>
+          <a:lstStyle/>
+          <a:p>
+            <a:r>
+              <a:rPr lang="de-DE" dirty="0" smtClean="0"/>
+              <a:t>Prüfen auf Beschädigungen</a:t>
+            </a:r>
+            <a:endParaRPr lang="de-DE" dirty="0"/>
+          </a:p>
+        </p:txBody>
+      </p:sp>
+      <p:sp>
+        <p:nvSpPr>
+          <p:cNvPr id="3" name="Inhaltsplatzhalter 2"/>
+          <p:cNvSpPr>
+            <a:spLocks noGrp="1"/>
+          </p:cNvSpPr>
+          <p:nvPr>
+            <p:ph idx="1"/>
+          </p:nvPr>
+        </p:nvSpPr>
+        <p:spPr/>
+        <p:txBody>
+          <a:bodyPr/>
+          <a:lstStyle/>
+          <a:p>
+            <a:r>
+              <a:rPr lang="de-DE" dirty="0" smtClean="0"/>
+              <a:t>Maskieren des Werkstücks</a:t>
+            </a:r>
+          </a:p>
+          <a:p>
+            <a:r>
+              <a:rPr lang="de-DE" dirty="0" smtClean="0"/>
+              <a:t>Filtern</a:t>
+            </a:r>
+          </a:p>
+          <a:p>
+            <a:pPr lvl="1"/>
+            <a:r>
+              <a:rPr lang="de-DE" dirty="0" err="1" smtClean="0"/>
+              <a:t>Guided</a:t>
+            </a:r>
+            <a:r>
+              <a:rPr lang="de-DE" dirty="0" smtClean="0"/>
+              <a:t> Image Filter</a:t>
+            </a:r>
+          </a:p>
+          <a:p>
+            <a:r>
+              <a:rPr lang="de-DE" dirty="0" smtClean="0"/>
+              <a:t>Kantendetektion mit </a:t>
+            </a:r>
+            <a:r>
+              <a:rPr lang="de-DE" dirty="0" err="1" smtClean="0"/>
+              <a:t>Canny</a:t>
+            </a:r>
+            <a:endParaRPr lang="de-DE" dirty="0" smtClean="0"/>
+          </a:p>
+          <a:p>
+            <a:r>
+              <a:rPr lang="de-DE" dirty="0" smtClean="0"/>
+              <a:t>Kanten und Bohrungen entfernen</a:t>
+            </a:r>
+          </a:p>
+          <a:p>
+            <a:r>
+              <a:rPr lang="de-DE" dirty="0" smtClean="0"/>
+              <a:t>Cluster finden</a:t>
+            </a:r>
+          </a:p>
+          <a:p>
+            <a:r>
+              <a:rPr lang="de-DE" dirty="0" smtClean="0"/>
+              <a:t>Zusätzlich: Überprüfung des Stegs</a:t>
+            </a:r>
+          </a:p>
+          <a:p>
+            <a:pPr lvl="1"/>
+            <a:r>
+              <a:rPr lang="de-DE" dirty="0" err="1" smtClean="0"/>
+              <a:t>Threshold</a:t>
+            </a:r>
+            <a:endParaRPr lang="de-DE" dirty="0"/>
+          </a:p>
+        </p:txBody>
+      </p:sp>
+    </p:spTree>
+  </p:cSld>
+  <p:clrMapOvr>
+    <a:masterClrMapping/>
+  </p:clrMapOvr>
+  <p:timing>
+    <p:tnLst>
+      <p:par>
+        <p:cTn id="1" dur="indefinite" restart="never" nodeType="tmRoot"/>
+      </p:par>
+    </p:tnLst>
+  </p:timing>
+</p:sld>
+</file>
+
+<file path=ppt/slides/slide17.xml><?xml version="1.0" encoding="utf-8"?>
 <p:sld xmlns:a="http://schemas.openxmlformats.org/drawingml/2006/main" xmlns:r="http://schemas.openxmlformats.org/officeDocument/2006/relationships" xmlns:p="http://schemas.openxmlformats.org/presentationml/2006/main">
   <p:cSld>
     <p:spTree>
@@ -6191,84 +7620,51 @@
           <a:lstStyle/>
           <a:p>
             <a:r>
-              <a:rPr lang="en-US" sz="2400" dirty="0" err="1" smtClean="0"/>
-              <a:t>Werkstück</a:t>
-            </a:r>
-            <a:r>
-              <a:rPr lang="en-US" sz="2400" dirty="0" smtClean="0"/>
-              <a:t> &amp; </a:t>
-            </a:r>
-            <a:r>
-              <a:rPr lang="en-US" sz="2400" dirty="0" err="1" smtClean="0"/>
-              <a:t>Prüfaufgaben</a:t>
-            </a:r>
-            <a:endParaRPr lang="en-US" sz="2400" dirty="0" smtClean="0"/>
-          </a:p>
-          <a:p>
-            <a:r>
-              <a:rPr lang="en-US" sz="2400" dirty="0" err="1" smtClean="0"/>
+              <a:rPr lang="de-DE" sz="2400" dirty="0" smtClean="0"/>
+              <a:t>Werkstück &amp; Prüfaufgaben</a:t>
+            </a:r>
+          </a:p>
+          <a:p>
+            <a:r>
+              <a:rPr lang="de-DE" sz="2400" dirty="0" smtClean="0"/>
               <a:t>Aufbau</a:t>
             </a:r>
-            <a:endParaRPr lang="en-US" sz="2400" dirty="0" smtClean="0"/>
-          </a:p>
-          <a:p>
-            <a:r>
-              <a:rPr lang="en-US" sz="2400" dirty="0" err="1" smtClean="0"/>
-              <a:t>Verwendete</a:t>
-            </a:r>
-            <a:r>
-              <a:rPr lang="en-US" sz="2400" dirty="0" smtClean="0"/>
-              <a:t> Software</a:t>
-            </a:r>
-          </a:p>
-          <a:p>
-            <a:r>
-              <a:rPr lang="en-US" sz="2400" dirty="0" err="1" smtClean="0"/>
-              <a:t>Unterschied</a:t>
-            </a:r>
-            <a:r>
-              <a:rPr lang="en-US" sz="2400" dirty="0" smtClean="0"/>
-              <a:t> </a:t>
-            </a:r>
-            <a:r>
-              <a:rPr lang="en-US" sz="2400" dirty="0" err="1" smtClean="0"/>
-              <a:t>Modell</a:t>
-            </a:r>
-            <a:r>
-              <a:rPr lang="en-US" sz="2400" dirty="0" smtClean="0"/>
-              <a:t> &amp; </a:t>
-            </a:r>
-            <a:r>
-              <a:rPr lang="en-US" sz="2400" dirty="0" err="1" smtClean="0"/>
-              <a:t>Aufnahme</a:t>
-            </a:r>
-            <a:endParaRPr lang="en-US" sz="2400" dirty="0" smtClean="0"/>
-          </a:p>
-          <a:p>
-            <a:r>
-              <a:rPr lang="en-US" sz="2400" dirty="0" err="1" smtClean="0"/>
+          </a:p>
+          <a:p>
+            <a:r>
+              <a:rPr lang="de-DE" sz="2400" dirty="0" smtClean="0"/>
+              <a:t>Verwendete Software</a:t>
+            </a:r>
+          </a:p>
+          <a:p>
+            <a:r>
+              <a:rPr lang="de-DE" sz="2400" dirty="0" smtClean="0"/>
+              <a:t>Unterschied Modell &amp; Aufnahme</a:t>
+            </a:r>
+          </a:p>
+          <a:p>
+            <a:r>
+              <a:rPr lang="de-DE" sz="2400" dirty="0" smtClean="0"/>
               <a:t>Vorgehensweise</a:t>
             </a:r>
-            <a:endParaRPr lang="en-US" sz="2400" dirty="0" smtClean="0"/>
-          </a:p>
-          <a:p>
-            <a:r>
-              <a:rPr lang="en-US" sz="2400" dirty="0" err="1" smtClean="0"/>
+          </a:p>
+          <a:p>
+            <a:r>
+              <a:rPr lang="de-DE" sz="2400" dirty="0" smtClean="0"/>
               <a:t>Vorführung</a:t>
             </a:r>
-            <a:endParaRPr lang="en-US" sz="2400" dirty="0" smtClean="0"/>
           </a:p>
           <a:p>
             <a:pPr>
               <a:buNone/>
             </a:pPr>
-            <a:endParaRPr lang="en-US" sz="2400" dirty="0" smtClean="0"/>
+            <a:endParaRPr lang="de-DE" sz="2400" dirty="0" smtClean="0"/>
           </a:p>
           <a:p>
             <a:pPr>
               <a:buNone/>
             </a:pPr>
-            <a:endParaRPr lang="en-US" sz="2400" dirty="0"/>
+            <a:endParaRPr lang="de-DE" sz="2400" dirty="0"/>
           </a:p>
         </p:txBody>
       </p:sp>
@@ -6320,18 +7716,10 @@
           <a:lstStyle/>
           <a:p>
             <a:r>
-              <a:rPr lang="en-US" dirty="0" err="1" smtClean="0"/>
-              <a:t>Werkstück</a:t>
-            </a:r>
-            <a:r>
-              <a:rPr lang="en-US" dirty="0" smtClean="0"/>
-              <a:t> &amp; </a:t>
-            </a:r>
-            <a:r>
-              <a:rPr lang="en-US" dirty="0" err="1" smtClean="0"/>
-              <a:t>Prüfaufgaben</a:t>
-            </a:r>
-            <a:endParaRPr lang="en-US" dirty="0"/>
+              <a:rPr lang="de-DE" dirty="0" smtClean="0"/>
+              <a:t>Werkstück &amp; Prüfaufgaben</a:t>
+            </a:r>
+            <a:endParaRPr lang="de-DE" dirty="0"/>
           </a:p>
         </p:txBody>
       </p:sp>
@@ -6351,175 +7739,78 @@
           <a:lstStyle/>
           <a:p>
             <a:r>
-              <a:rPr lang="en-US" dirty="0" err="1" smtClean="0"/>
-              <a:t>Maße</a:t>
-            </a:r>
-            <a:r>
-              <a:rPr lang="en-US" dirty="0" smtClean="0"/>
-              <a:t> 8x8cm</a:t>
-            </a:r>
-          </a:p>
-          <a:p>
-            <a:r>
-              <a:rPr lang="en-US" dirty="0" smtClean="0"/>
-              <a:t>4x 5mm </a:t>
-            </a:r>
-            <a:r>
-              <a:rPr lang="en-US" dirty="0" err="1" smtClean="0"/>
-              <a:t>Bohrung</a:t>
-            </a:r>
-            <a:endParaRPr lang="en-US" dirty="0" smtClean="0"/>
-          </a:p>
-          <a:p>
-            <a:r>
-              <a:rPr lang="en-US" dirty="0" smtClean="0"/>
-              <a:t>2x 7mm </a:t>
-            </a:r>
-            <a:r>
-              <a:rPr lang="en-US" dirty="0" err="1" smtClean="0"/>
-              <a:t>Bohrung</a:t>
-            </a:r>
-            <a:endParaRPr lang="en-US" dirty="0" smtClean="0"/>
-          </a:p>
-          <a:p>
-            <a:r>
-              <a:rPr lang="en-US" dirty="0" err="1" smtClean="0"/>
-              <a:t>Mittler</a:t>
-            </a:r>
-            <a:r>
-              <a:rPr lang="en-US" dirty="0" smtClean="0"/>
-              <a:t> </a:t>
-            </a:r>
-            <a:r>
-              <a:rPr lang="en-US" dirty="0" err="1" smtClean="0"/>
-              <a:t>Steg</a:t>
-            </a:r>
-            <a:r>
-              <a:rPr lang="en-US" dirty="0" smtClean="0"/>
-              <a:t> </a:t>
-            </a:r>
-            <a:r>
-              <a:rPr lang="en-US" dirty="0" err="1" smtClean="0"/>
-              <a:t>Maß</a:t>
-            </a:r>
-            <a:r>
-              <a:rPr lang="en-US" dirty="0" smtClean="0"/>
-              <a:t> 1mm</a:t>
+              <a:rPr lang="de-DE" dirty="0" smtClean="0"/>
+              <a:t>Maße 8x8cm</a:t>
+            </a:r>
+          </a:p>
+          <a:p>
+            <a:r>
+              <a:rPr lang="de-DE" dirty="0" smtClean="0"/>
+              <a:t>4x 5mm Bohrung</a:t>
+            </a:r>
+          </a:p>
+          <a:p>
+            <a:r>
+              <a:rPr lang="de-DE" dirty="0" smtClean="0"/>
+              <a:t>2x 7mm Bohrung</a:t>
+            </a:r>
+          </a:p>
+          <a:p>
+            <a:r>
+              <a:rPr lang="de-DE" dirty="0" smtClean="0"/>
+              <a:t>Mittler Steg Maß 1mm</a:t>
             </a:r>
           </a:p>
           <a:p>
             <a:pPr>
               <a:buNone/>
             </a:pPr>
-            <a:endParaRPr lang="en-US" dirty="0" smtClean="0"/>
-          </a:p>
-          <a:p>
-            <a:r>
-              <a:rPr lang="en-US" dirty="0" err="1" smtClean="0"/>
-              <a:t>Abmessung</a:t>
-            </a:r>
-            <a:r>
-              <a:rPr lang="en-US" dirty="0" smtClean="0"/>
-              <a:t> </a:t>
-            </a:r>
-            <a:r>
-              <a:rPr lang="en-US" dirty="0" err="1" smtClean="0"/>
-              <a:t>Werkstück</a:t>
-            </a:r>
-            <a:r>
-              <a:rPr lang="en-US" dirty="0" smtClean="0"/>
-              <a:t> (</a:t>
-            </a:r>
-            <a:r>
-              <a:rPr lang="en-US" dirty="0" err="1" smtClean="0"/>
-              <a:t>Toleranz</a:t>
-            </a:r>
-            <a:r>
-              <a:rPr lang="en-US" dirty="0" smtClean="0"/>
-              <a:t> 2mm)</a:t>
-            </a:r>
-          </a:p>
-          <a:p>
-            <a:r>
-              <a:rPr lang="en-US" dirty="0" err="1" smtClean="0"/>
-              <a:t>Bohrungen</a:t>
-            </a:r>
-            <a:r>
-              <a:rPr lang="en-US" dirty="0" smtClean="0"/>
-              <a:t> (</a:t>
-            </a:r>
-            <a:r>
-              <a:rPr lang="en-US" dirty="0" err="1" smtClean="0"/>
-              <a:t>Toleranz</a:t>
-            </a:r>
-            <a:r>
-              <a:rPr lang="en-US" dirty="0" smtClean="0"/>
-              <a:t> 2mm)</a:t>
+            <a:endParaRPr lang="de-DE" dirty="0" smtClean="0"/>
+          </a:p>
+          <a:p>
+            <a:r>
+              <a:rPr lang="de-DE" dirty="0" smtClean="0"/>
+              <a:t>Abmessung Werkstück (Toleranz 2mm)</a:t>
+            </a:r>
+          </a:p>
+          <a:p>
+            <a:r>
+              <a:rPr lang="de-DE" dirty="0" smtClean="0"/>
+              <a:t>Bohrungen (Toleranz 2mm)</a:t>
             </a:r>
           </a:p>
           <a:p>
             <a:pPr lvl="1"/>
             <a:r>
-              <a:rPr lang="en-US" dirty="0" err="1" smtClean="0"/>
+              <a:rPr lang="de-DE" dirty="0" smtClean="0"/>
               <a:t>Existenz</a:t>
             </a:r>
-            <a:endParaRPr lang="en-US" dirty="0" smtClean="0"/>
           </a:p>
           <a:p>
             <a:pPr lvl="1"/>
             <a:r>
-              <a:rPr lang="en-US" dirty="0" err="1" smtClean="0"/>
+              <a:rPr lang="de-DE" dirty="0" smtClean="0"/>
               <a:t>Durchmesser</a:t>
             </a:r>
-            <a:endParaRPr lang="en-US" dirty="0" smtClean="0"/>
           </a:p>
           <a:p>
             <a:pPr lvl="1"/>
             <a:r>
-              <a:rPr lang="en-US" dirty="0" err="1" smtClean="0"/>
-              <a:t>Korrekte</a:t>
-            </a:r>
-            <a:r>
-              <a:rPr lang="en-US" dirty="0" smtClean="0"/>
-              <a:t> Position</a:t>
-            </a:r>
-          </a:p>
-          <a:p>
-            <a:r>
-              <a:rPr lang="en-US" dirty="0" err="1" smtClean="0"/>
-              <a:t>Tiefe</a:t>
-            </a:r>
-            <a:r>
-              <a:rPr lang="en-US" dirty="0" smtClean="0"/>
-              <a:t> </a:t>
-            </a:r>
-            <a:r>
-              <a:rPr lang="en-US" dirty="0" err="1" smtClean="0"/>
-              <a:t>Kratzer</a:t>
-            </a:r>
-            <a:r>
-              <a:rPr lang="en-US" dirty="0" smtClean="0"/>
-              <a:t> und </a:t>
-            </a:r>
-            <a:r>
-              <a:rPr lang="en-US" dirty="0" err="1" smtClean="0"/>
-              <a:t>strukturelle</a:t>
-            </a:r>
-            <a:r>
-              <a:rPr lang="en-US" dirty="0" smtClean="0"/>
-              <a:t> </a:t>
-            </a:r>
-            <a:r>
-              <a:rPr lang="en-US" dirty="0" err="1" smtClean="0"/>
-              <a:t>Schäden</a:t>
-            </a:r>
-            <a:endParaRPr lang="en-US" dirty="0" smtClean="0"/>
+              <a:rPr lang="de-DE" dirty="0" smtClean="0"/>
+              <a:t>Korrekte Position</a:t>
+            </a:r>
+          </a:p>
+          <a:p>
+            <a:r>
+              <a:rPr lang="de-DE" dirty="0" smtClean="0"/>
+              <a:t>Tiefe Kratzer und strukturelle Schäden</a:t>
+            </a:r>
           </a:p>
           <a:p>
             <a:pPr>
               <a:buNone/>
             </a:pPr>
-            <a:endParaRPr lang="en-US" dirty="0"/>
+            <a:endParaRPr lang="de-DE" dirty="0"/>
           </a:p>
         </p:txBody>
       </p:sp>
@@ -6619,10 +7910,10 @@
           <a:lstStyle/>
           <a:p>
             <a:r>
-              <a:rPr lang="en-US" dirty="0" err="1" smtClean="0"/>
+              <a:rPr lang="de-DE" dirty="0" smtClean="0"/>
               <a:t>Aufbau</a:t>
             </a:r>
-            <a:endParaRPr lang="en-US" dirty="0"/>
+            <a:endParaRPr lang="de-DE" dirty="0"/>
           </a:p>
         </p:txBody>
       </p:sp>
@@ -6642,80 +7933,54 @@
           <a:lstStyle/>
           <a:p>
             <a:r>
-              <a:rPr lang="en-US" dirty="0" smtClean="0"/>
-              <a:t>60 x 60 x 60 cm </a:t>
-            </a:r>
-            <a:r>
-              <a:rPr lang="en-US" dirty="0" err="1" smtClean="0"/>
-              <a:t>Aufbau</a:t>
-            </a:r>
-            <a:endParaRPr lang="en-US" dirty="0" smtClean="0"/>
-          </a:p>
-          <a:p>
-            <a:r>
-              <a:rPr lang="en-US" dirty="0" err="1" smtClean="0"/>
-              <a:t>Kamera</a:t>
-            </a:r>
-            <a:r>
-              <a:rPr lang="en-US" dirty="0" smtClean="0"/>
-              <a:t>: UI-1 460SE-C-HQ</a:t>
+              <a:rPr lang="de-DE" dirty="0" smtClean="0"/>
+              <a:t>60 x 60 x 60 cm Aufbau</a:t>
+            </a:r>
+          </a:p>
+          <a:p>
+            <a:r>
+              <a:rPr lang="de-DE" dirty="0" smtClean="0"/>
+              <a:t>Kamera: UI-1 460SE-C-HQ</a:t>
             </a:r>
           </a:p>
           <a:p>
             <a:pPr lvl="1"/>
             <a:r>
-              <a:rPr lang="en-US" dirty="0" smtClean="0"/>
+              <a:rPr lang="de-DE" dirty="0" smtClean="0"/>
               <a:t>2048 x 1536</a:t>
             </a:r>
           </a:p>
           <a:p>
             <a:r>
-              <a:rPr lang="en-US" dirty="0" err="1" smtClean="0"/>
-              <a:t>Objektiv</a:t>
-            </a:r>
-            <a:r>
-              <a:rPr lang="en-US" dirty="0" smtClean="0"/>
-              <a:t>: Tamron 1:1,6 25mm</a:t>
-            </a:r>
-          </a:p>
-          <a:p>
-            <a:r>
-              <a:rPr lang="en-US" dirty="0" smtClean="0"/>
-              <a:t>2 </a:t>
-            </a:r>
-            <a:r>
-              <a:rPr lang="en-US" dirty="0" err="1" smtClean="0"/>
-              <a:t>Lichter</a:t>
-            </a:r>
-            <a:r>
-              <a:rPr lang="en-US" dirty="0" smtClean="0"/>
-              <a:t> </a:t>
-            </a:r>
-            <a:r>
-              <a:rPr lang="en-US" dirty="0" err="1" smtClean="0"/>
-              <a:t>mit</a:t>
-            </a:r>
-            <a:r>
-              <a:rPr lang="en-US" dirty="0" smtClean="0"/>
-              <a:t> </a:t>
-            </a:r>
-            <a:r>
-              <a:rPr lang="en-US" dirty="0" err="1" smtClean="0"/>
-              <a:t>Diffusor</a:t>
-            </a:r>
-            <a:endParaRPr lang="en-US" dirty="0" smtClean="0"/>
+              <a:rPr lang="de-DE" dirty="0" smtClean="0"/>
+              <a:t>Objektiv: </a:t>
+            </a:r>
+            <a:r>
+              <a:rPr lang="de-DE" dirty="0" err="1" smtClean="0"/>
+              <a:t>Tamron</a:t>
+            </a:r>
+            <a:r>
+              <a:rPr lang="de-DE" dirty="0" smtClean="0"/>
+              <a:t> 1:1,6 25mm</a:t>
+            </a:r>
+          </a:p>
+          <a:p>
+            <a:r>
+              <a:rPr lang="de-DE" dirty="0" smtClean="0"/>
+              <a:t>2 Lichter mit Diffusor</a:t>
+            </a:r>
           </a:p>
           <a:p>
             <a:pPr>
               <a:buNone/>
             </a:pPr>
-            <a:endParaRPr lang="en-US" dirty="0" smtClean="0"/>
-          </a:p>
-          <a:p>
-            <a:endParaRPr lang="en-US" dirty="0" smtClean="0"/>
-          </a:p>
-          <a:p>
-            <a:endParaRPr lang="en-US" dirty="0"/>
+            <a:endParaRPr lang="de-DE" dirty="0" smtClean="0"/>
+          </a:p>
+          <a:p>
+            <a:endParaRPr lang="de-DE" dirty="0" smtClean="0"/>
+          </a:p>
+          <a:p>
+            <a:endParaRPr lang="de-DE" dirty="0"/>
           </a:p>
         </p:txBody>
       </p:sp>
@@ -6832,14 +8097,10 @@
           <a:lstStyle/>
           <a:p>
             <a:r>
-              <a:rPr lang="en-US" dirty="0" err="1" smtClean="0"/>
-              <a:t>Verwendete</a:t>
-            </a:r>
-            <a:r>
-              <a:rPr lang="en-US" dirty="0" smtClean="0"/>
-              <a:t> Software</a:t>
-            </a:r>
-            <a:endParaRPr lang="en-US" dirty="0"/>
+              <a:rPr lang="de-DE" dirty="0" smtClean="0"/>
+              <a:t>Verwendete Software</a:t>
+            </a:r>
+            <a:endParaRPr lang="de-DE" dirty="0"/>
           </a:p>
         </p:txBody>
       </p:sp>
@@ -7069,26 +8330,10 @@
           <a:lstStyle/>
           <a:p>
             <a:r>
-              <a:rPr lang="en-US" dirty="0" err="1" smtClean="0"/>
-              <a:t>Unterschied</a:t>
-            </a:r>
-            <a:r>
-              <a:rPr lang="en-US" dirty="0" smtClean="0"/>
-              <a:t> </a:t>
-            </a:r>
-            <a:r>
-              <a:rPr lang="en-US" dirty="0" err="1" smtClean="0"/>
-              <a:t>Modell</a:t>
-            </a:r>
-            <a:r>
-              <a:rPr lang="en-US" dirty="0" smtClean="0"/>
-              <a:t> &amp; </a:t>
-            </a:r>
-            <a:r>
-              <a:rPr lang="en-US" dirty="0" err="1" smtClean="0"/>
-              <a:t>Aufnahme</a:t>
-            </a:r>
-            <a:endParaRPr lang="en-US" dirty="0"/>
+              <a:rPr lang="de-DE" dirty="0" smtClean="0"/>
+              <a:t>Unterschied Modell &amp; Aufnahme</a:t>
+            </a:r>
+            <a:endParaRPr lang="de-DE" dirty="0"/>
           </a:p>
         </p:txBody>
       </p:sp>
@@ -7108,57 +8353,30 @@
           <a:lstStyle/>
           <a:p>
             <a:r>
-              <a:rPr lang="en-US" dirty="0" err="1" smtClean="0"/>
-              <a:t>Perfekte</a:t>
-            </a:r>
-            <a:r>
-              <a:rPr lang="en-US" dirty="0" smtClean="0"/>
-              <a:t> </a:t>
-            </a:r>
-            <a:r>
-              <a:rPr lang="en-US" dirty="0" err="1" smtClean="0"/>
-              <a:t>Beleuchtung</a:t>
-            </a:r>
-            <a:endParaRPr lang="en-US" dirty="0" smtClean="0"/>
+              <a:rPr lang="de-DE" dirty="0" smtClean="0"/>
+              <a:t>Perfekte Beleuchtung</a:t>
+            </a:r>
           </a:p>
           <a:p>
             <a:pPr lvl="1"/>
             <a:r>
-              <a:rPr lang="en-US" dirty="0" err="1" smtClean="0"/>
-              <a:t>Perfekte</a:t>
-            </a:r>
-            <a:r>
-              <a:rPr lang="en-US" dirty="0" smtClean="0"/>
-              <a:t> </a:t>
-            </a:r>
-            <a:r>
-              <a:rPr lang="en-US" dirty="0" err="1" smtClean="0"/>
-              <a:t>Kanten</a:t>
-            </a:r>
-            <a:endParaRPr lang="en-US" dirty="0" smtClean="0"/>
+              <a:rPr lang="de-DE" dirty="0" smtClean="0"/>
+              <a:t>Perfekte Kanten</a:t>
+            </a:r>
           </a:p>
           <a:p>
             <a:pPr lvl="1"/>
             <a:r>
-              <a:rPr lang="en-US" dirty="0" err="1" smtClean="0"/>
-              <a:t>Perfekte</a:t>
-            </a:r>
-            <a:r>
-              <a:rPr lang="en-US" dirty="0" smtClean="0"/>
-              <a:t> </a:t>
-            </a:r>
-            <a:r>
-              <a:rPr lang="en-US" dirty="0" err="1" smtClean="0"/>
-              <a:t>Genauigkeit</a:t>
-            </a:r>
-            <a:endParaRPr lang="en-US" dirty="0" smtClean="0"/>
+              <a:rPr lang="de-DE" dirty="0" smtClean="0"/>
+              <a:t>Perfekte Genauigkeit</a:t>
+            </a:r>
           </a:p>
           <a:p>
             <a:pPr lvl="1"/>
-            <a:endParaRPr lang="en-US" dirty="0" smtClean="0"/>
-          </a:p>
-          <a:p>
-            <a:endParaRPr lang="en-US" dirty="0"/>
+            <a:endParaRPr lang="de-DE" dirty="0" smtClean="0"/>
+          </a:p>
+          <a:p>
+            <a:endParaRPr lang="de-DE" dirty="0"/>
           </a:p>
         </p:txBody>
       </p:sp>
@@ -7226,7 +8444,7 @@
 </file>
 
 <file path=ppt/slides/slide7.xml><?xml version="1.0" encoding="utf-8"?>
-<p:sld xmlns:a="http://schemas.openxmlformats.org/drawingml/2006/main" xmlns:r="http://schemas.openxmlformats.org/officeDocument/2006/relationships" xmlns:p="http://schemas.openxmlformats.org/presentationml/2006/main">
+<p:sld xmlns:a="http://schemas.openxmlformats.org/drawingml/2006/main" xmlns:r="http://schemas.openxmlformats.org/officeDocument/2006/relationships" xmlns:p="http://schemas.openxmlformats.org/presentationml/2006/main" show="0">
   <p:cSld>
     <p:spTree>
       <p:nvGrpSpPr>
@@ -7313,6 +8531,14 @@
   <p:clrMapOvr>
     <a:masterClrMapping/>
   </p:clrMapOvr>
+  <mc:AlternateContent xmlns:mc="http://schemas.openxmlformats.org/markup-compatibility/2006">
+    <mc:Choice xmlns:p14="http://schemas.microsoft.com/office/powerpoint/2010/main" Requires="p14">
+      <p:transition spd="slow" p14:dur="2000"/>
+    </mc:Choice>
+    <mc:Fallback>
+      <p:transition spd="slow"/>
+    </mc:Fallback>
+  </mc:AlternateContent>
   <p:timing>
     <p:tnLst>
       <p:par>
@@ -7356,37 +8582,297 @@
           <a:lstStyle/>
           <a:p>
             <a:r>
-              <a:rPr lang="en-US" dirty="0" err="1" smtClean="0"/>
-              <a:t>Kalibrierung</a:t>
-            </a:r>
-            <a:endParaRPr lang="en-US" dirty="0"/>
+              <a:rPr lang="de-DE" dirty="0" smtClean="0"/>
+              <a:t>Programm-Ablauf</a:t>
+            </a:r>
+            <a:endParaRPr lang="de-DE" dirty="0"/>
           </a:p>
         </p:txBody>
       </p:sp>
       <p:sp>
         <p:nvSpPr>
-          <p:cNvPr id="3" name="Inhaltsplatzhalter 2"/>
-          <p:cNvSpPr>
-            <a:spLocks noGrp="1"/>
-          </p:cNvSpPr>
-          <p:nvPr>
-            <p:ph idx="1"/>
-          </p:nvPr>
+          <p:cNvPr id="4" name="Flussdiagramm: Alternativer Prozess 3"/>
+          <p:cNvSpPr/>
+          <p:nvPr/>
         </p:nvSpPr>
-        <p:spPr/>
+        <p:spPr>
+          <a:xfrm>
+            <a:off x="2971800" y="1040600"/>
+            <a:ext cx="2743200" cy="612648"/>
+          </a:xfrm>
+          <a:prstGeom prst="flowChartAlternateProcess">
+            <a:avLst/>
+          </a:prstGeom>
+        </p:spPr>
+        <p:style>
+          <a:lnRef idx="2">
+            <a:schemeClr val="accent1">
+              <a:shade val="50000"/>
+            </a:schemeClr>
+          </a:lnRef>
+          <a:fillRef idx="1">
+            <a:schemeClr val="accent1"/>
+          </a:fillRef>
+          <a:effectRef idx="0">
+            <a:schemeClr val="accent1"/>
+          </a:effectRef>
+          <a:fontRef idx="minor">
+            <a:schemeClr val="lt1"/>
+          </a:fontRef>
+        </p:style>
         <p:txBody>
-          <a:bodyPr/>
+          <a:bodyPr rtlCol="0" anchor="ctr"/>
           <a:lstStyle/>
           <a:p>
-            <a:r>
-              <a:rPr lang="en-US" dirty="0" err="1" smtClean="0"/>
-              <a:t>aaaa</a:t>
-            </a:r>
-            <a:endParaRPr lang="en-US" dirty="0"/>
+            <a:pPr algn="ctr"/>
+            <a:r>
+              <a:rPr lang="de-DE" dirty="0" smtClean="0"/>
+              <a:t>Kalibrierung</a:t>
+            </a:r>
+            <a:endParaRPr lang="de-DE" dirty="0"/>
           </a:p>
         </p:txBody>
       </p:sp>
+      <p:sp>
+        <p:nvSpPr>
+          <p:cNvPr id="5" name="Flussdiagramm: Alternativer Prozess 4"/>
+          <p:cNvSpPr/>
+          <p:nvPr/>
+        </p:nvSpPr>
+        <p:spPr>
+          <a:xfrm>
+            <a:off x="2971800" y="2397744"/>
+            <a:ext cx="2743200" cy="612648"/>
+          </a:xfrm>
+          <a:prstGeom prst="flowChartAlternateProcess">
+            <a:avLst/>
+          </a:prstGeom>
+        </p:spPr>
+        <p:style>
+          <a:lnRef idx="2">
+            <a:schemeClr val="accent1">
+              <a:shade val="50000"/>
+            </a:schemeClr>
+          </a:lnRef>
+          <a:fillRef idx="1">
+            <a:schemeClr val="accent1"/>
+          </a:fillRef>
+          <a:effectRef idx="0">
+            <a:schemeClr val="accent1"/>
+          </a:effectRef>
+          <a:fontRef idx="minor">
+            <a:schemeClr val="lt1"/>
+          </a:fontRef>
+        </p:style>
+        <p:txBody>
+          <a:bodyPr rtlCol="0" anchor="ctr"/>
+          <a:lstStyle/>
+          <a:p>
+            <a:pPr algn="ctr"/>
+            <a:r>
+              <a:rPr lang="de-DE" dirty="0" smtClean="0"/>
+              <a:t>Lage und Maße</a:t>
+            </a:r>
+            <a:endParaRPr lang="de-DE" dirty="0"/>
+          </a:p>
+        </p:txBody>
+      </p:sp>
+      <p:sp>
+        <p:nvSpPr>
+          <p:cNvPr id="6" name="Flussdiagramm: Alternativer Prozess 5"/>
+          <p:cNvSpPr/>
+          <p:nvPr/>
+        </p:nvSpPr>
+        <p:spPr>
+          <a:xfrm>
+            <a:off x="2986216" y="3748710"/>
+            <a:ext cx="2743200" cy="612648"/>
+          </a:xfrm>
+          <a:prstGeom prst="flowChartAlternateProcess">
+            <a:avLst/>
+          </a:prstGeom>
+        </p:spPr>
+        <p:style>
+          <a:lnRef idx="2">
+            <a:schemeClr val="accent1">
+              <a:shade val="50000"/>
+            </a:schemeClr>
+          </a:lnRef>
+          <a:fillRef idx="1">
+            <a:schemeClr val="accent1"/>
+          </a:fillRef>
+          <a:effectRef idx="0">
+            <a:schemeClr val="accent1"/>
+          </a:effectRef>
+          <a:fontRef idx="minor">
+            <a:schemeClr val="lt1"/>
+          </a:fontRef>
+        </p:style>
+        <p:txBody>
+          <a:bodyPr rtlCol="0" anchor="ctr"/>
+          <a:lstStyle/>
+          <a:p>
+            <a:pPr algn="ctr"/>
+            <a:r>
+              <a:rPr lang="de-DE" dirty="0" smtClean="0"/>
+              <a:t>Bohrungen</a:t>
+            </a:r>
+            <a:endParaRPr lang="de-DE" dirty="0"/>
+          </a:p>
+        </p:txBody>
+      </p:sp>
+      <p:sp>
+        <p:nvSpPr>
+          <p:cNvPr id="7" name="Flussdiagramm: Alternativer Prozess 6"/>
+          <p:cNvSpPr/>
+          <p:nvPr/>
+        </p:nvSpPr>
+        <p:spPr>
+          <a:xfrm>
+            <a:off x="2971800" y="5105854"/>
+            <a:ext cx="2743200" cy="612648"/>
+          </a:xfrm>
+          <a:prstGeom prst="flowChartAlternateProcess">
+            <a:avLst/>
+          </a:prstGeom>
+        </p:spPr>
+        <p:style>
+          <a:lnRef idx="2">
+            <a:schemeClr val="accent1">
+              <a:shade val="50000"/>
+            </a:schemeClr>
+          </a:lnRef>
+          <a:fillRef idx="1">
+            <a:schemeClr val="accent1"/>
+          </a:fillRef>
+          <a:effectRef idx="0">
+            <a:schemeClr val="accent1"/>
+          </a:effectRef>
+          <a:fontRef idx="minor">
+            <a:schemeClr val="lt1"/>
+          </a:fontRef>
+        </p:style>
+        <p:txBody>
+          <a:bodyPr rtlCol="0" anchor="ctr"/>
+          <a:lstStyle/>
+          <a:p>
+            <a:pPr algn="ctr"/>
+            <a:r>
+              <a:rPr lang="de-DE" dirty="0" smtClean="0"/>
+              <a:t>Schäden</a:t>
+            </a:r>
+            <a:endParaRPr lang="de-DE" dirty="0"/>
+          </a:p>
+        </p:txBody>
+      </p:sp>
+      <p:cxnSp>
+        <p:nvCxnSpPr>
+          <p:cNvPr id="11" name="Gerade Verbindung mit Pfeil 10"/>
+          <p:cNvCxnSpPr>
+            <a:stCxn id="4" idx="2"/>
+            <a:endCxn id="5" idx="0"/>
+          </p:cNvCxnSpPr>
+          <p:nvPr/>
+        </p:nvCxnSpPr>
+        <p:spPr>
+          <a:xfrm>
+            <a:off x="4343400" y="1653248"/>
+            <a:ext cx="0" cy="744496"/>
+          </a:xfrm>
+          <a:prstGeom prst="straightConnector1">
+            <a:avLst/>
+          </a:prstGeom>
+          <a:ln>
+            <a:tailEnd type="triangle"/>
+          </a:ln>
+        </p:spPr>
+        <p:style>
+          <a:lnRef idx="3">
+            <a:schemeClr val="accent1"/>
+          </a:lnRef>
+          <a:fillRef idx="0">
+            <a:schemeClr val="accent1"/>
+          </a:fillRef>
+          <a:effectRef idx="2">
+            <a:schemeClr val="accent1"/>
+          </a:effectRef>
+          <a:fontRef idx="minor">
+            <a:schemeClr val="tx1"/>
+          </a:fontRef>
+        </p:style>
+      </p:cxnSp>
+      <p:cxnSp>
+        <p:nvCxnSpPr>
+          <p:cNvPr id="13" name="Gerade Verbindung mit Pfeil 12"/>
+          <p:cNvCxnSpPr/>
+          <p:nvPr/>
+        </p:nvCxnSpPr>
+        <p:spPr>
+          <a:xfrm>
+            <a:off x="4343400" y="3004214"/>
+            <a:ext cx="0" cy="744496"/>
+          </a:xfrm>
+          <a:prstGeom prst="straightConnector1">
+            <a:avLst/>
+          </a:prstGeom>
+          <a:ln>
+            <a:tailEnd type="triangle"/>
+          </a:ln>
+        </p:spPr>
+        <p:style>
+          <a:lnRef idx="3">
+            <a:schemeClr val="accent1"/>
+          </a:lnRef>
+          <a:fillRef idx="0">
+            <a:schemeClr val="accent1"/>
+          </a:fillRef>
+          <a:effectRef idx="2">
+            <a:schemeClr val="accent1"/>
+          </a:effectRef>
+          <a:fontRef idx="minor">
+            <a:schemeClr val="tx1"/>
+          </a:fontRef>
+        </p:style>
+      </p:cxnSp>
+      <p:cxnSp>
+        <p:nvCxnSpPr>
+          <p:cNvPr id="14" name="Gerade Verbindung mit Pfeil 13"/>
+          <p:cNvCxnSpPr/>
+          <p:nvPr/>
+        </p:nvCxnSpPr>
+        <p:spPr>
+          <a:xfrm>
+            <a:off x="4333103" y="4361358"/>
+            <a:ext cx="0" cy="744496"/>
+          </a:xfrm>
+          <a:prstGeom prst="straightConnector1">
+            <a:avLst/>
+          </a:prstGeom>
+          <a:ln>
+            <a:tailEnd type="triangle"/>
+          </a:ln>
+        </p:spPr>
+        <p:style>
+          <a:lnRef idx="3">
+            <a:schemeClr val="accent1"/>
+          </a:lnRef>
+          <a:fillRef idx="0">
+            <a:schemeClr val="accent1"/>
+          </a:fillRef>
+          <a:effectRef idx="2">
+            <a:schemeClr val="accent1"/>
+          </a:effectRef>
+          <a:fontRef idx="minor">
+            <a:schemeClr val="tx1"/>
+          </a:fontRef>
+        </p:style>
+      </p:cxnSp>
     </p:spTree>
+    <p:extLst>
+      <p:ext uri="{BB962C8B-B14F-4D97-AF65-F5344CB8AC3E}">
+        <p14:creationId xmlns:p14="http://schemas.microsoft.com/office/powerpoint/2010/main" val="2825131093"/>
+      </p:ext>
+    </p:extLst>
   </p:cSld>
   <p:clrMapOvr>
     <a:masterClrMapping/>
@@ -7434,450 +8920,358 @@
           <a:lstStyle/>
           <a:p>
             <a:r>
-              <a:rPr lang="en-US" dirty="0" err="1" smtClean="0"/>
-              <a:t>Prüfen</a:t>
-            </a:r>
-            <a:r>
-              <a:rPr lang="en-US" dirty="0" smtClean="0"/>
-              <a:t> </a:t>
-            </a:r>
-            <a:r>
-              <a:rPr lang="en-US" dirty="0" err="1" smtClean="0"/>
-              <a:t>der</a:t>
-            </a:r>
-            <a:r>
-              <a:rPr lang="en-US" dirty="0" smtClean="0"/>
-              <a:t> </a:t>
-            </a:r>
-            <a:r>
-              <a:rPr lang="en-US" dirty="0" err="1" smtClean="0"/>
-              <a:t>Lage</a:t>
-            </a:r>
-            <a:r>
-              <a:rPr lang="en-US" dirty="0" smtClean="0"/>
-              <a:t> und </a:t>
-            </a:r>
-            <a:r>
-              <a:rPr lang="en-US" dirty="0" err="1" smtClean="0"/>
-              <a:t>Abmaße</a:t>
-            </a:r>
-            <a:endParaRPr lang="en-US" dirty="0"/>
+              <a:rPr lang="de-DE" dirty="0" smtClean="0"/>
+              <a:t>Programm-Ablauf</a:t>
+            </a:r>
+            <a:endParaRPr lang="de-DE" dirty="0"/>
           </a:p>
         </p:txBody>
       </p:sp>
       <p:sp>
         <p:nvSpPr>
-          <p:cNvPr id="3" name="Inhaltsplatzhalter 2"/>
-          <p:cNvSpPr>
-            <a:spLocks noGrp="1"/>
-          </p:cNvSpPr>
-          <p:nvPr>
-            <p:ph idx="1"/>
-          </p:nvPr>
+          <p:cNvPr id="4" name="Flussdiagramm: Alternativer Prozess 3"/>
+          <p:cNvSpPr/>
+          <p:nvPr/>
         </p:nvSpPr>
-        <p:spPr/>
+        <p:spPr>
+          <a:xfrm>
+            <a:off x="2971800" y="1040600"/>
+            <a:ext cx="2743200" cy="612648"/>
+          </a:xfrm>
+          <a:prstGeom prst="flowChartAlternateProcess">
+            <a:avLst/>
+          </a:prstGeom>
+          <a:solidFill>
+            <a:schemeClr val="accent1"/>
+          </a:solidFill>
+          <a:ln>
+            <a:solidFill>
+              <a:schemeClr val="accent1">
+                <a:shade val="50000"/>
+              </a:schemeClr>
+            </a:solidFill>
+          </a:ln>
+        </p:spPr>
+        <p:style>
+          <a:lnRef idx="2">
+            <a:schemeClr val="accent1">
+              <a:shade val="50000"/>
+            </a:schemeClr>
+          </a:lnRef>
+          <a:fillRef idx="1">
+            <a:schemeClr val="accent1"/>
+          </a:fillRef>
+          <a:effectRef idx="0">
+            <a:schemeClr val="accent1"/>
+          </a:effectRef>
+          <a:fontRef idx="minor">
+            <a:schemeClr val="lt1"/>
+          </a:fontRef>
+        </p:style>
         <p:txBody>
-          <a:bodyPr/>
+          <a:bodyPr rtlCol="0" anchor="ctr"/>
           <a:lstStyle/>
           <a:p>
-            <a:r>
-              <a:rPr lang="en-US" dirty="0" err="1" smtClean="0"/>
-              <a:t>Bildvorverarbeitung</a:t>
-            </a:r>
-            <a:endParaRPr lang="en-US" dirty="0" smtClean="0"/>
-          </a:p>
-          <a:p>
-            <a:pPr lvl="1"/>
-            <a:r>
-              <a:rPr lang="en-US" dirty="0" err="1" smtClean="0"/>
-              <a:t>Entfernen</a:t>
-            </a:r>
-            <a:r>
-              <a:rPr lang="en-US" dirty="0" smtClean="0"/>
-              <a:t> </a:t>
-            </a:r>
-            <a:r>
-              <a:rPr lang="en-US" dirty="0" err="1" smtClean="0"/>
-              <a:t>der</a:t>
-            </a:r>
-            <a:r>
-              <a:rPr lang="en-US" dirty="0" smtClean="0"/>
-              <a:t> </a:t>
-            </a:r>
-            <a:r>
-              <a:rPr lang="en-US" dirty="0" err="1" smtClean="0"/>
-              <a:t>spekularen</a:t>
-            </a:r>
-            <a:r>
-              <a:rPr lang="en-US" dirty="0" smtClean="0"/>
-              <a:t> </a:t>
-            </a:r>
-            <a:r>
-              <a:rPr lang="en-US" dirty="0" err="1" smtClean="0"/>
-              <a:t>Kante</a:t>
-            </a:r>
-            <a:r>
-              <a:rPr lang="en-US" dirty="0" smtClean="0"/>
-              <a:t> </a:t>
-            </a:r>
-          </a:p>
-          <a:p>
-            <a:pPr lvl="2"/>
-            <a:r>
-              <a:rPr lang="en-US" dirty="0" smtClean="0"/>
-              <a:t>Pixel </a:t>
-            </a:r>
-            <a:r>
-              <a:rPr lang="en-US" dirty="0" err="1" smtClean="0"/>
-              <a:t>mit</a:t>
-            </a:r>
-            <a:r>
-              <a:rPr lang="en-US" dirty="0" smtClean="0"/>
-              <a:t> </a:t>
-            </a:r>
-            <a:r>
-              <a:rPr lang="en-US" dirty="0" err="1" smtClean="0"/>
-              <a:t>Grauwert</a:t>
-            </a:r>
-            <a:r>
-              <a:rPr lang="en-US" dirty="0" smtClean="0"/>
-              <a:t> &gt; 200 </a:t>
-            </a:r>
-            <a:r>
-              <a:rPr lang="en-US" dirty="0" err="1" smtClean="0"/>
-              <a:t>werden</a:t>
-            </a:r>
-            <a:r>
-              <a:rPr lang="en-US" dirty="0" smtClean="0"/>
-              <a:t> auf 0 </a:t>
-            </a:r>
-            <a:r>
-              <a:rPr lang="en-US" dirty="0" err="1" smtClean="0"/>
-              <a:t>gesetzt</a:t>
-            </a:r>
-            <a:endParaRPr lang="en-US" dirty="0" smtClean="0"/>
-          </a:p>
-          <a:p>
-            <a:pPr lvl="1"/>
-            <a:r>
-              <a:rPr lang="en-US" dirty="0" err="1" smtClean="0"/>
-              <a:t>Maskieren</a:t>
-            </a:r>
-            <a:r>
-              <a:rPr lang="en-US" dirty="0" smtClean="0"/>
-              <a:t> </a:t>
-            </a:r>
-            <a:r>
-              <a:rPr lang="en-US" dirty="0" err="1" smtClean="0"/>
-              <a:t>der</a:t>
-            </a:r>
-            <a:r>
-              <a:rPr lang="en-US" dirty="0" smtClean="0"/>
-              <a:t> </a:t>
-            </a:r>
-            <a:r>
-              <a:rPr lang="en-US" dirty="0" err="1" smtClean="0"/>
-              <a:t>Werkstück</a:t>
-            </a:r>
-            <a:r>
-              <a:rPr lang="en-US" dirty="0" smtClean="0"/>
-              <a:t> pixel</a:t>
-            </a:r>
-          </a:p>
-          <a:p>
-            <a:pPr lvl="2"/>
-            <a:r>
-              <a:rPr lang="en-US" dirty="0" smtClean="0"/>
-              <a:t>Pixel </a:t>
-            </a:r>
-            <a:r>
-              <a:rPr lang="en-US" dirty="0" err="1" smtClean="0"/>
-              <a:t>mit</a:t>
-            </a:r>
-            <a:r>
-              <a:rPr lang="en-US" dirty="0" smtClean="0"/>
-              <a:t> </a:t>
-            </a:r>
-            <a:r>
-              <a:rPr lang="en-US" dirty="0" err="1" smtClean="0"/>
-              <a:t>Grauwert</a:t>
-            </a:r>
-            <a:r>
-              <a:rPr lang="en-US" dirty="0" smtClean="0"/>
-              <a:t> &gt;= 70 </a:t>
-            </a:r>
-            <a:r>
-              <a:rPr lang="en-US" dirty="0" err="1" smtClean="0"/>
-              <a:t>werden</a:t>
-            </a:r>
-            <a:r>
-              <a:rPr lang="en-US" dirty="0" smtClean="0"/>
-              <a:t> auf 255 (</a:t>
-            </a:r>
-            <a:r>
-              <a:rPr lang="en-US" dirty="0" err="1" smtClean="0"/>
-              <a:t>weiß</a:t>
-            </a:r>
-            <a:r>
-              <a:rPr lang="en-US" dirty="0" smtClean="0"/>
-              <a:t>) </a:t>
-            </a:r>
-            <a:r>
-              <a:rPr lang="en-US" dirty="0" err="1" smtClean="0"/>
-              <a:t>gesetzt</a:t>
-            </a:r>
-            <a:endParaRPr lang="en-US" dirty="0" smtClean="0"/>
-          </a:p>
-          <a:p>
-            <a:pPr lvl="1"/>
-            <a:r>
-              <a:rPr lang="en-US" dirty="0" err="1" smtClean="0"/>
-              <a:t>Reduktion</a:t>
-            </a:r>
-            <a:r>
-              <a:rPr lang="en-US" dirty="0" smtClean="0"/>
-              <a:t> von Noise</a:t>
-            </a:r>
-          </a:p>
-          <a:p>
-            <a:pPr lvl="2"/>
-            <a:r>
-              <a:rPr lang="en-US" dirty="0" err="1" smtClean="0"/>
-              <a:t>Morphologische</a:t>
-            </a:r>
-            <a:r>
-              <a:rPr lang="en-US" dirty="0" smtClean="0"/>
-              <a:t> Erosion und </a:t>
-            </a:r>
-            <a:r>
-              <a:rPr lang="en-US" dirty="0" err="1" smtClean="0"/>
-              <a:t>Dilitation</a:t>
-            </a:r>
-            <a:endParaRPr lang="en-US" dirty="0" smtClean="0"/>
-          </a:p>
-          <a:p>
-            <a:pPr lvl="1"/>
-            <a:r>
-              <a:rPr lang="en-US" dirty="0" err="1" smtClean="0"/>
-              <a:t>Kantendektion</a:t>
-            </a:r>
-            <a:r>
-              <a:rPr lang="en-US" dirty="0" smtClean="0"/>
-              <a:t> </a:t>
-            </a:r>
-            <a:r>
-              <a:rPr lang="en-US" dirty="0" err="1" smtClean="0"/>
-              <a:t>mit</a:t>
-            </a:r>
-            <a:r>
-              <a:rPr lang="en-US" dirty="0" smtClean="0"/>
-              <a:t> Canny</a:t>
-            </a:r>
-          </a:p>
-          <a:p>
-            <a:pPr lvl="1"/>
-            <a:endParaRPr lang="en-US" dirty="0" smtClean="0"/>
-          </a:p>
-          <a:p>
-            <a:r>
-              <a:rPr lang="en-US" dirty="0" err="1" smtClean="0"/>
-              <a:t>Überprüfen</a:t>
-            </a:r>
-            <a:r>
-              <a:rPr lang="en-US" dirty="0" smtClean="0"/>
-              <a:t> </a:t>
-            </a:r>
-            <a:r>
-              <a:rPr lang="en-US" dirty="0" err="1" smtClean="0"/>
-              <a:t>der</a:t>
-            </a:r>
-            <a:r>
-              <a:rPr lang="en-US" dirty="0" smtClean="0"/>
-              <a:t> </a:t>
-            </a:r>
-            <a:r>
-              <a:rPr lang="en-US" dirty="0" err="1" smtClean="0"/>
-              <a:t>Abmaße</a:t>
-            </a:r>
-            <a:r>
-              <a:rPr lang="en-US" dirty="0" smtClean="0"/>
-              <a:t> und </a:t>
-            </a:r>
-            <a:r>
-              <a:rPr lang="en-US" dirty="0" err="1" smtClean="0"/>
-              <a:t>finden</a:t>
-            </a:r>
-            <a:r>
-              <a:rPr lang="en-US" dirty="0" smtClean="0"/>
-              <a:t> </a:t>
-            </a:r>
-            <a:r>
-              <a:rPr lang="en-US" dirty="0" err="1" smtClean="0"/>
-              <a:t>der</a:t>
-            </a:r>
-            <a:r>
-              <a:rPr lang="en-US" dirty="0" smtClean="0"/>
-              <a:t> </a:t>
-            </a:r>
-            <a:r>
-              <a:rPr lang="en-US" dirty="0" err="1" smtClean="0"/>
-              <a:t>Lage</a:t>
-            </a:r>
-            <a:endParaRPr lang="en-US" dirty="0" smtClean="0"/>
-          </a:p>
-          <a:p>
-            <a:pPr lvl="1"/>
-            <a:r>
-              <a:rPr lang="en-US" dirty="0" err="1" smtClean="0"/>
-              <a:t>Annahme</a:t>
-            </a:r>
-            <a:r>
-              <a:rPr lang="en-US" dirty="0" smtClean="0"/>
-              <a:t>: </a:t>
-            </a:r>
-            <a:r>
-              <a:rPr lang="en-US" dirty="0" err="1" smtClean="0"/>
-              <a:t>Kontur</a:t>
-            </a:r>
-            <a:r>
-              <a:rPr lang="en-US" dirty="0" smtClean="0"/>
-              <a:t>, die den </a:t>
-            </a:r>
-            <a:r>
-              <a:rPr lang="en-US" dirty="0" err="1" smtClean="0"/>
-              <a:t>Flächeninhalt</a:t>
-            </a:r>
-            <a:r>
-              <a:rPr lang="en-US" dirty="0" smtClean="0"/>
-              <a:t> des </a:t>
-            </a:r>
-            <a:r>
-              <a:rPr lang="en-US" dirty="0" err="1" smtClean="0"/>
-              <a:t>kleinsten</a:t>
-            </a:r>
-            <a:r>
-              <a:rPr lang="en-US" dirty="0" smtClean="0"/>
-              <a:t>, </a:t>
-            </a:r>
-            <a:r>
-              <a:rPr lang="en-US" dirty="0" err="1" smtClean="0"/>
-              <a:t>vollständig</a:t>
-            </a:r>
-            <a:r>
-              <a:rPr lang="en-US" dirty="0" smtClean="0"/>
-              <a:t> </a:t>
-            </a:r>
-            <a:r>
-              <a:rPr lang="en-US" dirty="0" err="1" smtClean="0"/>
-              <a:t>umschließenden</a:t>
-            </a:r>
-            <a:r>
-              <a:rPr lang="en-US" dirty="0" smtClean="0"/>
-              <a:t> </a:t>
-            </a:r>
-            <a:r>
-              <a:rPr lang="en-US" dirty="0" err="1" smtClean="0"/>
-              <a:t>Rechtecks</a:t>
-            </a:r>
-            <a:r>
-              <a:rPr lang="en-US" dirty="0" smtClean="0"/>
-              <a:t> </a:t>
-            </a:r>
-            <a:r>
-              <a:rPr lang="en-US" dirty="0" err="1" smtClean="0"/>
-              <a:t>maximiert</a:t>
-            </a:r>
-            <a:r>
-              <a:rPr lang="en-US" dirty="0" smtClean="0"/>
-              <a:t> </a:t>
-            </a:r>
-            <a:r>
-              <a:rPr lang="en-US" dirty="0" err="1" smtClean="0"/>
-              <a:t>ist</a:t>
-            </a:r>
-            <a:r>
-              <a:rPr lang="en-US" dirty="0" smtClean="0"/>
-              <a:t> die </a:t>
-            </a:r>
-            <a:r>
-              <a:rPr lang="en-US" dirty="0" err="1" smtClean="0"/>
-              <a:t>Kontur</a:t>
-            </a:r>
-            <a:r>
-              <a:rPr lang="en-US" dirty="0" smtClean="0"/>
-              <a:t> des </a:t>
-            </a:r>
-            <a:r>
-              <a:rPr lang="en-US" dirty="0" err="1" smtClean="0"/>
-              <a:t>Werkstücks</a:t>
-            </a:r>
-            <a:endParaRPr lang="en-US" dirty="0" smtClean="0"/>
-          </a:p>
-          <a:p>
-            <a:pPr lvl="1"/>
-            <a:r>
-              <a:rPr lang="en-US" dirty="0" err="1" smtClean="0"/>
-              <a:t>Überprüfe</a:t>
-            </a:r>
-            <a:r>
-              <a:rPr lang="en-US" dirty="0" smtClean="0"/>
-              <a:t> die </a:t>
-            </a:r>
-            <a:r>
-              <a:rPr lang="en-US" dirty="0" err="1" smtClean="0"/>
-              <a:t>Länge</a:t>
-            </a:r>
-            <a:r>
-              <a:rPr lang="en-US" dirty="0" smtClean="0"/>
-              <a:t> </a:t>
-            </a:r>
-            <a:r>
-              <a:rPr lang="en-US" dirty="0" err="1" smtClean="0"/>
-              <a:t>jeder</a:t>
-            </a:r>
-            <a:r>
-              <a:rPr lang="en-US" dirty="0" smtClean="0"/>
-              <a:t> </a:t>
-            </a:r>
-            <a:r>
-              <a:rPr lang="en-US" dirty="0" err="1" smtClean="0"/>
-              <a:t>Kante</a:t>
-            </a:r>
-            <a:r>
-              <a:rPr lang="en-US" dirty="0" smtClean="0"/>
-              <a:t> des </a:t>
-            </a:r>
-            <a:r>
-              <a:rPr lang="en-US" dirty="0" err="1" smtClean="0"/>
-              <a:t>umschließenden</a:t>
-            </a:r>
-            <a:r>
-              <a:rPr lang="en-US" dirty="0" smtClean="0"/>
-              <a:t> </a:t>
-            </a:r>
-            <a:r>
-              <a:rPr lang="en-US" dirty="0" err="1" smtClean="0"/>
-              <a:t>Rechtecks</a:t>
-            </a:r>
-            <a:endParaRPr lang="en-US" dirty="0" smtClean="0"/>
-          </a:p>
-          <a:p>
-            <a:pPr lvl="1"/>
-            <a:endParaRPr lang="en-US" dirty="0" smtClean="0"/>
-          </a:p>
-          <a:p>
-            <a:pPr lvl="2"/>
-            <a:endParaRPr lang="en-US" dirty="0" smtClean="0"/>
-          </a:p>
-          <a:p>
-            <a:pPr>
-              <a:buNone/>
-            </a:pPr>
-            <a:endParaRPr lang="en-US" dirty="0" smtClean="0"/>
+            <a:pPr algn="ctr"/>
+            <a:r>
+              <a:rPr lang="de-DE" dirty="0" smtClean="0"/>
+              <a:t>Kalibrierung</a:t>
+            </a:r>
+            <a:endParaRPr lang="de-DE" dirty="0"/>
           </a:p>
         </p:txBody>
       </p:sp>
+      <p:sp>
+        <p:nvSpPr>
+          <p:cNvPr id="5" name="Flussdiagramm: Alternativer Prozess 4"/>
+          <p:cNvSpPr/>
+          <p:nvPr/>
+        </p:nvSpPr>
+        <p:spPr>
+          <a:xfrm>
+            <a:off x="2971800" y="2397744"/>
+            <a:ext cx="2743200" cy="612648"/>
+          </a:xfrm>
+          <a:prstGeom prst="flowChartAlternateProcess">
+            <a:avLst/>
+          </a:prstGeom>
+          <a:solidFill>
+            <a:schemeClr val="accent1">
+              <a:alpha val="25000"/>
+            </a:schemeClr>
+          </a:solidFill>
+          <a:ln>
+            <a:solidFill>
+              <a:schemeClr val="accent1">
+                <a:alpha val="25000"/>
+              </a:schemeClr>
+            </a:solidFill>
+          </a:ln>
+        </p:spPr>
+        <p:style>
+          <a:lnRef idx="2">
+            <a:schemeClr val="accent1">
+              <a:shade val="50000"/>
+            </a:schemeClr>
+          </a:lnRef>
+          <a:fillRef idx="1">
+            <a:schemeClr val="accent1"/>
+          </a:fillRef>
+          <a:effectRef idx="0">
+            <a:schemeClr val="accent1"/>
+          </a:effectRef>
+          <a:fontRef idx="minor">
+            <a:schemeClr val="lt1"/>
+          </a:fontRef>
+        </p:style>
+        <p:txBody>
+          <a:bodyPr rtlCol="0" anchor="ctr"/>
+          <a:lstStyle/>
+          <a:p>
+            <a:pPr algn="ctr"/>
+            <a:r>
+              <a:rPr lang="de-DE" dirty="0"/>
+              <a:t>Lage und Maße</a:t>
+            </a:r>
+            <a:endParaRPr lang="de-DE" dirty="0"/>
+          </a:p>
+        </p:txBody>
+      </p:sp>
+      <p:sp>
+        <p:nvSpPr>
+          <p:cNvPr id="6" name="Flussdiagramm: Alternativer Prozess 5"/>
+          <p:cNvSpPr/>
+          <p:nvPr/>
+        </p:nvSpPr>
+        <p:spPr>
+          <a:xfrm>
+            <a:off x="2986216" y="3748710"/>
+            <a:ext cx="2743200" cy="612648"/>
+          </a:xfrm>
+          <a:prstGeom prst="flowChartAlternateProcess">
+            <a:avLst/>
+          </a:prstGeom>
+          <a:solidFill>
+            <a:schemeClr val="accent1">
+              <a:alpha val="25000"/>
+            </a:schemeClr>
+          </a:solidFill>
+          <a:ln>
+            <a:solidFill>
+              <a:schemeClr val="accent1">
+                <a:alpha val="25000"/>
+              </a:schemeClr>
+            </a:solidFill>
+          </a:ln>
+        </p:spPr>
+        <p:style>
+          <a:lnRef idx="2">
+            <a:schemeClr val="accent1">
+              <a:shade val="50000"/>
+            </a:schemeClr>
+          </a:lnRef>
+          <a:fillRef idx="1">
+            <a:schemeClr val="accent1"/>
+          </a:fillRef>
+          <a:effectRef idx="0">
+            <a:schemeClr val="accent1"/>
+          </a:effectRef>
+          <a:fontRef idx="minor">
+            <a:schemeClr val="lt1"/>
+          </a:fontRef>
+        </p:style>
+        <p:txBody>
+          <a:bodyPr rtlCol="0" anchor="ctr"/>
+          <a:lstStyle/>
+          <a:p>
+            <a:pPr algn="ctr"/>
+            <a:r>
+              <a:rPr lang="de-DE" dirty="0"/>
+              <a:t>Bohrungen</a:t>
+            </a:r>
+            <a:endParaRPr lang="de-DE" dirty="0"/>
+          </a:p>
+        </p:txBody>
+      </p:sp>
+      <p:sp>
+        <p:nvSpPr>
+          <p:cNvPr id="7" name="Flussdiagramm: Alternativer Prozess 6"/>
+          <p:cNvSpPr/>
+          <p:nvPr/>
+        </p:nvSpPr>
+        <p:spPr>
+          <a:xfrm>
+            <a:off x="2971800" y="5105854"/>
+            <a:ext cx="2743200" cy="612648"/>
+          </a:xfrm>
+          <a:prstGeom prst="flowChartAlternateProcess">
+            <a:avLst/>
+          </a:prstGeom>
+          <a:solidFill>
+            <a:schemeClr val="accent1">
+              <a:alpha val="25000"/>
+            </a:schemeClr>
+          </a:solidFill>
+          <a:ln>
+            <a:solidFill>
+              <a:schemeClr val="accent1">
+                <a:alpha val="25000"/>
+              </a:schemeClr>
+            </a:solidFill>
+          </a:ln>
+        </p:spPr>
+        <p:style>
+          <a:lnRef idx="2">
+            <a:schemeClr val="accent1">
+              <a:shade val="50000"/>
+            </a:schemeClr>
+          </a:lnRef>
+          <a:fillRef idx="1">
+            <a:schemeClr val="accent1"/>
+          </a:fillRef>
+          <a:effectRef idx="0">
+            <a:schemeClr val="accent1"/>
+          </a:effectRef>
+          <a:fontRef idx="minor">
+            <a:schemeClr val="lt1"/>
+          </a:fontRef>
+        </p:style>
+        <p:txBody>
+          <a:bodyPr rtlCol="0" anchor="ctr"/>
+          <a:lstStyle/>
+          <a:p>
+            <a:pPr algn="ctr"/>
+            <a:r>
+              <a:rPr lang="de-DE" dirty="0" smtClean="0"/>
+              <a:t>Schäden</a:t>
+            </a:r>
+            <a:endParaRPr lang="de-DE" dirty="0"/>
+          </a:p>
+        </p:txBody>
+      </p:sp>
+      <p:cxnSp>
+        <p:nvCxnSpPr>
+          <p:cNvPr id="11" name="Gerade Verbindung mit Pfeil 10"/>
+          <p:cNvCxnSpPr>
+            <a:stCxn id="4" idx="2"/>
+            <a:endCxn id="5" idx="0"/>
+          </p:cNvCxnSpPr>
+          <p:nvPr/>
+        </p:nvCxnSpPr>
+        <p:spPr>
+          <a:xfrm>
+            <a:off x="4343400" y="1653248"/>
+            <a:ext cx="0" cy="744496"/>
+          </a:xfrm>
+          <a:prstGeom prst="straightConnector1">
+            <a:avLst/>
+          </a:prstGeom>
+          <a:ln>
+            <a:solidFill>
+              <a:schemeClr val="accent1">
+                <a:alpha val="25000"/>
+              </a:schemeClr>
+            </a:solidFill>
+            <a:tailEnd type="triangle"/>
+          </a:ln>
+        </p:spPr>
+        <p:style>
+          <a:lnRef idx="3">
+            <a:schemeClr val="accent1"/>
+          </a:lnRef>
+          <a:fillRef idx="0">
+            <a:schemeClr val="accent1"/>
+          </a:fillRef>
+          <a:effectRef idx="2">
+            <a:schemeClr val="accent1"/>
+          </a:effectRef>
+          <a:fontRef idx="minor">
+            <a:schemeClr val="tx1"/>
+          </a:fontRef>
+        </p:style>
+      </p:cxnSp>
+      <p:cxnSp>
+        <p:nvCxnSpPr>
+          <p:cNvPr id="13" name="Gerade Verbindung mit Pfeil 12"/>
+          <p:cNvCxnSpPr/>
+          <p:nvPr/>
+        </p:nvCxnSpPr>
+        <p:spPr>
+          <a:xfrm>
+            <a:off x="4343400" y="3004214"/>
+            <a:ext cx="0" cy="744496"/>
+          </a:xfrm>
+          <a:prstGeom prst="straightConnector1">
+            <a:avLst/>
+          </a:prstGeom>
+          <a:ln>
+            <a:solidFill>
+              <a:schemeClr val="accent1">
+                <a:alpha val="25000"/>
+              </a:schemeClr>
+            </a:solidFill>
+            <a:tailEnd type="triangle"/>
+          </a:ln>
+        </p:spPr>
+        <p:style>
+          <a:lnRef idx="3">
+            <a:schemeClr val="accent1"/>
+          </a:lnRef>
+          <a:fillRef idx="0">
+            <a:schemeClr val="accent1"/>
+          </a:fillRef>
+          <a:effectRef idx="2">
+            <a:schemeClr val="accent1"/>
+          </a:effectRef>
+          <a:fontRef idx="minor">
+            <a:schemeClr val="tx1"/>
+          </a:fontRef>
+        </p:style>
+      </p:cxnSp>
+      <p:cxnSp>
+        <p:nvCxnSpPr>
+          <p:cNvPr id="14" name="Gerade Verbindung mit Pfeil 13"/>
+          <p:cNvCxnSpPr/>
+          <p:nvPr/>
+        </p:nvCxnSpPr>
+        <p:spPr>
+          <a:xfrm>
+            <a:off x="4333103" y="4361358"/>
+            <a:ext cx="0" cy="744496"/>
+          </a:xfrm>
+          <a:prstGeom prst="straightConnector1">
+            <a:avLst/>
+          </a:prstGeom>
+          <a:ln>
+            <a:solidFill>
+              <a:schemeClr val="accent1">
+                <a:alpha val="25000"/>
+              </a:schemeClr>
+            </a:solidFill>
+            <a:tailEnd type="triangle"/>
+          </a:ln>
+        </p:spPr>
+        <p:style>
+          <a:lnRef idx="3">
+            <a:schemeClr val="accent1"/>
+          </a:lnRef>
+          <a:fillRef idx="0">
+            <a:schemeClr val="accent1"/>
+          </a:fillRef>
+          <a:effectRef idx="2">
+            <a:schemeClr val="accent1"/>
+          </a:effectRef>
+          <a:fontRef idx="minor">
+            <a:schemeClr val="tx1"/>
+          </a:fontRef>
+        </p:style>
+      </p:cxnSp>
     </p:spTree>
+    <p:extLst>
+      <p:ext uri="{BB962C8B-B14F-4D97-AF65-F5344CB8AC3E}">
+        <p14:creationId xmlns:p14="http://schemas.microsoft.com/office/powerpoint/2010/main" val="3187124118"/>
+      </p:ext>
+    </p:extLst>
   </p:cSld>
   <p:clrMapOvr>
     <a:masterClrMapping/>

--- a/Praesentation/Vorlage Präsentation.pptx
+++ b/Praesentation/Vorlage Präsentation.pptx
@@ -5,10 +5,10 @@
     <p:sldMasterId id="2147483648" r:id="rId1"/>
   </p:sldMasterIdLst>
   <p:notesMasterIdLst>
-    <p:notesMasterId r:id="rId19"/>
+    <p:notesMasterId r:id="rId24"/>
   </p:notesMasterIdLst>
   <p:handoutMasterIdLst>
-    <p:handoutMasterId r:id="rId20"/>
+    <p:handoutMasterId r:id="rId25"/>
   </p:handoutMasterIdLst>
   <p:sldIdLst>
     <p:sldId id="589" r:id="rId2"/>
@@ -25,9 +25,14 @@
     <p:sldId id="598" r:id="rId13"/>
     <p:sldId id="605" r:id="rId14"/>
     <p:sldId id="599" r:id="rId15"/>
-    <p:sldId id="606" r:id="rId16"/>
-    <p:sldId id="600" r:id="rId17"/>
-    <p:sldId id="601" r:id="rId18"/>
+    <p:sldId id="607" r:id="rId16"/>
+    <p:sldId id="608" r:id="rId17"/>
+    <p:sldId id="610" r:id="rId18"/>
+    <p:sldId id="609" r:id="rId19"/>
+    <p:sldId id="611" r:id="rId20"/>
+    <p:sldId id="606" r:id="rId21"/>
+    <p:sldId id="600" r:id="rId22"/>
+    <p:sldId id="601" r:id="rId23"/>
   </p:sldIdLst>
   <p:sldSz cx="9144000" cy="6858000" type="screen4x3"/>
   <p:notesSz cx="6797675" cy="9928225"/>
@@ -4445,16 +4450,7 @@
                 </a:solidFill>
                 <a:cs typeface="+mn-cs"/>
               </a:rPr>
-              <a:t>	</a:t>
-            </a:r>
-            <a:r>
-              <a:rPr lang="de-DE" altLang="de-DE" sz="900" b="0" dirty="0" smtClean="0">
-                <a:solidFill>
-                  <a:schemeClr val="tx1"/>
-                </a:solidFill>
-                <a:cs typeface="+mn-cs"/>
-              </a:rPr>
-              <a:t> Christoph Jost, Marcus </a:t>
+              <a:t>	 Christoph Jost, Marcus </a:t>
             </a:r>
             <a:r>
               <a:rPr lang="de-DE" altLang="de-DE" sz="900" b="0" dirty="0" err="1" smtClean="0">
@@ -6026,7 +6022,6 @@
               <a:rPr lang="de-DE" dirty="0"/>
               <a:t>Lage und Maße</a:t>
             </a:r>
-            <a:endParaRPr lang="de-DE" dirty="0"/>
           </a:p>
         </p:txBody>
       </p:sp>
@@ -6647,7 +6642,6 @@
               <a:rPr lang="de-DE" dirty="0"/>
               <a:t>Lage und Maße</a:t>
             </a:r>
-            <a:endParaRPr lang="de-DE" dirty="0"/>
           </a:p>
         </p:txBody>
       </p:sp>
@@ -6930,7 +6924,7 @@
           <a:p>
             <a:r>
               <a:rPr lang="de-DE" dirty="0" smtClean="0"/>
-              <a:t>Prüfen der Bohrungen</a:t>
+              <a:t>Bohrungspositionen</a:t>
             </a:r>
             <a:endParaRPr lang="de-DE" dirty="0"/>
           </a:p>
@@ -6951,7 +6945,441 @@
           <a:bodyPr/>
           <a:lstStyle/>
           <a:p>
+            <a:r>
+              <a:rPr lang="de-DE" dirty="0" smtClean="0"/>
+              <a:t>Berechnung der Bohrungspositionen </a:t>
+            </a:r>
+            <a:r>
+              <a:rPr lang="de-DE" dirty="0"/>
+              <a:t>anhand Rechteck-Eckpunktekorrekten </a:t>
+            </a:r>
             <a:endParaRPr lang="de-DE" dirty="0"/>
+          </a:p>
+        </p:txBody>
+      </p:sp>
+      <p:pic>
+        <p:nvPicPr>
+          <p:cNvPr id="4" name="Grafik 3" descr="Perfekt3.png"/>
+          <p:cNvPicPr>
+            <a:picLocks noChangeAspect="1"/>
+          </p:cNvPicPr>
+          <p:nvPr/>
+        </p:nvPicPr>
+        <p:blipFill>
+          <a:blip r:embed="rId2"/>
+          <a:stretch>
+            <a:fillRect/>
+          </a:stretch>
+        </p:blipFill>
+        <p:spPr>
+          <a:xfrm flipH="1">
+            <a:off x="762000" y="2232658"/>
+            <a:ext cx="3048000" cy="3025817"/>
+          </a:xfrm>
+          <a:prstGeom prst="rect">
+            <a:avLst/>
+          </a:prstGeom>
+        </p:spPr>
+      </p:pic>
+      <p:sp>
+        <p:nvSpPr>
+          <p:cNvPr id="5" name="Rechteck 4"/>
+          <p:cNvSpPr/>
+          <p:nvPr/>
+        </p:nvSpPr>
+        <p:spPr>
+          <a:xfrm>
+            <a:off x="4648200" y="2362200"/>
+            <a:ext cx="2743200" cy="2743200"/>
+          </a:xfrm>
+          <a:prstGeom prst="rect">
+            <a:avLst/>
+          </a:prstGeom>
+          <a:noFill/>
+          <a:ln w="38100"/>
+        </p:spPr>
+        <p:style>
+          <a:lnRef idx="2">
+            <a:schemeClr val="accent1">
+              <a:shade val="50000"/>
+            </a:schemeClr>
+          </a:lnRef>
+          <a:fillRef idx="1">
+            <a:schemeClr val="accent1"/>
+          </a:fillRef>
+          <a:effectRef idx="0">
+            <a:schemeClr val="accent1"/>
+          </a:effectRef>
+          <a:fontRef idx="minor">
+            <a:schemeClr val="lt1"/>
+          </a:fontRef>
+        </p:style>
+        <p:txBody>
+          <a:bodyPr rtlCol="0" anchor="ctr"/>
+          <a:lstStyle/>
+          <a:p>
+            <a:pPr algn="ctr"/>
+            <a:endParaRPr lang="de-DE"/>
+          </a:p>
+        </p:txBody>
+      </p:sp>
+      <p:sp>
+        <p:nvSpPr>
+          <p:cNvPr id="6" name="Ellipse 5"/>
+          <p:cNvSpPr/>
+          <p:nvPr/>
+        </p:nvSpPr>
+        <p:spPr>
+          <a:xfrm>
+            <a:off x="5029200" y="2697481"/>
+            <a:ext cx="45719" cy="45719"/>
+          </a:xfrm>
+          <a:prstGeom prst="ellipse">
+            <a:avLst/>
+          </a:prstGeom>
+        </p:spPr>
+        <p:style>
+          <a:lnRef idx="2">
+            <a:schemeClr val="accent1">
+              <a:shade val="50000"/>
+            </a:schemeClr>
+          </a:lnRef>
+          <a:fillRef idx="1">
+            <a:schemeClr val="accent1"/>
+          </a:fillRef>
+          <a:effectRef idx="0">
+            <a:schemeClr val="accent1"/>
+          </a:effectRef>
+          <a:fontRef idx="minor">
+            <a:schemeClr val="lt1"/>
+          </a:fontRef>
+        </p:style>
+        <p:txBody>
+          <a:bodyPr rtlCol="0" anchor="ctr"/>
+          <a:lstStyle/>
+          <a:p>
+            <a:pPr algn="ctr"/>
+            <a:endParaRPr lang="de-DE"/>
+          </a:p>
+        </p:txBody>
+      </p:sp>
+      <p:sp>
+        <p:nvSpPr>
+          <p:cNvPr id="7" name="Ellipse 6"/>
+          <p:cNvSpPr/>
+          <p:nvPr/>
+        </p:nvSpPr>
+        <p:spPr>
+          <a:xfrm>
+            <a:off x="6991349" y="2697481"/>
+            <a:ext cx="45719" cy="45719"/>
+          </a:xfrm>
+          <a:prstGeom prst="ellipse">
+            <a:avLst/>
+          </a:prstGeom>
+        </p:spPr>
+        <p:style>
+          <a:lnRef idx="2">
+            <a:schemeClr val="accent1">
+              <a:shade val="50000"/>
+            </a:schemeClr>
+          </a:lnRef>
+          <a:fillRef idx="1">
+            <a:schemeClr val="accent1"/>
+          </a:fillRef>
+          <a:effectRef idx="0">
+            <a:schemeClr val="accent1"/>
+          </a:effectRef>
+          <a:fontRef idx="minor">
+            <a:schemeClr val="lt1"/>
+          </a:fontRef>
+        </p:style>
+        <p:txBody>
+          <a:bodyPr rtlCol="0" anchor="ctr"/>
+          <a:lstStyle/>
+          <a:p>
+            <a:pPr algn="ctr"/>
+            <a:endParaRPr lang="de-DE"/>
+          </a:p>
+        </p:txBody>
+      </p:sp>
+      <p:sp>
+        <p:nvSpPr>
+          <p:cNvPr id="8" name="Ellipse 7"/>
+          <p:cNvSpPr/>
+          <p:nvPr/>
+        </p:nvSpPr>
+        <p:spPr>
+          <a:xfrm>
+            <a:off x="5029200" y="4754881"/>
+            <a:ext cx="45719" cy="45719"/>
+          </a:xfrm>
+          <a:prstGeom prst="ellipse">
+            <a:avLst/>
+          </a:prstGeom>
+        </p:spPr>
+        <p:style>
+          <a:lnRef idx="2">
+            <a:schemeClr val="accent1">
+              <a:shade val="50000"/>
+            </a:schemeClr>
+          </a:lnRef>
+          <a:fillRef idx="1">
+            <a:schemeClr val="accent1"/>
+          </a:fillRef>
+          <a:effectRef idx="0">
+            <a:schemeClr val="accent1"/>
+          </a:effectRef>
+          <a:fontRef idx="minor">
+            <a:schemeClr val="lt1"/>
+          </a:fontRef>
+        </p:style>
+        <p:txBody>
+          <a:bodyPr rtlCol="0" anchor="ctr"/>
+          <a:lstStyle/>
+          <a:p>
+            <a:pPr algn="ctr"/>
+            <a:endParaRPr lang="de-DE"/>
+          </a:p>
+        </p:txBody>
+      </p:sp>
+      <p:sp>
+        <p:nvSpPr>
+          <p:cNvPr id="9" name="Ellipse 8"/>
+          <p:cNvSpPr/>
+          <p:nvPr/>
+        </p:nvSpPr>
+        <p:spPr>
+          <a:xfrm>
+            <a:off x="6987540" y="4754882"/>
+            <a:ext cx="45719" cy="45719"/>
+          </a:xfrm>
+          <a:prstGeom prst="ellipse">
+            <a:avLst/>
+          </a:prstGeom>
+        </p:spPr>
+        <p:style>
+          <a:lnRef idx="2">
+            <a:schemeClr val="accent1">
+              <a:shade val="50000"/>
+            </a:schemeClr>
+          </a:lnRef>
+          <a:fillRef idx="1">
+            <a:schemeClr val="accent1"/>
+          </a:fillRef>
+          <a:effectRef idx="0">
+            <a:schemeClr val="accent1"/>
+          </a:effectRef>
+          <a:fontRef idx="minor">
+            <a:schemeClr val="lt1"/>
+          </a:fontRef>
+        </p:style>
+        <p:txBody>
+          <a:bodyPr rtlCol="0" anchor="ctr"/>
+          <a:lstStyle/>
+          <a:p>
+            <a:pPr algn="ctr"/>
+            <a:endParaRPr lang="de-DE"/>
+          </a:p>
+        </p:txBody>
+      </p:sp>
+      <p:sp>
+        <p:nvSpPr>
+          <p:cNvPr id="10" name="Ellipse 9"/>
+          <p:cNvSpPr/>
+          <p:nvPr/>
+        </p:nvSpPr>
+        <p:spPr>
+          <a:xfrm>
+            <a:off x="5985194" y="3581400"/>
+            <a:ext cx="45719" cy="45719"/>
+          </a:xfrm>
+          <a:prstGeom prst="ellipse">
+            <a:avLst/>
+          </a:prstGeom>
+        </p:spPr>
+        <p:style>
+          <a:lnRef idx="2">
+            <a:schemeClr val="accent1">
+              <a:shade val="50000"/>
+            </a:schemeClr>
+          </a:lnRef>
+          <a:fillRef idx="1">
+            <a:schemeClr val="accent1"/>
+          </a:fillRef>
+          <a:effectRef idx="0">
+            <a:schemeClr val="accent1"/>
+          </a:effectRef>
+          <a:fontRef idx="minor">
+            <a:schemeClr val="lt1"/>
+          </a:fontRef>
+        </p:style>
+        <p:txBody>
+          <a:bodyPr rtlCol="0" anchor="ctr"/>
+          <a:lstStyle/>
+          <a:p>
+            <a:pPr algn="ctr"/>
+            <a:endParaRPr lang="de-DE"/>
+          </a:p>
+        </p:txBody>
+      </p:sp>
+      <p:sp>
+        <p:nvSpPr>
+          <p:cNvPr id="11" name="Ellipse 10"/>
+          <p:cNvSpPr/>
+          <p:nvPr/>
+        </p:nvSpPr>
+        <p:spPr>
+          <a:xfrm>
+            <a:off x="5985193" y="3810000"/>
+            <a:ext cx="45719" cy="45719"/>
+          </a:xfrm>
+          <a:prstGeom prst="ellipse">
+            <a:avLst/>
+          </a:prstGeom>
+        </p:spPr>
+        <p:style>
+          <a:lnRef idx="2">
+            <a:schemeClr val="accent1">
+              <a:shade val="50000"/>
+            </a:schemeClr>
+          </a:lnRef>
+          <a:fillRef idx="1">
+            <a:schemeClr val="accent1"/>
+          </a:fillRef>
+          <a:effectRef idx="0">
+            <a:schemeClr val="accent1"/>
+          </a:effectRef>
+          <a:fontRef idx="minor">
+            <a:schemeClr val="lt1"/>
+          </a:fontRef>
+        </p:style>
+        <p:txBody>
+          <a:bodyPr rtlCol="0" anchor="ctr"/>
+          <a:lstStyle/>
+          <a:p>
+            <a:pPr algn="ctr"/>
+            <a:endParaRPr lang="de-DE"/>
+          </a:p>
+        </p:txBody>
+      </p:sp>
+      <p:sp>
+        <p:nvSpPr>
+          <p:cNvPr id="12" name="Ellipse 11"/>
+          <p:cNvSpPr/>
+          <p:nvPr/>
+        </p:nvSpPr>
+        <p:spPr>
+          <a:xfrm>
+            <a:off x="5867400" y="3699848"/>
+            <a:ext cx="45719" cy="45719"/>
+          </a:xfrm>
+          <a:prstGeom prst="ellipse">
+            <a:avLst/>
+          </a:prstGeom>
+        </p:spPr>
+        <p:style>
+          <a:lnRef idx="2">
+            <a:schemeClr val="accent1">
+              <a:shade val="50000"/>
+            </a:schemeClr>
+          </a:lnRef>
+          <a:fillRef idx="1">
+            <a:schemeClr val="accent1"/>
+          </a:fillRef>
+          <a:effectRef idx="0">
+            <a:schemeClr val="accent1"/>
+          </a:effectRef>
+          <a:fontRef idx="minor">
+            <a:schemeClr val="lt1"/>
+          </a:fontRef>
+        </p:style>
+        <p:txBody>
+          <a:bodyPr rtlCol="0" anchor="ctr"/>
+          <a:lstStyle/>
+          <a:p>
+            <a:pPr algn="ctr"/>
+            <a:endParaRPr lang="de-DE"/>
+          </a:p>
+        </p:txBody>
+      </p:sp>
+      <p:sp>
+        <p:nvSpPr>
+          <p:cNvPr id="13" name="Ellipse 12"/>
+          <p:cNvSpPr/>
+          <p:nvPr/>
+        </p:nvSpPr>
+        <p:spPr>
+          <a:xfrm>
+            <a:off x="6096000" y="3699848"/>
+            <a:ext cx="45719" cy="45719"/>
+          </a:xfrm>
+          <a:prstGeom prst="ellipse">
+            <a:avLst/>
+          </a:prstGeom>
+        </p:spPr>
+        <p:style>
+          <a:lnRef idx="2">
+            <a:schemeClr val="accent1">
+              <a:shade val="50000"/>
+            </a:schemeClr>
+          </a:lnRef>
+          <a:fillRef idx="1">
+            <a:schemeClr val="accent1"/>
+          </a:fillRef>
+          <a:effectRef idx="0">
+            <a:schemeClr val="accent1"/>
+          </a:effectRef>
+          <a:fontRef idx="minor">
+            <a:schemeClr val="lt1"/>
+          </a:fontRef>
+        </p:style>
+        <p:txBody>
+          <a:bodyPr rtlCol="0" anchor="ctr"/>
+          <a:lstStyle/>
+          <a:p>
+            <a:pPr algn="ctr"/>
+            <a:endParaRPr lang="de-DE"/>
+          </a:p>
+        </p:txBody>
+      </p:sp>
+      <p:sp>
+        <p:nvSpPr>
+          <p:cNvPr id="14" name="Pfeil nach rechts 13"/>
+          <p:cNvSpPr/>
+          <p:nvPr/>
+        </p:nvSpPr>
+        <p:spPr>
+          <a:xfrm>
+            <a:off x="3977640" y="3516966"/>
+            <a:ext cx="381000" cy="411481"/>
+          </a:xfrm>
+          <a:prstGeom prst="rightArrow">
+            <a:avLst/>
+          </a:prstGeom>
+        </p:spPr>
+        <p:style>
+          <a:lnRef idx="2">
+            <a:schemeClr val="accent1">
+              <a:shade val="50000"/>
+            </a:schemeClr>
+          </a:lnRef>
+          <a:fillRef idx="1">
+            <a:schemeClr val="accent1"/>
+          </a:fillRef>
+          <a:effectRef idx="0">
+            <a:schemeClr val="accent1"/>
+          </a:effectRef>
+          <a:fontRef idx="minor">
+            <a:schemeClr val="lt1"/>
+          </a:fontRef>
+        </p:style>
+        <p:txBody>
+          <a:bodyPr rtlCol="0" anchor="ctr"/>
+          <a:lstStyle/>
+          <a:p>
+            <a:pPr algn="ctr"/>
+            <a:endParaRPr lang="de-DE"/>
           </a:p>
         </p:txBody>
       </p:sp>
@@ -7004,7 +7432,7 @@
           <a:p>
             <a:r>
               <a:rPr lang="de-DE" dirty="0" smtClean="0"/>
-              <a:t>Programm-Ablauf</a:t>
+              <a:t>Bohrungsdetektion</a:t>
             </a:r>
             <a:endParaRPr lang="de-DE" dirty="0"/>
           </a:p>
@@ -7012,31 +7440,106 @@
       </p:sp>
       <p:sp>
         <p:nvSpPr>
-          <p:cNvPr id="4" name="Flussdiagramm: Alternativer Prozess 3"/>
+          <p:cNvPr id="3" name="Inhaltsplatzhalter 2"/>
+          <p:cNvSpPr>
+            <a:spLocks noGrp="1"/>
+          </p:cNvSpPr>
+          <p:nvPr>
+            <p:ph idx="1"/>
+          </p:nvPr>
+        </p:nvSpPr>
+        <p:spPr/>
+        <p:txBody>
+          <a:bodyPr/>
+          <a:lstStyle/>
+          <a:p>
+            <a:r>
+              <a:rPr lang="de-DE" dirty="0" smtClean="0"/>
+              <a:t>Anwendung eines Gauß-Filters</a:t>
+            </a:r>
+          </a:p>
+          <a:p>
+            <a:pPr lvl="1"/>
+            <a:r>
+              <a:rPr lang="de-DE" dirty="0" smtClean="0"/>
+              <a:t>Rauschentfernung</a:t>
+            </a:r>
+            <a:endParaRPr lang="de-DE" dirty="0"/>
+          </a:p>
+        </p:txBody>
+      </p:sp>
+      <p:pic>
+        <p:nvPicPr>
+          <p:cNvPr id="16" name="Grafik 15"/>
+          <p:cNvPicPr>
+            <a:picLocks noChangeAspect="1"/>
+          </p:cNvPicPr>
+          <p:nvPr/>
+        </p:nvPicPr>
+        <p:blipFill rotWithShape="1">
+          <a:blip r:embed="rId2">
+            <a:extLst>
+              <a:ext uri="{28A0092B-C50C-407E-A947-70E740481C1C}">
+                <a14:useLocalDpi xmlns:a14="http://schemas.microsoft.com/office/drawing/2010/main" val="0"/>
+              </a:ext>
+            </a:extLst>
+          </a:blip>
+          <a:srcRect l="34215" t="16164" r="11647" b="5403"/>
+          <a:stretch/>
+        </p:blipFill>
+        <p:spPr>
+          <a:xfrm>
+            <a:off x="298382" y="2225833"/>
+            <a:ext cx="3657600" cy="3327717"/>
+          </a:xfrm>
+          <a:prstGeom prst="rect">
+            <a:avLst/>
+          </a:prstGeom>
+        </p:spPr>
+      </p:pic>
+      <p:pic>
+        <p:nvPicPr>
+          <p:cNvPr id="17" name="Grafik 16"/>
+          <p:cNvPicPr>
+            <a:picLocks noChangeAspect="1"/>
+          </p:cNvPicPr>
+          <p:nvPr/>
+        </p:nvPicPr>
+        <p:blipFill rotWithShape="1">
+          <a:blip r:embed="rId3">
+            <a:extLst>
+              <a:ext uri="{28A0092B-C50C-407E-A947-70E740481C1C}">
+                <a14:useLocalDpi xmlns:a14="http://schemas.microsoft.com/office/drawing/2010/main" val="0"/>
+              </a:ext>
+            </a:extLst>
+          </a:blip>
+          <a:srcRect l="17500" t="14095" r="15833" b="3671"/>
+          <a:stretch/>
+        </p:blipFill>
+        <p:spPr>
+          <a:xfrm>
+            <a:off x="4803842" y="2225832"/>
+            <a:ext cx="3749541" cy="3327717"/>
+          </a:xfrm>
+          <a:prstGeom prst="rect">
+            <a:avLst/>
+          </a:prstGeom>
+        </p:spPr>
+      </p:pic>
+      <p:sp>
+        <p:nvSpPr>
+          <p:cNvPr id="20" name="Pfeil nach rechts 19"/>
           <p:cNvSpPr/>
           <p:nvPr/>
         </p:nvSpPr>
         <p:spPr>
           <a:xfrm>
-            <a:off x="2971800" y="1040600"/>
-            <a:ext cx="2743200" cy="612648"/>
-          </a:xfrm>
-          <a:prstGeom prst="flowChartAlternateProcess">
+            <a:off x="4189412" y="3538377"/>
+            <a:ext cx="381000" cy="411481"/>
+          </a:xfrm>
+          <a:prstGeom prst="rightArrow">
             <a:avLst/>
           </a:prstGeom>
-          <a:solidFill>
-            <a:schemeClr val="accent1">
-              <a:alpha val="25000"/>
-            </a:schemeClr>
-          </a:solidFill>
-          <a:ln>
-            <a:solidFill>
-              <a:schemeClr val="accent1">
-                <a:shade val="50000"/>
-                <a:alpha val="25000"/>
-              </a:schemeClr>
-            </a:solidFill>
-          </a:ln>
         </p:spPr>
         <p:style>
           <a:lnRef idx="2">
@@ -7059,299 +7562,14 @@
           <a:lstStyle/>
           <a:p>
             <a:pPr algn="ctr"/>
-            <a:r>
-              <a:rPr lang="de-DE" dirty="0" smtClean="0"/>
-              <a:t>Kalibrierung</a:t>
-            </a:r>
-            <a:endParaRPr lang="de-DE" dirty="0"/>
+            <a:endParaRPr lang="de-DE"/>
           </a:p>
         </p:txBody>
       </p:sp>
-      <p:sp>
-        <p:nvSpPr>
-          <p:cNvPr id="5" name="Flussdiagramm: Alternativer Prozess 4"/>
-          <p:cNvSpPr/>
-          <p:nvPr/>
-        </p:nvSpPr>
-        <p:spPr>
-          <a:xfrm>
-            <a:off x="2971800" y="2397744"/>
-            <a:ext cx="2743200" cy="612648"/>
-          </a:xfrm>
-          <a:prstGeom prst="flowChartAlternateProcess">
-            <a:avLst/>
-          </a:prstGeom>
-          <a:solidFill>
-            <a:schemeClr val="accent1">
-              <a:alpha val="25000"/>
-            </a:schemeClr>
-          </a:solidFill>
-          <a:ln>
-            <a:solidFill>
-              <a:schemeClr val="accent1">
-                <a:alpha val="25000"/>
-              </a:schemeClr>
-            </a:solidFill>
-          </a:ln>
-        </p:spPr>
-        <p:style>
-          <a:lnRef idx="2">
-            <a:schemeClr val="accent1">
-              <a:shade val="50000"/>
-            </a:schemeClr>
-          </a:lnRef>
-          <a:fillRef idx="1">
-            <a:schemeClr val="accent1"/>
-          </a:fillRef>
-          <a:effectRef idx="0">
-            <a:schemeClr val="accent1"/>
-          </a:effectRef>
-          <a:fontRef idx="minor">
-            <a:schemeClr val="lt1"/>
-          </a:fontRef>
-        </p:style>
-        <p:txBody>
-          <a:bodyPr rtlCol="0" anchor="ctr"/>
-          <a:lstStyle/>
-          <a:p>
-            <a:pPr algn="ctr"/>
-            <a:r>
-              <a:rPr lang="de-DE" dirty="0"/>
-              <a:t>Lage und Maße</a:t>
-            </a:r>
-            <a:endParaRPr lang="de-DE" dirty="0"/>
-          </a:p>
-        </p:txBody>
-      </p:sp>
-      <p:sp>
-        <p:nvSpPr>
-          <p:cNvPr id="6" name="Flussdiagramm: Alternativer Prozess 5"/>
-          <p:cNvSpPr/>
-          <p:nvPr/>
-        </p:nvSpPr>
-        <p:spPr>
-          <a:xfrm>
-            <a:off x="2986216" y="3748710"/>
-            <a:ext cx="2743200" cy="612648"/>
-          </a:xfrm>
-          <a:prstGeom prst="flowChartAlternateProcess">
-            <a:avLst/>
-          </a:prstGeom>
-          <a:solidFill>
-            <a:schemeClr val="accent1">
-              <a:alpha val="25000"/>
-            </a:schemeClr>
-          </a:solidFill>
-          <a:ln>
-            <a:solidFill>
-              <a:schemeClr val="accent1">
-                <a:alpha val="25000"/>
-              </a:schemeClr>
-            </a:solidFill>
-          </a:ln>
-        </p:spPr>
-        <p:style>
-          <a:lnRef idx="2">
-            <a:schemeClr val="accent1">
-              <a:shade val="50000"/>
-            </a:schemeClr>
-          </a:lnRef>
-          <a:fillRef idx="1">
-            <a:schemeClr val="accent1"/>
-          </a:fillRef>
-          <a:effectRef idx="0">
-            <a:schemeClr val="accent1"/>
-          </a:effectRef>
-          <a:fontRef idx="minor">
-            <a:schemeClr val="lt1"/>
-          </a:fontRef>
-        </p:style>
-        <p:txBody>
-          <a:bodyPr rtlCol="0" anchor="ctr"/>
-          <a:lstStyle/>
-          <a:p>
-            <a:pPr algn="ctr"/>
-            <a:r>
-              <a:rPr lang="de-DE" dirty="0" smtClean="0"/>
-              <a:t>Bohrungen</a:t>
-            </a:r>
-            <a:endParaRPr lang="de-DE" dirty="0"/>
-          </a:p>
-        </p:txBody>
-      </p:sp>
-      <p:sp>
-        <p:nvSpPr>
-          <p:cNvPr id="7" name="Flussdiagramm: Alternativer Prozess 6"/>
-          <p:cNvSpPr/>
-          <p:nvPr/>
-        </p:nvSpPr>
-        <p:spPr>
-          <a:xfrm>
-            <a:off x="2971800" y="5105854"/>
-            <a:ext cx="2743200" cy="612648"/>
-          </a:xfrm>
-          <a:prstGeom prst="flowChartAlternateProcess">
-            <a:avLst/>
-          </a:prstGeom>
-          <a:solidFill>
-            <a:schemeClr val="accent1"/>
-          </a:solidFill>
-          <a:ln>
-            <a:solidFill>
-              <a:schemeClr val="accent1"/>
-            </a:solidFill>
-          </a:ln>
-        </p:spPr>
-        <p:style>
-          <a:lnRef idx="2">
-            <a:schemeClr val="accent1">
-              <a:shade val="50000"/>
-            </a:schemeClr>
-          </a:lnRef>
-          <a:fillRef idx="1">
-            <a:schemeClr val="accent1"/>
-          </a:fillRef>
-          <a:effectRef idx="0">
-            <a:schemeClr val="accent1"/>
-          </a:effectRef>
-          <a:fontRef idx="minor">
-            <a:schemeClr val="lt1"/>
-          </a:fontRef>
-        </p:style>
-        <p:txBody>
-          <a:bodyPr rtlCol="0" anchor="ctr"/>
-          <a:lstStyle/>
-          <a:p>
-            <a:pPr algn="ctr"/>
-            <a:r>
-              <a:rPr lang="de-DE" dirty="0" smtClean="0"/>
-              <a:t>Schäden</a:t>
-            </a:r>
-            <a:endParaRPr lang="de-DE" dirty="0"/>
-          </a:p>
-        </p:txBody>
-      </p:sp>
-      <p:cxnSp>
-        <p:nvCxnSpPr>
-          <p:cNvPr id="11" name="Gerade Verbindung mit Pfeil 10"/>
-          <p:cNvCxnSpPr>
-            <a:stCxn id="4" idx="2"/>
-            <a:endCxn id="5" idx="0"/>
-          </p:cNvCxnSpPr>
-          <p:nvPr/>
-        </p:nvCxnSpPr>
-        <p:spPr>
-          <a:xfrm>
-            <a:off x="4343400" y="1653248"/>
-            <a:ext cx="0" cy="744496"/>
-          </a:xfrm>
-          <a:prstGeom prst="straightConnector1">
-            <a:avLst/>
-          </a:prstGeom>
-          <a:ln>
-            <a:solidFill>
-              <a:schemeClr val="accent1">
-                <a:alpha val="25000"/>
-              </a:schemeClr>
-            </a:solidFill>
-            <a:tailEnd type="triangle"/>
-          </a:ln>
-        </p:spPr>
-        <p:style>
-          <a:lnRef idx="3">
-            <a:schemeClr val="accent1"/>
-          </a:lnRef>
-          <a:fillRef idx="0">
-            <a:schemeClr val="accent1"/>
-          </a:fillRef>
-          <a:effectRef idx="2">
-            <a:schemeClr val="accent1"/>
-          </a:effectRef>
-          <a:fontRef idx="minor">
-            <a:schemeClr val="tx1"/>
-          </a:fontRef>
-        </p:style>
-      </p:cxnSp>
-      <p:cxnSp>
-        <p:nvCxnSpPr>
-          <p:cNvPr id="13" name="Gerade Verbindung mit Pfeil 12"/>
-          <p:cNvCxnSpPr/>
-          <p:nvPr/>
-        </p:nvCxnSpPr>
-        <p:spPr>
-          <a:xfrm>
-            <a:off x="4343400" y="3004214"/>
-            <a:ext cx="0" cy="744496"/>
-          </a:xfrm>
-          <a:prstGeom prst="straightConnector1">
-            <a:avLst/>
-          </a:prstGeom>
-          <a:ln>
-            <a:solidFill>
-              <a:schemeClr val="accent1">
-                <a:alpha val="25000"/>
-              </a:schemeClr>
-            </a:solidFill>
-            <a:tailEnd type="triangle"/>
-          </a:ln>
-        </p:spPr>
-        <p:style>
-          <a:lnRef idx="3">
-            <a:schemeClr val="accent1"/>
-          </a:lnRef>
-          <a:fillRef idx="0">
-            <a:schemeClr val="accent1"/>
-          </a:fillRef>
-          <a:effectRef idx="2">
-            <a:schemeClr val="accent1"/>
-          </a:effectRef>
-          <a:fontRef idx="minor">
-            <a:schemeClr val="tx1"/>
-          </a:fontRef>
-        </p:style>
-      </p:cxnSp>
-      <p:cxnSp>
-        <p:nvCxnSpPr>
-          <p:cNvPr id="14" name="Gerade Verbindung mit Pfeil 13"/>
-          <p:cNvCxnSpPr/>
-          <p:nvPr/>
-        </p:nvCxnSpPr>
-        <p:spPr>
-          <a:xfrm>
-            <a:off x="4333103" y="4361358"/>
-            <a:ext cx="0" cy="744496"/>
-          </a:xfrm>
-          <a:prstGeom prst="straightConnector1">
-            <a:avLst/>
-          </a:prstGeom>
-          <a:ln>
-            <a:solidFill>
-              <a:schemeClr val="accent1">
-                <a:alpha val="25000"/>
-              </a:schemeClr>
-            </a:solidFill>
-            <a:tailEnd type="triangle"/>
-          </a:ln>
-        </p:spPr>
-        <p:style>
-          <a:lnRef idx="3">
-            <a:schemeClr val="accent1"/>
-          </a:lnRef>
-          <a:fillRef idx="0">
-            <a:schemeClr val="accent1"/>
-          </a:fillRef>
-          <a:effectRef idx="2">
-            <a:schemeClr val="accent1"/>
-          </a:effectRef>
-          <a:fontRef idx="minor">
-            <a:schemeClr val="tx1"/>
-          </a:fontRef>
-        </p:style>
-      </p:cxnSp>
     </p:spTree>
     <p:extLst>
       <p:ext uri="{BB962C8B-B14F-4D97-AF65-F5344CB8AC3E}">
-        <p14:creationId xmlns:p14="http://schemas.microsoft.com/office/powerpoint/2010/main" val="1212497302"/>
+        <p14:creationId xmlns:p14="http://schemas.microsoft.com/office/powerpoint/2010/main" val="3604075679"/>
       </p:ext>
     </p:extLst>
   </p:cSld>
@@ -7401,8 +7619,8 @@
           <a:lstStyle/>
           <a:p>
             <a:r>
-              <a:rPr lang="de-DE" dirty="0" smtClean="0"/>
-              <a:t>Prüfen auf Beschädigungen</a:t>
+              <a:rPr lang="de-DE" dirty="0"/>
+              <a:t>Bohrungsdetektion</a:t>
             </a:r>
             <a:endParaRPr lang="de-DE" dirty="0"/>
           </a:p>
@@ -7425,66 +7643,54 @@
           <a:p>
             <a:r>
               <a:rPr lang="de-DE" dirty="0" smtClean="0"/>
-              <a:t>Maskieren des Werkstücks</a:t>
-            </a:r>
-          </a:p>
-          <a:p>
+              <a:t>Entfernung von Hintergrund mittels Schwellwert</a:t>
+            </a:r>
+          </a:p>
+          <a:p>
+            <a:pPr lvl="1"/>
             <a:r>
               <a:rPr lang="de-DE" dirty="0" smtClean="0"/>
-              <a:t>Filtern</a:t>
-            </a:r>
-          </a:p>
-          <a:p>
-            <a:pPr lvl="1"/>
-            <a:r>
-              <a:rPr lang="de-DE" dirty="0" err="1" smtClean="0"/>
-              <a:t>Guided</a:t>
-            </a:r>
-            <a:r>
-              <a:rPr lang="de-DE" dirty="0" smtClean="0"/>
-              <a:t> Image Filter</a:t>
-            </a:r>
-          </a:p>
-          <a:p>
-            <a:r>
-              <a:rPr lang="de-DE" dirty="0" smtClean="0"/>
-              <a:t>Kantendetektion mit </a:t>
-            </a:r>
-            <a:r>
-              <a:rPr lang="de-DE" dirty="0" err="1" smtClean="0"/>
-              <a:t>Canny</a:t>
-            </a:r>
-            <a:endParaRPr lang="de-DE" dirty="0" smtClean="0"/>
-          </a:p>
-          <a:p>
-            <a:r>
-              <a:rPr lang="de-DE" dirty="0" smtClean="0"/>
-              <a:t>Kanten und Bohrungen entfernen</a:t>
-            </a:r>
-          </a:p>
-          <a:p>
-            <a:r>
-              <a:rPr lang="de-DE" dirty="0" smtClean="0"/>
-              <a:t>Cluster finden</a:t>
-            </a:r>
-          </a:p>
-          <a:p>
-            <a:r>
-              <a:rPr lang="de-DE" dirty="0" smtClean="0"/>
-              <a:t>Zusätzlich: Überprüfung des Stegs</a:t>
-            </a:r>
-          </a:p>
-          <a:p>
-            <a:pPr lvl="1"/>
-            <a:r>
-              <a:rPr lang="de-DE" dirty="0" err="1" smtClean="0"/>
-              <a:t>Threshold</a:t>
+              <a:t>Bessere Erkennung von Bohrungen</a:t>
             </a:r>
             <a:endParaRPr lang="de-DE" dirty="0"/>
           </a:p>
         </p:txBody>
       </p:sp>
+      <p:pic>
+        <p:nvPicPr>
+          <p:cNvPr id="18" name="Grafik 17"/>
+          <p:cNvPicPr>
+            <a:picLocks noChangeAspect="1"/>
+          </p:cNvPicPr>
+          <p:nvPr/>
+        </p:nvPicPr>
+        <p:blipFill rotWithShape="1">
+          <a:blip r:embed="rId2">
+            <a:extLst>
+              <a:ext uri="{28A0092B-C50C-407E-A947-70E740481C1C}">
+                <a14:useLocalDpi xmlns:a14="http://schemas.microsoft.com/office/drawing/2010/main" val="0"/>
+              </a:ext>
+            </a:extLst>
+          </a:blip>
+          <a:srcRect l="15834" t="11170" r="14166" b="3088"/>
+          <a:stretch/>
+        </p:blipFill>
+        <p:spPr>
+          <a:xfrm>
+            <a:off x="2133600" y="2133600"/>
+            <a:ext cx="4267200" cy="3899694"/>
+          </a:xfrm>
+          <a:prstGeom prst="rect">
+            <a:avLst/>
+          </a:prstGeom>
+        </p:spPr>
+      </p:pic>
     </p:spTree>
+    <p:extLst>
+      <p:ext uri="{BB962C8B-B14F-4D97-AF65-F5344CB8AC3E}">
+        <p14:creationId xmlns:p14="http://schemas.microsoft.com/office/powerpoint/2010/main" val="901032271"/>
+      </p:ext>
+    </p:extLst>
   </p:cSld>
   <p:clrMapOvr>
     <a:masterClrMapping/>
@@ -7526,28 +7732,571 @@
             <p:ph type="title"/>
           </p:nvPr>
         </p:nvSpPr>
-        <p:spPr>
-          <a:xfrm>
-            <a:off x="1905000" y="2895600"/>
-            <a:ext cx="6911975" cy="693737"/>
-          </a:xfrm>
-        </p:spPr>
+        <p:spPr/>
         <p:txBody>
           <a:bodyPr/>
           <a:lstStyle/>
           <a:p>
             <a:r>
-              <a:rPr lang="de-DE" sz="6000" dirty="0" smtClean="0"/>
-              <a:t>Vorführung</a:t>
-            </a:r>
-            <a:endParaRPr lang="de-DE" sz="6000" dirty="0"/>
+              <a:rPr lang="de-DE" dirty="0"/>
+              <a:t>Bohrungsdetektion</a:t>
+            </a:r>
+            <a:endParaRPr lang="de-DE" dirty="0"/>
           </a:p>
         </p:txBody>
       </p:sp>
+      <p:sp>
+        <p:nvSpPr>
+          <p:cNvPr id="3" name="Inhaltsplatzhalter 2"/>
+          <p:cNvSpPr>
+            <a:spLocks noGrp="1"/>
+          </p:cNvSpPr>
+          <p:nvPr>
+            <p:ph idx="1"/>
+          </p:nvPr>
+        </p:nvSpPr>
+        <p:spPr/>
+        <p:txBody>
+          <a:bodyPr/>
+          <a:lstStyle/>
+          <a:p>
+            <a:r>
+              <a:rPr lang="de-DE" dirty="0" smtClean="0"/>
+              <a:t>Maskierung pro erwarteter Bohrungsposition</a:t>
+            </a:r>
+          </a:p>
+          <a:p>
+            <a:pPr lvl="1"/>
+            <a:r>
+              <a:rPr lang="de-DE" dirty="0" smtClean="0"/>
+              <a:t>Individuelle Schwellwerte für Unterschiedliche Beleuchtung</a:t>
+            </a:r>
+            <a:endParaRPr lang="de-DE" dirty="0"/>
+          </a:p>
+        </p:txBody>
+      </p:sp>
+      <p:pic>
+        <p:nvPicPr>
+          <p:cNvPr id="17" name="Grafik 16"/>
+          <p:cNvPicPr>
+            <a:picLocks noChangeAspect="1"/>
+          </p:cNvPicPr>
+          <p:nvPr/>
+        </p:nvPicPr>
+        <p:blipFill rotWithShape="1">
+          <a:blip r:embed="rId2">
+            <a:extLst>
+              <a:ext uri="{28A0092B-C50C-407E-A947-70E740481C1C}">
+                <a14:useLocalDpi xmlns:a14="http://schemas.microsoft.com/office/drawing/2010/main" val="0"/>
+              </a:ext>
+            </a:extLst>
+          </a:blip>
+          <a:srcRect l="17500" t="14095" r="15833" b="3671"/>
+          <a:stretch/>
+        </p:blipFill>
+        <p:spPr>
+          <a:xfrm>
+            <a:off x="2895600" y="2439353"/>
+            <a:ext cx="3733800" cy="3313747"/>
+          </a:xfrm>
+          <a:prstGeom prst="rect">
+            <a:avLst/>
+          </a:prstGeom>
+        </p:spPr>
+      </p:pic>
+      <p:pic>
+        <p:nvPicPr>
+          <p:cNvPr id="9" name="Grafik 8"/>
+          <p:cNvPicPr>
+            <a:picLocks noChangeAspect="1"/>
+          </p:cNvPicPr>
+          <p:nvPr/>
+        </p:nvPicPr>
+        <p:blipFill rotWithShape="1">
+          <a:blip r:embed="rId2">
+            <a:extLst>
+              <a:ext uri="{28A0092B-C50C-407E-A947-70E740481C1C}">
+                <a14:useLocalDpi xmlns:a14="http://schemas.microsoft.com/office/drawing/2010/main" val="0"/>
+              </a:ext>
+            </a:extLst>
+          </a:blip>
+          <a:srcRect l="68909" t="77989" r="21232" b="9287"/>
+          <a:stretch/>
+        </p:blipFill>
+        <p:spPr>
+          <a:xfrm>
+            <a:off x="7085817" y="5257800"/>
+            <a:ext cx="1066800" cy="990600"/>
+          </a:xfrm>
+          <a:prstGeom prst="rect">
+            <a:avLst/>
+          </a:prstGeom>
+        </p:spPr>
+      </p:pic>
+      <p:pic>
+        <p:nvPicPr>
+          <p:cNvPr id="10" name="Grafik 9"/>
+          <p:cNvPicPr>
+            <a:picLocks noChangeAspect="1"/>
+          </p:cNvPicPr>
+          <p:nvPr/>
+        </p:nvPicPr>
+        <p:blipFill rotWithShape="1">
+          <a:blip r:embed="rId2">
+            <a:extLst>
+              <a:ext uri="{28A0092B-C50C-407E-A947-70E740481C1C}">
+                <a14:useLocalDpi xmlns:a14="http://schemas.microsoft.com/office/drawing/2010/main" val="0"/>
+              </a:ext>
+            </a:extLst>
+          </a:blip>
+          <a:srcRect l="24542" t="22098" r="65599" b="65177"/>
+          <a:stretch/>
+        </p:blipFill>
+        <p:spPr>
+          <a:xfrm>
+            <a:off x="1219200" y="2068172"/>
+            <a:ext cx="1066800" cy="990600"/>
+          </a:xfrm>
+          <a:prstGeom prst="rect">
+            <a:avLst/>
+          </a:prstGeom>
+        </p:spPr>
+      </p:pic>
+      <p:cxnSp>
+        <p:nvCxnSpPr>
+          <p:cNvPr id="5" name="Gerader Verbinder 4"/>
+          <p:cNvCxnSpPr/>
+          <p:nvPr/>
+        </p:nvCxnSpPr>
+        <p:spPr>
+          <a:xfrm>
+            <a:off x="2057400" y="2563472"/>
+            <a:ext cx="1295400" cy="408328"/>
+          </a:xfrm>
+          <a:prstGeom prst="line">
+            <a:avLst/>
+          </a:prstGeom>
+        </p:spPr>
+        <p:style>
+          <a:lnRef idx="3">
+            <a:schemeClr val="accent1"/>
+          </a:lnRef>
+          <a:fillRef idx="0">
+            <a:schemeClr val="accent1"/>
+          </a:fillRef>
+          <a:effectRef idx="2">
+            <a:schemeClr val="accent1"/>
+          </a:effectRef>
+          <a:fontRef idx="minor">
+            <a:schemeClr val="tx1"/>
+          </a:fontRef>
+        </p:style>
+      </p:cxnSp>
+      <p:cxnSp>
+        <p:nvCxnSpPr>
+          <p:cNvPr id="11" name="Gerader Verbinder 10"/>
+          <p:cNvCxnSpPr/>
+          <p:nvPr/>
+        </p:nvCxnSpPr>
+        <p:spPr>
+          <a:xfrm>
+            <a:off x="6228959" y="5354297"/>
+            <a:ext cx="1010041" cy="364502"/>
+          </a:xfrm>
+          <a:prstGeom prst="line">
+            <a:avLst/>
+          </a:prstGeom>
+        </p:spPr>
+        <p:style>
+          <a:lnRef idx="3">
+            <a:schemeClr val="accent1"/>
+          </a:lnRef>
+          <a:fillRef idx="0">
+            <a:schemeClr val="accent1"/>
+          </a:fillRef>
+          <a:effectRef idx="2">
+            <a:schemeClr val="accent1"/>
+          </a:effectRef>
+          <a:fontRef idx="minor">
+            <a:schemeClr val="tx1"/>
+          </a:fontRef>
+        </p:style>
+      </p:cxnSp>
     </p:spTree>
     <p:extLst>
       <p:ext uri="{BB962C8B-B14F-4D97-AF65-F5344CB8AC3E}">
-        <p14:creationId xmlns:p14="http://schemas.microsoft.com/office/powerpoint/2010/main" val="543134797"/>
+        <p14:creationId xmlns:p14="http://schemas.microsoft.com/office/powerpoint/2010/main" val="3862156488"/>
+      </p:ext>
+    </p:extLst>
+  </p:cSld>
+  <p:clrMapOvr>
+    <a:masterClrMapping/>
+  </p:clrMapOvr>
+  <p:timing>
+    <p:tnLst>
+      <p:par>
+        <p:cTn id="1" dur="indefinite" restart="never" nodeType="tmRoot"/>
+      </p:par>
+    </p:tnLst>
+  </p:timing>
+</p:sld>
+</file>
+
+<file path=ppt/slides/slide18.xml><?xml version="1.0" encoding="utf-8"?>
+<p:sld xmlns:a="http://schemas.openxmlformats.org/drawingml/2006/main" xmlns:r="http://schemas.openxmlformats.org/officeDocument/2006/relationships" xmlns:p="http://schemas.openxmlformats.org/presentationml/2006/main">
+  <p:cSld>
+    <p:spTree>
+      <p:nvGrpSpPr>
+        <p:cNvPr id="1" name=""/>
+        <p:cNvGrpSpPr/>
+        <p:nvPr/>
+      </p:nvGrpSpPr>
+      <p:grpSpPr>
+        <a:xfrm>
+          <a:off x="0" y="0"/>
+          <a:ext cx="0" cy="0"/>
+          <a:chOff x="0" y="0"/>
+          <a:chExt cx="0" cy="0"/>
+        </a:xfrm>
+      </p:grpSpPr>
+      <p:sp>
+        <p:nvSpPr>
+          <p:cNvPr id="2" name="Titel 1"/>
+          <p:cNvSpPr>
+            <a:spLocks noGrp="1"/>
+          </p:cNvSpPr>
+          <p:nvPr>
+            <p:ph type="title"/>
+          </p:nvPr>
+        </p:nvSpPr>
+        <p:spPr/>
+        <p:txBody>
+          <a:bodyPr/>
+          <a:lstStyle/>
+          <a:p>
+            <a:r>
+              <a:rPr lang="de-DE" dirty="0"/>
+              <a:t>Bohrungsdetektion</a:t>
+            </a:r>
+            <a:endParaRPr lang="de-DE" dirty="0"/>
+          </a:p>
+        </p:txBody>
+      </p:sp>
+      <p:sp>
+        <p:nvSpPr>
+          <p:cNvPr id="3" name="Inhaltsplatzhalter 2"/>
+          <p:cNvSpPr>
+            <a:spLocks noGrp="1"/>
+          </p:cNvSpPr>
+          <p:nvPr>
+            <p:ph idx="1"/>
+          </p:nvPr>
+        </p:nvSpPr>
+        <p:spPr/>
+        <p:txBody>
+          <a:bodyPr/>
+          <a:lstStyle/>
+          <a:p>
+            <a:r>
+              <a:rPr lang="de-DE" dirty="0" smtClean="0"/>
+              <a:t>XOR von Schwellwertbild und Maskierung</a:t>
+            </a:r>
+          </a:p>
+          <a:p>
+            <a:pPr lvl="1"/>
+            <a:r>
+              <a:rPr lang="de-DE" dirty="0" smtClean="0"/>
+              <a:t>Einzelne Detektion von Bohrungen</a:t>
+            </a:r>
+            <a:endParaRPr lang="de-DE" dirty="0"/>
+          </a:p>
+          <a:p>
+            <a:r>
+              <a:rPr lang="de-DE" dirty="0" smtClean="0"/>
+              <a:t>Hough Transformation zur Kreis-Detektion</a:t>
+            </a:r>
+            <a:endParaRPr lang="de-DE" dirty="0"/>
+          </a:p>
+        </p:txBody>
+      </p:sp>
+      <p:pic>
+        <p:nvPicPr>
+          <p:cNvPr id="19" name="Grafik 18"/>
+          <p:cNvPicPr>
+            <a:picLocks noChangeAspect="1"/>
+          </p:cNvPicPr>
+          <p:nvPr/>
+        </p:nvPicPr>
+        <p:blipFill rotWithShape="1">
+          <a:blip r:embed="rId2">
+            <a:extLst>
+              <a:ext uri="{28A0092B-C50C-407E-A947-70E740481C1C}">
+                <a14:useLocalDpi xmlns:a14="http://schemas.microsoft.com/office/drawing/2010/main" val="0"/>
+              </a:ext>
+            </a:extLst>
+          </a:blip>
+          <a:srcRect l="15966" t="15556" r="16839" b="6666"/>
+          <a:stretch/>
+        </p:blipFill>
+        <p:spPr>
+          <a:xfrm>
+            <a:off x="5134330" y="2727936"/>
+            <a:ext cx="3704870" cy="3368064"/>
+          </a:xfrm>
+          <a:prstGeom prst="rect">
+            <a:avLst/>
+          </a:prstGeom>
+          <a:ln w="38100">
+            <a:solidFill>
+              <a:schemeClr val="bg1">
+                <a:lumMod val="85000"/>
+              </a:schemeClr>
+            </a:solidFill>
+          </a:ln>
+        </p:spPr>
+      </p:pic>
+      <p:pic>
+        <p:nvPicPr>
+          <p:cNvPr id="7" name="Grafik 6"/>
+          <p:cNvPicPr>
+            <a:picLocks noChangeAspect="1"/>
+          </p:cNvPicPr>
+          <p:nvPr/>
+        </p:nvPicPr>
+        <p:blipFill rotWithShape="1">
+          <a:blip r:embed="rId3" cstate="print">
+            <a:extLst>
+              <a:ext uri="{28A0092B-C50C-407E-A947-70E740481C1C}">
+                <a14:useLocalDpi xmlns:a14="http://schemas.microsoft.com/office/drawing/2010/main" val="0"/>
+              </a:ext>
+            </a:extLst>
+          </a:blip>
+          <a:srcRect l="15834" t="11170" r="14166" b="3088"/>
+          <a:stretch/>
+        </p:blipFill>
+        <p:spPr>
+          <a:xfrm>
+            <a:off x="228600" y="2720036"/>
+            <a:ext cx="3694113" cy="3375963"/>
+          </a:xfrm>
+          <a:prstGeom prst="rect">
+            <a:avLst/>
+          </a:prstGeom>
+        </p:spPr>
+      </p:pic>
+      <p:sp>
+        <p:nvSpPr>
+          <p:cNvPr id="4" name="Flussdiagramm: Prozess 3"/>
+          <p:cNvSpPr/>
+          <p:nvPr/>
+        </p:nvSpPr>
+        <p:spPr>
+          <a:xfrm>
+            <a:off x="4038600" y="4003530"/>
+            <a:ext cx="914400" cy="612648"/>
+          </a:xfrm>
+          <a:prstGeom prst="flowChartProcess">
+            <a:avLst/>
+          </a:prstGeom>
+        </p:spPr>
+        <p:style>
+          <a:lnRef idx="2">
+            <a:schemeClr val="accent1">
+              <a:shade val="50000"/>
+            </a:schemeClr>
+          </a:lnRef>
+          <a:fillRef idx="1">
+            <a:schemeClr val="accent1"/>
+          </a:fillRef>
+          <a:effectRef idx="0">
+            <a:schemeClr val="accent1"/>
+          </a:effectRef>
+          <a:fontRef idx="minor">
+            <a:schemeClr val="lt1"/>
+          </a:fontRef>
+        </p:style>
+        <p:txBody>
+          <a:bodyPr rtlCol="0" anchor="ctr"/>
+          <a:lstStyle/>
+          <a:p>
+            <a:pPr algn="ctr"/>
+            <a:r>
+              <a:rPr lang="de-DE" dirty="0" smtClean="0"/>
+              <a:t>XOR</a:t>
+            </a:r>
+            <a:endParaRPr lang="de-DE" dirty="0"/>
+          </a:p>
+        </p:txBody>
+      </p:sp>
+    </p:spTree>
+    <p:extLst>
+      <p:ext uri="{BB962C8B-B14F-4D97-AF65-F5344CB8AC3E}">
+        <p14:creationId xmlns:p14="http://schemas.microsoft.com/office/powerpoint/2010/main" val="1185749361"/>
+      </p:ext>
+    </p:extLst>
+  </p:cSld>
+  <p:clrMapOvr>
+    <a:masterClrMapping/>
+  </p:clrMapOvr>
+  <p:timing>
+    <p:tnLst>
+      <p:par>
+        <p:cTn id="1" dur="indefinite" restart="never" nodeType="tmRoot"/>
+      </p:par>
+    </p:tnLst>
+  </p:timing>
+</p:sld>
+</file>
+
+<file path=ppt/slides/slide19.xml><?xml version="1.0" encoding="utf-8"?>
+<p:sld xmlns:a="http://schemas.openxmlformats.org/drawingml/2006/main" xmlns:r="http://schemas.openxmlformats.org/officeDocument/2006/relationships" xmlns:p="http://schemas.openxmlformats.org/presentationml/2006/main">
+  <p:cSld>
+    <p:spTree>
+      <p:nvGrpSpPr>
+        <p:cNvPr id="1" name=""/>
+        <p:cNvGrpSpPr/>
+        <p:nvPr/>
+      </p:nvGrpSpPr>
+      <p:grpSpPr>
+        <a:xfrm>
+          <a:off x="0" y="0"/>
+          <a:ext cx="0" cy="0"/>
+          <a:chOff x="0" y="0"/>
+          <a:chExt cx="0" cy="0"/>
+        </a:xfrm>
+      </p:grpSpPr>
+      <p:sp>
+        <p:nvSpPr>
+          <p:cNvPr id="2" name="Titel 1"/>
+          <p:cNvSpPr>
+            <a:spLocks noGrp="1"/>
+          </p:cNvSpPr>
+          <p:nvPr>
+            <p:ph type="title"/>
+          </p:nvPr>
+        </p:nvSpPr>
+        <p:spPr/>
+        <p:txBody>
+          <a:bodyPr/>
+          <a:lstStyle/>
+          <a:p>
+            <a:r>
+              <a:rPr lang="de-DE" dirty="0" smtClean="0"/>
+              <a:t>Bohrungsüberprüfung</a:t>
+            </a:r>
+            <a:endParaRPr lang="de-DE" dirty="0"/>
+          </a:p>
+        </p:txBody>
+      </p:sp>
+      <p:sp>
+        <p:nvSpPr>
+          <p:cNvPr id="3" name="Inhaltsplatzhalter 2"/>
+          <p:cNvSpPr>
+            <a:spLocks noGrp="1"/>
+          </p:cNvSpPr>
+          <p:nvPr>
+            <p:ph idx="1"/>
+          </p:nvPr>
+        </p:nvSpPr>
+        <p:spPr/>
+        <p:txBody>
+          <a:bodyPr/>
+          <a:lstStyle/>
+          <a:p>
+            <a:r>
+              <a:rPr lang="de-DE" dirty="0" smtClean="0"/>
+              <a:t>Existenz von Bohrung in Nähe der berechneter Bohrungsposition</a:t>
+            </a:r>
+          </a:p>
+          <a:p>
+            <a:r>
+              <a:rPr lang="de-DE" dirty="0" smtClean="0"/>
+              <a:t>Zuordnung zu Bohrungsgrößen</a:t>
+            </a:r>
+          </a:p>
+          <a:p>
+            <a:r>
+              <a:rPr lang="de-DE" dirty="0" smtClean="0"/>
+              <a:t>Anordnung der erkannten Bohrungsgrößen</a:t>
+            </a:r>
+          </a:p>
+          <a:p>
+            <a:r>
+              <a:rPr lang="de-DE" dirty="0" smtClean="0"/>
+              <a:t>Markierung im Fehlerfall</a:t>
+            </a:r>
+            <a:endParaRPr lang="de-DE" dirty="0" smtClean="0"/>
+          </a:p>
+          <a:p>
+            <a:pPr lvl="1"/>
+            <a:endParaRPr lang="de-DE" dirty="0" smtClean="0"/>
+          </a:p>
+          <a:p>
+            <a:endParaRPr lang="de-DE" dirty="0" smtClean="0"/>
+          </a:p>
+          <a:p>
+            <a:pPr lvl="1"/>
+            <a:endParaRPr lang="de-DE" dirty="0"/>
+          </a:p>
+        </p:txBody>
+      </p:sp>
+      <p:pic>
+        <p:nvPicPr>
+          <p:cNvPr id="8" name="Grafik 7" descr="Perfekt3.png"/>
+          <p:cNvPicPr>
+            <a:picLocks noChangeAspect="1"/>
+          </p:cNvPicPr>
+          <p:nvPr/>
+        </p:nvPicPr>
+        <p:blipFill>
+          <a:blip r:embed="rId2"/>
+          <a:stretch>
+            <a:fillRect/>
+          </a:stretch>
+        </p:blipFill>
+        <p:spPr>
+          <a:xfrm flipH="1">
+            <a:off x="762000" y="2844356"/>
+            <a:ext cx="3429000" cy="3404044"/>
+          </a:xfrm>
+          <a:prstGeom prst="rect">
+            <a:avLst/>
+          </a:prstGeom>
+        </p:spPr>
+      </p:pic>
+      <p:pic>
+        <p:nvPicPr>
+          <p:cNvPr id="5" name="Grafik 4"/>
+          <p:cNvPicPr>
+            <a:picLocks noChangeAspect="1"/>
+          </p:cNvPicPr>
+          <p:nvPr/>
+        </p:nvPicPr>
+        <p:blipFill rotWithShape="1">
+          <a:blip r:embed="rId3">
+            <a:extLst>
+              <a:ext uri="{28A0092B-C50C-407E-A947-70E740481C1C}">
+                <a14:useLocalDpi xmlns:a14="http://schemas.microsoft.com/office/drawing/2010/main" val="0"/>
+              </a:ext>
+            </a:extLst>
+          </a:blip>
+          <a:srcRect l="35833" t="8401" r="11667" b="6192"/>
+          <a:stretch/>
+        </p:blipFill>
+        <p:spPr>
+          <a:xfrm>
+            <a:off x="4953000" y="2819400"/>
+            <a:ext cx="3515652" cy="3404044"/>
+          </a:xfrm>
+          <a:prstGeom prst="rect">
+            <a:avLst/>
+          </a:prstGeom>
+        </p:spPr>
+      </p:pic>
+    </p:spTree>
+    <p:extLst>
+      <p:ext uri="{BB962C8B-B14F-4D97-AF65-F5344CB8AC3E}">
+        <p14:creationId xmlns:p14="http://schemas.microsoft.com/office/powerpoint/2010/main" val="2797205545"/>
       </p:ext>
     </p:extLst>
   </p:cSld>
@@ -7669,6 +8418,599 @@
         </p:txBody>
       </p:sp>
     </p:spTree>
+  </p:cSld>
+  <p:clrMapOvr>
+    <a:masterClrMapping/>
+  </p:clrMapOvr>
+  <p:timing>
+    <p:tnLst>
+      <p:par>
+        <p:cTn id="1" dur="indefinite" restart="never" nodeType="tmRoot"/>
+      </p:par>
+    </p:tnLst>
+  </p:timing>
+</p:sld>
+</file>
+
+<file path=ppt/slides/slide20.xml><?xml version="1.0" encoding="utf-8"?>
+<p:sld xmlns:a="http://schemas.openxmlformats.org/drawingml/2006/main" xmlns:r="http://schemas.openxmlformats.org/officeDocument/2006/relationships" xmlns:p="http://schemas.openxmlformats.org/presentationml/2006/main">
+  <p:cSld>
+    <p:spTree>
+      <p:nvGrpSpPr>
+        <p:cNvPr id="1" name=""/>
+        <p:cNvGrpSpPr/>
+        <p:nvPr/>
+      </p:nvGrpSpPr>
+      <p:grpSpPr>
+        <a:xfrm>
+          <a:off x="0" y="0"/>
+          <a:ext cx="0" cy="0"/>
+          <a:chOff x="0" y="0"/>
+          <a:chExt cx="0" cy="0"/>
+        </a:xfrm>
+      </p:grpSpPr>
+      <p:sp>
+        <p:nvSpPr>
+          <p:cNvPr id="2" name="Titel 1"/>
+          <p:cNvSpPr>
+            <a:spLocks noGrp="1"/>
+          </p:cNvSpPr>
+          <p:nvPr>
+            <p:ph type="title"/>
+          </p:nvPr>
+        </p:nvSpPr>
+        <p:spPr/>
+        <p:txBody>
+          <a:bodyPr/>
+          <a:lstStyle/>
+          <a:p>
+            <a:r>
+              <a:rPr lang="de-DE" dirty="0" smtClean="0"/>
+              <a:t>Programm-Ablauf</a:t>
+            </a:r>
+            <a:endParaRPr lang="de-DE" dirty="0"/>
+          </a:p>
+        </p:txBody>
+      </p:sp>
+      <p:sp>
+        <p:nvSpPr>
+          <p:cNvPr id="4" name="Flussdiagramm: Alternativer Prozess 3"/>
+          <p:cNvSpPr/>
+          <p:nvPr/>
+        </p:nvSpPr>
+        <p:spPr>
+          <a:xfrm>
+            <a:off x="2971800" y="1040600"/>
+            <a:ext cx="2743200" cy="612648"/>
+          </a:xfrm>
+          <a:prstGeom prst="flowChartAlternateProcess">
+            <a:avLst/>
+          </a:prstGeom>
+          <a:solidFill>
+            <a:schemeClr val="accent1">
+              <a:alpha val="25000"/>
+            </a:schemeClr>
+          </a:solidFill>
+          <a:ln>
+            <a:solidFill>
+              <a:schemeClr val="accent1">
+                <a:shade val="50000"/>
+                <a:alpha val="25000"/>
+              </a:schemeClr>
+            </a:solidFill>
+          </a:ln>
+        </p:spPr>
+        <p:style>
+          <a:lnRef idx="2">
+            <a:schemeClr val="accent1">
+              <a:shade val="50000"/>
+            </a:schemeClr>
+          </a:lnRef>
+          <a:fillRef idx="1">
+            <a:schemeClr val="accent1"/>
+          </a:fillRef>
+          <a:effectRef idx="0">
+            <a:schemeClr val="accent1"/>
+          </a:effectRef>
+          <a:fontRef idx="minor">
+            <a:schemeClr val="lt1"/>
+          </a:fontRef>
+        </p:style>
+        <p:txBody>
+          <a:bodyPr rtlCol="0" anchor="ctr"/>
+          <a:lstStyle/>
+          <a:p>
+            <a:pPr algn="ctr"/>
+            <a:r>
+              <a:rPr lang="de-DE" dirty="0" smtClean="0"/>
+              <a:t>Kalibrierung</a:t>
+            </a:r>
+            <a:endParaRPr lang="de-DE" dirty="0"/>
+          </a:p>
+        </p:txBody>
+      </p:sp>
+      <p:sp>
+        <p:nvSpPr>
+          <p:cNvPr id="5" name="Flussdiagramm: Alternativer Prozess 4"/>
+          <p:cNvSpPr/>
+          <p:nvPr/>
+        </p:nvSpPr>
+        <p:spPr>
+          <a:xfrm>
+            <a:off x="2971800" y="2397744"/>
+            <a:ext cx="2743200" cy="612648"/>
+          </a:xfrm>
+          <a:prstGeom prst="flowChartAlternateProcess">
+            <a:avLst/>
+          </a:prstGeom>
+          <a:solidFill>
+            <a:schemeClr val="accent1">
+              <a:alpha val="25000"/>
+            </a:schemeClr>
+          </a:solidFill>
+          <a:ln>
+            <a:solidFill>
+              <a:schemeClr val="accent1">
+                <a:alpha val="25000"/>
+              </a:schemeClr>
+            </a:solidFill>
+          </a:ln>
+        </p:spPr>
+        <p:style>
+          <a:lnRef idx="2">
+            <a:schemeClr val="accent1">
+              <a:shade val="50000"/>
+            </a:schemeClr>
+          </a:lnRef>
+          <a:fillRef idx="1">
+            <a:schemeClr val="accent1"/>
+          </a:fillRef>
+          <a:effectRef idx="0">
+            <a:schemeClr val="accent1"/>
+          </a:effectRef>
+          <a:fontRef idx="minor">
+            <a:schemeClr val="lt1"/>
+          </a:fontRef>
+        </p:style>
+        <p:txBody>
+          <a:bodyPr rtlCol="0" anchor="ctr"/>
+          <a:lstStyle/>
+          <a:p>
+            <a:pPr algn="ctr"/>
+            <a:r>
+              <a:rPr lang="de-DE" dirty="0"/>
+              <a:t>Lage und Maße</a:t>
+            </a:r>
+          </a:p>
+        </p:txBody>
+      </p:sp>
+      <p:sp>
+        <p:nvSpPr>
+          <p:cNvPr id="6" name="Flussdiagramm: Alternativer Prozess 5"/>
+          <p:cNvSpPr/>
+          <p:nvPr/>
+        </p:nvSpPr>
+        <p:spPr>
+          <a:xfrm>
+            <a:off x="2986216" y="3748710"/>
+            <a:ext cx="2743200" cy="612648"/>
+          </a:xfrm>
+          <a:prstGeom prst="flowChartAlternateProcess">
+            <a:avLst/>
+          </a:prstGeom>
+          <a:solidFill>
+            <a:schemeClr val="accent1">
+              <a:alpha val="25000"/>
+            </a:schemeClr>
+          </a:solidFill>
+          <a:ln>
+            <a:solidFill>
+              <a:schemeClr val="accent1">
+                <a:alpha val="25000"/>
+              </a:schemeClr>
+            </a:solidFill>
+          </a:ln>
+        </p:spPr>
+        <p:style>
+          <a:lnRef idx="2">
+            <a:schemeClr val="accent1">
+              <a:shade val="50000"/>
+            </a:schemeClr>
+          </a:lnRef>
+          <a:fillRef idx="1">
+            <a:schemeClr val="accent1"/>
+          </a:fillRef>
+          <a:effectRef idx="0">
+            <a:schemeClr val="accent1"/>
+          </a:effectRef>
+          <a:fontRef idx="minor">
+            <a:schemeClr val="lt1"/>
+          </a:fontRef>
+        </p:style>
+        <p:txBody>
+          <a:bodyPr rtlCol="0" anchor="ctr"/>
+          <a:lstStyle/>
+          <a:p>
+            <a:pPr algn="ctr"/>
+            <a:r>
+              <a:rPr lang="de-DE" dirty="0" smtClean="0"/>
+              <a:t>Bohrungen</a:t>
+            </a:r>
+            <a:endParaRPr lang="de-DE" dirty="0"/>
+          </a:p>
+        </p:txBody>
+      </p:sp>
+      <p:sp>
+        <p:nvSpPr>
+          <p:cNvPr id="7" name="Flussdiagramm: Alternativer Prozess 6"/>
+          <p:cNvSpPr/>
+          <p:nvPr/>
+        </p:nvSpPr>
+        <p:spPr>
+          <a:xfrm>
+            <a:off x="2971800" y="5105854"/>
+            <a:ext cx="2743200" cy="612648"/>
+          </a:xfrm>
+          <a:prstGeom prst="flowChartAlternateProcess">
+            <a:avLst/>
+          </a:prstGeom>
+          <a:solidFill>
+            <a:schemeClr val="accent1"/>
+          </a:solidFill>
+          <a:ln>
+            <a:solidFill>
+              <a:schemeClr val="accent1"/>
+            </a:solidFill>
+          </a:ln>
+        </p:spPr>
+        <p:style>
+          <a:lnRef idx="2">
+            <a:schemeClr val="accent1">
+              <a:shade val="50000"/>
+            </a:schemeClr>
+          </a:lnRef>
+          <a:fillRef idx="1">
+            <a:schemeClr val="accent1"/>
+          </a:fillRef>
+          <a:effectRef idx="0">
+            <a:schemeClr val="accent1"/>
+          </a:effectRef>
+          <a:fontRef idx="minor">
+            <a:schemeClr val="lt1"/>
+          </a:fontRef>
+        </p:style>
+        <p:txBody>
+          <a:bodyPr rtlCol="0" anchor="ctr"/>
+          <a:lstStyle/>
+          <a:p>
+            <a:pPr algn="ctr"/>
+            <a:r>
+              <a:rPr lang="de-DE" dirty="0" smtClean="0"/>
+              <a:t>Schäden</a:t>
+            </a:r>
+            <a:endParaRPr lang="de-DE" dirty="0"/>
+          </a:p>
+        </p:txBody>
+      </p:sp>
+      <p:cxnSp>
+        <p:nvCxnSpPr>
+          <p:cNvPr id="11" name="Gerade Verbindung mit Pfeil 10"/>
+          <p:cNvCxnSpPr>
+            <a:stCxn id="4" idx="2"/>
+            <a:endCxn id="5" idx="0"/>
+          </p:cNvCxnSpPr>
+          <p:nvPr/>
+        </p:nvCxnSpPr>
+        <p:spPr>
+          <a:xfrm>
+            <a:off x="4343400" y="1653248"/>
+            <a:ext cx="0" cy="744496"/>
+          </a:xfrm>
+          <a:prstGeom prst="straightConnector1">
+            <a:avLst/>
+          </a:prstGeom>
+          <a:ln>
+            <a:solidFill>
+              <a:schemeClr val="accent1">
+                <a:alpha val="25000"/>
+              </a:schemeClr>
+            </a:solidFill>
+            <a:tailEnd type="triangle"/>
+          </a:ln>
+        </p:spPr>
+        <p:style>
+          <a:lnRef idx="3">
+            <a:schemeClr val="accent1"/>
+          </a:lnRef>
+          <a:fillRef idx="0">
+            <a:schemeClr val="accent1"/>
+          </a:fillRef>
+          <a:effectRef idx="2">
+            <a:schemeClr val="accent1"/>
+          </a:effectRef>
+          <a:fontRef idx="minor">
+            <a:schemeClr val="tx1"/>
+          </a:fontRef>
+        </p:style>
+      </p:cxnSp>
+      <p:cxnSp>
+        <p:nvCxnSpPr>
+          <p:cNvPr id="13" name="Gerade Verbindung mit Pfeil 12"/>
+          <p:cNvCxnSpPr/>
+          <p:nvPr/>
+        </p:nvCxnSpPr>
+        <p:spPr>
+          <a:xfrm>
+            <a:off x="4343400" y="3004214"/>
+            <a:ext cx="0" cy="744496"/>
+          </a:xfrm>
+          <a:prstGeom prst="straightConnector1">
+            <a:avLst/>
+          </a:prstGeom>
+          <a:ln>
+            <a:solidFill>
+              <a:schemeClr val="accent1">
+                <a:alpha val="25000"/>
+              </a:schemeClr>
+            </a:solidFill>
+            <a:tailEnd type="triangle"/>
+          </a:ln>
+        </p:spPr>
+        <p:style>
+          <a:lnRef idx="3">
+            <a:schemeClr val="accent1"/>
+          </a:lnRef>
+          <a:fillRef idx="0">
+            <a:schemeClr val="accent1"/>
+          </a:fillRef>
+          <a:effectRef idx="2">
+            <a:schemeClr val="accent1"/>
+          </a:effectRef>
+          <a:fontRef idx="minor">
+            <a:schemeClr val="tx1"/>
+          </a:fontRef>
+        </p:style>
+      </p:cxnSp>
+      <p:cxnSp>
+        <p:nvCxnSpPr>
+          <p:cNvPr id="14" name="Gerade Verbindung mit Pfeil 13"/>
+          <p:cNvCxnSpPr/>
+          <p:nvPr/>
+        </p:nvCxnSpPr>
+        <p:spPr>
+          <a:xfrm>
+            <a:off x="4333103" y="4361358"/>
+            <a:ext cx="0" cy="744496"/>
+          </a:xfrm>
+          <a:prstGeom prst="straightConnector1">
+            <a:avLst/>
+          </a:prstGeom>
+          <a:ln>
+            <a:solidFill>
+              <a:schemeClr val="accent1">
+                <a:alpha val="25000"/>
+              </a:schemeClr>
+            </a:solidFill>
+            <a:tailEnd type="triangle"/>
+          </a:ln>
+        </p:spPr>
+        <p:style>
+          <a:lnRef idx="3">
+            <a:schemeClr val="accent1"/>
+          </a:lnRef>
+          <a:fillRef idx="0">
+            <a:schemeClr val="accent1"/>
+          </a:fillRef>
+          <a:effectRef idx="2">
+            <a:schemeClr val="accent1"/>
+          </a:effectRef>
+          <a:fontRef idx="minor">
+            <a:schemeClr val="tx1"/>
+          </a:fontRef>
+        </p:style>
+      </p:cxnSp>
+    </p:spTree>
+    <p:extLst>
+      <p:ext uri="{BB962C8B-B14F-4D97-AF65-F5344CB8AC3E}">
+        <p14:creationId xmlns:p14="http://schemas.microsoft.com/office/powerpoint/2010/main" val="1212497302"/>
+      </p:ext>
+    </p:extLst>
+  </p:cSld>
+  <p:clrMapOvr>
+    <a:masterClrMapping/>
+  </p:clrMapOvr>
+  <p:timing>
+    <p:tnLst>
+      <p:par>
+        <p:cTn id="1" dur="indefinite" restart="never" nodeType="tmRoot"/>
+      </p:par>
+    </p:tnLst>
+  </p:timing>
+</p:sld>
+</file>
+
+<file path=ppt/slides/slide21.xml><?xml version="1.0" encoding="utf-8"?>
+<p:sld xmlns:a="http://schemas.openxmlformats.org/drawingml/2006/main" xmlns:r="http://schemas.openxmlformats.org/officeDocument/2006/relationships" xmlns:p="http://schemas.openxmlformats.org/presentationml/2006/main">
+  <p:cSld>
+    <p:spTree>
+      <p:nvGrpSpPr>
+        <p:cNvPr id="1" name=""/>
+        <p:cNvGrpSpPr/>
+        <p:nvPr/>
+      </p:nvGrpSpPr>
+      <p:grpSpPr>
+        <a:xfrm>
+          <a:off x="0" y="0"/>
+          <a:ext cx="0" cy="0"/>
+          <a:chOff x="0" y="0"/>
+          <a:chExt cx="0" cy="0"/>
+        </a:xfrm>
+      </p:grpSpPr>
+      <p:sp>
+        <p:nvSpPr>
+          <p:cNvPr id="2" name="Titel 1"/>
+          <p:cNvSpPr>
+            <a:spLocks noGrp="1"/>
+          </p:cNvSpPr>
+          <p:nvPr>
+            <p:ph type="title"/>
+          </p:nvPr>
+        </p:nvSpPr>
+        <p:spPr/>
+        <p:txBody>
+          <a:bodyPr/>
+          <a:lstStyle/>
+          <a:p>
+            <a:r>
+              <a:rPr lang="de-DE" dirty="0" smtClean="0"/>
+              <a:t>Prüfen auf Beschädigungen</a:t>
+            </a:r>
+            <a:endParaRPr lang="de-DE" dirty="0"/>
+          </a:p>
+        </p:txBody>
+      </p:sp>
+      <p:sp>
+        <p:nvSpPr>
+          <p:cNvPr id="3" name="Inhaltsplatzhalter 2"/>
+          <p:cNvSpPr>
+            <a:spLocks noGrp="1"/>
+          </p:cNvSpPr>
+          <p:nvPr>
+            <p:ph idx="1"/>
+          </p:nvPr>
+        </p:nvSpPr>
+        <p:spPr/>
+        <p:txBody>
+          <a:bodyPr/>
+          <a:lstStyle/>
+          <a:p>
+            <a:r>
+              <a:rPr lang="de-DE" dirty="0" smtClean="0"/>
+              <a:t>Maskieren des Werkstücks</a:t>
+            </a:r>
+          </a:p>
+          <a:p>
+            <a:r>
+              <a:rPr lang="de-DE" dirty="0" smtClean="0"/>
+              <a:t>Filtern</a:t>
+            </a:r>
+          </a:p>
+          <a:p>
+            <a:pPr lvl="1"/>
+            <a:r>
+              <a:rPr lang="de-DE" dirty="0" err="1" smtClean="0"/>
+              <a:t>Guided</a:t>
+            </a:r>
+            <a:r>
+              <a:rPr lang="de-DE" dirty="0" smtClean="0"/>
+              <a:t> Image Filter</a:t>
+            </a:r>
+          </a:p>
+          <a:p>
+            <a:r>
+              <a:rPr lang="de-DE" dirty="0" smtClean="0"/>
+              <a:t>Kantendetektion mit </a:t>
+            </a:r>
+            <a:r>
+              <a:rPr lang="de-DE" dirty="0" err="1" smtClean="0"/>
+              <a:t>Canny</a:t>
+            </a:r>
+            <a:endParaRPr lang="de-DE" dirty="0" smtClean="0"/>
+          </a:p>
+          <a:p>
+            <a:r>
+              <a:rPr lang="de-DE" dirty="0" smtClean="0"/>
+              <a:t>Kanten und Bohrungen entfernen</a:t>
+            </a:r>
+          </a:p>
+          <a:p>
+            <a:r>
+              <a:rPr lang="de-DE" dirty="0" smtClean="0"/>
+              <a:t>Cluster finden</a:t>
+            </a:r>
+          </a:p>
+          <a:p>
+            <a:r>
+              <a:rPr lang="de-DE" dirty="0" smtClean="0"/>
+              <a:t>Zusätzlich: Überprüfung des Stegs</a:t>
+            </a:r>
+          </a:p>
+          <a:p>
+            <a:pPr lvl="1"/>
+            <a:r>
+              <a:rPr lang="de-DE" dirty="0" err="1" smtClean="0"/>
+              <a:t>Threshold</a:t>
+            </a:r>
+            <a:endParaRPr lang="de-DE" dirty="0"/>
+          </a:p>
+        </p:txBody>
+      </p:sp>
+    </p:spTree>
+  </p:cSld>
+  <p:clrMapOvr>
+    <a:masterClrMapping/>
+  </p:clrMapOvr>
+  <p:timing>
+    <p:tnLst>
+      <p:par>
+        <p:cTn id="1" dur="indefinite" restart="never" nodeType="tmRoot"/>
+      </p:par>
+    </p:tnLst>
+  </p:timing>
+</p:sld>
+</file>
+
+<file path=ppt/slides/slide22.xml><?xml version="1.0" encoding="utf-8"?>
+<p:sld xmlns:a="http://schemas.openxmlformats.org/drawingml/2006/main" xmlns:r="http://schemas.openxmlformats.org/officeDocument/2006/relationships" xmlns:p="http://schemas.openxmlformats.org/presentationml/2006/main">
+  <p:cSld>
+    <p:spTree>
+      <p:nvGrpSpPr>
+        <p:cNvPr id="1" name=""/>
+        <p:cNvGrpSpPr/>
+        <p:nvPr/>
+      </p:nvGrpSpPr>
+      <p:grpSpPr>
+        <a:xfrm>
+          <a:off x="0" y="0"/>
+          <a:ext cx="0" cy="0"/>
+          <a:chOff x="0" y="0"/>
+          <a:chExt cx="0" cy="0"/>
+        </a:xfrm>
+      </p:grpSpPr>
+      <p:sp>
+        <p:nvSpPr>
+          <p:cNvPr id="2" name="Titel 1"/>
+          <p:cNvSpPr>
+            <a:spLocks noGrp="1"/>
+          </p:cNvSpPr>
+          <p:nvPr>
+            <p:ph type="title"/>
+          </p:nvPr>
+        </p:nvSpPr>
+        <p:spPr>
+          <a:xfrm>
+            <a:off x="1905000" y="2895600"/>
+            <a:ext cx="6911975" cy="693737"/>
+          </a:xfrm>
+        </p:spPr>
+        <p:txBody>
+          <a:bodyPr/>
+          <a:lstStyle/>
+          <a:p>
+            <a:r>
+              <a:rPr lang="de-DE" sz="6000" dirty="0" smtClean="0"/>
+              <a:t>Vorführung</a:t>
+            </a:r>
+            <a:endParaRPr lang="de-DE" sz="6000" dirty="0"/>
+          </a:p>
+        </p:txBody>
+      </p:sp>
+    </p:spTree>
+    <p:extLst>
+      <p:ext uri="{BB962C8B-B14F-4D97-AF65-F5344CB8AC3E}">
+        <p14:creationId xmlns:p14="http://schemas.microsoft.com/office/powerpoint/2010/main" val="543134797"/>
+      </p:ext>
+    </p:extLst>
   </p:cSld>
   <p:clrMapOvr>
     <a:masterClrMapping/>
@@ -8531,11 +9873,11 @@
   <p:clrMapOvr>
     <a:masterClrMapping/>
   </p:clrMapOvr>
-  <mc:AlternateContent xmlns:mc="http://schemas.openxmlformats.org/markup-compatibility/2006">
-    <mc:Choice xmlns:p14="http://schemas.microsoft.com/office/powerpoint/2010/main" Requires="p14">
+  <mc:AlternateContent xmlns:mc="http://schemas.openxmlformats.org/markup-compatibility/2006" xmlns:p14="http://schemas.microsoft.com/office/powerpoint/2010/main">
+    <mc:Choice Requires="p14">
       <p:transition spd="slow" p14:dur="2000"/>
     </mc:Choice>
-    <mc:Fallback>
+    <mc:Fallback xmlns="">
       <p:transition spd="slow"/>
     </mc:Fallback>
   </mc:AlternateContent>
@@ -9033,7 +10375,6 @@
               <a:rPr lang="de-DE" dirty="0"/>
               <a:t>Lage und Maße</a:t>
             </a:r>
-            <a:endParaRPr lang="de-DE" dirty="0"/>
           </a:p>
         </p:txBody>
       </p:sp>
@@ -9089,7 +10430,6 @@
               <a:rPr lang="de-DE" dirty="0"/>
               <a:t>Bohrungen</a:t>
             </a:r>
-            <a:endParaRPr lang="de-DE" dirty="0"/>
           </a:p>
         </p:txBody>
       </p:sp>

--- a/Praesentation/Vorlage Präsentation.pptx
+++ b/Praesentation/Vorlage Präsentation.pptx
@@ -6953,7 +6953,6 @@
               <a:rPr lang="de-DE" dirty="0"/>
               <a:t>anhand Rechteck-Eckpunktekorrekten </a:t>
             </a:r>
-            <a:endParaRPr lang="de-DE" dirty="0"/>
           </a:p>
         </p:txBody>
       </p:sp>
@@ -7351,7 +7350,7 @@
         </p:nvSpPr>
         <p:spPr>
           <a:xfrm>
-            <a:off x="3977640" y="3516966"/>
+            <a:off x="4038600" y="3516966"/>
             <a:ext cx="381000" cy="411481"/>
           </a:xfrm>
           <a:prstGeom prst="rightArrow">
@@ -7622,7 +7621,6 @@
               <a:rPr lang="de-DE" dirty="0"/>
               <a:t>Bohrungsdetektion</a:t>
             </a:r>
-            <a:endParaRPr lang="de-DE" dirty="0"/>
           </a:p>
         </p:txBody>
       </p:sp>
@@ -7741,7 +7739,6 @@
               <a:rPr lang="de-DE" dirty="0"/>
               <a:t>Bohrungsdetektion</a:t>
             </a:r>
-            <a:endParaRPr lang="de-DE" dirty="0"/>
           </a:p>
         </p:txBody>
       </p:sp>
@@ -7978,7 +7975,6 @@
               <a:rPr lang="de-DE" dirty="0"/>
               <a:t>Bohrungsdetektion</a:t>
             </a:r>
-            <a:endParaRPr lang="de-DE" dirty="0"/>
           </a:p>
         </p:txBody>
       </p:sp>
@@ -8011,9 +8007,37 @@
             <a:endParaRPr lang="de-DE" dirty="0"/>
           </a:p>
           <a:p>
+            <a:endParaRPr lang="de-DE" dirty="0" smtClean="0"/>
+          </a:p>
+          <a:p>
+            <a:endParaRPr lang="de-DE" dirty="0"/>
+          </a:p>
+          <a:p>
+            <a:endParaRPr lang="de-DE" dirty="0" smtClean="0"/>
+          </a:p>
+          <a:p>
+            <a:endParaRPr lang="de-DE" dirty="0"/>
+          </a:p>
+          <a:p>
+            <a:endParaRPr lang="de-DE" dirty="0" smtClean="0"/>
+          </a:p>
+          <a:p>
+            <a:endParaRPr lang="de-DE" dirty="0"/>
+          </a:p>
+          <a:p>
+            <a:endParaRPr lang="de-DE" dirty="0" smtClean="0"/>
+          </a:p>
+          <a:p>
+            <a:endParaRPr lang="de-DE" dirty="0"/>
+          </a:p>
+          <a:p>
             <a:r>
               <a:rPr lang="de-DE" dirty="0" smtClean="0"/>
-              <a:t>Hough Transformation zur Kreis-Detektion</a:t>
+              <a:t>Hough </a:t>
+            </a:r>
+            <a:r>
+              <a:rPr lang="de-DE" dirty="0" smtClean="0"/>
+              <a:t>Transformation zur Kreis-Detektion</a:t>
             </a:r>
             <a:endParaRPr lang="de-DE" dirty="0"/>
           </a:p>
@@ -8021,43 +8045,80 @@
       </p:sp>
       <p:pic>
         <p:nvPicPr>
-          <p:cNvPr id="19" name="Grafik 18"/>
+          <p:cNvPr id="7" name="Grafik 6"/>
           <p:cNvPicPr>
             <a:picLocks noChangeAspect="1"/>
           </p:cNvPicPr>
           <p:nvPr/>
         </p:nvPicPr>
         <p:blipFill rotWithShape="1">
-          <a:blip r:embed="rId2">
+          <a:blip r:embed="rId2" cstate="print">
             <a:extLst>
               <a:ext uri="{28A0092B-C50C-407E-A947-70E740481C1C}">
                 <a14:useLocalDpi xmlns:a14="http://schemas.microsoft.com/office/drawing/2010/main" val="0"/>
               </a:ext>
             </a:extLst>
           </a:blip>
-          <a:srcRect l="15966" t="15556" r="16839" b="6666"/>
+          <a:srcRect l="15834" t="11170" r="14166" b="3088"/>
           <a:stretch/>
         </p:blipFill>
         <p:spPr>
           <a:xfrm>
-            <a:off x="5134330" y="2727936"/>
-            <a:ext cx="3704870" cy="3368064"/>
+            <a:off x="228600" y="2057400"/>
+            <a:ext cx="2363152" cy="2159629"/>
           </a:xfrm>
           <a:prstGeom prst="rect">
             <a:avLst/>
           </a:prstGeom>
-          <a:ln w="38100">
-            <a:solidFill>
-              <a:schemeClr val="bg1">
-                <a:lumMod val="85000"/>
-              </a:schemeClr>
-            </a:solidFill>
-          </a:ln>
         </p:spPr>
       </p:pic>
+      <p:sp>
+        <p:nvSpPr>
+          <p:cNvPr id="4" name="Flussdiagramm: Prozess 3"/>
+          <p:cNvSpPr/>
+          <p:nvPr/>
+        </p:nvSpPr>
+        <p:spPr>
+          <a:xfrm>
+            <a:off x="2743200" y="2819400"/>
+            <a:ext cx="685800" cy="459486"/>
+          </a:xfrm>
+          <a:prstGeom prst="flowChartProcess">
+            <a:avLst/>
+          </a:prstGeom>
+        </p:spPr>
+        <p:style>
+          <a:lnRef idx="2">
+            <a:schemeClr val="accent1">
+              <a:shade val="50000"/>
+            </a:schemeClr>
+          </a:lnRef>
+          <a:fillRef idx="1">
+            <a:schemeClr val="accent1"/>
+          </a:fillRef>
+          <a:effectRef idx="0">
+            <a:schemeClr val="accent1"/>
+          </a:effectRef>
+          <a:fontRef idx="minor">
+            <a:schemeClr val="lt1"/>
+          </a:fontRef>
+        </p:style>
+        <p:txBody>
+          <a:bodyPr rtlCol="0" anchor="ctr"/>
+          <a:lstStyle/>
+          <a:p>
+            <a:pPr algn="ctr"/>
+            <a:r>
+              <a:rPr lang="de-DE" dirty="0" smtClean="0"/>
+              <a:t>XOR</a:t>
+            </a:r>
+            <a:endParaRPr lang="de-DE" dirty="0"/>
+          </a:p>
+        </p:txBody>
+      </p:sp>
       <p:pic>
         <p:nvPicPr>
-          <p:cNvPr id="7" name="Grafik 6"/>
+          <p:cNvPr id="8" name="Grafik 7"/>
           <p:cNvPicPr>
             <a:picLocks noChangeAspect="1"/>
           </p:cNvPicPr>
@@ -8071,31 +8132,76 @@
               </a:ext>
             </a:extLst>
           </a:blip>
-          <a:srcRect l="15834" t="11170" r="14166" b="3088"/>
+          <a:srcRect l="15966" t="15556" r="16839" b="6666"/>
           <a:stretch/>
         </p:blipFill>
         <p:spPr>
           <a:xfrm>
-            <a:off x="228600" y="2720036"/>
-            <a:ext cx="3694113" cy="3375963"/>
+            <a:off x="6553200" y="2057400"/>
+            <a:ext cx="2423161" cy="2133601"/>
           </a:xfrm>
           <a:prstGeom prst="rect">
             <a:avLst/>
           </a:prstGeom>
+          <a:ln w="38100">
+            <a:solidFill>
+              <a:schemeClr val="bg1">
+                <a:lumMod val="85000"/>
+              </a:schemeClr>
+            </a:solidFill>
+          </a:ln>
         </p:spPr>
       </p:pic>
-      <p:sp>
-        <p:nvSpPr>
-          <p:cNvPr id="4" name="Flussdiagramm: Prozess 3"/>
+      <p:pic>
+        <p:nvPicPr>
+          <p:cNvPr id="5" name="Grafik 4"/>
+          <p:cNvPicPr>
+            <a:picLocks noChangeAspect="1"/>
+          </p:cNvPicPr>
+          <p:nvPr/>
+        </p:nvPicPr>
+        <p:blipFill>
+          <a:blip r:embed="rId4">
+            <a:extLst>
+              <a:ext uri="{28A0092B-C50C-407E-A947-70E740481C1C}">
+                <a14:useLocalDpi xmlns:a14="http://schemas.microsoft.com/office/drawing/2010/main" val="0"/>
+              </a:ext>
+            </a:extLst>
+          </a:blip>
+          <a:stretch>
+            <a:fillRect/>
+          </a:stretch>
+        </p:blipFill>
+        <p:spPr>
+          <a:xfrm>
+            <a:off x="3606551" y="2057401"/>
+            <a:ext cx="2337049" cy="2133600"/>
+          </a:xfrm>
+          <a:prstGeom prst="rect">
+            <a:avLst/>
+          </a:prstGeom>
+          <a:noFill/>
+          <a:ln w="28575">
+            <a:solidFill>
+              <a:schemeClr val="bg1">
+                <a:lumMod val="85000"/>
+              </a:schemeClr>
+            </a:solidFill>
+          </a:ln>
+        </p:spPr>
+      </p:pic>
+      <p:sp>
+        <p:nvSpPr>
+          <p:cNvPr id="9" name="Pfeil nach rechts 8"/>
           <p:cNvSpPr/>
           <p:nvPr/>
         </p:nvSpPr>
         <p:spPr>
           <a:xfrm>
-            <a:off x="4038600" y="4003530"/>
-            <a:ext cx="914400" cy="612648"/>
-          </a:xfrm>
-          <a:prstGeom prst="flowChartProcess">
+            <a:off x="6096000" y="2867405"/>
+            <a:ext cx="381000" cy="411481"/>
+          </a:xfrm>
+          <a:prstGeom prst="rightArrow">
             <a:avLst/>
           </a:prstGeom>
         </p:spPr>
@@ -8120,11 +8226,7 @@
           <a:lstStyle/>
           <a:p>
             <a:pPr algn="ctr"/>
-            <a:r>
-              <a:rPr lang="de-DE" dirty="0" smtClean="0"/>
-              <a:t>XOR</a:t>
-            </a:r>
-            <a:endParaRPr lang="de-DE" dirty="0"/>
+            <a:endParaRPr lang="de-DE"/>
           </a:p>
         </p:txBody>
       </p:sp>
@@ -8225,7 +8327,6 @@
               <a:rPr lang="de-DE" dirty="0" smtClean="0"/>
               <a:t>Markierung im Fehlerfall</a:t>
             </a:r>
-            <a:endParaRPr lang="de-DE" dirty="0" smtClean="0"/>
           </a:p>
           <a:p>
             <a:pPr lvl="1"/>

--- a/Praesentation/Vorlage Präsentation.pptx
+++ b/Praesentation/Vorlage Präsentation.pptx
@@ -6951,8 +6951,13 @@
             </a:r>
             <a:r>
               <a:rPr lang="de-DE" dirty="0"/>
-              <a:t>anhand Rechteck-Eckpunktekorrekten </a:t>
-            </a:r>
+              <a:t>anhand </a:t>
+            </a:r>
+            <a:r>
+              <a:rPr lang="de-DE" dirty="0" smtClean="0"/>
+              <a:t>Rechteck-Eckpunkten</a:t>
+            </a:r>
+            <a:endParaRPr lang="de-DE" dirty="0"/>
           </a:p>
         </p:txBody>
       </p:sp>
@@ -7766,7 +7771,15 @@
             <a:pPr lvl="1"/>
             <a:r>
               <a:rPr lang="de-DE" dirty="0" smtClean="0"/>
-              <a:t>Individuelle Schwellwerte für Unterschiedliche Beleuchtung</a:t>
+              <a:t>Individuelle Schwellwerte für </a:t>
+            </a:r>
+            <a:r>
+              <a:rPr lang="de-DE" dirty="0" smtClean="0"/>
+              <a:t>unterschiedliche </a:t>
+            </a:r>
+            <a:r>
+              <a:rPr lang="de-DE" dirty="0" smtClean="0"/>
+              <a:t>Beleuchtung</a:t>
             </a:r>
             <a:endParaRPr lang="de-DE" dirty="0"/>
           </a:p>
@@ -8033,13 +8046,12 @@
           <a:p>
             <a:r>
               <a:rPr lang="de-DE" dirty="0" smtClean="0"/>
-              <a:t>Hough </a:t>
+              <a:t>Hough Transformation zur </a:t>
             </a:r>
             <a:r>
               <a:rPr lang="de-DE" dirty="0" smtClean="0"/>
-              <a:t>Transformation zur Kreis-Detektion</a:t>
-            </a:r>
-            <a:endParaRPr lang="de-DE" dirty="0"/>
+              <a:t>Kreis-Detektion</a:t>
+            </a:r>
           </a:p>
         </p:txBody>
       </p:sp>
@@ -8307,7 +8319,15 @@
           <a:p>
             <a:r>
               <a:rPr lang="de-DE" dirty="0" smtClean="0"/>
-              <a:t>Existenz von Bohrung in Nähe der berechneter Bohrungsposition</a:t>
+              <a:t>Existenz von Bohrung in Nähe der </a:t>
+            </a:r>
+            <a:r>
+              <a:rPr lang="de-DE" dirty="0" smtClean="0"/>
+              <a:t>berechneten </a:t>
+            </a:r>
+            <a:r>
+              <a:rPr lang="de-DE" dirty="0" smtClean="0"/>
+              <a:t>Bohrungsposition</a:t>
             </a:r>
           </a:p>
           <a:p>
@@ -8319,8 +8339,13 @@
           <a:p>
             <a:r>
               <a:rPr lang="de-DE" dirty="0" smtClean="0"/>
-              <a:t>Anordnung der erkannten Bohrungsgrößen</a:t>
-            </a:r>
+              <a:t>Anordnung der erkannten </a:t>
+            </a:r>
+            <a:r>
+              <a:rPr lang="de-DE" dirty="0" smtClean="0"/>
+              <a:t>Bohrungsgrößen</a:t>
+            </a:r>
+            <a:endParaRPr lang="de-DE" dirty="0" smtClean="0"/>
           </a:p>
           <a:p>
             <a:r>

--- a/Praesentation/Vorlage Präsentation.pptx
+++ b/Praesentation/Vorlage Präsentation.pptx
@@ -5,10 +5,10 @@
     <p:sldMasterId id="2147483648" r:id="rId1"/>
   </p:sldMasterIdLst>
   <p:notesMasterIdLst>
-    <p:notesMasterId r:id="rId24"/>
+    <p:notesMasterId r:id="rId23"/>
   </p:notesMasterIdLst>
   <p:handoutMasterIdLst>
-    <p:handoutMasterId r:id="rId25"/>
+    <p:handoutMasterId r:id="rId24"/>
   </p:handoutMasterIdLst>
   <p:sldIdLst>
     <p:sldId id="589" r:id="rId2"/>
@@ -17,22 +17,21 @@
     <p:sldId id="593" r:id="rId5"/>
     <p:sldId id="594" r:id="rId6"/>
     <p:sldId id="595" r:id="rId7"/>
-    <p:sldId id="596" r:id="rId8"/>
-    <p:sldId id="602" r:id="rId9"/>
-    <p:sldId id="603" r:id="rId10"/>
-    <p:sldId id="597" r:id="rId11"/>
-    <p:sldId id="604" r:id="rId12"/>
-    <p:sldId id="598" r:id="rId13"/>
-    <p:sldId id="605" r:id="rId14"/>
-    <p:sldId id="599" r:id="rId15"/>
-    <p:sldId id="607" r:id="rId16"/>
-    <p:sldId id="608" r:id="rId17"/>
-    <p:sldId id="610" r:id="rId18"/>
-    <p:sldId id="609" r:id="rId19"/>
-    <p:sldId id="611" r:id="rId20"/>
-    <p:sldId id="606" r:id="rId21"/>
-    <p:sldId id="600" r:id="rId22"/>
-    <p:sldId id="601" r:id="rId23"/>
+    <p:sldId id="602" r:id="rId8"/>
+    <p:sldId id="603" r:id="rId9"/>
+    <p:sldId id="597" r:id="rId10"/>
+    <p:sldId id="604" r:id="rId11"/>
+    <p:sldId id="598" r:id="rId12"/>
+    <p:sldId id="605" r:id="rId13"/>
+    <p:sldId id="599" r:id="rId14"/>
+    <p:sldId id="607" r:id="rId15"/>
+    <p:sldId id="608" r:id="rId16"/>
+    <p:sldId id="610" r:id="rId17"/>
+    <p:sldId id="609" r:id="rId18"/>
+    <p:sldId id="611" r:id="rId19"/>
+    <p:sldId id="606" r:id="rId20"/>
+    <p:sldId id="600" r:id="rId21"/>
+    <p:sldId id="601" r:id="rId22"/>
   </p:sldIdLst>
   <p:sldSz cx="9144000" cy="6858000" type="screen4x3"/>
   <p:notesSz cx="6797675" cy="9928225"/>
@@ -163,7 +162,7 @@
   </p:defaultTextStyle>
   <p:extLst>
     <p:ext uri="{EFAFB233-063F-42B5-8137-9DF3F51BA10A}">
-      <p15:sldGuideLst xmlns:p15="http://schemas.microsoft.com/office/powerpoint/2012/main">
+      <p15:sldGuideLst xmlns:p15="http://schemas.microsoft.com/office/powerpoint/2012/main" xmlns="">
         <p15:guide id="1" orient="horz" pos="2160">
           <p15:clr>
             <a:srgbClr val="A4A3A4"/>
@@ -177,7 +176,7 @@
       </p15:sldGuideLst>
     </p:ext>
     <p:ext uri="{2D200454-40CA-4A62-9FC3-DE9A4176ACB9}">
-      <p15:notesGuideLst xmlns:p15="http://schemas.microsoft.com/office/powerpoint/2012/main">
+      <p15:notesGuideLst xmlns:p15="http://schemas.microsoft.com/office/powerpoint/2012/main" xmlns="">
         <p15:guide id="1" orient="horz" pos="3127">
           <p15:clr>
             <a:srgbClr val="A4A3A4"/>
@@ -299,14 +298,14 @@
           </a:ln>
           <a:extLst>
             <a:ext uri="{909E8E84-426E-40DD-AFC4-6F175D3DCCD1}">
-              <a14:hiddenFill xmlns:a14="http://schemas.microsoft.com/office/drawing/2010/main">
+              <a14:hiddenFill xmlns:a14="http://schemas.microsoft.com/office/drawing/2010/main" xmlns="">
                 <a:solidFill>
                   <a:srgbClr val="FFFFFF"/>
                 </a:solidFill>
               </a14:hiddenFill>
             </a:ext>
             <a:ext uri="{91240B29-F687-4F45-9708-019B960494DF}">
-              <a14:hiddenLine xmlns:a14="http://schemas.microsoft.com/office/drawing/2010/main" w="9525">
+              <a14:hiddenLine xmlns:a14="http://schemas.microsoft.com/office/drawing/2010/main" xmlns="" w="9525">
                 <a:solidFill>
                   <a:srgbClr val="000000"/>
                 </a:solidFill>
@@ -485,7 +484,7 @@
           <a:blip r:embed="rId2" cstate="print">
             <a:extLst>
               <a:ext uri="{28A0092B-C50C-407E-A947-70E740481C1C}">
-                <a14:useLocalDpi xmlns:a14="http://schemas.microsoft.com/office/drawing/2010/main" val="0"/>
+                <a14:useLocalDpi xmlns:a14="http://schemas.microsoft.com/office/drawing/2010/main" xmlns="" val="0"/>
               </a:ext>
             </a:extLst>
           </a:blip>
@@ -508,14 +507,14 @@
           </a:ln>
           <a:extLst>
             <a:ext uri="{909E8E84-426E-40DD-AFC4-6F175D3DCCD1}">
-              <a14:hiddenFill xmlns:a14="http://schemas.microsoft.com/office/drawing/2010/main">
+              <a14:hiddenFill xmlns:a14="http://schemas.microsoft.com/office/drawing/2010/main" xmlns="">
                 <a:solidFill>
                   <a:srgbClr val="FFFFFF"/>
                 </a:solidFill>
               </a14:hiddenFill>
             </a:ext>
             <a:ext uri="{91240B29-F687-4F45-9708-019B960494DF}">
-              <a14:hiddenLine xmlns:a14="http://schemas.microsoft.com/office/drawing/2010/main" w="9525">
+              <a14:hiddenLine xmlns:a14="http://schemas.microsoft.com/office/drawing/2010/main" xmlns="" w="9525">
                 <a:solidFill>
                   <a:srgbClr val="000000"/>
                 </a:solidFill>
@@ -530,7 +529,7 @@
     </p:spTree>
     <p:extLst>
       <p:ext uri="{BB962C8B-B14F-4D97-AF65-F5344CB8AC3E}">
-        <p14:creationId xmlns:p14="http://schemas.microsoft.com/office/powerpoint/2010/main" val="1778754129"/>
+        <p14:creationId xmlns:p14="http://schemas.microsoft.com/office/powerpoint/2010/main" xmlns="" val="1778754129"/>
       </p:ext>
     </p:extLst>
   </p:cSld>
@@ -702,7 +701,7 @@
           </a:ln>
           <a:extLst>
             <a:ext uri="{909E8E84-426E-40DD-AFC4-6F175D3DCCD1}">
-              <a14:hiddenFill xmlns:a14="http://schemas.microsoft.com/office/drawing/2010/main">
+              <a14:hiddenFill xmlns:a14="http://schemas.microsoft.com/office/drawing/2010/main" xmlns="">
                 <a:solidFill>
                   <a:srgbClr val="FFFFFF"/>
                 </a:solidFill>
@@ -895,7 +894,7 @@
     </p:spTree>
     <p:extLst>
       <p:ext uri="{BB962C8B-B14F-4D97-AF65-F5344CB8AC3E}">
-        <p14:creationId xmlns:p14="http://schemas.microsoft.com/office/powerpoint/2010/main" val="3790590708"/>
+        <p14:creationId xmlns:p14="http://schemas.microsoft.com/office/powerpoint/2010/main" xmlns="" val="3790590708"/>
       </p:ext>
     </p:extLst>
   </p:cSld>
@@ -1065,14 +1064,14 @@
           </a:ln>
           <a:extLst>
             <a:ext uri="{909E8E84-426E-40DD-AFC4-6F175D3DCCD1}">
-              <a14:hiddenFill xmlns:a14="http://schemas.microsoft.com/office/drawing/2010/main">
+              <a14:hiddenFill xmlns:a14="http://schemas.microsoft.com/office/drawing/2010/main" xmlns="">
                 <a:solidFill>
                   <a:srgbClr val="FFFFFF"/>
                 </a:solidFill>
               </a14:hiddenFill>
             </a:ext>
             <a:ext uri="{91240B29-F687-4F45-9708-019B960494DF}">
-              <a14:hiddenLine xmlns:a14="http://schemas.microsoft.com/office/drawing/2010/main" w="9525">
+              <a14:hiddenLine xmlns:a14="http://schemas.microsoft.com/office/drawing/2010/main" xmlns="" w="9525">
                 <a:solidFill>
                   <a:srgbClr val="000000"/>
                 </a:solidFill>
@@ -1268,7 +1267,7 @@
     </p:spTree>
     <p:extLst>
       <p:ext uri="{BB962C8B-B14F-4D97-AF65-F5344CB8AC3E}">
-        <p14:creationId xmlns:p14="http://schemas.microsoft.com/office/powerpoint/2010/main" val="2386370709"/>
+        <p14:creationId xmlns:p14="http://schemas.microsoft.com/office/powerpoint/2010/main" xmlns="" val="2386370709"/>
       </p:ext>
     </p:extLst>
   </p:cSld>
@@ -1307,7 +1306,7 @@
           <a:blip r:embed="rId2">
             <a:extLst>
               <a:ext uri="{28A0092B-C50C-407E-A947-70E740481C1C}">
-                <a14:useLocalDpi xmlns:a14="http://schemas.microsoft.com/office/drawing/2010/main" val="0"/>
+                <a14:useLocalDpi xmlns:a14="http://schemas.microsoft.com/office/drawing/2010/main" xmlns="" val="0"/>
               </a:ext>
             </a:extLst>
           </a:blip>
@@ -1327,7 +1326,7 @@
           <a:noFill/>
           <a:extLst>
             <a:ext uri="{909E8E84-426E-40DD-AFC4-6F175D3DCCD1}">
-              <a14:hiddenFill xmlns:a14="http://schemas.microsoft.com/office/drawing/2010/main">
+              <a14:hiddenFill xmlns:a14="http://schemas.microsoft.com/office/drawing/2010/main" xmlns="">
                 <a:solidFill>
                   <a:srgbClr val="FFFFFF"/>
                 </a:solidFill>
@@ -1348,7 +1347,7 @@
           <a:blip r:embed="rId3">
             <a:extLst>
               <a:ext uri="{28A0092B-C50C-407E-A947-70E740481C1C}">
-                <a14:useLocalDpi xmlns:a14="http://schemas.microsoft.com/office/drawing/2010/main" val="0"/>
+                <a14:useLocalDpi xmlns:a14="http://schemas.microsoft.com/office/drawing/2010/main" xmlns="" val="0"/>
               </a:ext>
             </a:extLst>
           </a:blip>
@@ -1371,14 +1370,14 @@
           </a:ln>
           <a:extLst>
             <a:ext uri="{909E8E84-426E-40DD-AFC4-6F175D3DCCD1}">
-              <a14:hiddenFill xmlns:a14="http://schemas.microsoft.com/office/drawing/2010/main">
+              <a14:hiddenFill xmlns:a14="http://schemas.microsoft.com/office/drawing/2010/main" xmlns="">
                 <a:solidFill>
                   <a:srgbClr val="FFFFFF"/>
                 </a:solidFill>
               </a14:hiddenFill>
             </a:ext>
             <a:ext uri="{91240B29-F687-4F45-9708-019B960494DF}">
-              <a14:hiddenLine xmlns:a14="http://schemas.microsoft.com/office/drawing/2010/main" w="9525">
+              <a14:hiddenLine xmlns:a14="http://schemas.microsoft.com/office/drawing/2010/main" xmlns="" w="9525">
                 <a:solidFill>
                   <a:srgbClr val="000000"/>
                 </a:solidFill>
@@ -1412,14 +1411,14 @@
           </a:ln>
           <a:extLst>
             <a:ext uri="{909E8E84-426E-40DD-AFC4-6F175D3DCCD1}">
-              <a14:hiddenFill xmlns:a14="http://schemas.microsoft.com/office/drawing/2010/main">
+              <a14:hiddenFill xmlns:a14="http://schemas.microsoft.com/office/drawing/2010/main" xmlns="">
                 <a:solidFill>
                   <a:srgbClr val="FFFFFF"/>
                 </a:solidFill>
               </a14:hiddenFill>
             </a:ext>
             <a:ext uri="{91240B29-F687-4F45-9708-019B960494DF}">
-              <a14:hiddenLine xmlns:a14="http://schemas.microsoft.com/office/drawing/2010/main" w="9525">
+              <a14:hiddenLine xmlns:a14="http://schemas.microsoft.com/office/drawing/2010/main" xmlns="" w="9525">
                 <a:solidFill>
                   <a:srgbClr val="000000"/>
                 </a:solidFill>
@@ -1582,14 +1581,14 @@
           </a:ln>
           <a:extLst>
             <a:ext uri="{909E8E84-426E-40DD-AFC4-6F175D3DCCD1}">
-              <a14:hiddenFill xmlns:a14="http://schemas.microsoft.com/office/drawing/2010/main">
+              <a14:hiddenFill xmlns:a14="http://schemas.microsoft.com/office/drawing/2010/main" xmlns="">
                 <a:solidFill>
                   <a:srgbClr val="FFFFFF"/>
                 </a:solidFill>
               </a14:hiddenFill>
             </a:ext>
             <a:ext uri="{91240B29-F687-4F45-9708-019B960494DF}">
-              <a14:hiddenLine xmlns:a14="http://schemas.microsoft.com/office/drawing/2010/main" w="9525">
+              <a14:hiddenLine xmlns:a14="http://schemas.microsoft.com/office/drawing/2010/main" xmlns="" w="9525">
                 <a:solidFill>
                   <a:srgbClr val="000000"/>
                 </a:solidFill>
@@ -1752,14 +1751,14 @@
           </a:ln>
           <a:extLst>
             <a:ext uri="{909E8E84-426E-40DD-AFC4-6F175D3DCCD1}">
-              <a14:hiddenFill xmlns:a14="http://schemas.microsoft.com/office/drawing/2010/main">
+              <a14:hiddenFill xmlns:a14="http://schemas.microsoft.com/office/drawing/2010/main" xmlns="">
                 <a:solidFill>
                   <a:srgbClr val="FFFFFF"/>
                 </a:solidFill>
               </a14:hiddenFill>
             </a:ext>
             <a:ext uri="{91240B29-F687-4F45-9708-019B960494DF}">
-              <a14:hiddenLine xmlns:a14="http://schemas.microsoft.com/office/drawing/2010/main" w="9525">
+              <a14:hiddenLine xmlns:a14="http://schemas.microsoft.com/office/drawing/2010/main" xmlns="" w="9525">
                 <a:solidFill>
                   <a:srgbClr val="000000"/>
                 </a:solidFill>
@@ -1912,7 +1911,7 @@
           <a:blip r:embed="rId4" cstate="print">
             <a:extLst>
               <a:ext uri="{28A0092B-C50C-407E-A947-70E740481C1C}">
-                <a14:useLocalDpi xmlns:a14="http://schemas.microsoft.com/office/drawing/2010/main" val="0"/>
+                <a14:useLocalDpi xmlns:a14="http://schemas.microsoft.com/office/drawing/2010/main" xmlns="" val="0"/>
               </a:ext>
             </a:extLst>
           </a:blip>
@@ -1935,14 +1934,14 @@
           </a:ln>
           <a:extLst>
             <a:ext uri="{909E8E84-426E-40DD-AFC4-6F175D3DCCD1}">
-              <a14:hiddenFill xmlns:a14="http://schemas.microsoft.com/office/drawing/2010/main">
+              <a14:hiddenFill xmlns:a14="http://schemas.microsoft.com/office/drawing/2010/main" xmlns="">
                 <a:solidFill>
                   <a:srgbClr val="FFFFFF"/>
                 </a:solidFill>
               </a14:hiddenFill>
             </a:ext>
             <a:ext uri="{91240B29-F687-4F45-9708-019B960494DF}">
-              <a14:hiddenLine xmlns:a14="http://schemas.microsoft.com/office/drawing/2010/main" w="9525">
+              <a14:hiddenLine xmlns:a14="http://schemas.microsoft.com/office/drawing/2010/main" xmlns="" w="9525">
                 <a:solidFill>
                   <a:srgbClr val="000000"/>
                 </a:solidFill>
@@ -1957,7 +1956,7 @@
     </p:spTree>
     <p:extLst>
       <p:ext uri="{BB962C8B-B14F-4D97-AF65-F5344CB8AC3E}">
-        <p14:creationId xmlns:p14="http://schemas.microsoft.com/office/powerpoint/2010/main" val="1853772849"/>
+        <p14:creationId xmlns:p14="http://schemas.microsoft.com/office/powerpoint/2010/main" xmlns="" val="1853772849"/>
       </p:ext>
     </p:extLst>
   </p:cSld>
@@ -2070,7 +2069,7 @@
     </p:spTree>
     <p:extLst>
       <p:ext uri="{BB962C8B-B14F-4D97-AF65-F5344CB8AC3E}">
-        <p14:creationId xmlns:p14="http://schemas.microsoft.com/office/powerpoint/2010/main" val="4275079219"/>
+        <p14:creationId xmlns:p14="http://schemas.microsoft.com/office/powerpoint/2010/main" xmlns="" val="4275079219"/>
       </p:ext>
     </p:extLst>
   </p:cSld>
@@ -2185,7 +2184,7 @@
     </p:spTree>
     <p:extLst>
       <p:ext uri="{BB962C8B-B14F-4D97-AF65-F5344CB8AC3E}">
-        <p14:creationId xmlns:p14="http://schemas.microsoft.com/office/powerpoint/2010/main" val="3739785638"/>
+        <p14:creationId xmlns:p14="http://schemas.microsoft.com/office/powerpoint/2010/main" xmlns="" val="3739785638"/>
       </p:ext>
     </p:extLst>
   </p:cSld>
@@ -2268,7 +2267,7 @@
     </p:spTree>
     <p:extLst>
       <p:ext uri="{BB962C8B-B14F-4D97-AF65-F5344CB8AC3E}">
-        <p14:creationId xmlns:p14="http://schemas.microsoft.com/office/powerpoint/2010/main" val="2389652220"/>
+        <p14:creationId xmlns:p14="http://schemas.microsoft.com/office/powerpoint/2010/main" xmlns="" val="2389652220"/>
       </p:ext>
     </p:extLst>
   </p:cSld>
@@ -2380,7 +2379,7 @@
     </p:spTree>
     <p:extLst>
       <p:ext uri="{BB962C8B-B14F-4D97-AF65-F5344CB8AC3E}">
-        <p14:creationId xmlns:p14="http://schemas.microsoft.com/office/powerpoint/2010/main" val="639587486"/>
+        <p14:creationId xmlns:p14="http://schemas.microsoft.com/office/powerpoint/2010/main" xmlns="" val="639587486"/>
       </p:ext>
     </p:extLst>
   </p:cSld>
@@ -2514,7 +2513,7 @@
     </p:spTree>
     <p:extLst>
       <p:ext uri="{BB962C8B-B14F-4D97-AF65-F5344CB8AC3E}">
-        <p14:creationId xmlns:p14="http://schemas.microsoft.com/office/powerpoint/2010/main" val="3851426115"/>
+        <p14:creationId xmlns:p14="http://schemas.microsoft.com/office/powerpoint/2010/main" xmlns="" val="3851426115"/>
       </p:ext>
     </p:extLst>
   </p:cSld>
@@ -2744,7 +2743,7 @@
     </p:spTree>
     <p:extLst>
       <p:ext uri="{BB962C8B-B14F-4D97-AF65-F5344CB8AC3E}">
-        <p14:creationId xmlns:p14="http://schemas.microsoft.com/office/powerpoint/2010/main" val="382903280"/>
+        <p14:creationId xmlns:p14="http://schemas.microsoft.com/office/powerpoint/2010/main" xmlns="" val="382903280"/>
       </p:ext>
     </p:extLst>
   </p:cSld>
@@ -3113,7 +3112,7 @@
     </p:spTree>
     <p:extLst>
       <p:ext uri="{BB962C8B-B14F-4D97-AF65-F5344CB8AC3E}">
-        <p14:creationId xmlns:p14="http://schemas.microsoft.com/office/powerpoint/2010/main" val="1062291010"/>
+        <p14:creationId xmlns:p14="http://schemas.microsoft.com/office/powerpoint/2010/main" xmlns="" val="1062291010"/>
       </p:ext>
     </p:extLst>
   </p:cSld>
@@ -3173,7 +3172,7 @@
     </p:spTree>
     <p:extLst>
       <p:ext uri="{BB962C8B-B14F-4D97-AF65-F5344CB8AC3E}">
-        <p14:creationId xmlns:p14="http://schemas.microsoft.com/office/powerpoint/2010/main" val="2608059310"/>
+        <p14:creationId xmlns:p14="http://schemas.microsoft.com/office/powerpoint/2010/main" xmlns="" val="2608059310"/>
       </p:ext>
     </p:extLst>
   </p:cSld>
@@ -3210,7 +3209,7 @@
     </p:spTree>
     <p:extLst>
       <p:ext uri="{BB962C8B-B14F-4D97-AF65-F5344CB8AC3E}">
-        <p14:creationId xmlns:p14="http://schemas.microsoft.com/office/powerpoint/2010/main" val="229801959"/>
+        <p14:creationId xmlns:p14="http://schemas.microsoft.com/office/powerpoint/2010/main" xmlns="" val="229801959"/>
       </p:ext>
     </p:extLst>
   </p:cSld>
@@ -3422,7 +3421,7 @@
     </p:spTree>
     <p:extLst>
       <p:ext uri="{BB962C8B-B14F-4D97-AF65-F5344CB8AC3E}">
-        <p14:creationId xmlns:p14="http://schemas.microsoft.com/office/powerpoint/2010/main" val="4048644694"/>
+        <p14:creationId xmlns:p14="http://schemas.microsoft.com/office/powerpoint/2010/main" xmlns="" val="4048644694"/>
       </p:ext>
     </p:extLst>
   </p:cSld>
@@ -3611,7 +3610,7 @@
     </p:spTree>
     <p:extLst>
       <p:ext uri="{BB962C8B-B14F-4D97-AF65-F5344CB8AC3E}">
-        <p14:creationId xmlns:p14="http://schemas.microsoft.com/office/powerpoint/2010/main" val="2996506015"/>
+        <p14:creationId xmlns:p14="http://schemas.microsoft.com/office/powerpoint/2010/main" xmlns="" val="2996506015"/>
       </p:ext>
     </p:extLst>
   </p:cSld>
@@ -3658,7 +3657,7 @@
           <a:blip r:embed="rId14">
             <a:extLst>
               <a:ext uri="{28A0092B-C50C-407E-A947-70E740481C1C}">
-                <a14:useLocalDpi xmlns:a14="http://schemas.microsoft.com/office/drawing/2010/main" val="0"/>
+                <a14:useLocalDpi xmlns:a14="http://schemas.microsoft.com/office/drawing/2010/main" xmlns="" val="0"/>
               </a:ext>
             </a:extLst>
           </a:blip>
@@ -3681,14 +3680,14 @@
           </a:ln>
           <a:extLst>
             <a:ext uri="{909E8E84-426E-40DD-AFC4-6F175D3DCCD1}">
-              <a14:hiddenFill xmlns:a14="http://schemas.microsoft.com/office/drawing/2010/main">
+              <a14:hiddenFill xmlns:a14="http://schemas.microsoft.com/office/drawing/2010/main" xmlns="">
                 <a:solidFill>
                   <a:srgbClr val="FFFFFF"/>
                 </a:solidFill>
               </a14:hiddenFill>
             </a:ext>
             <a:ext uri="{91240B29-F687-4F45-9708-019B960494DF}">
-              <a14:hiddenLine xmlns:a14="http://schemas.microsoft.com/office/drawing/2010/main" w="9525">
+              <a14:hiddenLine xmlns:a14="http://schemas.microsoft.com/office/drawing/2010/main" xmlns="" w="9525">
                 <a:solidFill>
                   <a:srgbClr val="000000"/>
                 </a:solidFill>
@@ -3724,14 +3723,14 @@
           </a:ln>
           <a:extLst>
             <a:ext uri="{909E8E84-426E-40DD-AFC4-6F175D3DCCD1}">
-              <a14:hiddenFill xmlns:a14="http://schemas.microsoft.com/office/drawing/2010/main">
+              <a14:hiddenFill xmlns:a14="http://schemas.microsoft.com/office/drawing/2010/main" xmlns="">
                 <a:solidFill>
                   <a:srgbClr val="FFFFFF"/>
                 </a:solidFill>
               </a14:hiddenFill>
             </a:ext>
             <a:ext uri="{91240B29-F687-4F45-9708-019B960494DF}">
-              <a14:hiddenLine xmlns:a14="http://schemas.microsoft.com/office/drawing/2010/main" w="9525">
+              <a14:hiddenLine xmlns:a14="http://schemas.microsoft.com/office/drawing/2010/main" xmlns="" w="9525">
                 <a:solidFill>
                   <a:srgbClr val="000000"/>
                 </a:solidFill>
@@ -3789,14 +3788,14 @@
           </a:ln>
           <a:extLst>
             <a:ext uri="{909E8E84-426E-40DD-AFC4-6F175D3DCCD1}">
-              <a14:hiddenFill xmlns:a14="http://schemas.microsoft.com/office/drawing/2010/main">
+              <a14:hiddenFill xmlns:a14="http://schemas.microsoft.com/office/drawing/2010/main" xmlns="">
                 <a:solidFill>
                   <a:srgbClr val="FFFFFF"/>
                 </a:solidFill>
               </a14:hiddenFill>
             </a:ext>
             <a:ext uri="{91240B29-F687-4F45-9708-019B960494DF}">
-              <a14:hiddenLine xmlns:a14="http://schemas.microsoft.com/office/drawing/2010/main" w="9525">
+              <a14:hiddenLine xmlns:a14="http://schemas.microsoft.com/office/drawing/2010/main" xmlns="" w="9525">
                 <a:solidFill>
                   <a:srgbClr val="000000"/>
                 </a:solidFill>
@@ -3873,14 +3872,14 @@
           </a:ln>
           <a:extLst>
             <a:ext uri="{909E8E84-426E-40DD-AFC4-6F175D3DCCD1}">
-              <a14:hiddenFill xmlns:a14="http://schemas.microsoft.com/office/drawing/2010/main">
+              <a14:hiddenFill xmlns:a14="http://schemas.microsoft.com/office/drawing/2010/main" xmlns="">
                 <a:solidFill>
                   <a:srgbClr val="FFFFFF"/>
                 </a:solidFill>
               </a14:hiddenFill>
             </a:ext>
             <a:ext uri="{91240B29-F687-4F45-9708-019B960494DF}">
-              <a14:hiddenLine xmlns:a14="http://schemas.microsoft.com/office/drawing/2010/main" w="9525">
+              <a14:hiddenLine xmlns:a14="http://schemas.microsoft.com/office/drawing/2010/main" xmlns="" w="9525">
                 <a:solidFill>
                   <a:srgbClr val="000000"/>
                 </a:solidFill>
@@ -4067,14 +4066,14 @@
           </a:ln>
           <a:extLst>
             <a:ext uri="{909E8E84-426E-40DD-AFC4-6F175D3DCCD1}">
-              <a14:hiddenFill xmlns:a14="http://schemas.microsoft.com/office/drawing/2010/main">
+              <a14:hiddenFill xmlns:a14="http://schemas.microsoft.com/office/drawing/2010/main" xmlns="">
                 <a:solidFill>
                   <a:srgbClr val="FFFFFF"/>
                 </a:solidFill>
               </a14:hiddenFill>
             </a:ext>
             <a:ext uri="{91240B29-F687-4F45-9708-019B960494DF}">
-              <a14:hiddenLine xmlns:a14="http://schemas.microsoft.com/office/drawing/2010/main" w="9525">
+              <a14:hiddenLine xmlns:a14="http://schemas.microsoft.com/office/drawing/2010/main" xmlns="" w="9525">
                 <a:solidFill>
                   <a:srgbClr val="000000"/>
                 </a:solidFill>
@@ -4233,7 +4232,7 @@
           <a:blip r:embed="rId15" cstate="print">
             <a:extLst>
               <a:ext uri="{28A0092B-C50C-407E-A947-70E740481C1C}">
-                <a14:useLocalDpi xmlns:a14="http://schemas.microsoft.com/office/drawing/2010/main" val="0"/>
+                <a14:useLocalDpi xmlns:a14="http://schemas.microsoft.com/office/drawing/2010/main" xmlns="" val="0"/>
               </a:ext>
             </a:extLst>
           </a:blip>
@@ -4256,14 +4255,14 @@
           </a:ln>
           <a:extLst>
             <a:ext uri="{909E8E84-426E-40DD-AFC4-6F175D3DCCD1}">
-              <a14:hiddenFill xmlns:a14="http://schemas.microsoft.com/office/drawing/2010/main">
+              <a14:hiddenFill xmlns:a14="http://schemas.microsoft.com/office/drawing/2010/main" xmlns="">
                 <a:solidFill>
                   <a:srgbClr val="FFFFFF"/>
                 </a:solidFill>
               </a14:hiddenFill>
             </a:ext>
             <a:ext uri="{91240B29-F687-4F45-9708-019B960494DF}">
-              <a14:hiddenLine xmlns:a14="http://schemas.microsoft.com/office/drawing/2010/main" w="9525">
+              <a14:hiddenLine xmlns:a14="http://schemas.microsoft.com/office/drawing/2010/main" xmlns="" w="9525">
                 <a:solidFill>
                   <a:srgbClr val="000000"/>
                 </a:solidFill>
@@ -4297,14 +4296,14 @@
           </a:ln>
           <a:extLst>
             <a:ext uri="{909E8E84-426E-40DD-AFC4-6F175D3DCCD1}">
-              <a14:hiddenFill xmlns:a14="http://schemas.microsoft.com/office/drawing/2010/main">
+              <a14:hiddenFill xmlns:a14="http://schemas.microsoft.com/office/drawing/2010/main" xmlns="">
                 <a:solidFill>
                   <a:srgbClr val="FFFFFF"/>
                 </a:solidFill>
               </a14:hiddenFill>
             </a:ext>
             <a:ext uri="{91240B29-F687-4F45-9708-019B960494DF}">
-              <a14:hiddenLine xmlns:a14="http://schemas.microsoft.com/office/drawing/2010/main" w="9525">
+              <a14:hiddenLine xmlns:a14="http://schemas.microsoft.com/office/drawing/2010/main" xmlns="" w="9525">
                 <a:solidFill>
                   <a:srgbClr val="000000"/>
                 </a:solidFill>
@@ -5002,14 +5001,14 @@
           </a:ln>
           <a:extLst>
             <a:ext uri="{909E8E84-426E-40DD-AFC4-6F175D3DCCD1}">
-              <a14:hiddenFill xmlns:a14="http://schemas.microsoft.com/office/drawing/2010/main">
+              <a14:hiddenFill xmlns:a14="http://schemas.microsoft.com/office/drawing/2010/main" xmlns="">
                 <a:solidFill>
                   <a:srgbClr val="FFFFFF"/>
                 </a:solidFill>
               </a14:hiddenFill>
             </a:ext>
             <a:ext uri="{91240B29-F687-4F45-9708-019B960494DF}">
-              <a14:hiddenLine xmlns:a14="http://schemas.microsoft.com/office/drawing/2010/main" w="9525">
+              <a14:hiddenLine xmlns:a14="http://schemas.microsoft.com/office/drawing/2010/main" xmlns="" w="9525">
                 <a:solidFill>
                   <a:srgbClr val="000000"/>
                 </a:solidFill>
@@ -5203,14 +5202,14 @@
           </a:ln>
           <a:extLst>
             <a:ext uri="{909E8E84-426E-40DD-AFC4-6F175D3DCCD1}">
-              <a14:hiddenFill xmlns:a14="http://schemas.microsoft.com/office/drawing/2010/main">
+              <a14:hiddenFill xmlns:a14="http://schemas.microsoft.com/office/drawing/2010/main" xmlns="">
                 <a:solidFill>
                   <a:srgbClr val="FFFFFF"/>
                 </a:solidFill>
               </a14:hiddenFill>
             </a:ext>
             <a:ext uri="{91240B29-F687-4F45-9708-019B960494DF}">
-              <a14:hiddenLine xmlns:a14="http://schemas.microsoft.com/office/drawing/2010/main" w="9525">
+              <a14:hiddenLine xmlns:a14="http://schemas.microsoft.com/office/drawing/2010/main" xmlns="" w="9525">
                 <a:solidFill>
                   <a:srgbClr val="000000"/>
                 </a:solidFill>
@@ -5404,14 +5403,14 @@
           </a:ln>
           <a:extLst>
             <a:ext uri="{909E8E84-426E-40DD-AFC4-6F175D3DCCD1}">
-              <a14:hiddenFill xmlns:a14="http://schemas.microsoft.com/office/drawing/2010/main">
+              <a14:hiddenFill xmlns:a14="http://schemas.microsoft.com/office/drawing/2010/main" xmlns="">
                 <a:solidFill>
                   <a:srgbClr val="FFFFFF"/>
                 </a:solidFill>
               </a14:hiddenFill>
             </a:ext>
             <a:ext uri="{91240B29-F687-4F45-9708-019B960494DF}">
-              <a14:hiddenLine xmlns:a14="http://schemas.microsoft.com/office/drawing/2010/main" w="9525">
+              <a14:hiddenLine xmlns:a14="http://schemas.microsoft.com/office/drawing/2010/main" xmlns="" w="9525">
                 <a:solidFill>
                   <a:srgbClr val="000000"/>
                 </a:solidFill>
@@ -5605,14 +5604,14 @@
           </a:ln>
           <a:extLst>
             <a:ext uri="{909E8E84-426E-40DD-AFC4-6F175D3DCCD1}">
-              <a14:hiddenFill xmlns:a14="http://schemas.microsoft.com/office/drawing/2010/main">
+              <a14:hiddenFill xmlns:a14="http://schemas.microsoft.com/office/drawing/2010/main" xmlns="">
                 <a:solidFill>
                   <a:srgbClr val="FFFFFF"/>
                 </a:solidFill>
               </a14:hiddenFill>
             </a:ext>
             <a:ext uri="{91240B29-F687-4F45-9708-019B960494DF}">
-              <a14:hiddenLine xmlns:a14="http://schemas.microsoft.com/office/drawing/2010/main" w="9525">
+              <a14:hiddenLine xmlns:a14="http://schemas.microsoft.com/office/drawing/2010/main" xmlns="" w="9525">
                 <a:solidFill>
                   <a:srgbClr val="000000"/>
                 </a:solidFill>
@@ -5833,7 +5832,7 @@
           <a:p>
             <a:r>
               <a:rPr lang="de-DE" dirty="0" smtClean="0"/>
-              <a:t>Kalibrierung</a:t>
+              <a:t>Programm-Ablauf</a:t>
             </a:r>
             <a:endParaRPr lang="de-DE" dirty="0"/>
           </a:p>
@@ -5841,28 +5840,347 @@
       </p:sp>
       <p:sp>
         <p:nvSpPr>
-          <p:cNvPr id="3" name="Inhaltsplatzhalter 2"/>
-          <p:cNvSpPr>
-            <a:spLocks noGrp="1"/>
-          </p:cNvSpPr>
-          <p:nvPr>
-            <p:ph idx="1"/>
-          </p:nvPr>
+          <p:cNvPr id="4" name="Flussdiagramm: Alternativer Prozess 3"/>
+          <p:cNvSpPr/>
+          <p:nvPr/>
         </p:nvSpPr>
-        <p:spPr/>
+        <p:spPr>
+          <a:xfrm>
+            <a:off x="2971800" y="1040600"/>
+            <a:ext cx="2743200" cy="612648"/>
+          </a:xfrm>
+          <a:prstGeom prst="flowChartAlternateProcess">
+            <a:avLst/>
+          </a:prstGeom>
+          <a:solidFill>
+            <a:schemeClr val="accent1">
+              <a:alpha val="25000"/>
+            </a:schemeClr>
+          </a:solidFill>
+          <a:ln>
+            <a:solidFill>
+              <a:schemeClr val="accent1">
+                <a:shade val="50000"/>
+                <a:alpha val="25000"/>
+              </a:schemeClr>
+            </a:solidFill>
+          </a:ln>
+        </p:spPr>
+        <p:style>
+          <a:lnRef idx="2">
+            <a:schemeClr val="accent1">
+              <a:shade val="50000"/>
+            </a:schemeClr>
+          </a:lnRef>
+          <a:fillRef idx="1">
+            <a:schemeClr val="accent1"/>
+          </a:fillRef>
+          <a:effectRef idx="0">
+            <a:schemeClr val="accent1"/>
+          </a:effectRef>
+          <a:fontRef idx="minor">
+            <a:schemeClr val="lt1"/>
+          </a:fontRef>
+        </p:style>
         <p:txBody>
-          <a:bodyPr/>
+          <a:bodyPr rtlCol="0" anchor="ctr"/>
           <a:lstStyle/>
           <a:p>
-            <a:r>
-              <a:rPr lang="de-DE" dirty="0" err="1" smtClean="0"/>
-              <a:t>aaaa</a:t>
+            <a:pPr algn="ctr"/>
+            <a:r>
+              <a:rPr lang="de-DE" dirty="0" smtClean="0"/>
+              <a:t>Kalibrierung</a:t>
             </a:r>
             <a:endParaRPr lang="de-DE" dirty="0"/>
           </a:p>
         </p:txBody>
       </p:sp>
+      <p:sp>
+        <p:nvSpPr>
+          <p:cNvPr id="5" name="Flussdiagramm: Alternativer Prozess 4"/>
+          <p:cNvSpPr/>
+          <p:nvPr/>
+        </p:nvSpPr>
+        <p:spPr>
+          <a:xfrm>
+            <a:off x="2971800" y="2397744"/>
+            <a:ext cx="2743200" cy="612648"/>
+          </a:xfrm>
+          <a:prstGeom prst="flowChartAlternateProcess">
+            <a:avLst/>
+          </a:prstGeom>
+          <a:solidFill>
+            <a:schemeClr val="accent1"/>
+          </a:solidFill>
+          <a:ln>
+            <a:solidFill>
+              <a:schemeClr val="accent1"/>
+            </a:solidFill>
+          </a:ln>
+        </p:spPr>
+        <p:style>
+          <a:lnRef idx="2">
+            <a:schemeClr val="accent1">
+              <a:shade val="50000"/>
+            </a:schemeClr>
+          </a:lnRef>
+          <a:fillRef idx="1">
+            <a:schemeClr val="accent1"/>
+          </a:fillRef>
+          <a:effectRef idx="0">
+            <a:schemeClr val="accent1"/>
+          </a:effectRef>
+          <a:fontRef idx="minor">
+            <a:schemeClr val="lt1"/>
+          </a:fontRef>
+        </p:style>
+        <p:txBody>
+          <a:bodyPr rtlCol="0" anchor="ctr"/>
+          <a:lstStyle/>
+          <a:p>
+            <a:pPr algn="ctr"/>
+            <a:r>
+              <a:rPr lang="de-DE" dirty="0"/>
+              <a:t>Lage und Maße</a:t>
+            </a:r>
+          </a:p>
+        </p:txBody>
+      </p:sp>
+      <p:sp>
+        <p:nvSpPr>
+          <p:cNvPr id="6" name="Flussdiagramm: Alternativer Prozess 5"/>
+          <p:cNvSpPr/>
+          <p:nvPr/>
+        </p:nvSpPr>
+        <p:spPr>
+          <a:xfrm>
+            <a:off x="2986216" y="3748710"/>
+            <a:ext cx="2743200" cy="612648"/>
+          </a:xfrm>
+          <a:prstGeom prst="flowChartAlternateProcess">
+            <a:avLst/>
+          </a:prstGeom>
+          <a:solidFill>
+            <a:schemeClr val="accent1">
+              <a:alpha val="25000"/>
+            </a:schemeClr>
+          </a:solidFill>
+          <a:ln>
+            <a:solidFill>
+              <a:schemeClr val="accent1">
+                <a:alpha val="25000"/>
+              </a:schemeClr>
+            </a:solidFill>
+          </a:ln>
+        </p:spPr>
+        <p:style>
+          <a:lnRef idx="2">
+            <a:schemeClr val="accent1">
+              <a:shade val="50000"/>
+            </a:schemeClr>
+          </a:lnRef>
+          <a:fillRef idx="1">
+            <a:schemeClr val="accent1"/>
+          </a:fillRef>
+          <a:effectRef idx="0">
+            <a:schemeClr val="accent1"/>
+          </a:effectRef>
+          <a:fontRef idx="minor">
+            <a:schemeClr val="lt1"/>
+          </a:fontRef>
+        </p:style>
+        <p:txBody>
+          <a:bodyPr rtlCol="0" anchor="ctr"/>
+          <a:lstStyle/>
+          <a:p>
+            <a:pPr algn="ctr"/>
+            <a:r>
+              <a:rPr lang="de-DE" dirty="0" smtClean="0"/>
+              <a:t>Bohrungen</a:t>
+            </a:r>
+            <a:endParaRPr lang="de-DE" dirty="0"/>
+          </a:p>
+        </p:txBody>
+      </p:sp>
+      <p:sp>
+        <p:nvSpPr>
+          <p:cNvPr id="7" name="Flussdiagramm: Alternativer Prozess 6"/>
+          <p:cNvSpPr/>
+          <p:nvPr/>
+        </p:nvSpPr>
+        <p:spPr>
+          <a:xfrm>
+            <a:off x="2971800" y="5105854"/>
+            <a:ext cx="2743200" cy="612648"/>
+          </a:xfrm>
+          <a:prstGeom prst="flowChartAlternateProcess">
+            <a:avLst/>
+          </a:prstGeom>
+          <a:solidFill>
+            <a:schemeClr val="accent1">
+              <a:alpha val="25000"/>
+            </a:schemeClr>
+          </a:solidFill>
+          <a:ln>
+            <a:solidFill>
+              <a:schemeClr val="accent1">
+                <a:alpha val="25000"/>
+              </a:schemeClr>
+            </a:solidFill>
+          </a:ln>
+        </p:spPr>
+        <p:style>
+          <a:lnRef idx="2">
+            <a:schemeClr val="accent1">
+              <a:shade val="50000"/>
+            </a:schemeClr>
+          </a:lnRef>
+          <a:fillRef idx="1">
+            <a:schemeClr val="accent1"/>
+          </a:fillRef>
+          <a:effectRef idx="0">
+            <a:schemeClr val="accent1"/>
+          </a:effectRef>
+          <a:fontRef idx="minor">
+            <a:schemeClr val="lt1"/>
+          </a:fontRef>
+        </p:style>
+        <p:txBody>
+          <a:bodyPr rtlCol="0" anchor="ctr"/>
+          <a:lstStyle/>
+          <a:p>
+            <a:pPr algn="ctr"/>
+            <a:r>
+              <a:rPr lang="de-DE" dirty="0" smtClean="0"/>
+              <a:t>Schäden</a:t>
+            </a:r>
+            <a:endParaRPr lang="de-DE" dirty="0"/>
+          </a:p>
+        </p:txBody>
+      </p:sp>
+      <p:cxnSp>
+        <p:nvCxnSpPr>
+          <p:cNvPr id="11" name="Gerade Verbindung mit Pfeil 10"/>
+          <p:cNvCxnSpPr>
+            <a:stCxn id="4" idx="2"/>
+            <a:endCxn id="5" idx="0"/>
+          </p:cNvCxnSpPr>
+          <p:nvPr/>
+        </p:nvCxnSpPr>
+        <p:spPr>
+          <a:xfrm>
+            <a:off x="4343400" y="1653248"/>
+            <a:ext cx="0" cy="744496"/>
+          </a:xfrm>
+          <a:prstGeom prst="straightConnector1">
+            <a:avLst/>
+          </a:prstGeom>
+          <a:ln>
+            <a:solidFill>
+              <a:schemeClr val="accent1">
+                <a:alpha val="25000"/>
+              </a:schemeClr>
+            </a:solidFill>
+            <a:tailEnd type="triangle"/>
+          </a:ln>
+        </p:spPr>
+        <p:style>
+          <a:lnRef idx="3">
+            <a:schemeClr val="accent1"/>
+          </a:lnRef>
+          <a:fillRef idx="0">
+            <a:schemeClr val="accent1"/>
+          </a:fillRef>
+          <a:effectRef idx="2">
+            <a:schemeClr val="accent1"/>
+          </a:effectRef>
+          <a:fontRef idx="minor">
+            <a:schemeClr val="tx1"/>
+          </a:fontRef>
+        </p:style>
+      </p:cxnSp>
+      <p:cxnSp>
+        <p:nvCxnSpPr>
+          <p:cNvPr id="13" name="Gerade Verbindung mit Pfeil 12"/>
+          <p:cNvCxnSpPr/>
+          <p:nvPr/>
+        </p:nvCxnSpPr>
+        <p:spPr>
+          <a:xfrm>
+            <a:off x="4343400" y="3004214"/>
+            <a:ext cx="0" cy="744496"/>
+          </a:xfrm>
+          <a:prstGeom prst="straightConnector1">
+            <a:avLst/>
+          </a:prstGeom>
+          <a:ln>
+            <a:solidFill>
+              <a:schemeClr val="accent1">
+                <a:alpha val="25000"/>
+              </a:schemeClr>
+            </a:solidFill>
+            <a:tailEnd type="triangle"/>
+          </a:ln>
+        </p:spPr>
+        <p:style>
+          <a:lnRef idx="3">
+            <a:schemeClr val="accent1"/>
+          </a:lnRef>
+          <a:fillRef idx="0">
+            <a:schemeClr val="accent1"/>
+          </a:fillRef>
+          <a:effectRef idx="2">
+            <a:schemeClr val="accent1"/>
+          </a:effectRef>
+          <a:fontRef idx="minor">
+            <a:schemeClr val="tx1"/>
+          </a:fontRef>
+        </p:style>
+      </p:cxnSp>
+      <p:cxnSp>
+        <p:nvCxnSpPr>
+          <p:cNvPr id="14" name="Gerade Verbindung mit Pfeil 13"/>
+          <p:cNvCxnSpPr/>
+          <p:nvPr/>
+        </p:nvCxnSpPr>
+        <p:spPr>
+          <a:xfrm>
+            <a:off x="4333103" y="4361358"/>
+            <a:ext cx="0" cy="744496"/>
+          </a:xfrm>
+          <a:prstGeom prst="straightConnector1">
+            <a:avLst/>
+          </a:prstGeom>
+          <a:ln>
+            <a:solidFill>
+              <a:schemeClr val="accent1">
+                <a:alpha val="25000"/>
+              </a:schemeClr>
+            </a:solidFill>
+            <a:tailEnd type="triangle"/>
+          </a:ln>
+        </p:spPr>
+        <p:style>
+          <a:lnRef idx="3">
+            <a:schemeClr val="accent1"/>
+          </a:lnRef>
+          <a:fillRef idx="0">
+            <a:schemeClr val="accent1"/>
+          </a:fillRef>
+          <a:effectRef idx="2">
+            <a:schemeClr val="accent1"/>
+          </a:effectRef>
+          <a:fontRef idx="minor">
+            <a:schemeClr val="tx1"/>
+          </a:fontRef>
+        </p:style>
+      </p:cxnSp>
     </p:spTree>
+    <p:extLst>
+      <p:ext uri="{BB962C8B-B14F-4D97-AF65-F5344CB8AC3E}">
+        <p14:creationId xmlns:p14="http://schemas.microsoft.com/office/powerpoint/2010/main" xmlns="" val="3681891956"/>
+      </p:ext>
+    </p:extLst>
   </p:cSld>
   <p:clrMapOvr>
     <a:masterClrMapping/>
@@ -5911,7 +6229,11 @@
           <a:p>
             <a:r>
               <a:rPr lang="de-DE" dirty="0" smtClean="0"/>
-              <a:t>Programm-Ablauf</a:t>
+              <a:t>Prüfen der Lage und </a:t>
+            </a:r>
+            <a:r>
+              <a:rPr lang="de-DE" dirty="0" err="1" smtClean="0"/>
+              <a:t>Abmaße</a:t>
             </a:r>
             <a:endParaRPr lang="de-DE" dirty="0"/>
           </a:p>
@@ -5919,347 +6241,92 @@
       </p:sp>
       <p:sp>
         <p:nvSpPr>
-          <p:cNvPr id="4" name="Flussdiagramm: Alternativer Prozess 3"/>
-          <p:cNvSpPr/>
-          <p:nvPr/>
+          <p:cNvPr id="3" name="Inhaltsplatzhalter 2"/>
+          <p:cNvSpPr>
+            <a:spLocks noGrp="1"/>
+          </p:cNvSpPr>
+          <p:nvPr>
+            <p:ph idx="1"/>
+          </p:nvPr>
         </p:nvSpPr>
-        <p:spPr>
-          <a:xfrm>
-            <a:off x="2971800" y="1040600"/>
-            <a:ext cx="2743200" cy="612648"/>
-          </a:xfrm>
-          <a:prstGeom prst="flowChartAlternateProcess">
-            <a:avLst/>
-          </a:prstGeom>
-          <a:solidFill>
-            <a:schemeClr val="accent1">
-              <a:alpha val="25000"/>
-            </a:schemeClr>
-          </a:solidFill>
-          <a:ln>
-            <a:solidFill>
-              <a:schemeClr val="accent1">
-                <a:shade val="50000"/>
-                <a:alpha val="25000"/>
-              </a:schemeClr>
-            </a:solidFill>
-          </a:ln>
-        </p:spPr>
-        <p:style>
-          <a:lnRef idx="2">
-            <a:schemeClr val="accent1">
-              <a:shade val="50000"/>
-            </a:schemeClr>
-          </a:lnRef>
-          <a:fillRef idx="1">
-            <a:schemeClr val="accent1"/>
-          </a:fillRef>
-          <a:effectRef idx="0">
-            <a:schemeClr val="accent1"/>
-          </a:effectRef>
-          <a:fontRef idx="minor">
-            <a:schemeClr val="lt1"/>
-          </a:fontRef>
-        </p:style>
+        <p:spPr/>
         <p:txBody>
-          <a:bodyPr rtlCol="0" anchor="ctr"/>
+          <a:bodyPr/>
           <a:lstStyle/>
           <a:p>
-            <a:pPr algn="ctr"/>
             <a:r>
               <a:rPr lang="de-DE" dirty="0" smtClean="0"/>
-              <a:t>Kalibrierung</a:t>
-            </a:r>
-            <a:endParaRPr lang="de-DE" dirty="0"/>
+              <a:t>Bildvorverarbeitung wie bei der </a:t>
+            </a:r>
+            <a:r>
+              <a:rPr lang="de-DE" dirty="0" err="1" smtClean="0"/>
+              <a:t>Kalibierung</a:t>
+            </a:r>
+            <a:endParaRPr lang="de-DE" dirty="0" smtClean="0"/>
+          </a:p>
+          <a:p>
+            <a:pPr lvl="1"/>
+            <a:endParaRPr lang="de-DE" dirty="0" smtClean="0"/>
+          </a:p>
+          <a:p>
+            <a:r>
+              <a:rPr lang="de-DE" dirty="0" smtClean="0"/>
+              <a:t>Überprüfen der </a:t>
+            </a:r>
+            <a:r>
+              <a:rPr lang="de-DE" dirty="0" err="1" smtClean="0"/>
+              <a:t>Abmaße</a:t>
+            </a:r>
+            <a:r>
+              <a:rPr lang="de-DE" dirty="0" smtClean="0"/>
+              <a:t> </a:t>
+            </a:r>
+            <a:r>
+              <a:rPr lang="de-DE" dirty="0" smtClean="0"/>
+              <a:t>und Lage</a:t>
+            </a:r>
+            <a:endParaRPr lang="de-DE" dirty="0" smtClean="0"/>
+          </a:p>
+          <a:p>
+            <a:pPr lvl="1"/>
+            <a:r>
+              <a:rPr lang="de-DE" dirty="0" smtClean="0"/>
+              <a:t>Annahme: Kontur, die den Flächeninhalt des kleinsten, vollständig umschließenden Rechtecks maximiert ist die Kontur des </a:t>
+            </a:r>
+            <a:r>
+              <a:rPr lang="de-DE" dirty="0" smtClean="0"/>
+              <a:t>Werkstücks</a:t>
+            </a:r>
+            <a:endParaRPr lang="de-DE" dirty="0" smtClean="0"/>
+          </a:p>
+          <a:p>
+            <a:pPr lvl="1"/>
+            <a:r>
+              <a:rPr lang="de-DE" dirty="0" smtClean="0"/>
+              <a:t>Überprüfe alle Kanten auf vorgeschriebene Länge</a:t>
+            </a:r>
+          </a:p>
+          <a:p>
+            <a:pPr lvl="1"/>
+            <a:r>
+              <a:rPr lang="de-DE" dirty="0" smtClean="0"/>
+              <a:t>Lage des umschließenden Rechtecks = Lage </a:t>
+            </a:r>
+            <a:r>
+              <a:rPr lang="de-DE" smtClean="0"/>
+              <a:t>des Werkstücks</a:t>
+            </a:r>
+            <a:endParaRPr lang="de-DE" dirty="0" smtClean="0"/>
+          </a:p>
+          <a:p>
+            <a:pPr>
+              <a:buNone/>
+            </a:pPr>
+            <a:endParaRPr lang="de-DE" dirty="0" smtClean="0"/>
           </a:p>
         </p:txBody>
       </p:sp>
-      <p:sp>
-        <p:nvSpPr>
-          <p:cNvPr id="5" name="Flussdiagramm: Alternativer Prozess 4"/>
-          <p:cNvSpPr/>
-          <p:nvPr/>
-        </p:nvSpPr>
-        <p:spPr>
-          <a:xfrm>
-            <a:off x="2971800" y="2397744"/>
-            <a:ext cx="2743200" cy="612648"/>
-          </a:xfrm>
-          <a:prstGeom prst="flowChartAlternateProcess">
-            <a:avLst/>
-          </a:prstGeom>
-          <a:solidFill>
-            <a:schemeClr val="accent1"/>
-          </a:solidFill>
-          <a:ln>
-            <a:solidFill>
-              <a:schemeClr val="accent1"/>
-            </a:solidFill>
-          </a:ln>
-        </p:spPr>
-        <p:style>
-          <a:lnRef idx="2">
-            <a:schemeClr val="accent1">
-              <a:shade val="50000"/>
-            </a:schemeClr>
-          </a:lnRef>
-          <a:fillRef idx="1">
-            <a:schemeClr val="accent1"/>
-          </a:fillRef>
-          <a:effectRef idx="0">
-            <a:schemeClr val="accent1"/>
-          </a:effectRef>
-          <a:fontRef idx="minor">
-            <a:schemeClr val="lt1"/>
-          </a:fontRef>
-        </p:style>
-        <p:txBody>
-          <a:bodyPr rtlCol="0" anchor="ctr"/>
-          <a:lstStyle/>
-          <a:p>
-            <a:pPr algn="ctr"/>
-            <a:r>
-              <a:rPr lang="de-DE" dirty="0"/>
-              <a:t>Lage und Maße</a:t>
-            </a:r>
-          </a:p>
-        </p:txBody>
-      </p:sp>
-      <p:sp>
-        <p:nvSpPr>
-          <p:cNvPr id="6" name="Flussdiagramm: Alternativer Prozess 5"/>
-          <p:cNvSpPr/>
-          <p:nvPr/>
-        </p:nvSpPr>
-        <p:spPr>
-          <a:xfrm>
-            <a:off x="2986216" y="3748710"/>
-            <a:ext cx="2743200" cy="612648"/>
-          </a:xfrm>
-          <a:prstGeom prst="flowChartAlternateProcess">
-            <a:avLst/>
-          </a:prstGeom>
-          <a:solidFill>
-            <a:schemeClr val="accent1">
-              <a:alpha val="25000"/>
-            </a:schemeClr>
-          </a:solidFill>
-          <a:ln>
-            <a:solidFill>
-              <a:schemeClr val="accent1">
-                <a:alpha val="25000"/>
-              </a:schemeClr>
-            </a:solidFill>
-          </a:ln>
-        </p:spPr>
-        <p:style>
-          <a:lnRef idx="2">
-            <a:schemeClr val="accent1">
-              <a:shade val="50000"/>
-            </a:schemeClr>
-          </a:lnRef>
-          <a:fillRef idx="1">
-            <a:schemeClr val="accent1"/>
-          </a:fillRef>
-          <a:effectRef idx="0">
-            <a:schemeClr val="accent1"/>
-          </a:effectRef>
-          <a:fontRef idx="minor">
-            <a:schemeClr val="lt1"/>
-          </a:fontRef>
-        </p:style>
-        <p:txBody>
-          <a:bodyPr rtlCol="0" anchor="ctr"/>
-          <a:lstStyle/>
-          <a:p>
-            <a:pPr algn="ctr"/>
-            <a:r>
-              <a:rPr lang="de-DE" dirty="0" smtClean="0"/>
-              <a:t>Bohrungen</a:t>
-            </a:r>
-            <a:endParaRPr lang="de-DE" dirty="0"/>
-          </a:p>
-        </p:txBody>
-      </p:sp>
-      <p:sp>
-        <p:nvSpPr>
-          <p:cNvPr id="7" name="Flussdiagramm: Alternativer Prozess 6"/>
-          <p:cNvSpPr/>
-          <p:nvPr/>
-        </p:nvSpPr>
-        <p:spPr>
-          <a:xfrm>
-            <a:off x="2971800" y="5105854"/>
-            <a:ext cx="2743200" cy="612648"/>
-          </a:xfrm>
-          <a:prstGeom prst="flowChartAlternateProcess">
-            <a:avLst/>
-          </a:prstGeom>
-          <a:solidFill>
-            <a:schemeClr val="accent1">
-              <a:alpha val="25000"/>
-            </a:schemeClr>
-          </a:solidFill>
-          <a:ln>
-            <a:solidFill>
-              <a:schemeClr val="accent1">
-                <a:alpha val="25000"/>
-              </a:schemeClr>
-            </a:solidFill>
-          </a:ln>
-        </p:spPr>
-        <p:style>
-          <a:lnRef idx="2">
-            <a:schemeClr val="accent1">
-              <a:shade val="50000"/>
-            </a:schemeClr>
-          </a:lnRef>
-          <a:fillRef idx="1">
-            <a:schemeClr val="accent1"/>
-          </a:fillRef>
-          <a:effectRef idx="0">
-            <a:schemeClr val="accent1"/>
-          </a:effectRef>
-          <a:fontRef idx="minor">
-            <a:schemeClr val="lt1"/>
-          </a:fontRef>
-        </p:style>
-        <p:txBody>
-          <a:bodyPr rtlCol="0" anchor="ctr"/>
-          <a:lstStyle/>
-          <a:p>
-            <a:pPr algn="ctr"/>
-            <a:r>
-              <a:rPr lang="de-DE" dirty="0" smtClean="0"/>
-              <a:t>Schäden</a:t>
-            </a:r>
-            <a:endParaRPr lang="de-DE" dirty="0"/>
-          </a:p>
-        </p:txBody>
-      </p:sp>
-      <p:cxnSp>
-        <p:nvCxnSpPr>
-          <p:cNvPr id="11" name="Gerade Verbindung mit Pfeil 10"/>
-          <p:cNvCxnSpPr>
-            <a:stCxn id="4" idx="2"/>
-            <a:endCxn id="5" idx="0"/>
-          </p:cNvCxnSpPr>
-          <p:nvPr/>
-        </p:nvCxnSpPr>
-        <p:spPr>
-          <a:xfrm>
-            <a:off x="4343400" y="1653248"/>
-            <a:ext cx="0" cy="744496"/>
-          </a:xfrm>
-          <a:prstGeom prst="straightConnector1">
-            <a:avLst/>
-          </a:prstGeom>
-          <a:ln>
-            <a:solidFill>
-              <a:schemeClr val="accent1">
-                <a:alpha val="25000"/>
-              </a:schemeClr>
-            </a:solidFill>
-            <a:tailEnd type="triangle"/>
-          </a:ln>
-        </p:spPr>
-        <p:style>
-          <a:lnRef idx="3">
-            <a:schemeClr val="accent1"/>
-          </a:lnRef>
-          <a:fillRef idx="0">
-            <a:schemeClr val="accent1"/>
-          </a:fillRef>
-          <a:effectRef idx="2">
-            <a:schemeClr val="accent1"/>
-          </a:effectRef>
-          <a:fontRef idx="minor">
-            <a:schemeClr val="tx1"/>
-          </a:fontRef>
-        </p:style>
-      </p:cxnSp>
-      <p:cxnSp>
-        <p:nvCxnSpPr>
-          <p:cNvPr id="13" name="Gerade Verbindung mit Pfeil 12"/>
-          <p:cNvCxnSpPr/>
-          <p:nvPr/>
-        </p:nvCxnSpPr>
-        <p:spPr>
-          <a:xfrm>
-            <a:off x="4343400" y="3004214"/>
-            <a:ext cx="0" cy="744496"/>
-          </a:xfrm>
-          <a:prstGeom prst="straightConnector1">
-            <a:avLst/>
-          </a:prstGeom>
-          <a:ln>
-            <a:solidFill>
-              <a:schemeClr val="accent1">
-                <a:alpha val="25000"/>
-              </a:schemeClr>
-            </a:solidFill>
-            <a:tailEnd type="triangle"/>
-          </a:ln>
-        </p:spPr>
-        <p:style>
-          <a:lnRef idx="3">
-            <a:schemeClr val="accent1"/>
-          </a:lnRef>
-          <a:fillRef idx="0">
-            <a:schemeClr val="accent1"/>
-          </a:fillRef>
-          <a:effectRef idx="2">
-            <a:schemeClr val="accent1"/>
-          </a:effectRef>
-          <a:fontRef idx="minor">
-            <a:schemeClr val="tx1"/>
-          </a:fontRef>
-        </p:style>
-      </p:cxnSp>
-      <p:cxnSp>
-        <p:nvCxnSpPr>
-          <p:cNvPr id="14" name="Gerade Verbindung mit Pfeil 13"/>
-          <p:cNvCxnSpPr/>
-          <p:nvPr/>
-        </p:nvCxnSpPr>
-        <p:spPr>
-          <a:xfrm>
-            <a:off x="4333103" y="4361358"/>
-            <a:ext cx="0" cy="744496"/>
-          </a:xfrm>
-          <a:prstGeom prst="straightConnector1">
-            <a:avLst/>
-          </a:prstGeom>
-          <a:ln>
-            <a:solidFill>
-              <a:schemeClr val="accent1">
-                <a:alpha val="25000"/>
-              </a:schemeClr>
-            </a:solidFill>
-            <a:tailEnd type="triangle"/>
-          </a:ln>
-        </p:spPr>
-        <p:style>
-          <a:lnRef idx="3">
-            <a:schemeClr val="accent1"/>
-          </a:lnRef>
-          <a:fillRef idx="0">
-            <a:schemeClr val="accent1"/>
-          </a:fillRef>
-          <a:effectRef idx="2">
-            <a:schemeClr val="accent1"/>
-          </a:effectRef>
-          <a:fontRef idx="minor">
-            <a:schemeClr val="tx1"/>
-          </a:fontRef>
-        </p:style>
-      </p:cxnSp>
     </p:spTree>
-    <p:extLst>
-      <p:ext uri="{BB962C8B-B14F-4D97-AF65-F5344CB8AC3E}">
-        <p14:creationId xmlns:p14="http://schemas.microsoft.com/office/powerpoint/2010/main" val="3681891956"/>
-      </p:ext>
-    </p:extLst>
   </p:cSld>
   <p:clrMapOvr>
     <a:masterClrMapping/>
@@ -6308,11 +6375,7 @@
           <a:p>
             <a:r>
               <a:rPr lang="de-DE" dirty="0" smtClean="0"/>
-              <a:t>Prüfen der Lage und </a:t>
-            </a:r>
-            <a:r>
-              <a:rPr lang="de-DE" dirty="0" err="1" smtClean="0"/>
-              <a:t>Abmaße</a:t>
+              <a:t>Programm-Ablauf</a:t>
             </a:r>
             <a:endParaRPr lang="de-DE" dirty="0"/>
           </a:p>
@@ -6320,165 +6383,347 @@
       </p:sp>
       <p:sp>
         <p:nvSpPr>
-          <p:cNvPr id="3" name="Inhaltsplatzhalter 2"/>
-          <p:cNvSpPr>
-            <a:spLocks noGrp="1"/>
-          </p:cNvSpPr>
-          <p:nvPr>
-            <p:ph idx="1"/>
-          </p:nvPr>
+          <p:cNvPr id="4" name="Flussdiagramm: Alternativer Prozess 3"/>
+          <p:cNvSpPr/>
+          <p:nvPr/>
         </p:nvSpPr>
-        <p:spPr/>
+        <p:spPr>
+          <a:xfrm>
+            <a:off x="2971800" y="1040600"/>
+            <a:ext cx="2743200" cy="612648"/>
+          </a:xfrm>
+          <a:prstGeom prst="flowChartAlternateProcess">
+            <a:avLst/>
+          </a:prstGeom>
+          <a:solidFill>
+            <a:schemeClr val="accent1">
+              <a:alpha val="25000"/>
+            </a:schemeClr>
+          </a:solidFill>
+          <a:ln>
+            <a:solidFill>
+              <a:schemeClr val="accent1">
+                <a:shade val="50000"/>
+                <a:alpha val="25000"/>
+              </a:schemeClr>
+            </a:solidFill>
+          </a:ln>
+        </p:spPr>
+        <p:style>
+          <a:lnRef idx="2">
+            <a:schemeClr val="accent1">
+              <a:shade val="50000"/>
+            </a:schemeClr>
+          </a:lnRef>
+          <a:fillRef idx="1">
+            <a:schemeClr val="accent1"/>
+          </a:fillRef>
+          <a:effectRef idx="0">
+            <a:schemeClr val="accent1"/>
+          </a:effectRef>
+          <a:fontRef idx="minor">
+            <a:schemeClr val="lt1"/>
+          </a:fontRef>
+        </p:style>
         <p:txBody>
-          <a:bodyPr/>
+          <a:bodyPr rtlCol="0" anchor="ctr"/>
           <a:lstStyle/>
           <a:p>
+            <a:pPr algn="ctr"/>
             <a:r>
               <a:rPr lang="de-DE" dirty="0" smtClean="0"/>
-              <a:t>Bildvorverarbeitung</a:t>
-            </a:r>
-          </a:p>
-          <a:p>
-            <a:pPr lvl="1"/>
-            <a:r>
-              <a:rPr lang="de-DE" dirty="0" smtClean="0"/>
-              <a:t>Entfernen der </a:t>
-            </a:r>
-            <a:r>
-              <a:rPr lang="de-DE" dirty="0" err="1" smtClean="0"/>
-              <a:t>spekularen</a:t>
-            </a:r>
-            <a:r>
-              <a:rPr lang="de-DE" dirty="0" smtClean="0"/>
-              <a:t> Kante </a:t>
-            </a:r>
-          </a:p>
-          <a:p>
-            <a:pPr lvl="2"/>
-            <a:r>
-              <a:rPr lang="de-DE" dirty="0" smtClean="0"/>
-              <a:t>Pixel mit </a:t>
-            </a:r>
-            <a:r>
-              <a:rPr lang="de-DE" dirty="0" err="1" smtClean="0"/>
-              <a:t>Grauwert</a:t>
-            </a:r>
-            <a:r>
-              <a:rPr lang="de-DE" dirty="0" smtClean="0"/>
-              <a:t> &gt; 200 werden auf 0 gesetzt</a:t>
-            </a:r>
-          </a:p>
-          <a:p>
-            <a:pPr lvl="1"/>
-            <a:r>
-              <a:rPr lang="de-DE" dirty="0" smtClean="0"/>
-              <a:t>Maskieren der Werkstück </a:t>
-            </a:r>
-            <a:r>
-              <a:rPr lang="de-DE" dirty="0" err="1" smtClean="0"/>
-              <a:t>pixel</a:t>
-            </a:r>
-            <a:endParaRPr lang="de-DE" dirty="0" smtClean="0"/>
-          </a:p>
-          <a:p>
-            <a:pPr lvl="2"/>
-            <a:r>
-              <a:rPr lang="de-DE" dirty="0" smtClean="0"/>
-              <a:t>Pixel mit </a:t>
-            </a:r>
-            <a:r>
-              <a:rPr lang="de-DE" dirty="0" err="1" smtClean="0"/>
-              <a:t>Grauwert</a:t>
-            </a:r>
-            <a:r>
-              <a:rPr lang="de-DE" dirty="0" smtClean="0"/>
-              <a:t> &gt;= 70 werden auf 255 (weiß) gesetzt</a:t>
-            </a:r>
-          </a:p>
-          <a:p>
-            <a:pPr lvl="1"/>
-            <a:r>
-              <a:rPr lang="de-DE" dirty="0" smtClean="0"/>
-              <a:t>Reduktion von Noise</a:t>
-            </a:r>
-          </a:p>
-          <a:p>
-            <a:pPr lvl="2"/>
-            <a:r>
-              <a:rPr lang="de-DE" dirty="0" smtClean="0"/>
-              <a:t>Morphologische Erosion und </a:t>
-            </a:r>
-            <a:r>
-              <a:rPr lang="de-DE" dirty="0" err="1" smtClean="0"/>
-              <a:t>Dilitation</a:t>
-            </a:r>
-            <a:endParaRPr lang="de-DE" dirty="0" smtClean="0"/>
-          </a:p>
-          <a:p>
-            <a:pPr lvl="1"/>
-            <a:r>
-              <a:rPr lang="de-DE" dirty="0" err="1" smtClean="0"/>
-              <a:t>Kantendektion</a:t>
-            </a:r>
-            <a:r>
-              <a:rPr lang="de-DE" dirty="0" smtClean="0"/>
-              <a:t> mit </a:t>
-            </a:r>
-            <a:r>
-              <a:rPr lang="de-DE" dirty="0" err="1" smtClean="0"/>
-              <a:t>Canny</a:t>
-            </a:r>
-            <a:endParaRPr lang="de-DE" dirty="0" smtClean="0"/>
-          </a:p>
-          <a:p>
-            <a:pPr lvl="1"/>
-            <a:endParaRPr lang="de-DE" dirty="0" smtClean="0"/>
-          </a:p>
-          <a:p>
-            <a:r>
-              <a:rPr lang="de-DE" dirty="0" smtClean="0"/>
-              <a:t>Überprüfen der </a:t>
-            </a:r>
-            <a:r>
-              <a:rPr lang="de-DE" dirty="0" err="1" smtClean="0"/>
-              <a:t>Abmaße</a:t>
-            </a:r>
-            <a:r>
-              <a:rPr lang="de-DE" dirty="0" smtClean="0"/>
-              <a:t> und finden der Lage</a:t>
-            </a:r>
-          </a:p>
-          <a:p>
-            <a:pPr lvl="1"/>
-            <a:r>
-              <a:rPr lang="de-DE" dirty="0" smtClean="0"/>
-              <a:t>Annahme: Kontur, die den Flächeninhalt des kleinsten, vollständig umschließenden Rechtecks maximiert ist die Kontur des Werkstücks</a:t>
-            </a:r>
-          </a:p>
-          <a:p>
-            <a:pPr lvl="1"/>
-            <a:r>
-              <a:rPr lang="de-DE" dirty="0" smtClean="0"/>
-              <a:t>Überprüfe die Länge jeder Kante des umschließenden Rechtecks</a:t>
-            </a:r>
-          </a:p>
-          <a:p>
-            <a:pPr lvl="1"/>
-            <a:endParaRPr lang="de-DE" dirty="0" smtClean="0"/>
-          </a:p>
-          <a:p>
-            <a:pPr lvl="2"/>
-            <a:endParaRPr lang="de-DE" dirty="0" smtClean="0"/>
-          </a:p>
-          <a:p>
-            <a:pPr>
-              <a:buNone/>
-            </a:pPr>
-            <a:endParaRPr lang="de-DE" dirty="0" smtClean="0"/>
+              <a:t>Kalibrierung</a:t>
+            </a:r>
+            <a:endParaRPr lang="de-DE" dirty="0"/>
           </a:p>
         </p:txBody>
       </p:sp>
+      <p:sp>
+        <p:nvSpPr>
+          <p:cNvPr id="5" name="Flussdiagramm: Alternativer Prozess 4"/>
+          <p:cNvSpPr/>
+          <p:nvPr/>
+        </p:nvSpPr>
+        <p:spPr>
+          <a:xfrm>
+            <a:off x="2971800" y="2397744"/>
+            <a:ext cx="2743200" cy="612648"/>
+          </a:xfrm>
+          <a:prstGeom prst="flowChartAlternateProcess">
+            <a:avLst/>
+          </a:prstGeom>
+          <a:solidFill>
+            <a:schemeClr val="accent1">
+              <a:alpha val="25000"/>
+            </a:schemeClr>
+          </a:solidFill>
+          <a:ln>
+            <a:solidFill>
+              <a:schemeClr val="accent1">
+                <a:alpha val="25000"/>
+              </a:schemeClr>
+            </a:solidFill>
+          </a:ln>
+        </p:spPr>
+        <p:style>
+          <a:lnRef idx="2">
+            <a:schemeClr val="accent1">
+              <a:shade val="50000"/>
+            </a:schemeClr>
+          </a:lnRef>
+          <a:fillRef idx="1">
+            <a:schemeClr val="accent1"/>
+          </a:fillRef>
+          <a:effectRef idx="0">
+            <a:schemeClr val="accent1"/>
+          </a:effectRef>
+          <a:fontRef idx="minor">
+            <a:schemeClr val="lt1"/>
+          </a:fontRef>
+        </p:style>
+        <p:txBody>
+          <a:bodyPr rtlCol="0" anchor="ctr"/>
+          <a:lstStyle/>
+          <a:p>
+            <a:pPr algn="ctr"/>
+            <a:r>
+              <a:rPr lang="de-DE" dirty="0"/>
+              <a:t>Lage und Maße</a:t>
+            </a:r>
+          </a:p>
+        </p:txBody>
+      </p:sp>
+      <p:sp>
+        <p:nvSpPr>
+          <p:cNvPr id="6" name="Flussdiagramm: Alternativer Prozess 5"/>
+          <p:cNvSpPr/>
+          <p:nvPr/>
+        </p:nvSpPr>
+        <p:spPr>
+          <a:xfrm>
+            <a:off x="2986216" y="3748710"/>
+            <a:ext cx="2743200" cy="612648"/>
+          </a:xfrm>
+          <a:prstGeom prst="flowChartAlternateProcess">
+            <a:avLst/>
+          </a:prstGeom>
+          <a:solidFill>
+            <a:schemeClr val="accent1"/>
+          </a:solidFill>
+          <a:ln>
+            <a:solidFill>
+              <a:schemeClr val="accent1"/>
+            </a:solidFill>
+          </a:ln>
+        </p:spPr>
+        <p:style>
+          <a:lnRef idx="2">
+            <a:schemeClr val="accent1">
+              <a:shade val="50000"/>
+            </a:schemeClr>
+          </a:lnRef>
+          <a:fillRef idx="1">
+            <a:schemeClr val="accent1"/>
+          </a:fillRef>
+          <a:effectRef idx="0">
+            <a:schemeClr val="accent1"/>
+          </a:effectRef>
+          <a:fontRef idx="minor">
+            <a:schemeClr val="lt1"/>
+          </a:fontRef>
+        </p:style>
+        <p:txBody>
+          <a:bodyPr rtlCol="0" anchor="ctr"/>
+          <a:lstStyle/>
+          <a:p>
+            <a:pPr algn="ctr"/>
+            <a:r>
+              <a:rPr lang="de-DE" dirty="0" smtClean="0"/>
+              <a:t>Bohrungen</a:t>
+            </a:r>
+            <a:endParaRPr lang="de-DE" dirty="0"/>
+          </a:p>
+        </p:txBody>
+      </p:sp>
+      <p:sp>
+        <p:nvSpPr>
+          <p:cNvPr id="7" name="Flussdiagramm: Alternativer Prozess 6"/>
+          <p:cNvSpPr/>
+          <p:nvPr/>
+        </p:nvSpPr>
+        <p:spPr>
+          <a:xfrm>
+            <a:off x="2971800" y="5105854"/>
+            <a:ext cx="2743200" cy="612648"/>
+          </a:xfrm>
+          <a:prstGeom prst="flowChartAlternateProcess">
+            <a:avLst/>
+          </a:prstGeom>
+          <a:solidFill>
+            <a:schemeClr val="accent1">
+              <a:alpha val="25000"/>
+            </a:schemeClr>
+          </a:solidFill>
+          <a:ln>
+            <a:solidFill>
+              <a:schemeClr val="accent1">
+                <a:alpha val="25000"/>
+              </a:schemeClr>
+            </a:solidFill>
+          </a:ln>
+        </p:spPr>
+        <p:style>
+          <a:lnRef idx="2">
+            <a:schemeClr val="accent1">
+              <a:shade val="50000"/>
+            </a:schemeClr>
+          </a:lnRef>
+          <a:fillRef idx="1">
+            <a:schemeClr val="accent1"/>
+          </a:fillRef>
+          <a:effectRef idx="0">
+            <a:schemeClr val="accent1"/>
+          </a:effectRef>
+          <a:fontRef idx="minor">
+            <a:schemeClr val="lt1"/>
+          </a:fontRef>
+        </p:style>
+        <p:txBody>
+          <a:bodyPr rtlCol="0" anchor="ctr"/>
+          <a:lstStyle/>
+          <a:p>
+            <a:pPr algn="ctr"/>
+            <a:r>
+              <a:rPr lang="de-DE" dirty="0" smtClean="0"/>
+              <a:t>Schäden</a:t>
+            </a:r>
+            <a:endParaRPr lang="de-DE" dirty="0"/>
+          </a:p>
+        </p:txBody>
+      </p:sp>
+      <p:cxnSp>
+        <p:nvCxnSpPr>
+          <p:cNvPr id="11" name="Gerade Verbindung mit Pfeil 10"/>
+          <p:cNvCxnSpPr>
+            <a:stCxn id="4" idx="2"/>
+            <a:endCxn id="5" idx="0"/>
+          </p:cNvCxnSpPr>
+          <p:nvPr/>
+        </p:nvCxnSpPr>
+        <p:spPr>
+          <a:xfrm>
+            <a:off x="4343400" y="1653248"/>
+            <a:ext cx="0" cy="744496"/>
+          </a:xfrm>
+          <a:prstGeom prst="straightConnector1">
+            <a:avLst/>
+          </a:prstGeom>
+          <a:ln>
+            <a:solidFill>
+              <a:schemeClr val="accent1">
+                <a:alpha val="25000"/>
+              </a:schemeClr>
+            </a:solidFill>
+            <a:tailEnd type="triangle"/>
+          </a:ln>
+        </p:spPr>
+        <p:style>
+          <a:lnRef idx="3">
+            <a:schemeClr val="accent1"/>
+          </a:lnRef>
+          <a:fillRef idx="0">
+            <a:schemeClr val="accent1"/>
+          </a:fillRef>
+          <a:effectRef idx="2">
+            <a:schemeClr val="accent1"/>
+          </a:effectRef>
+          <a:fontRef idx="minor">
+            <a:schemeClr val="tx1"/>
+          </a:fontRef>
+        </p:style>
+      </p:cxnSp>
+      <p:cxnSp>
+        <p:nvCxnSpPr>
+          <p:cNvPr id="13" name="Gerade Verbindung mit Pfeil 12"/>
+          <p:cNvCxnSpPr/>
+          <p:nvPr/>
+        </p:nvCxnSpPr>
+        <p:spPr>
+          <a:xfrm>
+            <a:off x="4343400" y="3004214"/>
+            <a:ext cx="0" cy="744496"/>
+          </a:xfrm>
+          <a:prstGeom prst="straightConnector1">
+            <a:avLst/>
+          </a:prstGeom>
+          <a:ln>
+            <a:solidFill>
+              <a:schemeClr val="accent1">
+                <a:alpha val="25000"/>
+              </a:schemeClr>
+            </a:solidFill>
+            <a:tailEnd type="triangle"/>
+          </a:ln>
+        </p:spPr>
+        <p:style>
+          <a:lnRef idx="3">
+            <a:schemeClr val="accent1"/>
+          </a:lnRef>
+          <a:fillRef idx="0">
+            <a:schemeClr val="accent1"/>
+          </a:fillRef>
+          <a:effectRef idx="2">
+            <a:schemeClr val="accent1"/>
+          </a:effectRef>
+          <a:fontRef idx="minor">
+            <a:schemeClr val="tx1"/>
+          </a:fontRef>
+        </p:style>
+      </p:cxnSp>
+      <p:cxnSp>
+        <p:nvCxnSpPr>
+          <p:cNvPr id="14" name="Gerade Verbindung mit Pfeil 13"/>
+          <p:cNvCxnSpPr/>
+          <p:nvPr/>
+        </p:nvCxnSpPr>
+        <p:spPr>
+          <a:xfrm>
+            <a:off x="4333103" y="4361358"/>
+            <a:ext cx="0" cy="744496"/>
+          </a:xfrm>
+          <a:prstGeom prst="straightConnector1">
+            <a:avLst/>
+          </a:prstGeom>
+          <a:ln>
+            <a:solidFill>
+              <a:schemeClr val="accent1">
+                <a:alpha val="25000"/>
+              </a:schemeClr>
+            </a:solidFill>
+            <a:tailEnd type="triangle"/>
+          </a:ln>
+        </p:spPr>
+        <p:style>
+          <a:lnRef idx="3">
+            <a:schemeClr val="accent1"/>
+          </a:lnRef>
+          <a:fillRef idx="0">
+            <a:schemeClr val="accent1"/>
+          </a:fillRef>
+          <a:effectRef idx="2">
+            <a:schemeClr val="accent1"/>
+          </a:effectRef>
+          <a:fontRef idx="minor">
+            <a:schemeClr val="tx1"/>
+          </a:fontRef>
+        </p:style>
+      </p:cxnSp>
     </p:spTree>
+    <p:extLst>
+      <p:ext uri="{BB962C8B-B14F-4D97-AF65-F5344CB8AC3E}">
+        <p14:creationId xmlns:p14="http://schemas.microsoft.com/office/powerpoint/2010/main" xmlns="" val="689969953"/>
+      </p:ext>
+    </p:extLst>
   </p:cSld>
   <p:clrMapOvr>
     <a:masterClrMapping/>
@@ -6527,7 +6772,7 @@
           <a:p>
             <a:r>
               <a:rPr lang="de-DE" dirty="0" smtClean="0"/>
-              <a:t>Programm-Ablauf</a:t>
+              <a:t>Bohrungspositionen</a:t>
             </a:r>
             <a:endParaRPr lang="de-DE" dirty="0"/>
           </a:p>
@@ -6535,31 +6780,75 @@
       </p:sp>
       <p:sp>
         <p:nvSpPr>
-          <p:cNvPr id="4" name="Flussdiagramm: Alternativer Prozess 3"/>
+          <p:cNvPr id="3" name="Inhaltsplatzhalter 2"/>
+          <p:cNvSpPr>
+            <a:spLocks noGrp="1"/>
+          </p:cNvSpPr>
+          <p:nvPr>
+            <p:ph idx="1"/>
+          </p:nvPr>
+        </p:nvSpPr>
+        <p:spPr/>
+        <p:txBody>
+          <a:bodyPr/>
+          <a:lstStyle/>
+          <a:p>
+            <a:r>
+              <a:rPr lang="de-DE" dirty="0" smtClean="0"/>
+              <a:t>Berechnung der Bohrungspositionen </a:t>
+            </a:r>
+            <a:r>
+              <a:rPr lang="de-DE" dirty="0"/>
+              <a:t>anhand </a:t>
+            </a:r>
+            <a:r>
+              <a:rPr lang="de-DE" dirty="0" smtClean="0"/>
+              <a:t>Rechteck-Eckpunkten</a:t>
+            </a:r>
+            <a:endParaRPr lang="de-DE" dirty="0"/>
+          </a:p>
+        </p:txBody>
+      </p:sp>
+      <p:pic>
+        <p:nvPicPr>
+          <p:cNvPr id="4" name="Grafik 3" descr="Perfekt3.png"/>
+          <p:cNvPicPr>
+            <a:picLocks noChangeAspect="1"/>
+          </p:cNvPicPr>
+          <p:nvPr/>
+        </p:nvPicPr>
+        <p:blipFill>
+          <a:blip r:embed="rId2"/>
+          <a:stretch>
+            <a:fillRect/>
+          </a:stretch>
+        </p:blipFill>
+        <p:spPr>
+          <a:xfrm flipH="1">
+            <a:off x="762000" y="2232658"/>
+            <a:ext cx="3048000" cy="3025817"/>
+          </a:xfrm>
+          <a:prstGeom prst="rect">
+            <a:avLst/>
+          </a:prstGeom>
+        </p:spPr>
+      </p:pic>
+      <p:sp>
+        <p:nvSpPr>
+          <p:cNvPr id="5" name="Rechteck 4"/>
           <p:cNvSpPr/>
           <p:nvPr/>
         </p:nvSpPr>
         <p:spPr>
           <a:xfrm>
-            <a:off x="2971800" y="1040600"/>
-            <a:ext cx="2743200" cy="612648"/>
-          </a:xfrm>
-          <a:prstGeom prst="flowChartAlternateProcess">
+            <a:off x="4648200" y="2362200"/>
+            <a:ext cx="2743200" cy="2743200"/>
+          </a:xfrm>
+          <a:prstGeom prst="rect">
             <a:avLst/>
           </a:prstGeom>
-          <a:solidFill>
-            <a:schemeClr val="accent1">
-              <a:alpha val="25000"/>
-            </a:schemeClr>
-          </a:solidFill>
-          <a:ln>
-            <a:solidFill>
-              <a:schemeClr val="accent1">
-                <a:shade val="50000"/>
-                <a:alpha val="25000"/>
-              </a:schemeClr>
-            </a:solidFill>
-          </a:ln>
+          <a:noFill/>
+          <a:ln w="38100"/>
         </p:spPr>
         <p:style>
           <a:lnRef idx="2">
@@ -6582,40 +6871,24 @@
           <a:lstStyle/>
           <a:p>
             <a:pPr algn="ctr"/>
-            <a:r>
-              <a:rPr lang="de-DE" dirty="0" smtClean="0"/>
-              <a:t>Kalibrierung</a:t>
-            </a:r>
-            <a:endParaRPr lang="de-DE" dirty="0"/>
+            <a:endParaRPr lang="de-DE"/>
           </a:p>
         </p:txBody>
       </p:sp>
       <p:sp>
         <p:nvSpPr>
-          <p:cNvPr id="5" name="Flussdiagramm: Alternativer Prozess 4"/>
+          <p:cNvPr id="6" name="Ellipse 5"/>
           <p:cNvSpPr/>
           <p:nvPr/>
         </p:nvSpPr>
         <p:spPr>
           <a:xfrm>
-            <a:off x="2971800" y="2397744"/>
-            <a:ext cx="2743200" cy="612648"/>
-          </a:xfrm>
-          <a:prstGeom prst="flowChartAlternateProcess">
+            <a:off x="5029200" y="2697481"/>
+            <a:ext cx="45719" cy="45719"/>
+          </a:xfrm>
+          <a:prstGeom prst="ellipse">
             <a:avLst/>
           </a:prstGeom>
-          <a:solidFill>
-            <a:schemeClr val="accent1">
-              <a:alpha val="25000"/>
-            </a:schemeClr>
-          </a:solidFill>
-          <a:ln>
-            <a:solidFill>
-              <a:schemeClr val="accent1">
-                <a:alpha val="25000"/>
-              </a:schemeClr>
-            </a:solidFill>
-          </a:ln>
         </p:spPr>
         <p:style>
           <a:lnRef idx="2">
@@ -6638,35 +6911,24 @@
           <a:lstStyle/>
           <a:p>
             <a:pPr algn="ctr"/>
-            <a:r>
-              <a:rPr lang="de-DE" dirty="0"/>
-              <a:t>Lage und Maße</a:t>
-            </a:r>
+            <a:endParaRPr lang="de-DE"/>
           </a:p>
         </p:txBody>
       </p:sp>
       <p:sp>
         <p:nvSpPr>
-          <p:cNvPr id="6" name="Flussdiagramm: Alternativer Prozess 5"/>
+          <p:cNvPr id="7" name="Ellipse 6"/>
           <p:cNvSpPr/>
           <p:nvPr/>
         </p:nvSpPr>
         <p:spPr>
           <a:xfrm>
-            <a:off x="2986216" y="3748710"/>
-            <a:ext cx="2743200" cy="612648"/>
-          </a:xfrm>
-          <a:prstGeom prst="flowChartAlternateProcess">
+            <a:off x="6991349" y="2697481"/>
+            <a:ext cx="45719" cy="45719"/>
+          </a:xfrm>
+          <a:prstGeom prst="ellipse">
             <a:avLst/>
           </a:prstGeom>
-          <a:solidFill>
-            <a:schemeClr val="accent1"/>
-          </a:solidFill>
-          <a:ln>
-            <a:solidFill>
-              <a:schemeClr val="accent1"/>
-            </a:solidFill>
-          </a:ln>
         </p:spPr>
         <p:style>
           <a:lnRef idx="2">
@@ -6689,40 +6951,24 @@
           <a:lstStyle/>
           <a:p>
             <a:pPr algn="ctr"/>
-            <a:r>
-              <a:rPr lang="de-DE" dirty="0" smtClean="0"/>
-              <a:t>Bohrungen</a:t>
-            </a:r>
-            <a:endParaRPr lang="de-DE" dirty="0"/>
+            <a:endParaRPr lang="de-DE"/>
           </a:p>
         </p:txBody>
       </p:sp>
       <p:sp>
         <p:nvSpPr>
-          <p:cNvPr id="7" name="Flussdiagramm: Alternativer Prozess 6"/>
+          <p:cNvPr id="8" name="Ellipse 7"/>
           <p:cNvSpPr/>
           <p:nvPr/>
         </p:nvSpPr>
         <p:spPr>
           <a:xfrm>
-            <a:off x="2971800" y="5105854"/>
-            <a:ext cx="2743200" cy="612648"/>
-          </a:xfrm>
-          <a:prstGeom prst="flowChartAlternateProcess">
+            <a:off x="5029200" y="4754881"/>
+            <a:ext cx="45719" cy="45719"/>
+          </a:xfrm>
+          <a:prstGeom prst="ellipse">
             <a:avLst/>
           </a:prstGeom>
-          <a:solidFill>
-            <a:schemeClr val="accent1">
-              <a:alpha val="25000"/>
-            </a:schemeClr>
-          </a:solidFill>
-          <a:ln>
-            <a:solidFill>
-              <a:schemeClr val="accent1">
-                <a:alpha val="25000"/>
-              </a:schemeClr>
-            </a:solidFill>
-          </a:ln>
         </p:spPr>
         <p:style>
           <a:lnRef idx="2">
@@ -6745,137 +6991,251 @@
           <a:lstStyle/>
           <a:p>
             <a:pPr algn="ctr"/>
-            <a:r>
-              <a:rPr lang="de-DE" dirty="0" smtClean="0"/>
-              <a:t>Schäden</a:t>
-            </a:r>
-            <a:endParaRPr lang="de-DE" dirty="0"/>
+            <a:endParaRPr lang="de-DE"/>
           </a:p>
         </p:txBody>
       </p:sp>
-      <p:cxnSp>
-        <p:nvCxnSpPr>
-          <p:cNvPr id="11" name="Gerade Verbindung mit Pfeil 10"/>
-          <p:cNvCxnSpPr>
-            <a:stCxn id="4" idx="2"/>
-            <a:endCxn id="5" idx="0"/>
-          </p:cNvCxnSpPr>
+      <p:sp>
+        <p:nvSpPr>
+          <p:cNvPr id="9" name="Ellipse 8"/>
+          <p:cNvSpPr/>
           <p:nvPr/>
-        </p:nvCxnSpPr>
+        </p:nvSpPr>
         <p:spPr>
           <a:xfrm>
-            <a:off x="4343400" y="1653248"/>
-            <a:ext cx="0" cy="744496"/>
-          </a:xfrm>
-          <a:prstGeom prst="straightConnector1">
+            <a:off x="6987540" y="4754882"/>
+            <a:ext cx="45719" cy="45719"/>
+          </a:xfrm>
+          <a:prstGeom prst="ellipse">
             <a:avLst/>
           </a:prstGeom>
-          <a:ln>
-            <a:solidFill>
-              <a:schemeClr val="accent1">
-                <a:alpha val="25000"/>
-              </a:schemeClr>
-            </a:solidFill>
-            <a:tailEnd type="triangle"/>
-          </a:ln>
         </p:spPr>
         <p:style>
-          <a:lnRef idx="3">
-            <a:schemeClr val="accent1"/>
+          <a:lnRef idx="2">
+            <a:schemeClr val="accent1">
+              <a:shade val="50000"/>
+            </a:schemeClr>
           </a:lnRef>
-          <a:fillRef idx="0">
+          <a:fillRef idx="1">
             <a:schemeClr val="accent1"/>
           </a:fillRef>
-          <a:effectRef idx="2">
+          <a:effectRef idx="0">
             <a:schemeClr val="accent1"/>
           </a:effectRef>
           <a:fontRef idx="minor">
-            <a:schemeClr val="tx1"/>
+            <a:schemeClr val="lt1"/>
           </a:fontRef>
         </p:style>
-      </p:cxnSp>
-      <p:cxnSp>
-        <p:nvCxnSpPr>
-          <p:cNvPr id="13" name="Gerade Verbindung mit Pfeil 12"/>
-          <p:cNvCxnSpPr/>
+        <p:txBody>
+          <a:bodyPr rtlCol="0" anchor="ctr"/>
+          <a:lstStyle/>
+          <a:p>
+            <a:pPr algn="ctr"/>
+            <a:endParaRPr lang="de-DE"/>
+          </a:p>
+        </p:txBody>
+      </p:sp>
+      <p:sp>
+        <p:nvSpPr>
+          <p:cNvPr id="10" name="Ellipse 9"/>
+          <p:cNvSpPr/>
           <p:nvPr/>
-        </p:nvCxnSpPr>
+        </p:nvSpPr>
         <p:spPr>
           <a:xfrm>
-            <a:off x="4343400" y="3004214"/>
-            <a:ext cx="0" cy="744496"/>
-          </a:xfrm>
-          <a:prstGeom prst="straightConnector1">
+            <a:off x="5985194" y="3581400"/>
+            <a:ext cx="45719" cy="45719"/>
+          </a:xfrm>
+          <a:prstGeom prst="ellipse">
             <a:avLst/>
           </a:prstGeom>
-          <a:ln>
-            <a:solidFill>
-              <a:schemeClr val="accent1">
-                <a:alpha val="25000"/>
-              </a:schemeClr>
-            </a:solidFill>
-            <a:tailEnd type="triangle"/>
-          </a:ln>
         </p:spPr>
         <p:style>
-          <a:lnRef idx="3">
-            <a:schemeClr val="accent1"/>
+          <a:lnRef idx="2">
+            <a:schemeClr val="accent1">
+              <a:shade val="50000"/>
+            </a:schemeClr>
           </a:lnRef>
-          <a:fillRef idx="0">
+          <a:fillRef idx="1">
             <a:schemeClr val="accent1"/>
           </a:fillRef>
-          <a:effectRef idx="2">
+          <a:effectRef idx="0">
             <a:schemeClr val="accent1"/>
           </a:effectRef>
           <a:fontRef idx="minor">
-            <a:schemeClr val="tx1"/>
+            <a:schemeClr val="lt1"/>
           </a:fontRef>
         </p:style>
-      </p:cxnSp>
-      <p:cxnSp>
-        <p:nvCxnSpPr>
-          <p:cNvPr id="14" name="Gerade Verbindung mit Pfeil 13"/>
-          <p:cNvCxnSpPr/>
+        <p:txBody>
+          <a:bodyPr rtlCol="0" anchor="ctr"/>
+          <a:lstStyle/>
+          <a:p>
+            <a:pPr algn="ctr"/>
+            <a:endParaRPr lang="de-DE"/>
+          </a:p>
+        </p:txBody>
+      </p:sp>
+      <p:sp>
+        <p:nvSpPr>
+          <p:cNvPr id="11" name="Ellipse 10"/>
+          <p:cNvSpPr/>
           <p:nvPr/>
-        </p:nvCxnSpPr>
+        </p:nvSpPr>
         <p:spPr>
           <a:xfrm>
-            <a:off x="4333103" y="4361358"/>
-            <a:ext cx="0" cy="744496"/>
-          </a:xfrm>
-          <a:prstGeom prst="straightConnector1">
+            <a:off x="5985193" y="3810000"/>
+            <a:ext cx="45719" cy="45719"/>
+          </a:xfrm>
+          <a:prstGeom prst="ellipse">
             <a:avLst/>
           </a:prstGeom>
-          <a:ln>
-            <a:solidFill>
-              <a:schemeClr val="accent1">
-                <a:alpha val="25000"/>
-              </a:schemeClr>
-            </a:solidFill>
-            <a:tailEnd type="triangle"/>
-          </a:ln>
         </p:spPr>
         <p:style>
-          <a:lnRef idx="3">
-            <a:schemeClr val="accent1"/>
+          <a:lnRef idx="2">
+            <a:schemeClr val="accent1">
+              <a:shade val="50000"/>
+            </a:schemeClr>
           </a:lnRef>
-          <a:fillRef idx="0">
+          <a:fillRef idx="1">
             <a:schemeClr val="accent1"/>
           </a:fillRef>
-          <a:effectRef idx="2">
+          <a:effectRef idx="0">
             <a:schemeClr val="accent1"/>
           </a:effectRef>
           <a:fontRef idx="minor">
-            <a:schemeClr val="tx1"/>
+            <a:schemeClr val="lt1"/>
           </a:fontRef>
         </p:style>
-      </p:cxnSp>
+        <p:txBody>
+          <a:bodyPr rtlCol="0" anchor="ctr"/>
+          <a:lstStyle/>
+          <a:p>
+            <a:pPr algn="ctr"/>
+            <a:endParaRPr lang="de-DE"/>
+          </a:p>
+        </p:txBody>
+      </p:sp>
+      <p:sp>
+        <p:nvSpPr>
+          <p:cNvPr id="12" name="Ellipse 11"/>
+          <p:cNvSpPr/>
+          <p:nvPr/>
+        </p:nvSpPr>
+        <p:spPr>
+          <a:xfrm>
+            <a:off x="5867400" y="3699848"/>
+            <a:ext cx="45719" cy="45719"/>
+          </a:xfrm>
+          <a:prstGeom prst="ellipse">
+            <a:avLst/>
+          </a:prstGeom>
+        </p:spPr>
+        <p:style>
+          <a:lnRef idx="2">
+            <a:schemeClr val="accent1">
+              <a:shade val="50000"/>
+            </a:schemeClr>
+          </a:lnRef>
+          <a:fillRef idx="1">
+            <a:schemeClr val="accent1"/>
+          </a:fillRef>
+          <a:effectRef idx="0">
+            <a:schemeClr val="accent1"/>
+          </a:effectRef>
+          <a:fontRef idx="minor">
+            <a:schemeClr val="lt1"/>
+          </a:fontRef>
+        </p:style>
+        <p:txBody>
+          <a:bodyPr rtlCol="0" anchor="ctr"/>
+          <a:lstStyle/>
+          <a:p>
+            <a:pPr algn="ctr"/>
+            <a:endParaRPr lang="de-DE"/>
+          </a:p>
+        </p:txBody>
+      </p:sp>
+      <p:sp>
+        <p:nvSpPr>
+          <p:cNvPr id="13" name="Ellipse 12"/>
+          <p:cNvSpPr/>
+          <p:nvPr/>
+        </p:nvSpPr>
+        <p:spPr>
+          <a:xfrm>
+            <a:off x="6096000" y="3699848"/>
+            <a:ext cx="45719" cy="45719"/>
+          </a:xfrm>
+          <a:prstGeom prst="ellipse">
+            <a:avLst/>
+          </a:prstGeom>
+        </p:spPr>
+        <p:style>
+          <a:lnRef idx="2">
+            <a:schemeClr val="accent1">
+              <a:shade val="50000"/>
+            </a:schemeClr>
+          </a:lnRef>
+          <a:fillRef idx="1">
+            <a:schemeClr val="accent1"/>
+          </a:fillRef>
+          <a:effectRef idx="0">
+            <a:schemeClr val="accent1"/>
+          </a:effectRef>
+          <a:fontRef idx="minor">
+            <a:schemeClr val="lt1"/>
+          </a:fontRef>
+        </p:style>
+        <p:txBody>
+          <a:bodyPr rtlCol="0" anchor="ctr"/>
+          <a:lstStyle/>
+          <a:p>
+            <a:pPr algn="ctr"/>
+            <a:endParaRPr lang="de-DE"/>
+          </a:p>
+        </p:txBody>
+      </p:sp>
+      <p:sp>
+        <p:nvSpPr>
+          <p:cNvPr id="14" name="Pfeil nach rechts 13"/>
+          <p:cNvSpPr/>
+          <p:nvPr/>
+        </p:nvSpPr>
+        <p:spPr>
+          <a:xfrm>
+            <a:off x="4038600" y="3516966"/>
+            <a:ext cx="381000" cy="411481"/>
+          </a:xfrm>
+          <a:prstGeom prst="rightArrow">
+            <a:avLst/>
+          </a:prstGeom>
+        </p:spPr>
+        <p:style>
+          <a:lnRef idx="2">
+            <a:schemeClr val="accent1">
+              <a:shade val="50000"/>
+            </a:schemeClr>
+          </a:lnRef>
+          <a:fillRef idx="1">
+            <a:schemeClr val="accent1"/>
+          </a:fillRef>
+          <a:effectRef idx="0">
+            <a:schemeClr val="accent1"/>
+          </a:effectRef>
+          <a:fontRef idx="minor">
+            <a:schemeClr val="lt1"/>
+          </a:fontRef>
+        </p:style>
+        <p:txBody>
+          <a:bodyPr rtlCol="0" anchor="ctr"/>
+          <a:lstStyle/>
+          <a:p>
+            <a:pPr algn="ctr"/>
+            <a:endParaRPr lang="de-DE"/>
+          </a:p>
+        </p:txBody>
+      </p:sp>
     </p:spTree>
-    <p:extLst>
-      <p:ext uri="{BB962C8B-B14F-4D97-AF65-F5344CB8AC3E}">
-        <p14:creationId xmlns:p14="http://schemas.microsoft.com/office/powerpoint/2010/main" val="689969953"/>
-      </p:ext>
-    </p:extLst>
   </p:cSld>
   <p:clrMapOvr>
     <a:masterClrMapping/>
@@ -6924,7 +7284,7 @@
           <a:p>
             <a:r>
               <a:rPr lang="de-DE" dirty="0" smtClean="0"/>
-              <a:t>Bohrungspositionen</a:t>
+              <a:t>Bohrungsdetektion</a:t>
             </a:r>
             <a:endParaRPr lang="de-DE" dirty="0"/>
           </a:p>
@@ -6947,15 +7307,14 @@
           <a:p>
             <a:r>
               <a:rPr lang="de-DE" dirty="0" smtClean="0"/>
-              <a:t>Berechnung der Bohrungspositionen </a:t>
-            </a:r>
-            <a:r>
-              <a:rPr lang="de-DE" dirty="0"/>
-              <a:t>anhand </a:t>
-            </a:r>
+              <a:t>Anwendung eines Gauß-Filters</a:t>
+            </a:r>
+          </a:p>
+          <a:p>
+            <a:pPr lvl="1"/>
             <a:r>
               <a:rPr lang="de-DE" dirty="0" smtClean="0"/>
-              <a:t>Rechteck-Eckpunkten</a:t>
+              <a:t>Rauschentfernung</a:t>
             </a:r>
             <a:endParaRPr lang="de-DE" dirty="0"/>
           </a:p>
@@ -6963,44 +7322,76 @@
       </p:sp>
       <p:pic>
         <p:nvPicPr>
-          <p:cNvPr id="4" name="Grafik 3" descr="Perfekt3.png"/>
+          <p:cNvPr id="16" name="Grafik 15"/>
           <p:cNvPicPr>
             <a:picLocks noChangeAspect="1"/>
           </p:cNvPicPr>
           <p:nvPr/>
         </p:nvPicPr>
-        <p:blipFill>
-          <a:blip r:embed="rId2"/>
-          <a:stretch>
-            <a:fillRect/>
-          </a:stretch>
+        <p:blipFill rotWithShape="1">
+          <a:blip r:embed="rId2">
+            <a:extLst>
+              <a:ext uri="{28A0092B-C50C-407E-A947-70E740481C1C}">
+                <a14:useLocalDpi xmlns:a14="http://schemas.microsoft.com/office/drawing/2010/main" xmlns="" val="0"/>
+              </a:ext>
+            </a:extLst>
+          </a:blip>
+          <a:srcRect l="34215" t="16164" r="11647" b="5403"/>
+          <a:stretch/>
         </p:blipFill>
         <p:spPr>
-          <a:xfrm flipH="1">
-            <a:off x="762000" y="2232658"/>
-            <a:ext cx="3048000" cy="3025817"/>
+          <a:xfrm>
+            <a:off x="298382" y="2225833"/>
+            <a:ext cx="3657600" cy="3327717"/>
           </a:xfrm>
           <a:prstGeom prst="rect">
             <a:avLst/>
           </a:prstGeom>
         </p:spPr>
       </p:pic>
+      <p:pic>
+        <p:nvPicPr>
+          <p:cNvPr id="17" name="Grafik 16"/>
+          <p:cNvPicPr>
+            <a:picLocks noChangeAspect="1"/>
+          </p:cNvPicPr>
+          <p:nvPr/>
+        </p:nvPicPr>
+        <p:blipFill rotWithShape="1">
+          <a:blip r:embed="rId3">
+            <a:extLst>
+              <a:ext uri="{28A0092B-C50C-407E-A947-70E740481C1C}">
+                <a14:useLocalDpi xmlns:a14="http://schemas.microsoft.com/office/drawing/2010/main" xmlns="" val="0"/>
+              </a:ext>
+            </a:extLst>
+          </a:blip>
+          <a:srcRect l="17500" t="14095" r="15833" b="3671"/>
+          <a:stretch/>
+        </p:blipFill>
+        <p:spPr>
+          <a:xfrm>
+            <a:off x="4803842" y="2225832"/>
+            <a:ext cx="3749541" cy="3327717"/>
+          </a:xfrm>
+          <a:prstGeom prst="rect">
+            <a:avLst/>
+          </a:prstGeom>
+        </p:spPr>
+      </p:pic>
       <p:sp>
         <p:nvSpPr>
-          <p:cNvPr id="5" name="Rechteck 4"/>
+          <p:cNvPr id="20" name="Pfeil nach rechts 19"/>
           <p:cNvSpPr/>
           <p:nvPr/>
         </p:nvSpPr>
         <p:spPr>
           <a:xfrm>
-            <a:off x="4648200" y="2362200"/>
-            <a:ext cx="2743200" cy="2743200"/>
-          </a:xfrm>
-          <a:prstGeom prst="rect">
+            <a:off x="4189412" y="3538377"/>
+            <a:ext cx="381000" cy="411481"/>
+          </a:xfrm>
+          <a:prstGeom prst="rightArrow">
             <a:avLst/>
           </a:prstGeom>
-          <a:noFill/>
-          <a:ln w="38100"/>
         </p:spPr>
         <p:style>
           <a:lnRef idx="2">
@@ -7027,367 +7418,12 @@
           </a:p>
         </p:txBody>
       </p:sp>
-      <p:sp>
-        <p:nvSpPr>
-          <p:cNvPr id="6" name="Ellipse 5"/>
-          <p:cNvSpPr/>
-          <p:nvPr/>
-        </p:nvSpPr>
-        <p:spPr>
-          <a:xfrm>
-            <a:off x="5029200" y="2697481"/>
-            <a:ext cx="45719" cy="45719"/>
-          </a:xfrm>
-          <a:prstGeom prst="ellipse">
-            <a:avLst/>
-          </a:prstGeom>
-        </p:spPr>
-        <p:style>
-          <a:lnRef idx="2">
-            <a:schemeClr val="accent1">
-              <a:shade val="50000"/>
-            </a:schemeClr>
-          </a:lnRef>
-          <a:fillRef idx="1">
-            <a:schemeClr val="accent1"/>
-          </a:fillRef>
-          <a:effectRef idx="0">
-            <a:schemeClr val="accent1"/>
-          </a:effectRef>
-          <a:fontRef idx="minor">
-            <a:schemeClr val="lt1"/>
-          </a:fontRef>
-        </p:style>
-        <p:txBody>
-          <a:bodyPr rtlCol="0" anchor="ctr"/>
-          <a:lstStyle/>
-          <a:p>
-            <a:pPr algn="ctr"/>
-            <a:endParaRPr lang="de-DE"/>
-          </a:p>
-        </p:txBody>
-      </p:sp>
-      <p:sp>
-        <p:nvSpPr>
-          <p:cNvPr id="7" name="Ellipse 6"/>
-          <p:cNvSpPr/>
-          <p:nvPr/>
-        </p:nvSpPr>
-        <p:spPr>
-          <a:xfrm>
-            <a:off x="6991349" y="2697481"/>
-            <a:ext cx="45719" cy="45719"/>
-          </a:xfrm>
-          <a:prstGeom prst="ellipse">
-            <a:avLst/>
-          </a:prstGeom>
-        </p:spPr>
-        <p:style>
-          <a:lnRef idx="2">
-            <a:schemeClr val="accent1">
-              <a:shade val="50000"/>
-            </a:schemeClr>
-          </a:lnRef>
-          <a:fillRef idx="1">
-            <a:schemeClr val="accent1"/>
-          </a:fillRef>
-          <a:effectRef idx="0">
-            <a:schemeClr val="accent1"/>
-          </a:effectRef>
-          <a:fontRef idx="minor">
-            <a:schemeClr val="lt1"/>
-          </a:fontRef>
-        </p:style>
-        <p:txBody>
-          <a:bodyPr rtlCol="0" anchor="ctr"/>
-          <a:lstStyle/>
-          <a:p>
-            <a:pPr algn="ctr"/>
-            <a:endParaRPr lang="de-DE"/>
-          </a:p>
-        </p:txBody>
-      </p:sp>
-      <p:sp>
-        <p:nvSpPr>
-          <p:cNvPr id="8" name="Ellipse 7"/>
-          <p:cNvSpPr/>
-          <p:nvPr/>
-        </p:nvSpPr>
-        <p:spPr>
-          <a:xfrm>
-            <a:off x="5029200" y="4754881"/>
-            <a:ext cx="45719" cy="45719"/>
-          </a:xfrm>
-          <a:prstGeom prst="ellipse">
-            <a:avLst/>
-          </a:prstGeom>
-        </p:spPr>
-        <p:style>
-          <a:lnRef idx="2">
-            <a:schemeClr val="accent1">
-              <a:shade val="50000"/>
-            </a:schemeClr>
-          </a:lnRef>
-          <a:fillRef idx="1">
-            <a:schemeClr val="accent1"/>
-          </a:fillRef>
-          <a:effectRef idx="0">
-            <a:schemeClr val="accent1"/>
-          </a:effectRef>
-          <a:fontRef idx="minor">
-            <a:schemeClr val="lt1"/>
-          </a:fontRef>
-        </p:style>
-        <p:txBody>
-          <a:bodyPr rtlCol="0" anchor="ctr"/>
-          <a:lstStyle/>
-          <a:p>
-            <a:pPr algn="ctr"/>
-            <a:endParaRPr lang="de-DE"/>
-          </a:p>
-        </p:txBody>
-      </p:sp>
-      <p:sp>
-        <p:nvSpPr>
-          <p:cNvPr id="9" name="Ellipse 8"/>
-          <p:cNvSpPr/>
-          <p:nvPr/>
-        </p:nvSpPr>
-        <p:spPr>
-          <a:xfrm>
-            <a:off x="6987540" y="4754882"/>
-            <a:ext cx="45719" cy="45719"/>
-          </a:xfrm>
-          <a:prstGeom prst="ellipse">
-            <a:avLst/>
-          </a:prstGeom>
-        </p:spPr>
-        <p:style>
-          <a:lnRef idx="2">
-            <a:schemeClr val="accent1">
-              <a:shade val="50000"/>
-            </a:schemeClr>
-          </a:lnRef>
-          <a:fillRef idx="1">
-            <a:schemeClr val="accent1"/>
-          </a:fillRef>
-          <a:effectRef idx="0">
-            <a:schemeClr val="accent1"/>
-          </a:effectRef>
-          <a:fontRef idx="minor">
-            <a:schemeClr val="lt1"/>
-          </a:fontRef>
-        </p:style>
-        <p:txBody>
-          <a:bodyPr rtlCol="0" anchor="ctr"/>
-          <a:lstStyle/>
-          <a:p>
-            <a:pPr algn="ctr"/>
-            <a:endParaRPr lang="de-DE"/>
-          </a:p>
-        </p:txBody>
-      </p:sp>
-      <p:sp>
-        <p:nvSpPr>
-          <p:cNvPr id="10" name="Ellipse 9"/>
-          <p:cNvSpPr/>
-          <p:nvPr/>
-        </p:nvSpPr>
-        <p:spPr>
-          <a:xfrm>
-            <a:off x="5985194" y="3581400"/>
-            <a:ext cx="45719" cy="45719"/>
-          </a:xfrm>
-          <a:prstGeom prst="ellipse">
-            <a:avLst/>
-          </a:prstGeom>
-        </p:spPr>
-        <p:style>
-          <a:lnRef idx="2">
-            <a:schemeClr val="accent1">
-              <a:shade val="50000"/>
-            </a:schemeClr>
-          </a:lnRef>
-          <a:fillRef idx="1">
-            <a:schemeClr val="accent1"/>
-          </a:fillRef>
-          <a:effectRef idx="0">
-            <a:schemeClr val="accent1"/>
-          </a:effectRef>
-          <a:fontRef idx="minor">
-            <a:schemeClr val="lt1"/>
-          </a:fontRef>
-        </p:style>
-        <p:txBody>
-          <a:bodyPr rtlCol="0" anchor="ctr"/>
-          <a:lstStyle/>
-          <a:p>
-            <a:pPr algn="ctr"/>
-            <a:endParaRPr lang="de-DE"/>
-          </a:p>
-        </p:txBody>
-      </p:sp>
-      <p:sp>
-        <p:nvSpPr>
-          <p:cNvPr id="11" name="Ellipse 10"/>
-          <p:cNvSpPr/>
-          <p:nvPr/>
-        </p:nvSpPr>
-        <p:spPr>
-          <a:xfrm>
-            <a:off x="5985193" y="3810000"/>
-            <a:ext cx="45719" cy="45719"/>
-          </a:xfrm>
-          <a:prstGeom prst="ellipse">
-            <a:avLst/>
-          </a:prstGeom>
-        </p:spPr>
-        <p:style>
-          <a:lnRef idx="2">
-            <a:schemeClr val="accent1">
-              <a:shade val="50000"/>
-            </a:schemeClr>
-          </a:lnRef>
-          <a:fillRef idx="1">
-            <a:schemeClr val="accent1"/>
-          </a:fillRef>
-          <a:effectRef idx="0">
-            <a:schemeClr val="accent1"/>
-          </a:effectRef>
-          <a:fontRef idx="minor">
-            <a:schemeClr val="lt1"/>
-          </a:fontRef>
-        </p:style>
-        <p:txBody>
-          <a:bodyPr rtlCol="0" anchor="ctr"/>
-          <a:lstStyle/>
-          <a:p>
-            <a:pPr algn="ctr"/>
-            <a:endParaRPr lang="de-DE"/>
-          </a:p>
-        </p:txBody>
-      </p:sp>
-      <p:sp>
-        <p:nvSpPr>
-          <p:cNvPr id="12" name="Ellipse 11"/>
-          <p:cNvSpPr/>
-          <p:nvPr/>
-        </p:nvSpPr>
-        <p:spPr>
-          <a:xfrm>
-            <a:off x="5867400" y="3699848"/>
-            <a:ext cx="45719" cy="45719"/>
-          </a:xfrm>
-          <a:prstGeom prst="ellipse">
-            <a:avLst/>
-          </a:prstGeom>
-        </p:spPr>
-        <p:style>
-          <a:lnRef idx="2">
-            <a:schemeClr val="accent1">
-              <a:shade val="50000"/>
-            </a:schemeClr>
-          </a:lnRef>
-          <a:fillRef idx="1">
-            <a:schemeClr val="accent1"/>
-          </a:fillRef>
-          <a:effectRef idx="0">
-            <a:schemeClr val="accent1"/>
-          </a:effectRef>
-          <a:fontRef idx="minor">
-            <a:schemeClr val="lt1"/>
-          </a:fontRef>
-        </p:style>
-        <p:txBody>
-          <a:bodyPr rtlCol="0" anchor="ctr"/>
-          <a:lstStyle/>
-          <a:p>
-            <a:pPr algn="ctr"/>
-            <a:endParaRPr lang="de-DE"/>
-          </a:p>
-        </p:txBody>
-      </p:sp>
-      <p:sp>
-        <p:nvSpPr>
-          <p:cNvPr id="13" name="Ellipse 12"/>
-          <p:cNvSpPr/>
-          <p:nvPr/>
-        </p:nvSpPr>
-        <p:spPr>
-          <a:xfrm>
-            <a:off x="6096000" y="3699848"/>
-            <a:ext cx="45719" cy="45719"/>
-          </a:xfrm>
-          <a:prstGeom prst="ellipse">
-            <a:avLst/>
-          </a:prstGeom>
-        </p:spPr>
-        <p:style>
-          <a:lnRef idx="2">
-            <a:schemeClr val="accent1">
-              <a:shade val="50000"/>
-            </a:schemeClr>
-          </a:lnRef>
-          <a:fillRef idx="1">
-            <a:schemeClr val="accent1"/>
-          </a:fillRef>
-          <a:effectRef idx="0">
-            <a:schemeClr val="accent1"/>
-          </a:effectRef>
-          <a:fontRef idx="minor">
-            <a:schemeClr val="lt1"/>
-          </a:fontRef>
-        </p:style>
-        <p:txBody>
-          <a:bodyPr rtlCol="0" anchor="ctr"/>
-          <a:lstStyle/>
-          <a:p>
-            <a:pPr algn="ctr"/>
-            <a:endParaRPr lang="de-DE"/>
-          </a:p>
-        </p:txBody>
-      </p:sp>
-      <p:sp>
-        <p:nvSpPr>
-          <p:cNvPr id="14" name="Pfeil nach rechts 13"/>
-          <p:cNvSpPr/>
-          <p:nvPr/>
-        </p:nvSpPr>
-        <p:spPr>
-          <a:xfrm>
-            <a:off x="4038600" y="3516966"/>
-            <a:ext cx="381000" cy="411481"/>
-          </a:xfrm>
-          <a:prstGeom prst="rightArrow">
-            <a:avLst/>
-          </a:prstGeom>
-        </p:spPr>
-        <p:style>
-          <a:lnRef idx="2">
-            <a:schemeClr val="accent1">
-              <a:shade val="50000"/>
-            </a:schemeClr>
-          </a:lnRef>
-          <a:fillRef idx="1">
-            <a:schemeClr val="accent1"/>
-          </a:fillRef>
-          <a:effectRef idx="0">
-            <a:schemeClr val="accent1"/>
-          </a:effectRef>
-          <a:fontRef idx="minor">
-            <a:schemeClr val="lt1"/>
-          </a:fontRef>
-        </p:style>
-        <p:txBody>
-          <a:bodyPr rtlCol="0" anchor="ctr"/>
-          <a:lstStyle/>
-          <a:p>
-            <a:pPr algn="ctr"/>
-            <a:endParaRPr lang="de-DE"/>
-          </a:p>
-        </p:txBody>
-      </p:sp>
     </p:spTree>
+    <p:extLst>
+      <p:ext uri="{BB962C8B-B14F-4D97-AF65-F5344CB8AC3E}">
+        <p14:creationId xmlns:p14="http://schemas.microsoft.com/office/powerpoint/2010/main" xmlns="" val="3604075679"/>
+      </p:ext>
+    </p:extLst>
   </p:cSld>
   <p:clrMapOvr>
     <a:masterClrMapping/>
@@ -7435,10 +7471,9 @@
           <a:lstStyle/>
           <a:p>
             <a:r>
-              <a:rPr lang="de-DE" dirty="0" smtClean="0"/>
+              <a:rPr lang="de-DE" dirty="0"/>
               <a:t>Bohrungsdetektion</a:t>
             </a:r>
-            <a:endParaRPr lang="de-DE" dirty="0"/>
           </a:p>
         </p:txBody>
       </p:sp>
@@ -7459,14 +7494,14 @@
           <a:p>
             <a:r>
               <a:rPr lang="de-DE" dirty="0" smtClean="0"/>
-              <a:t>Anwendung eines Gauß-Filters</a:t>
+              <a:t>Entfernung von Hintergrund mittels Schwellwert</a:t>
             </a:r>
           </a:p>
           <a:p>
             <a:pPr lvl="1"/>
             <a:r>
               <a:rPr lang="de-DE" dirty="0" smtClean="0"/>
-              <a:t>Rauschentfernung</a:t>
+              <a:t>Bessere Erkennung von Bohrungen</a:t>
             </a:r>
             <a:endParaRPr lang="de-DE" dirty="0"/>
           </a:p>
@@ -7474,7 +7509,7 @@
       </p:sp>
       <p:pic>
         <p:nvPicPr>
-          <p:cNvPr id="16" name="Grafik 15"/>
+          <p:cNvPr id="18" name="Grafik 17"/>
           <p:cNvPicPr>
             <a:picLocks noChangeAspect="1"/>
           </p:cNvPicPr>
@@ -7484,96 +7519,27 @@
           <a:blip r:embed="rId2">
             <a:extLst>
               <a:ext uri="{28A0092B-C50C-407E-A947-70E740481C1C}">
-                <a14:useLocalDpi xmlns:a14="http://schemas.microsoft.com/office/drawing/2010/main" val="0"/>
+                <a14:useLocalDpi xmlns:a14="http://schemas.microsoft.com/office/drawing/2010/main" xmlns="" val="0"/>
               </a:ext>
             </a:extLst>
           </a:blip>
-          <a:srcRect l="34215" t="16164" r="11647" b="5403"/>
+          <a:srcRect l="15834" t="11170" r="14166" b="3088"/>
           <a:stretch/>
         </p:blipFill>
         <p:spPr>
           <a:xfrm>
-            <a:off x="298382" y="2225833"/>
-            <a:ext cx="3657600" cy="3327717"/>
+            <a:off x="2133600" y="2133600"/>
+            <a:ext cx="4267200" cy="3899694"/>
           </a:xfrm>
           <a:prstGeom prst="rect">
             <a:avLst/>
           </a:prstGeom>
         </p:spPr>
       </p:pic>
-      <p:pic>
-        <p:nvPicPr>
-          <p:cNvPr id="17" name="Grafik 16"/>
-          <p:cNvPicPr>
-            <a:picLocks noChangeAspect="1"/>
-          </p:cNvPicPr>
-          <p:nvPr/>
-        </p:nvPicPr>
-        <p:blipFill rotWithShape="1">
-          <a:blip r:embed="rId3">
-            <a:extLst>
-              <a:ext uri="{28A0092B-C50C-407E-A947-70E740481C1C}">
-                <a14:useLocalDpi xmlns:a14="http://schemas.microsoft.com/office/drawing/2010/main" val="0"/>
-              </a:ext>
-            </a:extLst>
-          </a:blip>
-          <a:srcRect l="17500" t="14095" r="15833" b="3671"/>
-          <a:stretch/>
-        </p:blipFill>
-        <p:spPr>
-          <a:xfrm>
-            <a:off x="4803842" y="2225832"/>
-            <a:ext cx="3749541" cy="3327717"/>
-          </a:xfrm>
-          <a:prstGeom prst="rect">
-            <a:avLst/>
-          </a:prstGeom>
-        </p:spPr>
-      </p:pic>
-      <p:sp>
-        <p:nvSpPr>
-          <p:cNvPr id="20" name="Pfeil nach rechts 19"/>
-          <p:cNvSpPr/>
-          <p:nvPr/>
-        </p:nvSpPr>
-        <p:spPr>
-          <a:xfrm>
-            <a:off x="4189412" y="3538377"/>
-            <a:ext cx="381000" cy="411481"/>
-          </a:xfrm>
-          <a:prstGeom prst="rightArrow">
-            <a:avLst/>
-          </a:prstGeom>
-        </p:spPr>
-        <p:style>
-          <a:lnRef idx="2">
-            <a:schemeClr val="accent1">
-              <a:shade val="50000"/>
-            </a:schemeClr>
-          </a:lnRef>
-          <a:fillRef idx="1">
-            <a:schemeClr val="accent1"/>
-          </a:fillRef>
-          <a:effectRef idx="0">
-            <a:schemeClr val="accent1"/>
-          </a:effectRef>
-          <a:fontRef idx="minor">
-            <a:schemeClr val="lt1"/>
-          </a:fontRef>
-        </p:style>
-        <p:txBody>
-          <a:bodyPr rtlCol="0" anchor="ctr"/>
-          <a:lstStyle/>
-          <a:p>
-            <a:pPr algn="ctr"/>
-            <a:endParaRPr lang="de-DE"/>
-          </a:p>
-        </p:txBody>
-      </p:sp>
     </p:spTree>
     <p:extLst>
       <p:ext uri="{BB962C8B-B14F-4D97-AF65-F5344CB8AC3E}">
-        <p14:creationId xmlns:p14="http://schemas.microsoft.com/office/powerpoint/2010/main" val="3604075679"/>
+        <p14:creationId xmlns:p14="http://schemas.microsoft.com/office/powerpoint/2010/main" xmlns="" val="901032271"/>
       </p:ext>
     </p:extLst>
   </p:cSld>
@@ -7646,14 +7612,14 @@
           <a:p>
             <a:r>
               <a:rPr lang="de-DE" dirty="0" smtClean="0"/>
-              <a:t>Entfernung von Hintergrund mittels Schwellwert</a:t>
+              <a:t>Maskierung pro erwarteter Bohrungsposition</a:t>
             </a:r>
           </a:p>
           <a:p>
             <a:pPr lvl="1"/>
             <a:r>
               <a:rPr lang="de-DE" dirty="0" smtClean="0"/>
-              <a:t>Bessere Erkennung von Bohrungen</a:t>
+              <a:t>Individuelle Schwellwerte für unterschiedliche Beleuchtung</a:t>
             </a:r>
             <a:endParaRPr lang="de-DE" dirty="0"/>
           </a:p>
@@ -7661,7 +7627,7 @@
       </p:sp>
       <p:pic>
         <p:nvPicPr>
-          <p:cNvPr id="18" name="Grafik 17"/>
+          <p:cNvPr id="17" name="Grafik 16"/>
           <p:cNvPicPr>
             <a:picLocks noChangeAspect="1"/>
           </p:cNvPicPr>
@@ -7671,27 +7637,145 @@
           <a:blip r:embed="rId2">
             <a:extLst>
               <a:ext uri="{28A0092B-C50C-407E-A947-70E740481C1C}">
-                <a14:useLocalDpi xmlns:a14="http://schemas.microsoft.com/office/drawing/2010/main" val="0"/>
+                <a14:useLocalDpi xmlns:a14="http://schemas.microsoft.com/office/drawing/2010/main" xmlns="" val="0"/>
               </a:ext>
             </a:extLst>
           </a:blip>
-          <a:srcRect l="15834" t="11170" r="14166" b="3088"/>
+          <a:srcRect l="17500" t="14095" r="15833" b="3671"/>
           <a:stretch/>
         </p:blipFill>
         <p:spPr>
           <a:xfrm>
-            <a:off x="2133600" y="2133600"/>
-            <a:ext cx="4267200" cy="3899694"/>
+            <a:off x="2895600" y="2439353"/>
+            <a:ext cx="3733800" cy="3313747"/>
           </a:xfrm>
           <a:prstGeom prst="rect">
             <a:avLst/>
           </a:prstGeom>
         </p:spPr>
       </p:pic>
+      <p:pic>
+        <p:nvPicPr>
+          <p:cNvPr id="9" name="Grafik 8"/>
+          <p:cNvPicPr>
+            <a:picLocks noChangeAspect="1"/>
+          </p:cNvPicPr>
+          <p:nvPr/>
+        </p:nvPicPr>
+        <p:blipFill rotWithShape="1">
+          <a:blip r:embed="rId2">
+            <a:extLst>
+              <a:ext uri="{28A0092B-C50C-407E-A947-70E740481C1C}">
+                <a14:useLocalDpi xmlns:a14="http://schemas.microsoft.com/office/drawing/2010/main" xmlns="" val="0"/>
+              </a:ext>
+            </a:extLst>
+          </a:blip>
+          <a:srcRect l="68909" t="77989" r="21232" b="9287"/>
+          <a:stretch/>
+        </p:blipFill>
+        <p:spPr>
+          <a:xfrm>
+            <a:off x="7085817" y="5257800"/>
+            <a:ext cx="1066800" cy="990600"/>
+          </a:xfrm>
+          <a:prstGeom prst="rect">
+            <a:avLst/>
+          </a:prstGeom>
+        </p:spPr>
+      </p:pic>
+      <p:pic>
+        <p:nvPicPr>
+          <p:cNvPr id="10" name="Grafik 9"/>
+          <p:cNvPicPr>
+            <a:picLocks noChangeAspect="1"/>
+          </p:cNvPicPr>
+          <p:nvPr/>
+        </p:nvPicPr>
+        <p:blipFill rotWithShape="1">
+          <a:blip r:embed="rId2">
+            <a:extLst>
+              <a:ext uri="{28A0092B-C50C-407E-A947-70E740481C1C}">
+                <a14:useLocalDpi xmlns:a14="http://schemas.microsoft.com/office/drawing/2010/main" xmlns="" val="0"/>
+              </a:ext>
+            </a:extLst>
+          </a:blip>
+          <a:srcRect l="24542" t="22098" r="65599" b="65177"/>
+          <a:stretch/>
+        </p:blipFill>
+        <p:spPr>
+          <a:xfrm>
+            <a:off x="1219200" y="2068172"/>
+            <a:ext cx="1066800" cy="990600"/>
+          </a:xfrm>
+          <a:prstGeom prst="rect">
+            <a:avLst/>
+          </a:prstGeom>
+        </p:spPr>
+      </p:pic>
+      <p:cxnSp>
+        <p:nvCxnSpPr>
+          <p:cNvPr id="5" name="Gerader Verbinder 4"/>
+          <p:cNvCxnSpPr/>
+          <p:nvPr/>
+        </p:nvCxnSpPr>
+        <p:spPr>
+          <a:xfrm>
+            <a:off x="2057400" y="2563472"/>
+            <a:ext cx="1295400" cy="408328"/>
+          </a:xfrm>
+          <a:prstGeom prst="line">
+            <a:avLst/>
+          </a:prstGeom>
+        </p:spPr>
+        <p:style>
+          <a:lnRef idx="3">
+            <a:schemeClr val="accent1"/>
+          </a:lnRef>
+          <a:fillRef idx="0">
+            <a:schemeClr val="accent1"/>
+          </a:fillRef>
+          <a:effectRef idx="2">
+            <a:schemeClr val="accent1"/>
+          </a:effectRef>
+          <a:fontRef idx="minor">
+            <a:schemeClr val="tx1"/>
+          </a:fontRef>
+        </p:style>
+      </p:cxnSp>
+      <p:cxnSp>
+        <p:nvCxnSpPr>
+          <p:cNvPr id="11" name="Gerader Verbinder 10"/>
+          <p:cNvCxnSpPr/>
+          <p:nvPr/>
+        </p:nvCxnSpPr>
+        <p:spPr>
+          <a:xfrm>
+            <a:off x="6228959" y="5354297"/>
+            <a:ext cx="1010041" cy="364502"/>
+          </a:xfrm>
+          <a:prstGeom prst="line">
+            <a:avLst/>
+          </a:prstGeom>
+        </p:spPr>
+        <p:style>
+          <a:lnRef idx="3">
+            <a:schemeClr val="accent1"/>
+          </a:lnRef>
+          <a:fillRef idx="0">
+            <a:schemeClr val="accent1"/>
+          </a:fillRef>
+          <a:effectRef idx="2">
+            <a:schemeClr val="accent1"/>
+          </a:effectRef>
+          <a:fontRef idx="minor">
+            <a:schemeClr val="tx1"/>
+          </a:fontRef>
+        </p:style>
+      </p:cxnSp>
     </p:spTree>
     <p:extLst>
       <p:ext uri="{BB962C8B-B14F-4D97-AF65-F5344CB8AC3E}">
-        <p14:creationId xmlns:p14="http://schemas.microsoft.com/office/powerpoint/2010/main" val="901032271"/>
+        <p14:creationId xmlns:p14="http://schemas.microsoft.com/office/powerpoint/2010/main" xmlns="" val="3862156488"/>
       </p:ext>
     </p:extLst>
   </p:cSld>
@@ -7764,178 +7848,240 @@
           <a:p>
             <a:r>
               <a:rPr lang="de-DE" dirty="0" smtClean="0"/>
-              <a:t>Maskierung pro erwarteter Bohrungsposition</a:t>
+              <a:t>XOR von Schwellwertbild und Maskierung</a:t>
             </a:r>
           </a:p>
           <a:p>
             <a:pPr lvl="1"/>
             <a:r>
               <a:rPr lang="de-DE" dirty="0" smtClean="0"/>
-              <a:t>Individuelle Schwellwerte für </a:t>
-            </a:r>
+              <a:t>Einzelne Detektion von Bohrungen</a:t>
+            </a:r>
+            <a:endParaRPr lang="de-DE" dirty="0"/>
+          </a:p>
+          <a:p>
+            <a:endParaRPr lang="de-DE" dirty="0" smtClean="0"/>
+          </a:p>
+          <a:p>
+            <a:endParaRPr lang="de-DE" dirty="0"/>
+          </a:p>
+          <a:p>
+            <a:endParaRPr lang="de-DE" dirty="0" smtClean="0"/>
+          </a:p>
+          <a:p>
+            <a:endParaRPr lang="de-DE" dirty="0"/>
+          </a:p>
+          <a:p>
+            <a:endParaRPr lang="de-DE" dirty="0" smtClean="0"/>
+          </a:p>
+          <a:p>
+            <a:endParaRPr lang="de-DE" dirty="0"/>
+          </a:p>
+          <a:p>
+            <a:endParaRPr lang="de-DE" dirty="0" smtClean="0"/>
+          </a:p>
+          <a:p>
+            <a:endParaRPr lang="de-DE" dirty="0"/>
+          </a:p>
+          <a:p>
             <a:r>
               <a:rPr lang="de-DE" dirty="0" smtClean="0"/>
-              <a:t>unterschiedliche </a:t>
-            </a:r>
-            <a:r>
-              <a:rPr lang="de-DE" dirty="0" smtClean="0"/>
-              <a:t>Beleuchtung</a:t>
-            </a:r>
-            <a:endParaRPr lang="de-DE" dirty="0"/>
+              <a:t>Hough Transformation zur Kreis-Detektion</a:t>
+            </a:r>
           </a:p>
         </p:txBody>
       </p:sp>
       <p:pic>
         <p:nvPicPr>
-          <p:cNvPr id="17" name="Grafik 16"/>
+          <p:cNvPr id="7" name="Grafik 6"/>
           <p:cNvPicPr>
             <a:picLocks noChangeAspect="1"/>
           </p:cNvPicPr>
           <p:nvPr/>
         </p:nvPicPr>
         <p:blipFill rotWithShape="1">
-          <a:blip r:embed="rId2">
+          <a:blip r:embed="rId2" cstate="print">
             <a:extLst>
               <a:ext uri="{28A0092B-C50C-407E-A947-70E740481C1C}">
-                <a14:useLocalDpi xmlns:a14="http://schemas.microsoft.com/office/drawing/2010/main" val="0"/>
+                <a14:useLocalDpi xmlns:a14="http://schemas.microsoft.com/office/drawing/2010/main" xmlns="" val="0"/>
               </a:ext>
             </a:extLst>
           </a:blip>
-          <a:srcRect l="17500" t="14095" r="15833" b="3671"/>
+          <a:srcRect l="15834" t="11170" r="14166" b="3088"/>
           <a:stretch/>
         </p:blipFill>
         <p:spPr>
           <a:xfrm>
-            <a:off x="2895600" y="2439353"/>
-            <a:ext cx="3733800" cy="3313747"/>
+            <a:off x="228600" y="2057400"/>
+            <a:ext cx="2363152" cy="2159629"/>
           </a:xfrm>
           <a:prstGeom prst="rect">
             <a:avLst/>
           </a:prstGeom>
         </p:spPr>
       </p:pic>
+      <p:sp>
+        <p:nvSpPr>
+          <p:cNvPr id="4" name="Flussdiagramm: Prozess 3"/>
+          <p:cNvSpPr/>
+          <p:nvPr/>
+        </p:nvSpPr>
+        <p:spPr>
+          <a:xfrm>
+            <a:off x="2743200" y="2819400"/>
+            <a:ext cx="685800" cy="459486"/>
+          </a:xfrm>
+          <a:prstGeom prst="flowChartProcess">
+            <a:avLst/>
+          </a:prstGeom>
+        </p:spPr>
+        <p:style>
+          <a:lnRef idx="2">
+            <a:schemeClr val="accent1">
+              <a:shade val="50000"/>
+            </a:schemeClr>
+          </a:lnRef>
+          <a:fillRef idx="1">
+            <a:schemeClr val="accent1"/>
+          </a:fillRef>
+          <a:effectRef idx="0">
+            <a:schemeClr val="accent1"/>
+          </a:effectRef>
+          <a:fontRef idx="minor">
+            <a:schemeClr val="lt1"/>
+          </a:fontRef>
+        </p:style>
+        <p:txBody>
+          <a:bodyPr rtlCol="0" anchor="ctr"/>
+          <a:lstStyle/>
+          <a:p>
+            <a:pPr algn="ctr"/>
+            <a:r>
+              <a:rPr lang="de-DE" dirty="0" smtClean="0"/>
+              <a:t>XOR</a:t>
+            </a:r>
+            <a:endParaRPr lang="de-DE" dirty="0"/>
+          </a:p>
+        </p:txBody>
+      </p:sp>
       <p:pic>
         <p:nvPicPr>
-          <p:cNvPr id="9" name="Grafik 8"/>
+          <p:cNvPr id="8" name="Grafik 7"/>
           <p:cNvPicPr>
             <a:picLocks noChangeAspect="1"/>
           </p:cNvPicPr>
           <p:nvPr/>
         </p:nvPicPr>
         <p:blipFill rotWithShape="1">
-          <a:blip r:embed="rId2">
+          <a:blip r:embed="rId3" cstate="print">
             <a:extLst>
               <a:ext uri="{28A0092B-C50C-407E-A947-70E740481C1C}">
-                <a14:useLocalDpi xmlns:a14="http://schemas.microsoft.com/office/drawing/2010/main" val="0"/>
+                <a14:useLocalDpi xmlns:a14="http://schemas.microsoft.com/office/drawing/2010/main" xmlns="" val="0"/>
               </a:ext>
             </a:extLst>
           </a:blip>
-          <a:srcRect l="68909" t="77989" r="21232" b="9287"/>
+          <a:srcRect l="15966" t="15556" r="16839" b="6666"/>
           <a:stretch/>
         </p:blipFill>
         <p:spPr>
           <a:xfrm>
-            <a:off x="7085817" y="5257800"/>
-            <a:ext cx="1066800" cy="990600"/>
+            <a:off x="6553200" y="2057400"/>
+            <a:ext cx="2423161" cy="2133601"/>
           </a:xfrm>
           <a:prstGeom prst="rect">
             <a:avLst/>
           </a:prstGeom>
+          <a:ln w="38100">
+            <a:solidFill>
+              <a:schemeClr val="bg1">
+                <a:lumMod val="85000"/>
+              </a:schemeClr>
+            </a:solidFill>
+          </a:ln>
         </p:spPr>
       </p:pic>
       <p:pic>
         <p:nvPicPr>
-          <p:cNvPr id="10" name="Grafik 9"/>
+          <p:cNvPr id="5" name="Grafik 4"/>
           <p:cNvPicPr>
             <a:picLocks noChangeAspect="1"/>
           </p:cNvPicPr>
           <p:nvPr/>
         </p:nvPicPr>
-        <p:blipFill rotWithShape="1">
-          <a:blip r:embed="rId2">
+        <p:blipFill>
+          <a:blip r:embed="rId4">
             <a:extLst>
               <a:ext uri="{28A0092B-C50C-407E-A947-70E740481C1C}">
-                <a14:useLocalDpi xmlns:a14="http://schemas.microsoft.com/office/drawing/2010/main" val="0"/>
+                <a14:useLocalDpi xmlns:a14="http://schemas.microsoft.com/office/drawing/2010/main" xmlns="" val="0"/>
               </a:ext>
             </a:extLst>
           </a:blip>
-          <a:srcRect l="24542" t="22098" r="65599" b="65177"/>
-          <a:stretch/>
+          <a:stretch>
+            <a:fillRect/>
+          </a:stretch>
         </p:blipFill>
         <p:spPr>
           <a:xfrm>
-            <a:off x="1219200" y="2068172"/>
-            <a:ext cx="1066800" cy="990600"/>
+            <a:off x="3606551" y="2057401"/>
+            <a:ext cx="2337049" cy="2133600"/>
           </a:xfrm>
           <a:prstGeom prst="rect">
             <a:avLst/>
           </a:prstGeom>
+          <a:noFill/>
+          <a:ln w="28575">
+            <a:solidFill>
+              <a:schemeClr val="bg1">
+                <a:lumMod val="85000"/>
+              </a:schemeClr>
+            </a:solidFill>
+          </a:ln>
         </p:spPr>
       </p:pic>
-      <p:cxnSp>
-        <p:nvCxnSpPr>
-          <p:cNvPr id="5" name="Gerader Verbinder 4"/>
-          <p:cNvCxnSpPr/>
+      <p:sp>
+        <p:nvSpPr>
+          <p:cNvPr id="9" name="Pfeil nach rechts 8"/>
+          <p:cNvSpPr/>
           <p:nvPr/>
-        </p:nvCxnSpPr>
+        </p:nvSpPr>
         <p:spPr>
           <a:xfrm>
-            <a:off x="2057400" y="2563472"/>
-            <a:ext cx="1295400" cy="408328"/>
-          </a:xfrm>
-          <a:prstGeom prst="line">
+            <a:off x="6096000" y="2867405"/>
+            <a:ext cx="381000" cy="411481"/>
+          </a:xfrm>
+          <a:prstGeom prst="rightArrow">
             <a:avLst/>
           </a:prstGeom>
         </p:spPr>
         <p:style>
-          <a:lnRef idx="3">
-            <a:schemeClr val="accent1"/>
+          <a:lnRef idx="2">
+            <a:schemeClr val="accent1">
+              <a:shade val="50000"/>
+            </a:schemeClr>
           </a:lnRef>
-          <a:fillRef idx="0">
+          <a:fillRef idx="1">
             <a:schemeClr val="accent1"/>
           </a:fillRef>
-          <a:effectRef idx="2">
+          <a:effectRef idx="0">
             <a:schemeClr val="accent1"/>
           </a:effectRef>
           <a:fontRef idx="minor">
-            <a:schemeClr val="tx1"/>
+            <a:schemeClr val="lt1"/>
           </a:fontRef>
         </p:style>
-      </p:cxnSp>
-      <p:cxnSp>
-        <p:nvCxnSpPr>
-          <p:cNvPr id="11" name="Gerader Verbinder 10"/>
-          <p:cNvCxnSpPr/>
-          <p:nvPr/>
-        </p:nvCxnSpPr>
-        <p:spPr>
-          <a:xfrm>
-            <a:off x="6228959" y="5354297"/>
-            <a:ext cx="1010041" cy="364502"/>
-          </a:xfrm>
-          <a:prstGeom prst="line">
-            <a:avLst/>
-          </a:prstGeom>
-        </p:spPr>
-        <p:style>
-          <a:lnRef idx="3">
-            <a:schemeClr val="accent1"/>
-          </a:lnRef>
-          <a:fillRef idx="0">
-            <a:schemeClr val="accent1"/>
-          </a:fillRef>
-          <a:effectRef idx="2">
-            <a:schemeClr val="accent1"/>
-          </a:effectRef>
-          <a:fontRef idx="minor">
-            <a:schemeClr val="tx1"/>
-          </a:fontRef>
-        </p:style>
-      </p:cxnSp>
+        <p:txBody>
+          <a:bodyPr rtlCol="0" anchor="ctr"/>
+          <a:lstStyle/>
+          <a:p>
+            <a:pPr algn="ctr"/>
+            <a:endParaRPr lang="de-DE"/>
+          </a:p>
+        </p:txBody>
+      </p:sp>
     </p:spTree>
     <p:extLst>
       <p:ext uri="{BB962C8B-B14F-4D97-AF65-F5344CB8AC3E}">
-        <p14:creationId xmlns:p14="http://schemas.microsoft.com/office/powerpoint/2010/main" val="3862156488"/>
+        <p14:creationId xmlns:p14="http://schemas.microsoft.com/office/powerpoint/2010/main" xmlns="" val="1185749361"/>
       </p:ext>
     </p:extLst>
   </p:cSld>
@@ -7985,9 +8131,10 @@
           <a:lstStyle/>
           <a:p>
             <a:r>
-              <a:rPr lang="de-DE" dirty="0"/>
-              <a:t>Bohrungsdetektion</a:t>
-            </a:r>
+              <a:rPr lang="de-DE" dirty="0" smtClean="0"/>
+              <a:t>Bohrungsüberprüfung</a:t>
+            </a:r>
+            <a:endParaRPr lang="de-DE" dirty="0"/>
           </a:p>
         </p:txBody>
       </p:sp>
@@ -8008,160 +8155,62 @@
           <a:p>
             <a:r>
               <a:rPr lang="de-DE" dirty="0" smtClean="0"/>
-              <a:t>XOR von Schwellwertbild und Maskierung</a:t>
+              <a:t>Existenz von Bohrung in Nähe der berechneten Bohrungsposition</a:t>
+            </a:r>
+          </a:p>
+          <a:p>
+            <a:r>
+              <a:rPr lang="de-DE" dirty="0" smtClean="0"/>
+              <a:t>Zuordnung zu Bohrungsgrößen</a:t>
+            </a:r>
+          </a:p>
+          <a:p>
+            <a:r>
+              <a:rPr lang="de-DE" dirty="0" smtClean="0"/>
+              <a:t>Anordnung der erkannten Bohrungsgrößen</a:t>
+            </a:r>
+          </a:p>
+          <a:p>
+            <a:r>
+              <a:rPr lang="de-DE" dirty="0" smtClean="0"/>
+              <a:t>Markierung im Fehlerfall</a:t>
             </a:r>
           </a:p>
           <a:p>
             <a:pPr lvl="1"/>
-            <a:r>
-              <a:rPr lang="de-DE" dirty="0" smtClean="0"/>
-              <a:t>Einzelne Detektion von Bohrungen</a:t>
-            </a:r>
+            <a:endParaRPr lang="de-DE" dirty="0" smtClean="0"/>
+          </a:p>
+          <a:p>
+            <a:endParaRPr lang="de-DE" dirty="0" smtClean="0"/>
+          </a:p>
+          <a:p>
+            <a:pPr lvl="1"/>
             <a:endParaRPr lang="de-DE" dirty="0"/>
-          </a:p>
-          <a:p>
-            <a:endParaRPr lang="de-DE" dirty="0" smtClean="0"/>
-          </a:p>
-          <a:p>
-            <a:endParaRPr lang="de-DE" dirty="0"/>
-          </a:p>
-          <a:p>
-            <a:endParaRPr lang="de-DE" dirty="0" smtClean="0"/>
-          </a:p>
-          <a:p>
-            <a:endParaRPr lang="de-DE" dirty="0"/>
-          </a:p>
-          <a:p>
-            <a:endParaRPr lang="de-DE" dirty="0" smtClean="0"/>
-          </a:p>
-          <a:p>
-            <a:endParaRPr lang="de-DE" dirty="0"/>
-          </a:p>
-          <a:p>
-            <a:endParaRPr lang="de-DE" dirty="0" smtClean="0"/>
-          </a:p>
-          <a:p>
-            <a:endParaRPr lang="de-DE" dirty="0"/>
-          </a:p>
-          <a:p>
-            <a:r>
-              <a:rPr lang="de-DE" dirty="0" smtClean="0"/>
-              <a:t>Hough Transformation zur </a:t>
-            </a:r>
-            <a:r>
-              <a:rPr lang="de-DE" dirty="0" smtClean="0"/>
-              <a:t>Kreis-Detektion</a:t>
-            </a:r>
           </a:p>
         </p:txBody>
       </p:sp>
       <p:pic>
         <p:nvPicPr>
-          <p:cNvPr id="7" name="Grafik 6"/>
+          <p:cNvPr id="8" name="Grafik 7" descr="Perfekt3.png"/>
           <p:cNvPicPr>
             <a:picLocks noChangeAspect="1"/>
           </p:cNvPicPr>
           <p:nvPr/>
         </p:nvPicPr>
-        <p:blipFill rotWithShape="1">
-          <a:blip r:embed="rId2" cstate="print">
-            <a:extLst>
-              <a:ext uri="{28A0092B-C50C-407E-A947-70E740481C1C}">
-                <a14:useLocalDpi xmlns:a14="http://schemas.microsoft.com/office/drawing/2010/main" val="0"/>
-              </a:ext>
-            </a:extLst>
-          </a:blip>
-          <a:srcRect l="15834" t="11170" r="14166" b="3088"/>
-          <a:stretch/>
+        <p:blipFill>
+          <a:blip r:embed="rId2"/>
+          <a:stretch>
+            <a:fillRect/>
+          </a:stretch>
         </p:blipFill>
         <p:spPr>
-          <a:xfrm>
-            <a:off x="228600" y="2057400"/>
-            <a:ext cx="2363152" cy="2159629"/>
+          <a:xfrm flipH="1">
+            <a:off x="762000" y="2844356"/>
+            <a:ext cx="3429000" cy="3404044"/>
           </a:xfrm>
           <a:prstGeom prst="rect">
             <a:avLst/>
           </a:prstGeom>
-        </p:spPr>
-      </p:pic>
-      <p:sp>
-        <p:nvSpPr>
-          <p:cNvPr id="4" name="Flussdiagramm: Prozess 3"/>
-          <p:cNvSpPr/>
-          <p:nvPr/>
-        </p:nvSpPr>
-        <p:spPr>
-          <a:xfrm>
-            <a:off x="2743200" y="2819400"/>
-            <a:ext cx="685800" cy="459486"/>
-          </a:xfrm>
-          <a:prstGeom prst="flowChartProcess">
-            <a:avLst/>
-          </a:prstGeom>
-        </p:spPr>
-        <p:style>
-          <a:lnRef idx="2">
-            <a:schemeClr val="accent1">
-              <a:shade val="50000"/>
-            </a:schemeClr>
-          </a:lnRef>
-          <a:fillRef idx="1">
-            <a:schemeClr val="accent1"/>
-          </a:fillRef>
-          <a:effectRef idx="0">
-            <a:schemeClr val="accent1"/>
-          </a:effectRef>
-          <a:fontRef idx="minor">
-            <a:schemeClr val="lt1"/>
-          </a:fontRef>
-        </p:style>
-        <p:txBody>
-          <a:bodyPr rtlCol="0" anchor="ctr"/>
-          <a:lstStyle/>
-          <a:p>
-            <a:pPr algn="ctr"/>
-            <a:r>
-              <a:rPr lang="de-DE" dirty="0" smtClean="0"/>
-              <a:t>XOR</a:t>
-            </a:r>
-            <a:endParaRPr lang="de-DE" dirty="0"/>
-          </a:p>
-        </p:txBody>
-      </p:sp>
-      <p:pic>
-        <p:nvPicPr>
-          <p:cNvPr id="8" name="Grafik 7"/>
-          <p:cNvPicPr>
-            <a:picLocks noChangeAspect="1"/>
-          </p:cNvPicPr>
-          <p:nvPr/>
-        </p:nvPicPr>
-        <p:blipFill rotWithShape="1">
-          <a:blip r:embed="rId3" cstate="print">
-            <a:extLst>
-              <a:ext uri="{28A0092B-C50C-407E-A947-70E740481C1C}">
-                <a14:useLocalDpi xmlns:a14="http://schemas.microsoft.com/office/drawing/2010/main" val="0"/>
-              </a:ext>
-            </a:extLst>
-          </a:blip>
-          <a:srcRect l="15966" t="15556" r="16839" b="6666"/>
-          <a:stretch/>
-        </p:blipFill>
-        <p:spPr>
-          <a:xfrm>
-            <a:off x="6553200" y="2057400"/>
-            <a:ext cx="2423161" cy="2133601"/>
-          </a:xfrm>
-          <a:prstGeom prst="rect">
-            <a:avLst/>
-          </a:prstGeom>
-          <a:ln w="38100">
-            <a:solidFill>
-              <a:schemeClr val="bg1">
-                <a:lumMod val="85000"/>
-              </a:schemeClr>
-            </a:solidFill>
-          </a:ln>
         </p:spPr>
       </p:pic>
       <p:pic>
@@ -8172,80 +8221,31 @@
           </p:cNvPicPr>
           <p:nvPr/>
         </p:nvPicPr>
-        <p:blipFill>
-          <a:blip r:embed="rId4">
+        <p:blipFill rotWithShape="1">
+          <a:blip r:embed="rId3">
             <a:extLst>
               <a:ext uri="{28A0092B-C50C-407E-A947-70E740481C1C}">
-                <a14:useLocalDpi xmlns:a14="http://schemas.microsoft.com/office/drawing/2010/main" val="0"/>
+                <a14:useLocalDpi xmlns:a14="http://schemas.microsoft.com/office/drawing/2010/main" xmlns="" val="0"/>
               </a:ext>
             </a:extLst>
           </a:blip>
-          <a:stretch>
-            <a:fillRect/>
-          </a:stretch>
+          <a:srcRect l="35833" t="8401" r="11667" b="6192"/>
+          <a:stretch/>
         </p:blipFill>
         <p:spPr>
           <a:xfrm>
-            <a:off x="3606551" y="2057401"/>
-            <a:ext cx="2337049" cy="2133600"/>
+            <a:off x="4953000" y="2819400"/>
+            <a:ext cx="3515652" cy="3404044"/>
           </a:xfrm>
           <a:prstGeom prst="rect">
             <a:avLst/>
           </a:prstGeom>
-          <a:noFill/>
-          <a:ln w="28575">
-            <a:solidFill>
-              <a:schemeClr val="bg1">
-                <a:lumMod val="85000"/>
-              </a:schemeClr>
-            </a:solidFill>
-          </a:ln>
         </p:spPr>
       </p:pic>
-      <p:sp>
-        <p:nvSpPr>
-          <p:cNvPr id="9" name="Pfeil nach rechts 8"/>
-          <p:cNvSpPr/>
-          <p:nvPr/>
-        </p:nvSpPr>
-        <p:spPr>
-          <a:xfrm>
-            <a:off x="6096000" y="2867405"/>
-            <a:ext cx="381000" cy="411481"/>
-          </a:xfrm>
-          <a:prstGeom prst="rightArrow">
-            <a:avLst/>
-          </a:prstGeom>
-        </p:spPr>
-        <p:style>
-          <a:lnRef idx="2">
-            <a:schemeClr val="accent1">
-              <a:shade val="50000"/>
-            </a:schemeClr>
-          </a:lnRef>
-          <a:fillRef idx="1">
-            <a:schemeClr val="accent1"/>
-          </a:fillRef>
-          <a:effectRef idx="0">
-            <a:schemeClr val="accent1"/>
-          </a:effectRef>
-          <a:fontRef idx="minor">
-            <a:schemeClr val="lt1"/>
-          </a:fontRef>
-        </p:style>
-        <p:txBody>
-          <a:bodyPr rtlCol="0" anchor="ctr"/>
-          <a:lstStyle/>
-          <a:p>
-            <a:pPr algn="ctr"/>
-            <a:endParaRPr lang="de-DE"/>
-          </a:p>
-        </p:txBody>
-      </p:sp>
     </p:spTree>
     <p:extLst>
       <p:ext uri="{BB962C8B-B14F-4D97-AF65-F5344CB8AC3E}">
-        <p14:creationId xmlns:p14="http://schemas.microsoft.com/office/powerpoint/2010/main" val="1185749361"/>
+        <p14:creationId xmlns:p14="http://schemas.microsoft.com/office/powerpoint/2010/main" xmlns="" val="2797205545"/>
       </p:ext>
     </p:extLst>
   </p:cSld>
@@ -8296,7 +8296,7 @@
           <a:p>
             <a:r>
               <a:rPr lang="de-DE" dirty="0" smtClean="0"/>
-              <a:t>Bohrungsüberprüfung</a:t>
+              <a:t>Programm-Ablauf</a:t>
             </a:r>
             <a:endParaRPr lang="de-DE" dirty="0"/>
           </a:p>
@@ -8304,125 +8304,345 @@
       </p:sp>
       <p:sp>
         <p:nvSpPr>
-          <p:cNvPr id="3" name="Inhaltsplatzhalter 2"/>
-          <p:cNvSpPr>
-            <a:spLocks noGrp="1"/>
-          </p:cNvSpPr>
-          <p:nvPr>
-            <p:ph idx="1"/>
-          </p:nvPr>
+          <p:cNvPr id="4" name="Flussdiagramm: Alternativer Prozess 3"/>
+          <p:cNvSpPr/>
+          <p:nvPr/>
         </p:nvSpPr>
-        <p:spPr/>
+        <p:spPr>
+          <a:xfrm>
+            <a:off x="2971800" y="1040600"/>
+            <a:ext cx="2743200" cy="612648"/>
+          </a:xfrm>
+          <a:prstGeom prst="flowChartAlternateProcess">
+            <a:avLst/>
+          </a:prstGeom>
+          <a:solidFill>
+            <a:schemeClr val="accent1">
+              <a:alpha val="25000"/>
+            </a:schemeClr>
+          </a:solidFill>
+          <a:ln>
+            <a:solidFill>
+              <a:schemeClr val="accent1">
+                <a:shade val="50000"/>
+                <a:alpha val="25000"/>
+              </a:schemeClr>
+            </a:solidFill>
+          </a:ln>
+        </p:spPr>
+        <p:style>
+          <a:lnRef idx="2">
+            <a:schemeClr val="accent1">
+              <a:shade val="50000"/>
+            </a:schemeClr>
+          </a:lnRef>
+          <a:fillRef idx="1">
+            <a:schemeClr val="accent1"/>
+          </a:fillRef>
+          <a:effectRef idx="0">
+            <a:schemeClr val="accent1"/>
+          </a:effectRef>
+          <a:fontRef idx="minor">
+            <a:schemeClr val="lt1"/>
+          </a:fontRef>
+        </p:style>
         <p:txBody>
-          <a:bodyPr/>
+          <a:bodyPr rtlCol="0" anchor="ctr"/>
           <a:lstStyle/>
           <a:p>
+            <a:pPr algn="ctr"/>
             <a:r>
               <a:rPr lang="de-DE" dirty="0" smtClean="0"/>
-              <a:t>Existenz von Bohrung in Nähe der </a:t>
-            </a:r>
-            <a:r>
-              <a:rPr lang="de-DE" dirty="0" smtClean="0"/>
-              <a:t>berechneten </a:t>
-            </a:r>
-            <a:r>
-              <a:rPr lang="de-DE" dirty="0" smtClean="0"/>
-              <a:t>Bohrungsposition</a:t>
-            </a:r>
-          </a:p>
-          <a:p>
-            <a:r>
-              <a:rPr lang="de-DE" dirty="0" smtClean="0"/>
-              <a:t>Zuordnung zu Bohrungsgrößen</a:t>
-            </a:r>
-          </a:p>
-          <a:p>
-            <a:r>
-              <a:rPr lang="de-DE" dirty="0" smtClean="0"/>
-              <a:t>Anordnung der erkannten </a:t>
-            </a:r>
-            <a:r>
-              <a:rPr lang="de-DE" dirty="0" smtClean="0"/>
-              <a:t>Bohrungsgrößen</a:t>
-            </a:r>
-            <a:endParaRPr lang="de-DE" dirty="0" smtClean="0"/>
-          </a:p>
-          <a:p>
-            <a:r>
-              <a:rPr lang="de-DE" dirty="0" smtClean="0"/>
-              <a:t>Markierung im Fehlerfall</a:t>
-            </a:r>
-          </a:p>
-          <a:p>
-            <a:pPr lvl="1"/>
-            <a:endParaRPr lang="de-DE" dirty="0" smtClean="0"/>
-          </a:p>
-          <a:p>
-            <a:endParaRPr lang="de-DE" dirty="0" smtClean="0"/>
-          </a:p>
-          <a:p>
-            <a:pPr lvl="1"/>
+              <a:t>Kalibrierung</a:t>
+            </a:r>
             <a:endParaRPr lang="de-DE" dirty="0"/>
           </a:p>
         </p:txBody>
       </p:sp>
-      <p:pic>
-        <p:nvPicPr>
-          <p:cNvPr id="8" name="Grafik 7" descr="Perfekt3.png"/>
-          <p:cNvPicPr>
-            <a:picLocks noChangeAspect="1"/>
-          </p:cNvPicPr>
+      <p:sp>
+        <p:nvSpPr>
+          <p:cNvPr id="5" name="Flussdiagramm: Alternativer Prozess 4"/>
+          <p:cNvSpPr/>
           <p:nvPr/>
-        </p:nvPicPr>
-        <p:blipFill>
-          <a:blip r:embed="rId2"/>
-          <a:stretch>
-            <a:fillRect/>
-          </a:stretch>
-        </p:blipFill>
+        </p:nvSpPr>
         <p:spPr>
-          <a:xfrm flipH="1">
-            <a:off x="762000" y="2844356"/>
-            <a:ext cx="3429000" cy="3404044"/>
-          </a:xfrm>
-          <a:prstGeom prst="rect">
+          <a:xfrm>
+            <a:off x="2971800" y="2397744"/>
+            <a:ext cx="2743200" cy="612648"/>
+          </a:xfrm>
+          <a:prstGeom prst="flowChartAlternateProcess">
             <a:avLst/>
           </a:prstGeom>
-        </p:spPr>
-      </p:pic>
-      <p:pic>
-        <p:nvPicPr>
-          <p:cNvPr id="5" name="Grafik 4"/>
-          <p:cNvPicPr>
-            <a:picLocks noChangeAspect="1"/>
-          </p:cNvPicPr>
+          <a:solidFill>
+            <a:schemeClr val="accent1">
+              <a:alpha val="25000"/>
+            </a:schemeClr>
+          </a:solidFill>
+          <a:ln>
+            <a:solidFill>
+              <a:schemeClr val="accent1">
+                <a:alpha val="25000"/>
+              </a:schemeClr>
+            </a:solidFill>
+          </a:ln>
+        </p:spPr>
+        <p:style>
+          <a:lnRef idx="2">
+            <a:schemeClr val="accent1">
+              <a:shade val="50000"/>
+            </a:schemeClr>
+          </a:lnRef>
+          <a:fillRef idx="1">
+            <a:schemeClr val="accent1"/>
+          </a:fillRef>
+          <a:effectRef idx="0">
+            <a:schemeClr val="accent1"/>
+          </a:effectRef>
+          <a:fontRef idx="minor">
+            <a:schemeClr val="lt1"/>
+          </a:fontRef>
+        </p:style>
+        <p:txBody>
+          <a:bodyPr rtlCol="0" anchor="ctr"/>
+          <a:lstStyle/>
+          <a:p>
+            <a:pPr algn="ctr"/>
+            <a:r>
+              <a:rPr lang="de-DE" dirty="0"/>
+              <a:t>Lage und Maße</a:t>
+            </a:r>
+          </a:p>
+        </p:txBody>
+      </p:sp>
+      <p:sp>
+        <p:nvSpPr>
+          <p:cNvPr id="6" name="Flussdiagramm: Alternativer Prozess 5"/>
+          <p:cNvSpPr/>
           <p:nvPr/>
-        </p:nvPicPr>
-        <p:blipFill rotWithShape="1">
-          <a:blip r:embed="rId3">
-            <a:extLst>
-              <a:ext uri="{28A0092B-C50C-407E-A947-70E740481C1C}">
-                <a14:useLocalDpi xmlns:a14="http://schemas.microsoft.com/office/drawing/2010/main" val="0"/>
-              </a:ext>
-            </a:extLst>
-          </a:blip>
-          <a:srcRect l="35833" t="8401" r="11667" b="6192"/>
-          <a:stretch/>
-        </p:blipFill>
+        </p:nvSpPr>
         <p:spPr>
           <a:xfrm>
-            <a:off x="4953000" y="2819400"/>
-            <a:ext cx="3515652" cy="3404044"/>
-          </a:xfrm>
-          <a:prstGeom prst="rect">
+            <a:off x="2986216" y="3748710"/>
+            <a:ext cx="2743200" cy="612648"/>
+          </a:xfrm>
+          <a:prstGeom prst="flowChartAlternateProcess">
             <a:avLst/>
           </a:prstGeom>
-        </p:spPr>
-      </p:pic>
+          <a:solidFill>
+            <a:schemeClr val="accent1">
+              <a:alpha val="25000"/>
+            </a:schemeClr>
+          </a:solidFill>
+          <a:ln>
+            <a:solidFill>
+              <a:schemeClr val="accent1">
+                <a:alpha val="25000"/>
+              </a:schemeClr>
+            </a:solidFill>
+          </a:ln>
+        </p:spPr>
+        <p:style>
+          <a:lnRef idx="2">
+            <a:schemeClr val="accent1">
+              <a:shade val="50000"/>
+            </a:schemeClr>
+          </a:lnRef>
+          <a:fillRef idx="1">
+            <a:schemeClr val="accent1"/>
+          </a:fillRef>
+          <a:effectRef idx="0">
+            <a:schemeClr val="accent1"/>
+          </a:effectRef>
+          <a:fontRef idx="minor">
+            <a:schemeClr val="lt1"/>
+          </a:fontRef>
+        </p:style>
+        <p:txBody>
+          <a:bodyPr rtlCol="0" anchor="ctr"/>
+          <a:lstStyle/>
+          <a:p>
+            <a:pPr algn="ctr"/>
+            <a:r>
+              <a:rPr lang="de-DE" dirty="0" smtClean="0"/>
+              <a:t>Bohrungen</a:t>
+            </a:r>
+            <a:endParaRPr lang="de-DE" dirty="0"/>
+          </a:p>
+        </p:txBody>
+      </p:sp>
+      <p:sp>
+        <p:nvSpPr>
+          <p:cNvPr id="7" name="Flussdiagramm: Alternativer Prozess 6"/>
+          <p:cNvSpPr/>
+          <p:nvPr/>
+        </p:nvSpPr>
+        <p:spPr>
+          <a:xfrm>
+            <a:off x="2971800" y="5105854"/>
+            <a:ext cx="2743200" cy="612648"/>
+          </a:xfrm>
+          <a:prstGeom prst="flowChartAlternateProcess">
+            <a:avLst/>
+          </a:prstGeom>
+          <a:solidFill>
+            <a:schemeClr val="accent1"/>
+          </a:solidFill>
+          <a:ln>
+            <a:solidFill>
+              <a:schemeClr val="accent1"/>
+            </a:solidFill>
+          </a:ln>
+        </p:spPr>
+        <p:style>
+          <a:lnRef idx="2">
+            <a:schemeClr val="accent1">
+              <a:shade val="50000"/>
+            </a:schemeClr>
+          </a:lnRef>
+          <a:fillRef idx="1">
+            <a:schemeClr val="accent1"/>
+          </a:fillRef>
+          <a:effectRef idx="0">
+            <a:schemeClr val="accent1"/>
+          </a:effectRef>
+          <a:fontRef idx="minor">
+            <a:schemeClr val="lt1"/>
+          </a:fontRef>
+        </p:style>
+        <p:txBody>
+          <a:bodyPr rtlCol="0" anchor="ctr"/>
+          <a:lstStyle/>
+          <a:p>
+            <a:pPr algn="ctr"/>
+            <a:r>
+              <a:rPr lang="de-DE" dirty="0" smtClean="0"/>
+              <a:t>Schäden</a:t>
+            </a:r>
+            <a:endParaRPr lang="de-DE" dirty="0"/>
+          </a:p>
+        </p:txBody>
+      </p:sp>
+      <p:cxnSp>
+        <p:nvCxnSpPr>
+          <p:cNvPr id="11" name="Gerade Verbindung mit Pfeil 10"/>
+          <p:cNvCxnSpPr>
+            <a:stCxn id="4" idx="2"/>
+            <a:endCxn id="5" idx="0"/>
+          </p:cNvCxnSpPr>
+          <p:nvPr/>
+        </p:nvCxnSpPr>
+        <p:spPr>
+          <a:xfrm>
+            <a:off x="4343400" y="1653248"/>
+            <a:ext cx="0" cy="744496"/>
+          </a:xfrm>
+          <a:prstGeom prst="straightConnector1">
+            <a:avLst/>
+          </a:prstGeom>
+          <a:ln>
+            <a:solidFill>
+              <a:schemeClr val="accent1">
+                <a:alpha val="25000"/>
+              </a:schemeClr>
+            </a:solidFill>
+            <a:tailEnd type="triangle"/>
+          </a:ln>
+        </p:spPr>
+        <p:style>
+          <a:lnRef idx="3">
+            <a:schemeClr val="accent1"/>
+          </a:lnRef>
+          <a:fillRef idx="0">
+            <a:schemeClr val="accent1"/>
+          </a:fillRef>
+          <a:effectRef idx="2">
+            <a:schemeClr val="accent1"/>
+          </a:effectRef>
+          <a:fontRef idx="minor">
+            <a:schemeClr val="tx1"/>
+          </a:fontRef>
+        </p:style>
+      </p:cxnSp>
+      <p:cxnSp>
+        <p:nvCxnSpPr>
+          <p:cNvPr id="13" name="Gerade Verbindung mit Pfeil 12"/>
+          <p:cNvCxnSpPr/>
+          <p:nvPr/>
+        </p:nvCxnSpPr>
+        <p:spPr>
+          <a:xfrm>
+            <a:off x="4343400" y="3004214"/>
+            <a:ext cx="0" cy="744496"/>
+          </a:xfrm>
+          <a:prstGeom prst="straightConnector1">
+            <a:avLst/>
+          </a:prstGeom>
+          <a:ln>
+            <a:solidFill>
+              <a:schemeClr val="accent1">
+                <a:alpha val="25000"/>
+              </a:schemeClr>
+            </a:solidFill>
+            <a:tailEnd type="triangle"/>
+          </a:ln>
+        </p:spPr>
+        <p:style>
+          <a:lnRef idx="3">
+            <a:schemeClr val="accent1"/>
+          </a:lnRef>
+          <a:fillRef idx="0">
+            <a:schemeClr val="accent1"/>
+          </a:fillRef>
+          <a:effectRef idx="2">
+            <a:schemeClr val="accent1"/>
+          </a:effectRef>
+          <a:fontRef idx="minor">
+            <a:schemeClr val="tx1"/>
+          </a:fontRef>
+        </p:style>
+      </p:cxnSp>
+      <p:cxnSp>
+        <p:nvCxnSpPr>
+          <p:cNvPr id="14" name="Gerade Verbindung mit Pfeil 13"/>
+          <p:cNvCxnSpPr/>
+          <p:nvPr/>
+        </p:nvCxnSpPr>
+        <p:spPr>
+          <a:xfrm>
+            <a:off x="4333103" y="4361358"/>
+            <a:ext cx="0" cy="744496"/>
+          </a:xfrm>
+          <a:prstGeom prst="straightConnector1">
+            <a:avLst/>
+          </a:prstGeom>
+          <a:ln>
+            <a:solidFill>
+              <a:schemeClr val="accent1">
+                <a:alpha val="25000"/>
+              </a:schemeClr>
+            </a:solidFill>
+            <a:tailEnd type="triangle"/>
+          </a:ln>
+        </p:spPr>
+        <p:style>
+          <a:lnRef idx="3">
+            <a:schemeClr val="accent1"/>
+          </a:lnRef>
+          <a:fillRef idx="0">
+            <a:schemeClr val="accent1"/>
+          </a:fillRef>
+          <a:effectRef idx="2">
+            <a:schemeClr val="accent1"/>
+          </a:effectRef>
+          <a:fontRef idx="minor">
+            <a:schemeClr val="tx1"/>
+          </a:fontRef>
+        </p:style>
+      </p:cxnSp>
     </p:spTree>
     <p:extLst>
       <p:ext uri="{BB962C8B-B14F-4D97-AF65-F5344CB8AC3E}">
-        <p14:creationId xmlns:p14="http://schemas.microsoft.com/office/powerpoint/2010/main" val="2797205545"/>
+        <p14:creationId xmlns:p14="http://schemas.microsoft.com/office/powerpoint/2010/main" xmlns="" val="1212497302"/>
       </p:ext>
     </p:extLst>
   </p:cSld>
@@ -8592,7 +8812,7 @@
           <a:p>
             <a:r>
               <a:rPr lang="de-DE" dirty="0" smtClean="0"/>
-              <a:t>Programm-Ablauf</a:t>
+              <a:t>Prüfen auf Beschädigungen</a:t>
             </a:r>
             <a:endParaRPr lang="de-DE" dirty="0"/>
           </a:p>
@@ -8600,347 +8820,81 @@
       </p:sp>
       <p:sp>
         <p:nvSpPr>
-          <p:cNvPr id="4" name="Flussdiagramm: Alternativer Prozess 3"/>
-          <p:cNvSpPr/>
-          <p:nvPr/>
+          <p:cNvPr id="3" name="Inhaltsplatzhalter 2"/>
+          <p:cNvSpPr>
+            <a:spLocks noGrp="1"/>
+          </p:cNvSpPr>
+          <p:nvPr>
+            <p:ph idx="1"/>
+          </p:nvPr>
         </p:nvSpPr>
-        <p:spPr>
-          <a:xfrm>
-            <a:off x="2971800" y="1040600"/>
-            <a:ext cx="2743200" cy="612648"/>
-          </a:xfrm>
-          <a:prstGeom prst="flowChartAlternateProcess">
-            <a:avLst/>
-          </a:prstGeom>
-          <a:solidFill>
-            <a:schemeClr val="accent1">
-              <a:alpha val="25000"/>
-            </a:schemeClr>
-          </a:solidFill>
-          <a:ln>
-            <a:solidFill>
-              <a:schemeClr val="accent1">
-                <a:shade val="50000"/>
-                <a:alpha val="25000"/>
-              </a:schemeClr>
-            </a:solidFill>
-          </a:ln>
-        </p:spPr>
-        <p:style>
-          <a:lnRef idx="2">
-            <a:schemeClr val="accent1">
-              <a:shade val="50000"/>
-            </a:schemeClr>
-          </a:lnRef>
-          <a:fillRef idx="1">
-            <a:schemeClr val="accent1"/>
-          </a:fillRef>
-          <a:effectRef idx="0">
-            <a:schemeClr val="accent1"/>
-          </a:effectRef>
-          <a:fontRef idx="minor">
-            <a:schemeClr val="lt1"/>
-          </a:fontRef>
-        </p:style>
+        <p:spPr/>
         <p:txBody>
-          <a:bodyPr rtlCol="0" anchor="ctr"/>
+          <a:bodyPr/>
           <a:lstStyle/>
           <a:p>
-            <a:pPr algn="ctr"/>
             <a:r>
               <a:rPr lang="de-DE" dirty="0" smtClean="0"/>
-              <a:t>Kalibrierung</a:t>
+              <a:t>Maskieren des Werkstücks</a:t>
+            </a:r>
+          </a:p>
+          <a:p>
+            <a:r>
+              <a:rPr lang="de-DE" dirty="0" smtClean="0"/>
+              <a:t>Filtern</a:t>
+            </a:r>
+          </a:p>
+          <a:p>
+            <a:pPr lvl="1"/>
+            <a:r>
+              <a:rPr lang="de-DE" dirty="0" err="1" smtClean="0"/>
+              <a:t>Guided</a:t>
+            </a:r>
+            <a:r>
+              <a:rPr lang="de-DE" dirty="0" smtClean="0"/>
+              <a:t> Image Filter</a:t>
+            </a:r>
+          </a:p>
+          <a:p>
+            <a:r>
+              <a:rPr lang="de-DE" dirty="0" smtClean="0"/>
+              <a:t>Kantendetektion mit </a:t>
+            </a:r>
+            <a:r>
+              <a:rPr lang="de-DE" dirty="0" err="1" smtClean="0"/>
+              <a:t>Canny</a:t>
+            </a:r>
+            <a:endParaRPr lang="de-DE" dirty="0" smtClean="0"/>
+          </a:p>
+          <a:p>
+            <a:r>
+              <a:rPr lang="de-DE" dirty="0" smtClean="0"/>
+              <a:t>Kanten und Bohrungen entfernen</a:t>
+            </a:r>
+          </a:p>
+          <a:p>
+            <a:r>
+              <a:rPr lang="de-DE" dirty="0" smtClean="0"/>
+              <a:t>Cluster finden</a:t>
+            </a:r>
+          </a:p>
+          <a:p>
+            <a:r>
+              <a:rPr lang="de-DE" dirty="0" smtClean="0"/>
+              <a:t>Zusätzlich: Überprüfung des Stegs</a:t>
+            </a:r>
+          </a:p>
+          <a:p>
+            <a:pPr lvl="1"/>
+            <a:r>
+              <a:rPr lang="de-DE" dirty="0" err="1" smtClean="0"/>
+              <a:t>Threshold</a:t>
             </a:r>
             <a:endParaRPr lang="de-DE" dirty="0"/>
           </a:p>
         </p:txBody>
       </p:sp>
-      <p:sp>
-        <p:nvSpPr>
-          <p:cNvPr id="5" name="Flussdiagramm: Alternativer Prozess 4"/>
-          <p:cNvSpPr/>
-          <p:nvPr/>
-        </p:nvSpPr>
-        <p:spPr>
-          <a:xfrm>
-            <a:off x="2971800" y="2397744"/>
-            <a:ext cx="2743200" cy="612648"/>
-          </a:xfrm>
-          <a:prstGeom prst="flowChartAlternateProcess">
-            <a:avLst/>
-          </a:prstGeom>
-          <a:solidFill>
-            <a:schemeClr val="accent1">
-              <a:alpha val="25000"/>
-            </a:schemeClr>
-          </a:solidFill>
-          <a:ln>
-            <a:solidFill>
-              <a:schemeClr val="accent1">
-                <a:alpha val="25000"/>
-              </a:schemeClr>
-            </a:solidFill>
-          </a:ln>
-        </p:spPr>
-        <p:style>
-          <a:lnRef idx="2">
-            <a:schemeClr val="accent1">
-              <a:shade val="50000"/>
-            </a:schemeClr>
-          </a:lnRef>
-          <a:fillRef idx="1">
-            <a:schemeClr val="accent1"/>
-          </a:fillRef>
-          <a:effectRef idx="0">
-            <a:schemeClr val="accent1"/>
-          </a:effectRef>
-          <a:fontRef idx="minor">
-            <a:schemeClr val="lt1"/>
-          </a:fontRef>
-        </p:style>
-        <p:txBody>
-          <a:bodyPr rtlCol="0" anchor="ctr"/>
-          <a:lstStyle/>
-          <a:p>
-            <a:pPr algn="ctr"/>
-            <a:r>
-              <a:rPr lang="de-DE" dirty="0"/>
-              <a:t>Lage und Maße</a:t>
-            </a:r>
-          </a:p>
-        </p:txBody>
-      </p:sp>
-      <p:sp>
-        <p:nvSpPr>
-          <p:cNvPr id="6" name="Flussdiagramm: Alternativer Prozess 5"/>
-          <p:cNvSpPr/>
-          <p:nvPr/>
-        </p:nvSpPr>
-        <p:spPr>
-          <a:xfrm>
-            <a:off x="2986216" y="3748710"/>
-            <a:ext cx="2743200" cy="612648"/>
-          </a:xfrm>
-          <a:prstGeom prst="flowChartAlternateProcess">
-            <a:avLst/>
-          </a:prstGeom>
-          <a:solidFill>
-            <a:schemeClr val="accent1">
-              <a:alpha val="25000"/>
-            </a:schemeClr>
-          </a:solidFill>
-          <a:ln>
-            <a:solidFill>
-              <a:schemeClr val="accent1">
-                <a:alpha val="25000"/>
-              </a:schemeClr>
-            </a:solidFill>
-          </a:ln>
-        </p:spPr>
-        <p:style>
-          <a:lnRef idx="2">
-            <a:schemeClr val="accent1">
-              <a:shade val="50000"/>
-            </a:schemeClr>
-          </a:lnRef>
-          <a:fillRef idx="1">
-            <a:schemeClr val="accent1"/>
-          </a:fillRef>
-          <a:effectRef idx="0">
-            <a:schemeClr val="accent1"/>
-          </a:effectRef>
-          <a:fontRef idx="minor">
-            <a:schemeClr val="lt1"/>
-          </a:fontRef>
-        </p:style>
-        <p:txBody>
-          <a:bodyPr rtlCol="0" anchor="ctr"/>
-          <a:lstStyle/>
-          <a:p>
-            <a:pPr algn="ctr"/>
-            <a:r>
-              <a:rPr lang="de-DE" dirty="0" smtClean="0"/>
-              <a:t>Bohrungen</a:t>
-            </a:r>
-            <a:endParaRPr lang="de-DE" dirty="0"/>
-          </a:p>
-        </p:txBody>
-      </p:sp>
-      <p:sp>
-        <p:nvSpPr>
-          <p:cNvPr id="7" name="Flussdiagramm: Alternativer Prozess 6"/>
-          <p:cNvSpPr/>
-          <p:nvPr/>
-        </p:nvSpPr>
-        <p:spPr>
-          <a:xfrm>
-            <a:off x="2971800" y="5105854"/>
-            <a:ext cx="2743200" cy="612648"/>
-          </a:xfrm>
-          <a:prstGeom prst="flowChartAlternateProcess">
-            <a:avLst/>
-          </a:prstGeom>
-          <a:solidFill>
-            <a:schemeClr val="accent1"/>
-          </a:solidFill>
-          <a:ln>
-            <a:solidFill>
-              <a:schemeClr val="accent1"/>
-            </a:solidFill>
-          </a:ln>
-        </p:spPr>
-        <p:style>
-          <a:lnRef idx="2">
-            <a:schemeClr val="accent1">
-              <a:shade val="50000"/>
-            </a:schemeClr>
-          </a:lnRef>
-          <a:fillRef idx="1">
-            <a:schemeClr val="accent1"/>
-          </a:fillRef>
-          <a:effectRef idx="0">
-            <a:schemeClr val="accent1"/>
-          </a:effectRef>
-          <a:fontRef idx="minor">
-            <a:schemeClr val="lt1"/>
-          </a:fontRef>
-        </p:style>
-        <p:txBody>
-          <a:bodyPr rtlCol="0" anchor="ctr"/>
-          <a:lstStyle/>
-          <a:p>
-            <a:pPr algn="ctr"/>
-            <a:r>
-              <a:rPr lang="de-DE" dirty="0" smtClean="0"/>
-              <a:t>Schäden</a:t>
-            </a:r>
-            <a:endParaRPr lang="de-DE" dirty="0"/>
-          </a:p>
-        </p:txBody>
-      </p:sp>
-      <p:cxnSp>
-        <p:nvCxnSpPr>
-          <p:cNvPr id="11" name="Gerade Verbindung mit Pfeil 10"/>
-          <p:cNvCxnSpPr>
-            <a:stCxn id="4" idx="2"/>
-            <a:endCxn id="5" idx="0"/>
-          </p:cNvCxnSpPr>
-          <p:nvPr/>
-        </p:nvCxnSpPr>
-        <p:spPr>
-          <a:xfrm>
-            <a:off x="4343400" y="1653248"/>
-            <a:ext cx="0" cy="744496"/>
-          </a:xfrm>
-          <a:prstGeom prst="straightConnector1">
-            <a:avLst/>
-          </a:prstGeom>
-          <a:ln>
-            <a:solidFill>
-              <a:schemeClr val="accent1">
-                <a:alpha val="25000"/>
-              </a:schemeClr>
-            </a:solidFill>
-            <a:tailEnd type="triangle"/>
-          </a:ln>
-        </p:spPr>
-        <p:style>
-          <a:lnRef idx="3">
-            <a:schemeClr val="accent1"/>
-          </a:lnRef>
-          <a:fillRef idx="0">
-            <a:schemeClr val="accent1"/>
-          </a:fillRef>
-          <a:effectRef idx="2">
-            <a:schemeClr val="accent1"/>
-          </a:effectRef>
-          <a:fontRef idx="minor">
-            <a:schemeClr val="tx1"/>
-          </a:fontRef>
-        </p:style>
-      </p:cxnSp>
-      <p:cxnSp>
-        <p:nvCxnSpPr>
-          <p:cNvPr id="13" name="Gerade Verbindung mit Pfeil 12"/>
-          <p:cNvCxnSpPr/>
-          <p:nvPr/>
-        </p:nvCxnSpPr>
-        <p:spPr>
-          <a:xfrm>
-            <a:off x="4343400" y="3004214"/>
-            <a:ext cx="0" cy="744496"/>
-          </a:xfrm>
-          <a:prstGeom prst="straightConnector1">
-            <a:avLst/>
-          </a:prstGeom>
-          <a:ln>
-            <a:solidFill>
-              <a:schemeClr val="accent1">
-                <a:alpha val="25000"/>
-              </a:schemeClr>
-            </a:solidFill>
-            <a:tailEnd type="triangle"/>
-          </a:ln>
-        </p:spPr>
-        <p:style>
-          <a:lnRef idx="3">
-            <a:schemeClr val="accent1"/>
-          </a:lnRef>
-          <a:fillRef idx="0">
-            <a:schemeClr val="accent1"/>
-          </a:fillRef>
-          <a:effectRef idx="2">
-            <a:schemeClr val="accent1"/>
-          </a:effectRef>
-          <a:fontRef idx="minor">
-            <a:schemeClr val="tx1"/>
-          </a:fontRef>
-        </p:style>
-      </p:cxnSp>
-      <p:cxnSp>
-        <p:nvCxnSpPr>
-          <p:cNvPr id="14" name="Gerade Verbindung mit Pfeil 13"/>
-          <p:cNvCxnSpPr/>
-          <p:nvPr/>
-        </p:nvCxnSpPr>
-        <p:spPr>
-          <a:xfrm>
-            <a:off x="4333103" y="4361358"/>
-            <a:ext cx="0" cy="744496"/>
-          </a:xfrm>
-          <a:prstGeom prst="straightConnector1">
-            <a:avLst/>
-          </a:prstGeom>
-          <a:ln>
-            <a:solidFill>
-              <a:schemeClr val="accent1">
-                <a:alpha val="25000"/>
-              </a:schemeClr>
-            </a:solidFill>
-            <a:tailEnd type="triangle"/>
-          </a:ln>
-        </p:spPr>
-        <p:style>
-          <a:lnRef idx="3">
-            <a:schemeClr val="accent1"/>
-          </a:lnRef>
-          <a:fillRef idx="0">
-            <a:schemeClr val="accent1"/>
-          </a:fillRef>
-          <a:effectRef idx="2">
-            <a:schemeClr val="accent1"/>
-          </a:effectRef>
-          <a:fontRef idx="minor">
-            <a:schemeClr val="tx1"/>
-          </a:fontRef>
-        </p:style>
-      </p:cxnSp>
     </p:spTree>
-    <p:extLst>
-      <p:ext uri="{BB962C8B-B14F-4D97-AF65-F5344CB8AC3E}">
-        <p14:creationId xmlns:p14="http://schemas.microsoft.com/office/powerpoint/2010/main" val="1212497302"/>
-      </p:ext>
-    </p:extLst>
   </p:cSld>
   <p:clrMapOvr>
     <a:masterClrMapping/>
@@ -8982,137 +8936,6 @@
             <p:ph type="title"/>
           </p:nvPr>
         </p:nvSpPr>
-        <p:spPr/>
-        <p:txBody>
-          <a:bodyPr/>
-          <a:lstStyle/>
-          <a:p>
-            <a:r>
-              <a:rPr lang="de-DE" dirty="0" smtClean="0"/>
-              <a:t>Prüfen auf Beschädigungen</a:t>
-            </a:r>
-            <a:endParaRPr lang="de-DE" dirty="0"/>
-          </a:p>
-        </p:txBody>
-      </p:sp>
-      <p:sp>
-        <p:nvSpPr>
-          <p:cNvPr id="3" name="Inhaltsplatzhalter 2"/>
-          <p:cNvSpPr>
-            <a:spLocks noGrp="1"/>
-          </p:cNvSpPr>
-          <p:nvPr>
-            <p:ph idx="1"/>
-          </p:nvPr>
-        </p:nvSpPr>
-        <p:spPr/>
-        <p:txBody>
-          <a:bodyPr/>
-          <a:lstStyle/>
-          <a:p>
-            <a:r>
-              <a:rPr lang="de-DE" dirty="0" smtClean="0"/>
-              <a:t>Maskieren des Werkstücks</a:t>
-            </a:r>
-          </a:p>
-          <a:p>
-            <a:r>
-              <a:rPr lang="de-DE" dirty="0" smtClean="0"/>
-              <a:t>Filtern</a:t>
-            </a:r>
-          </a:p>
-          <a:p>
-            <a:pPr lvl="1"/>
-            <a:r>
-              <a:rPr lang="de-DE" dirty="0" err="1" smtClean="0"/>
-              <a:t>Guided</a:t>
-            </a:r>
-            <a:r>
-              <a:rPr lang="de-DE" dirty="0" smtClean="0"/>
-              <a:t> Image Filter</a:t>
-            </a:r>
-          </a:p>
-          <a:p>
-            <a:r>
-              <a:rPr lang="de-DE" dirty="0" smtClean="0"/>
-              <a:t>Kantendetektion mit </a:t>
-            </a:r>
-            <a:r>
-              <a:rPr lang="de-DE" dirty="0" err="1" smtClean="0"/>
-              <a:t>Canny</a:t>
-            </a:r>
-            <a:endParaRPr lang="de-DE" dirty="0" smtClean="0"/>
-          </a:p>
-          <a:p>
-            <a:r>
-              <a:rPr lang="de-DE" dirty="0" smtClean="0"/>
-              <a:t>Kanten und Bohrungen entfernen</a:t>
-            </a:r>
-          </a:p>
-          <a:p>
-            <a:r>
-              <a:rPr lang="de-DE" dirty="0" smtClean="0"/>
-              <a:t>Cluster finden</a:t>
-            </a:r>
-          </a:p>
-          <a:p>
-            <a:r>
-              <a:rPr lang="de-DE" dirty="0" smtClean="0"/>
-              <a:t>Zusätzlich: Überprüfung des Stegs</a:t>
-            </a:r>
-          </a:p>
-          <a:p>
-            <a:pPr lvl="1"/>
-            <a:r>
-              <a:rPr lang="de-DE" dirty="0" err="1" smtClean="0"/>
-              <a:t>Threshold</a:t>
-            </a:r>
-            <a:endParaRPr lang="de-DE" dirty="0"/>
-          </a:p>
-        </p:txBody>
-      </p:sp>
-    </p:spTree>
-  </p:cSld>
-  <p:clrMapOvr>
-    <a:masterClrMapping/>
-  </p:clrMapOvr>
-  <p:timing>
-    <p:tnLst>
-      <p:par>
-        <p:cTn id="1" dur="indefinite" restart="never" nodeType="tmRoot"/>
-      </p:par>
-    </p:tnLst>
-  </p:timing>
-</p:sld>
-</file>
-
-<file path=ppt/slides/slide22.xml><?xml version="1.0" encoding="utf-8"?>
-<p:sld xmlns:a="http://schemas.openxmlformats.org/drawingml/2006/main" xmlns:r="http://schemas.openxmlformats.org/officeDocument/2006/relationships" xmlns:p="http://schemas.openxmlformats.org/presentationml/2006/main">
-  <p:cSld>
-    <p:spTree>
-      <p:nvGrpSpPr>
-        <p:cNvPr id="1" name=""/>
-        <p:cNvGrpSpPr/>
-        <p:nvPr/>
-      </p:nvGrpSpPr>
-      <p:grpSpPr>
-        <a:xfrm>
-          <a:off x="0" y="0"/>
-          <a:ext cx="0" cy="0"/>
-          <a:chOff x="0" y="0"/>
-          <a:chExt cx="0" cy="0"/>
-        </a:xfrm>
-      </p:grpSpPr>
-      <p:sp>
-        <p:nvSpPr>
-          <p:cNvPr id="2" name="Titel 1"/>
-          <p:cNvSpPr>
-            <a:spLocks noGrp="1"/>
-          </p:cNvSpPr>
-          <p:nvPr>
-            <p:ph type="title"/>
-          </p:nvPr>
-        </p:nvSpPr>
         <p:spPr>
           <a:xfrm>
             <a:off x="1905000" y="2895600"/>
@@ -9134,7 +8957,7 @@
     </p:spTree>
     <p:extLst>
       <p:ext uri="{BB962C8B-B14F-4D97-AF65-F5344CB8AC3E}">
-        <p14:creationId xmlns:p14="http://schemas.microsoft.com/office/powerpoint/2010/main" val="543134797"/>
+        <p14:creationId xmlns:p14="http://schemas.microsoft.com/office/powerpoint/2010/main" xmlns="" val="543134797"/>
       </p:ext>
     </p:extLst>
   </p:cSld>
@@ -9520,7 +9343,7 @@
           <a:blip r:embed="rId2">
             <a:extLst>
               <a:ext uri="{28A0092B-C50C-407E-A947-70E740481C1C}">
-                <a14:useLocalDpi xmlns:a14="http://schemas.microsoft.com/office/drawing/2010/main" val="0"/>
+                <a14:useLocalDpi xmlns:a14="http://schemas.microsoft.com/office/drawing/2010/main" xmlns="" val="0"/>
               </a:ext>
             </a:extLst>
           </a:blip>
@@ -9540,7 +9363,7 @@
           <a:noFill/>
           <a:extLst>
             <a:ext uri="{909E8E84-426E-40DD-AFC4-6F175D3DCCD1}">
-              <a14:hiddenFill xmlns:a14="http://schemas.microsoft.com/office/drawing/2010/main">
+              <a14:hiddenFill xmlns:a14="http://schemas.microsoft.com/office/drawing/2010/main" xmlns="">
                 <a:solidFill>
                   <a:srgbClr val="FFFFFF"/>
                 </a:solidFill>
@@ -9639,7 +9462,7 @@
           <a:blip r:embed="rId3" cstate="print">
             <a:extLst>
               <a:ext uri="{28A0092B-C50C-407E-A947-70E740481C1C}">
-                <a14:useLocalDpi xmlns:a14="http://schemas.microsoft.com/office/drawing/2010/main" val="0"/>
+                <a14:useLocalDpi xmlns:a14="http://schemas.microsoft.com/office/drawing/2010/main" xmlns="" val="0"/>
               </a:ext>
             </a:extLst>
           </a:blip>
@@ -9659,7 +9482,7 @@
           <a:noFill/>
           <a:extLst>
             <a:ext uri="{909E8E84-426E-40DD-AFC4-6F175D3DCCD1}">
-              <a14:hiddenFill xmlns:a14="http://schemas.microsoft.com/office/drawing/2010/main">
+              <a14:hiddenFill xmlns:a14="http://schemas.microsoft.com/office/drawing/2010/main" xmlns="">
                 <a:solidFill>
                   <a:srgbClr val="FFFFFF"/>
                 </a:solidFill>
@@ -9680,7 +9503,7 @@
           <a:blip r:embed="rId4">
             <a:extLst>
               <a:ext uri="{28A0092B-C50C-407E-A947-70E740481C1C}">
-                <a14:useLocalDpi xmlns:a14="http://schemas.microsoft.com/office/drawing/2010/main" val="0"/>
+                <a14:useLocalDpi xmlns:a14="http://schemas.microsoft.com/office/drawing/2010/main" xmlns="" val="0"/>
               </a:ext>
             </a:extLst>
           </a:blip>
@@ -9700,7 +9523,7 @@
           <a:noFill/>
           <a:extLst>
             <a:ext uri="{909E8E84-426E-40DD-AFC4-6F175D3DCCD1}">
-              <a14:hiddenFill xmlns:a14="http://schemas.microsoft.com/office/drawing/2010/main">
+              <a14:hiddenFill xmlns:a14="http://schemas.microsoft.com/office/drawing/2010/main" xmlns="">
                 <a:solidFill>
                   <a:srgbClr val="FFFFFF"/>
                 </a:solidFill>
@@ -9721,7 +9544,7 @@
           <a:blip r:embed="rId5" cstate="print">
             <a:extLst>
               <a:ext uri="{28A0092B-C50C-407E-A947-70E740481C1C}">
-                <a14:useLocalDpi xmlns:a14="http://schemas.microsoft.com/office/drawing/2010/main" val="0"/>
+                <a14:useLocalDpi xmlns:a14="http://schemas.microsoft.com/office/drawing/2010/main" xmlns="" val="0"/>
               </a:ext>
             </a:extLst>
           </a:blip>
@@ -9741,7 +9564,7 @@
           <a:noFill/>
           <a:extLst>
             <a:ext uri="{909E8E84-426E-40DD-AFC4-6F175D3DCCD1}">
-              <a14:hiddenFill xmlns:a14="http://schemas.microsoft.com/office/drawing/2010/main">
+              <a14:hiddenFill xmlns:a14="http://schemas.microsoft.com/office/drawing/2010/main" xmlns="">
                 <a:solidFill>
                   <a:srgbClr val="FFFFFF"/>
                 </a:solidFill>
@@ -9850,7 +9673,7 @@
       </p:sp>
       <p:pic>
         <p:nvPicPr>
-          <p:cNvPr id="4" name="Grafik 3" descr="Werkstück perfekt.png"/>
+          <p:cNvPr id="8" name="Grafik 7" descr="Rendering_preprocessing.png"/>
           <p:cNvPicPr>
             <a:picLocks noChangeAspect="1"/>
           </p:cNvPicPr>
@@ -9863,9 +9686,9 @@
           </a:stretch>
         </p:blipFill>
         <p:spPr>
-          <a:xfrm>
-            <a:off x="838200" y="3352800"/>
-            <a:ext cx="2081131" cy="2067547"/>
+          <a:xfrm rot="5400000">
+            <a:off x="309756" y="2738244"/>
+            <a:ext cx="3505200" cy="3362712"/>
           </a:xfrm>
           <a:prstGeom prst="rect">
             <a:avLst/>
@@ -9874,22 +9697,70 @@
       </p:pic>
       <p:pic>
         <p:nvPicPr>
-          <p:cNvPr id="5" name="Grafik 4" descr="Werkstück perfekt.png"/>
+          <p:cNvPr id="4" name="Grafik 3" descr="Werkstück perfekt.png"/>
           <p:cNvPicPr>
             <a:picLocks noChangeAspect="1"/>
           </p:cNvPicPr>
           <p:nvPr/>
         </p:nvPicPr>
         <p:blipFill>
-          <a:blip r:embed="rId2"/>
+          <a:blip r:embed="rId3"/>
           <a:stretch>
             <a:fillRect/>
           </a:stretch>
         </p:blipFill>
         <p:spPr>
           <a:xfrm>
-            <a:off x="5562600" y="3429000"/>
-            <a:ext cx="2233531" cy="2218952"/>
+            <a:off x="2819400" y="2362200"/>
+            <a:ext cx="1623931" cy="1613331"/>
+          </a:xfrm>
+          <a:prstGeom prst="rect">
+            <a:avLst/>
+          </a:prstGeom>
+        </p:spPr>
+      </p:pic>
+      <p:pic>
+        <p:nvPicPr>
+          <p:cNvPr id="9" name="Grafik 8" descr="Image_preprocessing.png"/>
+          <p:cNvPicPr>
+            <a:picLocks noChangeAspect="1"/>
+          </p:cNvPicPr>
+          <p:nvPr/>
+        </p:nvPicPr>
+        <p:blipFill>
+          <a:blip r:embed="rId4"/>
+          <a:stretch>
+            <a:fillRect/>
+          </a:stretch>
+        </p:blipFill>
+        <p:spPr>
+          <a:xfrm rot="5400000">
+            <a:off x="4840217" y="2779783"/>
+            <a:ext cx="3390032" cy="3316866"/>
+          </a:xfrm>
+          <a:prstGeom prst="rect">
+            <a:avLst/>
+          </a:prstGeom>
+        </p:spPr>
+      </p:pic>
+      <p:pic>
+        <p:nvPicPr>
+          <p:cNvPr id="6" name="Grafik 5" descr="Perfekt3.png"/>
+          <p:cNvPicPr>
+            <a:picLocks noChangeAspect="1"/>
+          </p:cNvPicPr>
+          <p:nvPr/>
+        </p:nvPicPr>
+        <p:blipFill>
+          <a:blip r:embed="rId5"/>
+          <a:stretch>
+            <a:fillRect/>
+          </a:stretch>
+        </p:blipFill>
+        <p:spPr>
+          <a:xfrm>
+            <a:off x="7239000" y="2362200"/>
+            <a:ext cx="1611932" cy="1600200"/>
           </a:xfrm>
           <a:prstGeom prst="rect">
             <a:avLst/>
@@ -9912,7 +9783,7 @@
 </file>
 
 <file path=ppt/slides/slide7.xml><?xml version="1.0" encoding="utf-8"?>
-<p:sld xmlns:a="http://schemas.openxmlformats.org/drawingml/2006/main" xmlns:r="http://schemas.openxmlformats.org/officeDocument/2006/relationships" xmlns:p="http://schemas.openxmlformats.org/presentationml/2006/main" show="0">
+<p:sld xmlns:a="http://schemas.openxmlformats.org/drawingml/2006/main" xmlns:r="http://schemas.openxmlformats.org/officeDocument/2006/relationships" xmlns:p="http://schemas.openxmlformats.org/presentationml/2006/main">
   <p:cSld>
     <p:spTree>
       <p:nvGrpSpPr>
@@ -9944,69 +9815,301 @@
           <a:lstStyle/>
           <a:p>
             <a:r>
-              <a:rPr lang="en-US" dirty="0" err="1" smtClean="0"/>
-              <a:t>Vorgehensweise</a:t>
-            </a:r>
-            <a:endParaRPr lang="en-US" dirty="0"/>
+              <a:rPr lang="de-DE" dirty="0" smtClean="0"/>
+              <a:t>Programm-Ablauf</a:t>
+            </a:r>
+            <a:endParaRPr lang="de-DE" dirty="0"/>
           </a:p>
         </p:txBody>
       </p:sp>
       <p:sp>
         <p:nvSpPr>
-          <p:cNvPr id="3" name="Inhaltsplatzhalter 2"/>
-          <p:cNvSpPr>
-            <a:spLocks noGrp="1"/>
-          </p:cNvSpPr>
-          <p:nvPr>
-            <p:ph idx="1"/>
-          </p:nvPr>
+          <p:cNvPr id="4" name="Flussdiagramm: Alternativer Prozess 3"/>
+          <p:cNvSpPr/>
+          <p:nvPr/>
         </p:nvSpPr>
-        <p:spPr/>
+        <p:spPr>
+          <a:xfrm>
+            <a:off x="2971800" y="1040600"/>
+            <a:ext cx="2743200" cy="612648"/>
+          </a:xfrm>
+          <a:prstGeom prst="flowChartAlternateProcess">
+            <a:avLst/>
+          </a:prstGeom>
+        </p:spPr>
+        <p:style>
+          <a:lnRef idx="2">
+            <a:schemeClr val="accent1">
+              <a:shade val="50000"/>
+            </a:schemeClr>
+          </a:lnRef>
+          <a:fillRef idx="1">
+            <a:schemeClr val="accent1"/>
+          </a:fillRef>
+          <a:effectRef idx="0">
+            <a:schemeClr val="accent1"/>
+          </a:effectRef>
+          <a:fontRef idx="minor">
+            <a:schemeClr val="lt1"/>
+          </a:fontRef>
+        </p:style>
         <p:txBody>
-          <a:bodyPr/>
+          <a:bodyPr rtlCol="0" anchor="ctr"/>
           <a:lstStyle/>
           <a:p>
-            <a:endParaRPr lang="en-US" dirty="0" smtClean="0"/>
+            <a:pPr algn="ctr"/>
+            <a:r>
+              <a:rPr lang="de-DE" dirty="0" smtClean="0"/>
+              <a:t>Kalibrierung</a:t>
+            </a:r>
+            <a:endParaRPr lang="de-DE" dirty="0"/>
           </a:p>
         </p:txBody>
       </p:sp>
-      <p:pic>
-        <p:nvPicPr>
-          <p:cNvPr id="4" name="Grafik 3" descr="Ablauf.png"/>
-          <p:cNvPicPr>
-            <a:picLocks noChangeAspect="1"/>
-          </p:cNvPicPr>
+      <p:sp>
+        <p:nvSpPr>
+          <p:cNvPr id="5" name="Flussdiagramm: Alternativer Prozess 4"/>
+          <p:cNvSpPr/>
           <p:nvPr/>
-        </p:nvPicPr>
-        <p:blipFill>
-          <a:blip r:embed="rId2"/>
-          <a:stretch>
-            <a:fillRect/>
-          </a:stretch>
-        </p:blipFill>
+        </p:nvSpPr>
         <p:spPr>
           <a:xfrm>
-            <a:off x="3352800" y="1143000"/>
-            <a:ext cx="1836420" cy="4967366"/>
-          </a:xfrm>
-          <a:prstGeom prst="rect">
+            <a:off x="2971800" y="2397744"/>
+            <a:ext cx="2743200" cy="612648"/>
+          </a:xfrm>
+          <a:prstGeom prst="flowChartAlternateProcess">
             <a:avLst/>
           </a:prstGeom>
         </p:spPr>
-      </p:pic>
+        <p:style>
+          <a:lnRef idx="2">
+            <a:schemeClr val="accent1">
+              <a:shade val="50000"/>
+            </a:schemeClr>
+          </a:lnRef>
+          <a:fillRef idx="1">
+            <a:schemeClr val="accent1"/>
+          </a:fillRef>
+          <a:effectRef idx="0">
+            <a:schemeClr val="accent1"/>
+          </a:effectRef>
+          <a:fontRef idx="minor">
+            <a:schemeClr val="lt1"/>
+          </a:fontRef>
+        </p:style>
+        <p:txBody>
+          <a:bodyPr rtlCol="0" anchor="ctr"/>
+          <a:lstStyle/>
+          <a:p>
+            <a:pPr algn="ctr"/>
+            <a:r>
+              <a:rPr lang="de-DE" dirty="0" smtClean="0"/>
+              <a:t>Lage und Maße</a:t>
+            </a:r>
+            <a:endParaRPr lang="de-DE" dirty="0"/>
+          </a:p>
+        </p:txBody>
+      </p:sp>
+      <p:sp>
+        <p:nvSpPr>
+          <p:cNvPr id="6" name="Flussdiagramm: Alternativer Prozess 5"/>
+          <p:cNvSpPr/>
+          <p:nvPr/>
+        </p:nvSpPr>
+        <p:spPr>
+          <a:xfrm>
+            <a:off x="2986216" y="3748710"/>
+            <a:ext cx="2743200" cy="612648"/>
+          </a:xfrm>
+          <a:prstGeom prst="flowChartAlternateProcess">
+            <a:avLst/>
+          </a:prstGeom>
+        </p:spPr>
+        <p:style>
+          <a:lnRef idx="2">
+            <a:schemeClr val="accent1">
+              <a:shade val="50000"/>
+            </a:schemeClr>
+          </a:lnRef>
+          <a:fillRef idx="1">
+            <a:schemeClr val="accent1"/>
+          </a:fillRef>
+          <a:effectRef idx="0">
+            <a:schemeClr val="accent1"/>
+          </a:effectRef>
+          <a:fontRef idx="minor">
+            <a:schemeClr val="lt1"/>
+          </a:fontRef>
+        </p:style>
+        <p:txBody>
+          <a:bodyPr rtlCol="0" anchor="ctr"/>
+          <a:lstStyle/>
+          <a:p>
+            <a:pPr algn="ctr"/>
+            <a:r>
+              <a:rPr lang="de-DE" dirty="0" smtClean="0"/>
+              <a:t>Bohrungen</a:t>
+            </a:r>
+            <a:endParaRPr lang="de-DE" dirty="0"/>
+          </a:p>
+        </p:txBody>
+      </p:sp>
+      <p:sp>
+        <p:nvSpPr>
+          <p:cNvPr id="7" name="Flussdiagramm: Alternativer Prozess 6"/>
+          <p:cNvSpPr/>
+          <p:nvPr/>
+        </p:nvSpPr>
+        <p:spPr>
+          <a:xfrm>
+            <a:off x="2971800" y="5105854"/>
+            <a:ext cx="2743200" cy="612648"/>
+          </a:xfrm>
+          <a:prstGeom prst="flowChartAlternateProcess">
+            <a:avLst/>
+          </a:prstGeom>
+        </p:spPr>
+        <p:style>
+          <a:lnRef idx="2">
+            <a:schemeClr val="accent1">
+              <a:shade val="50000"/>
+            </a:schemeClr>
+          </a:lnRef>
+          <a:fillRef idx="1">
+            <a:schemeClr val="accent1"/>
+          </a:fillRef>
+          <a:effectRef idx="0">
+            <a:schemeClr val="accent1"/>
+          </a:effectRef>
+          <a:fontRef idx="minor">
+            <a:schemeClr val="lt1"/>
+          </a:fontRef>
+        </p:style>
+        <p:txBody>
+          <a:bodyPr rtlCol="0" anchor="ctr"/>
+          <a:lstStyle/>
+          <a:p>
+            <a:pPr algn="ctr"/>
+            <a:r>
+              <a:rPr lang="de-DE" dirty="0" smtClean="0"/>
+              <a:t>Schäden</a:t>
+            </a:r>
+            <a:endParaRPr lang="de-DE" dirty="0"/>
+          </a:p>
+        </p:txBody>
+      </p:sp>
+      <p:cxnSp>
+        <p:nvCxnSpPr>
+          <p:cNvPr id="11" name="Gerade Verbindung mit Pfeil 10"/>
+          <p:cNvCxnSpPr>
+            <a:stCxn id="4" idx="2"/>
+            <a:endCxn id="5" idx="0"/>
+          </p:cNvCxnSpPr>
+          <p:nvPr/>
+        </p:nvCxnSpPr>
+        <p:spPr>
+          <a:xfrm>
+            <a:off x="4343400" y="1653248"/>
+            <a:ext cx="0" cy="744496"/>
+          </a:xfrm>
+          <a:prstGeom prst="straightConnector1">
+            <a:avLst/>
+          </a:prstGeom>
+          <a:ln>
+            <a:tailEnd type="triangle"/>
+          </a:ln>
+        </p:spPr>
+        <p:style>
+          <a:lnRef idx="3">
+            <a:schemeClr val="accent1"/>
+          </a:lnRef>
+          <a:fillRef idx="0">
+            <a:schemeClr val="accent1"/>
+          </a:fillRef>
+          <a:effectRef idx="2">
+            <a:schemeClr val="accent1"/>
+          </a:effectRef>
+          <a:fontRef idx="minor">
+            <a:schemeClr val="tx1"/>
+          </a:fontRef>
+        </p:style>
+      </p:cxnSp>
+      <p:cxnSp>
+        <p:nvCxnSpPr>
+          <p:cNvPr id="13" name="Gerade Verbindung mit Pfeil 12"/>
+          <p:cNvCxnSpPr/>
+          <p:nvPr/>
+        </p:nvCxnSpPr>
+        <p:spPr>
+          <a:xfrm>
+            <a:off x="4343400" y="3004214"/>
+            <a:ext cx="0" cy="744496"/>
+          </a:xfrm>
+          <a:prstGeom prst="straightConnector1">
+            <a:avLst/>
+          </a:prstGeom>
+          <a:ln>
+            <a:tailEnd type="triangle"/>
+          </a:ln>
+        </p:spPr>
+        <p:style>
+          <a:lnRef idx="3">
+            <a:schemeClr val="accent1"/>
+          </a:lnRef>
+          <a:fillRef idx="0">
+            <a:schemeClr val="accent1"/>
+          </a:fillRef>
+          <a:effectRef idx="2">
+            <a:schemeClr val="accent1"/>
+          </a:effectRef>
+          <a:fontRef idx="minor">
+            <a:schemeClr val="tx1"/>
+          </a:fontRef>
+        </p:style>
+      </p:cxnSp>
+      <p:cxnSp>
+        <p:nvCxnSpPr>
+          <p:cNvPr id="14" name="Gerade Verbindung mit Pfeil 13"/>
+          <p:cNvCxnSpPr/>
+          <p:nvPr/>
+        </p:nvCxnSpPr>
+        <p:spPr>
+          <a:xfrm>
+            <a:off x="4333103" y="4361358"/>
+            <a:ext cx="0" cy="744496"/>
+          </a:xfrm>
+          <a:prstGeom prst="straightConnector1">
+            <a:avLst/>
+          </a:prstGeom>
+          <a:ln>
+            <a:tailEnd type="triangle"/>
+          </a:ln>
+        </p:spPr>
+        <p:style>
+          <a:lnRef idx="3">
+            <a:schemeClr val="accent1"/>
+          </a:lnRef>
+          <a:fillRef idx="0">
+            <a:schemeClr val="accent1"/>
+          </a:fillRef>
+          <a:effectRef idx="2">
+            <a:schemeClr val="accent1"/>
+          </a:effectRef>
+          <a:fontRef idx="minor">
+            <a:schemeClr val="tx1"/>
+          </a:fontRef>
+        </p:style>
+      </p:cxnSp>
     </p:spTree>
+    <p:extLst>
+      <p:ext uri="{BB962C8B-B14F-4D97-AF65-F5344CB8AC3E}">
+        <p14:creationId xmlns:p14="http://schemas.microsoft.com/office/powerpoint/2010/main" xmlns="" val="2825131093"/>
+      </p:ext>
+    </p:extLst>
   </p:cSld>
   <p:clrMapOvr>
     <a:masterClrMapping/>
   </p:clrMapOvr>
-  <mc:AlternateContent xmlns:mc="http://schemas.openxmlformats.org/markup-compatibility/2006" xmlns:p14="http://schemas.microsoft.com/office/powerpoint/2010/main">
-    <mc:Choice Requires="p14">
-      <p:transition spd="slow" p14:dur="2000"/>
-    </mc:Choice>
-    <mc:Fallback xmlns="">
-      <p:transition spd="slow"/>
-    </mc:Fallback>
-  </mc:AlternateContent>
   <p:timing>
     <p:tnLst>
       <p:par>
@@ -10071,6 +10174,16 @@
           <a:prstGeom prst="flowChartAlternateProcess">
             <a:avLst/>
           </a:prstGeom>
+          <a:solidFill>
+            <a:schemeClr val="accent1"/>
+          </a:solidFill>
+          <a:ln>
+            <a:solidFill>
+              <a:schemeClr val="accent1">
+                <a:shade val="50000"/>
+              </a:schemeClr>
+            </a:solidFill>
+          </a:ln>
         </p:spPr>
         <p:style>
           <a:lnRef idx="2">
@@ -10115,6 +10228,18 @@
           <a:prstGeom prst="flowChartAlternateProcess">
             <a:avLst/>
           </a:prstGeom>
+          <a:solidFill>
+            <a:schemeClr val="accent1">
+              <a:alpha val="25000"/>
+            </a:schemeClr>
+          </a:solidFill>
+          <a:ln>
+            <a:solidFill>
+              <a:schemeClr val="accent1">
+                <a:alpha val="25000"/>
+              </a:schemeClr>
+            </a:solidFill>
+          </a:ln>
         </p:spPr>
         <p:style>
           <a:lnRef idx="2">
@@ -10138,10 +10263,9 @@
           <a:p>
             <a:pPr algn="ctr"/>
             <a:r>
-              <a:rPr lang="de-DE" dirty="0" smtClean="0"/>
+              <a:rPr lang="de-DE" dirty="0"/>
               <a:t>Lage und Maße</a:t>
             </a:r>
-            <a:endParaRPr lang="de-DE" dirty="0"/>
           </a:p>
         </p:txBody>
       </p:sp>
@@ -10159,6 +10283,18 @@
           <a:prstGeom prst="flowChartAlternateProcess">
             <a:avLst/>
           </a:prstGeom>
+          <a:solidFill>
+            <a:schemeClr val="accent1">
+              <a:alpha val="25000"/>
+            </a:schemeClr>
+          </a:solidFill>
+          <a:ln>
+            <a:solidFill>
+              <a:schemeClr val="accent1">
+                <a:alpha val="25000"/>
+              </a:schemeClr>
+            </a:solidFill>
+          </a:ln>
         </p:spPr>
         <p:style>
           <a:lnRef idx="2">
@@ -10182,10 +10318,9 @@
           <a:p>
             <a:pPr algn="ctr"/>
             <a:r>
-              <a:rPr lang="de-DE" dirty="0" smtClean="0"/>
+              <a:rPr lang="de-DE" dirty="0"/>
               <a:t>Bohrungen</a:t>
             </a:r>
-            <a:endParaRPr lang="de-DE" dirty="0"/>
           </a:p>
         </p:txBody>
       </p:sp>
@@ -10203,6 +10338,18 @@
           <a:prstGeom prst="flowChartAlternateProcess">
             <a:avLst/>
           </a:prstGeom>
+          <a:solidFill>
+            <a:schemeClr val="accent1">
+              <a:alpha val="25000"/>
+            </a:schemeClr>
+          </a:solidFill>
+          <a:ln>
+            <a:solidFill>
+              <a:schemeClr val="accent1">
+                <a:alpha val="25000"/>
+              </a:schemeClr>
+            </a:solidFill>
+          </a:ln>
         </p:spPr>
         <p:style>
           <a:lnRef idx="2">
@@ -10251,6 +10398,11 @@
             <a:avLst/>
           </a:prstGeom>
           <a:ln>
+            <a:solidFill>
+              <a:schemeClr val="accent1">
+                <a:alpha val="25000"/>
+              </a:schemeClr>
+            </a:solidFill>
             <a:tailEnd type="triangle"/>
           </a:ln>
         </p:spPr>
@@ -10284,6 +10436,11 @@
             <a:avLst/>
           </a:prstGeom>
           <a:ln>
+            <a:solidFill>
+              <a:schemeClr val="accent1">
+                <a:alpha val="25000"/>
+              </a:schemeClr>
+            </a:solidFill>
             <a:tailEnd type="triangle"/>
           </a:ln>
         </p:spPr>
@@ -10317,6 +10474,11 @@
             <a:avLst/>
           </a:prstGeom>
           <a:ln>
+            <a:solidFill>
+              <a:schemeClr val="accent1">
+                <a:alpha val="25000"/>
+              </a:schemeClr>
+            </a:solidFill>
             <a:tailEnd type="triangle"/>
           </a:ln>
         </p:spPr>
@@ -10338,7 +10500,7 @@
     </p:spTree>
     <p:extLst>
       <p:ext uri="{BB962C8B-B14F-4D97-AF65-F5344CB8AC3E}">
-        <p14:creationId xmlns:p14="http://schemas.microsoft.com/office/powerpoint/2010/main" val="2825131093"/>
+        <p14:creationId xmlns:p14="http://schemas.microsoft.com/office/powerpoint/2010/main" xmlns="" val="3187124118"/>
       </p:ext>
     </p:extLst>
   </p:cSld>
@@ -10389,7 +10551,7 @@
           <a:p>
             <a:r>
               <a:rPr lang="de-DE" dirty="0" smtClean="0"/>
-              <a:t>Programm-Ablauf</a:t>
+              <a:t>Kalibrierung</a:t>
             </a:r>
             <a:endParaRPr lang="de-DE" dirty="0"/>
           </a:p>
@@ -10397,347 +10559,158 @@
       </p:sp>
       <p:sp>
         <p:nvSpPr>
-          <p:cNvPr id="4" name="Flussdiagramm: Alternativer Prozess 3"/>
-          <p:cNvSpPr/>
-          <p:nvPr/>
+          <p:cNvPr id="3" name="Inhaltsplatzhalter 2"/>
+          <p:cNvSpPr>
+            <a:spLocks noGrp="1"/>
+          </p:cNvSpPr>
+          <p:nvPr>
+            <p:ph idx="1"/>
+          </p:nvPr>
         </p:nvSpPr>
-        <p:spPr>
-          <a:xfrm>
-            <a:off x="2971800" y="1040600"/>
-            <a:ext cx="2743200" cy="612648"/>
-          </a:xfrm>
-          <a:prstGeom prst="flowChartAlternateProcess">
-            <a:avLst/>
-          </a:prstGeom>
-          <a:solidFill>
-            <a:schemeClr val="accent1"/>
-          </a:solidFill>
-          <a:ln>
-            <a:solidFill>
-              <a:schemeClr val="accent1">
-                <a:shade val="50000"/>
-              </a:schemeClr>
-            </a:solidFill>
-          </a:ln>
-        </p:spPr>
-        <p:style>
-          <a:lnRef idx="2">
-            <a:schemeClr val="accent1">
-              <a:shade val="50000"/>
-            </a:schemeClr>
-          </a:lnRef>
-          <a:fillRef idx="1">
-            <a:schemeClr val="accent1"/>
-          </a:fillRef>
-          <a:effectRef idx="0">
-            <a:schemeClr val="accent1"/>
-          </a:effectRef>
-          <a:fontRef idx="minor">
-            <a:schemeClr val="lt1"/>
-          </a:fontRef>
-        </p:style>
+        <p:spPr/>
         <p:txBody>
-          <a:bodyPr rtlCol="0" anchor="ctr"/>
+          <a:bodyPr/>
           <a:lstStyle/>
           <a:p>
-            <a:pPr algn="ctr"/>
             <a:r>
               <a:rPr lang="de-DE" dirty="0" smtClean="0"/>
-              <a:t>Kalibrierung</a:t>
-            </a:r>
-            <a:endParaRPr lang="de-DE" dirty="0"/>
+              <a:t>Bildvorverarbeitung</a:t>
+            </a:r>
+          </a:p>
+          <a:p>
+            <a:pPr lvl="1"/>
+            <a:r>
+              <a:rPr lang="de-DE" dirty="0" smtClean="0"/>
+              <a:t>Maskieren der Werkstück </a:t>
+            </a:r>
+            <a:r>
+              <a:rPr lang="de-DE" dirty="0" err="1" smtClean="0"/>
+              <a:t>pixel</a:t>
+            </a:r>
+            <a:endParaRPr lang="de-DE" dirty="0" smtClean="0"/>
+          </a:p>
+          <a:p>
+            <a:pPr lvl="2"/>
+            <a:r>
+              <a:rPr lang="de-DE" dirty="0" smtClean="0"/>
+              <a:t>Pixel mit </a:t>
+            </a:r>
+            <a:r>
+              <a:rPr lang="de-DE" dirty="0" err="1" smtClean="0"/>
+              <a:t>Grauwert</a:t>
+            </a:r>
+            <a:r>
+              <a:rPr lang="de-DE" dirty="0" smtClean="0"/>
+              <a:t> &gt;= 70 werden auf 255 (weiß) gesetzt</a:t>
+            </a:r>
+          </a:p>
+          <a:p>
+            <a:pPr lvl="2"/>
+            <a:r>
+              <a:rPr lang="de-DE" dirty="0" smtClean="0"/>
+              <a:t>Restliche Pixel auf 0 (schwarz)</a:t>
+            </a:r>
+          </a:p>
+          <a:p>
+            <a:pPr lvl="1"/>
+            <a:r>
+              <a:rPr lang="de-DE" dirty="0" smtClean="0"/>
+              <a:t>Reduktion von Noise</a:t>
+            </a:r>
+          </a:p>
+          <a:p>
+            <a:pPr lvl="2"/>
+            <a:r>
+              <a:rPr lang="de-DE" dirty="0" smtClean="0"/>
+              <a:t>Morphologische Erosion und </a:t>
+            </a:r>
+            <a:r>
+              <a:rPr lang="de-DE" dirty="0" err="1" smtClean="0"/>
+              <a:t>Dilitation</a:t>
+            </a:r>
+            <a:r>
+              <a:rPr lang="de-DE" dirty="0" smtClean="0"/>
+              <a:t> zur Reduktion von Noise an den Objektkanten</a:t>
+            </a:r>
+          </a:p>
+          <a:p>
+            <a:pPr lvl="1"/>
+            <a:r>
+              <a:rPr lang="de-DE" dirty="0" err="1" smtClean="0"/>
+              <a:t>Kantendektion</a:t>
+            </a:r>
+            <a:r>
+              <a:rPr lang="de-DE" dirty="0" smtClean="0"/>
+              <a:t> mit </a:t>
+            </a:r>
+            <a:r>
+              <a:rPr lang="de-DE" dirty="0" err="1" smtClean="0"/>
+              <a:t>Canny</a:t>
+            </a:r>
+            <a:endParaRPr lang="de-DE" dirty="0" smtClean="0"/>
+          </a:p>
+          <a:p>
+            <a:pPr lvl="1"/>
+            <a:endParaRPr lang="de-DE" dirty="0" smtClean="0"/>
+          </a:p>
+          <a:p>
+            <a:r>
+              <a:rPr lang="de-DE" dirty="0" smtClean="0"/>
+              <a:t>Ermitteln der Kalibrierungsgröße Pixel-</a:t>
+            </a:r>
+            <a:r>
+              <a:rPr lang="de-DE" dirty="0" err="1" smtClean="0"/>
+              <a:t>to</a:t>
+            </a:r>
+            <a:r>
+              <a:rPr lang="de-DE" dirty="0" smtClean="0"/>
+              <a:t>-</a:t>
+            </a:r>
+            <a:r>
+              <a:rPr lang="de-DE" dirty="0" err="1" smtClean="0"/>
+              <a:t>Centimeter</a:t>
+            </a:r>
+            <a:r>
+              <a:rPr lang="de-DE" dirty="0" smtClean="0"/>
+              <a:t> (PX2CM)</a:t>
+            </a:r>
+            <a:endParaRPr lang="de-DE" dirty="0" smtClean="0"/>
+          </a:p>
+          <a:p>
+            <a:pPr lvl="1"/>
+            <a:r>
+              <a:rPr lang="de-DE" dirty="0" smtClean="0"/>
+              <a:t>Annahme: Kontur, die den Flächeninhalt des kleinsten, vollständig umschließenden Rechtecks maximiert ist die Kontur des </a:t>
+            </a:r>
+            <a:r>
+              <a:rPr lang="de-DE" dirty="0" smtClean="0"/>
+              <a:t>Kalibrierungswerkstücks</a:t>
+            </a:r>
+          </a:p>
+          <a:p>
+            <a:pPr lvl="1"/>
+            <a:r>
+              <a:rPr lang="de-DE" dirty="0" smtClean="0"/>
+              <a:t>Seitenlängen des Kalibrierungswerkstücks sind bekannt</a:t>
+            </a:r>
+          </a:p>
+          <a:p>
+            <a:pPr lvl="1"/>
+            <a:r>
+              <a:rPr lang="de-DE" dirty="0" smtClean="0"/>
+              <a:t>PX2CM = Quotient aus längster Seite und längster bekannter Seitenlänge</a:t>
+            </a:r>
+          </a:p>
+          <a:p>
+            <a:pPr lvl="1"/>
+            <a:endParaRPr lang="de-DE" dirty="0" smtClean="0"/>
+          </a:p>
+          <a:p>
+            <a:endParaRPr lang="de-DE" dirty="0" smtClean="0"/>
           </a:p>
         </p:txBody>
       </p:sp>
-      <p:sp>
-        <p:nvSpPr>
-          <p:cNvPr id="5" name="Flussdiagramm: Alternativer Prozess 4"/>
-          <p:cNvSpPr/>
-          <p:nvPr/>
-        </p:nvSpPr>
-        <p:spPr>
-          <a:xfrm>
-            <a:off x="2971800" y="2397744"/>
-            <a:ext cx="2743200" cy="612648"/>
-          </a:xfrm>
-          <a:prstGeom prst="flowChartAlternateProcess">
-            <a:avLst/>
-          </a:prstGeom>
-          <a:solidFill>
-            <a:schemeClr val="accent1">
-              <a:alpha val="25000"/>
-            </a:schemeClr>
-          </a:solidFill>
-          <a:ln>
-            <a:solidFill>
-              <a:schemeClr val="accent1">
-                <a:alpha val="25000"/>
-              </a:schemeClr>
-            </a:solidFill>
-          </a:ln>
-        </p:spPr>
-        <p:style>
-          <a:lnRef idx="2">
-            <a:schemeClr val="accent1">
-              <a:shade val="50000"/>
-            </a:schemeClr>
-          </a:lnRef>
-          <a:fillRef idx="1">
-            <a:schemeClr val="accent1"/>
-          </a:fillRef>
-          <a:effectRef idx="0">
-            <a:schemeClr val="accent1"/>
-          </a:effectRef>
-          <a:fontRef idx="minor">
-            <a:schemeClr val="lt1"/>
-          </a:fontRef>
-        </p:style>
-        <p:txBody>
-          <a:bodyPr rtlCol="0" anchor="ctr"/>
-          <a:lstStyle/>
-          <a:p>
-            <a:pPr algn="ctr"/>
-            <a:r>
-              <a:rPr lang="de-DE" dirty="0"/>
-              <a:t>Lage und Maße</a:t>
-            </a:r>
-          </a:p>
-        </p:txBody>
-      </p:sp>
-      <p:sp>
-        <p:nvSpPr>
-          <p:cNvPr id="6" name="Flussdiagramm: Alternativer Prozess 5"/>
-          <p:cNvSpPr/>
-          <p:nvPr/>
-        </p:nvSpPr>
-        <p:spPr>
-          <a:xfrm>
-            <a:off x="2986216" y="3748710"/>
-            <a:ext cx="2743200" cy="612648"/>
-          </a:xfrm>
-          <a:prstGeom prst="flowChartAlternateProcess">
-            <a:avLst/>
-          </a:prstGeom>
-          <a:solidFill>
-            <a:schemeClr val="accent1">
-              <a:alpha val="25000"/>
-            </a:schemeClr>
-          </a:solidFill>
-          <a:ln>
-            <a:solidFill>
-              <a:schemeClr val="accent1">
-                <a:alpha val="25000"/>
-              </a:schemeClr>
-            </a:solidFill>
-          </a:ln>
-        </p:spPr>
-        <p:style>
-          <a:lnRef idx="2">
-            <a:schemeClr val="accent1">
-              <a:shade val="50000"/>
-            </a:schemeClr>
-          </a:lnRef>
-          <a:fillRef idx="1">
-            <a:schemeClr val="accent1"/>
-          </a:fillRef>
-          <a:effectRef idx="0">
-            <a:schemeClr val="accent1"/>
-          </a:effectRef>
-          <a:fontRef idx="minor">
-            <a:schemeClr val="lt1"/>
-          </a:fontRef>
-        </p:style>
-        <p:txBody>
-          <a:bodyPr rtlCol="0" anchor="ctr"/>
-          <a:lstStyle/>
-          <a:p>
-            <a:pPr algn="ctr"/>
-            <a:r>
-              <a:rPr lang="de-DE" dirty="0"/>
-              <a:t>Bohrungen</a:t>
-            </a:r>
-          </a:p>
-        </p:txBody>
-      </p:sp>
-      <p:sp>
-        <p:nvSpPr>
-          <p:cNvPr id="7" name="Flussdiagramm: Alternativer Prozess 6"/>
-          <p:cNvSpPr/>
-          <p:nvPr/>
-        </p:nvSpPr>
-        <p:spPr>
-          <a:xfrm>
-            <a:off x="2971800" y="5105854"/>
-            <a:ext cx="2743200" cy="612648"/>
-          </a:xfrm>
-          <a:prstGeom prst="flowChartAlternateProcess">
-            <a:avLst/>
-          </a:prstGeom>
-          <a:solidFill>
-            <a:schemeClr val="accent1">
-              <a:alpha val="25000"/>
-            </a:schemeClr>
-          </a:solidFill>
-          <a:ln>
-            <a:solidFill>
-              <a:schemeClr val="accent1">
-                <a:alpha val="25000"/>
-              </a:schemeClr>
-            </a:solidFill>
-          </a:ln>
-        </p:spPr>
-        <p:style>
-          <a:lnRef idx="2">
-            <a:schemeClr val="accent1">
-              <a:shade val="50000"/>
-            </a:schemeClr>
-          </a:lnRef>
-          <a:fillRef idx="1">
-            <a:schemeClr val="accent1"/>
-          </a:fillRef>
-          <a:effectRef idx="0">
-            <a:schemeClr val="accent1"/>
-          </a:effectRef>
-          <a:fontRef idx="minor">
-            <a:schemeClr val="lt1"/>
-          </a:fontRef>
-        </p:style>
-        <p:txBody>
-          <a:bodyPr rtlCol="0" anchor="ctr"/>
-          <a:lstStyle/>
-          <a:p>
-            <a:pPr algn="ctr"/>
-            <a:r>
-              <a:rPr lang="de-DE" dirty="0" smtClean="0"/>
-              <a:t>Schäden</a:t>
-            </a:r>
-            <a:endParaRPr lang="de-DE" dirty="0"/>
-          </a:p>
-        </p:txBody>
-      </p:sp>
-      <p:cxnSp>
-        <p:nvCxnSpPr>
-          <p:cNvPr id="11" name="Gerade Verbindung mit Pfeil 10"/>
-          <p:cNvCxnSpPr>
-            <a:stCxn id="4" idx="2"/>
-            <a:endCxn id="5" idx="0"/>
-          </p:cNvCxnSpPr>
-          <p:nvPr/>
-        </p:nvCxnSpPr>
-        <p:spPr>
-          <a:xfrm>
-            <a:off x="4343400" y="1653248"/>
-            <a:ext cx="0" cy="744496"/>
-          </a:xfrm>
-          <a:prstGeom prst="straightConnector1">
-            <a:avLst/>
-          </a:prstGeom>
-          <a:ln>
-            <a:solidFill>
-              <a:schemeClr val="accent1">
-                <a:alpha val="25000"/>
-              </a:schemeClr>
-            </a:solidFill>
-            <a:tailEnd type="triangle"/>
-          </a:ln>
-        </p:spPr>
-        <p:style>
-          <a:lnRef idx="3">
-            <a:schemeClr val="accent1"/>
-          </a:lnRef>
-          <a:fillRef idx="0">
-            <a:schemeClr val="accent1"/>
-          </a:fillRef>
-          <a:effectRef idx="2">
-            <a:schemeClr val="accent1"/>
-          </a:effectRef>
-          <a:fontRef idx="minor">
-            <a:schemeClr val="tx1"/>
-          </a:fontRef>
-        </p:style>
-      </p:cxnSp>
-      <p:cxnSp>
-        <p:nvCxnSpPr>
-          <p:cNvPr id="13" name="Gerade Verbindung mit Pfeil 12"/>
-          <p:cNvCxnSpPr/>
-          <p:nvPr/>
-        </p:nvCxnSpPr>
-        <p:spPr>
-          <a:xfrm>
-            <a:off x="4343400" y="3004214"/>
-            <a:ext cx="0" cy="744496"/>
-          </a:xfrm>
-          <a:prstGeom prst="straightConnector1">
-            <a:avLst/>
-          </a:prstGeom>
-          <a:ln>
-            <a:solidFill>
-              <a:schemeClr val="accent1">
-                <a:alpha val="25000"/>
-              </a:schemeClr>
-            </a:solidFill>
-            <a:tailEnd type="triangle"/>
-          </a:ln>
-        </p:spPr>
-        <p:style>
-          <a:lnRef idx="3">
-            <a:schemeClr val="accent1"/>
-          </a:lnRef>
-          <a:fillRef idx="0">
-            <a:schemeClr val="accent1"/>
-          </a:fillRef>
-          <a:effectRef idx="2">
-            <a:schemeClr val="accent1"/>
-          </a:effectRef>
-          <a:fontRef idx="minor">
-            <a:schemeClr val="tx1"/>
-          </a:fontRef>
-        </p:style>
-      </p:cxnSp>
-      <p:cxnSp>
-        <p:nvCxnSpPr>
-          <p:cNvPr id="14" name="Gerade Verbindung mit Pfeil 13"/>
-          <p:cNvCxnSpPr/>
-          <p:nvPr/>
-        </p:nvCxnSpPr>
-        <p:spPr>
-          <a:xfrm>
-            <a:off x="4333103" y="4361358"/>
-            <a:ext cx="0" cy="744496"/>
-          </a:xfrm>
-          <a:prstGeom prst="straightConnector1">
-            <a:avLst/>
-          </a:prstGeom>
-          <a:ln>
-            <a:solidFill>
-              <a:schemeClr val="accent1">
-                <a:alpha val="25000"/>
-              </a:schemeClr>
-            </a:solidFill>
-            <a:tailEnd type="triangle"/>
-          </a:ln>
-        </p:spPr>
-        <p:style>
-          <a:lnRef idx="3">
-            <a:schemeClr val="accent1"/>
-          </a:lnRef>
-          <a:fillRef idx="0">
-            <a:schemeClr val="accent1"/>
-          </a:fillRef>
-          <a:effectRef idx="2">
-            <a:schemeClr val="accent1"/>
-          </a:effectRef>
-          <a:fontRef idx="minor">
-            <a:schemeClr val="tx1"/>
-          </a:fontRef>
-        </p:style>
-      </p:cxnSp>
     </p:spTree>
-    <p:extLst>
-      <p:ext uri="{BB962C8B-B14F-4D97-AF65-F5344CB8AC3E}">
-        <p14:creationId xmlns:p14="http://schemas.microsoft.com/office/powerpoint/2010/main" val="3187124118"/>
-      </p:ext>
-    </p:extLst>
   </p:cSld>
   <p:clrMapOvr>
     <a:masterClrMapping/>

--- a/Praesentation/Vorlage Präsentation.pptx
+++ b/Praesentation/Vorlage Präsentation.pptx
@@ -5,10 +5,10 @@
     <p:sldMasterId id="2147483648" r:id="rId1"/>
   </p:sldMasterIdLst>
   <p:notesMasterIdLst>
-    <p:notesMasterId r:id="rId23"/>
+    <p:notesMasterId r:id="rId25"/>
   </p:notesMasterIdLst>
   <p:handoutMasterIdLst>
-    <p:handoutMasterId r:id="rId24"/>
+    <p:handoutMasterId r:id="rId26"/>
   </p:handoutMasterIdLst>
   <p:sldIdLst>
     <p:sldId id="589" r:id="rId2"/>
@@ -18,20 +18,22 @@
     <p:sldId id="594" r:id="rId6"/>
     <p:sldId id="595" r:id="rId7"/>
     <p:sldId id="602" r:id="rId8"/>
-    <p:sldId id="603" r:id="rId9"/>
-    <p:sldId id="597" r:id="rId10"/>
-    <p:sldId id="604" r:id="rId11"/>
-    <p:sldId id="598" r:id="rId12"/>
-    <p:sldId id="605" r:id="rId13"/>
-    <p:sldId id="599" r:id="rId14"/>
-    <p:sldId id="607" r:id="rId15"/>
-    <p:sldId id="608" r:id="rId16"/>
-    <p:sldId id="610" r:id="rId17"/>
-    <p:sldId id="609" r:id="rId18"/>
-    <p:sldId id="611" r:id="rId19"/>
-    <p:sldId id="606" r:id="rId20"/>
-    <p:sldId id="600" r:id="rId21"/>
-    <p:sldId id="601" r:id="rId22"/>
+    <p:sldId id="613" r:id="rId9"/>
+    <p:sldId id="603" r:id="rId10"/>
+    <p:sldId id="597" r:id="rId11"/>
+    <p:sldId id="604" r:id="rId12"/>
+    <p:sldId id="598" r:id="rId13"/>
+    <p:sldId id="605" r:id="rId14"/>
+    <p:sldId id="599" r:id="rId15"/>
+    <p:sldId id="607" r:id="rId16"/>
+    <p:sldId id="608" r:id="rId17"/>
+    <p:sldId id="610" r:id="rId18"/>
+    <p:sldId id="609" r:id="rId19"/>
+    <p:sldId id="611" r:id="rId20"/>
+    <p:sldId id="606" r:id="rId21"/>
+    <p:sldId id="600" r:id="rId22"/>
+    <p:sldId id="612" r:id="rId23"/>
+    <p:sldId id="601" r:id="rId24"/>
   </p:sldIdLst>
   <p:sldSz cx="9144000" cy="6858000" type="screen4x3"/>
   <p:notesSz cx="6797675" cy="9928225"/>
@@ -162,7 +164,7 @@
   </p:defaultTextStyle>
   <p:extLst>
     <p:ext uri="{EFAFB233-063F-42B5-8137-9DF3F51BA10A}">
-      <p15:sldGuideLst xmlns:p15="http://schemas.microsoft.com/office/powerpoint/2012/main" xmlns="">
+      <p15:sldGuideLst xmlns:p15="http://schemas.microsoft.com/office/powerpoint/2012/main">
         <p15:guide id="1" orient="horz" pos="2160">
           <p15:clr>
             <a:srgbClr val="A4A3A4"/>
@@ -176,7 +178,7 @@
       </p15:sldGuideLst>
     </p:ext>
     <p:ext uri="{2D200454-40CA-4A62-9FC3-DE9A4176ACB9}">
-      <p15:notesGuideLst xmlns:p15="http://schemas.microsoft.com/office/powerpoint/2012/main" xmlns="">
+      <p15:notesGuideLst xmlns:p15="http://schemas.microsoft.com/office/powerpoint/2012/main">
         <p15:guide id="1" orient="horz" pos="3127">
           <p15:clr>
             <a:srgbClr val="A4A3A4"/>
@@ -298,14 +300,14 @@
           </a:ln>
           <a:extLst>
             <a:ext uri="{909E8E84-426E-40DD-AFC4-6F175D3DCCD1}">
-              <a14:hiddenFill xmlns:a14="http://schemas.microsoft.com/office/drawing/2010/main" xmlns="">
+              <a14:hiddenFill xmlns:a14="http://schemas.microsoft.com/office/drawing/2010/main">
                 <a:solidFill>
                   <a:srgbClr val="FFFFFF"/>
                 </a:solidFill>
               </a14:hiddenFill>
             </a:ext>
             <a:ext uri="{91240B29-F687-4F45-9708-019B960494DF}">
-              <a14:hiddenLine xmlns:a14="http://schemas.microsoft.com/office/drawing/2010/main" xmlns="" w="9525">
+              <a14:hiddenLine xmlns:a14="http://schemas.microsoft.com/office/drawing/2010/main" w="9525">
                 <a:solidFill>
                   <a:srgbClr val="000000"/>
                 </a:solidFill>
@@ -484,7 +486,7 @@
           <a:blip r:embed="rId2" cstate="print">
             <a:extLst>
               <a:ext uri="{28A0092B-C50C-407E-A947-70E740481C1C}">
-                <a14:useLocalDpi xmlns:a14="http://schemas.microsoft.com/office/drawing/2010/main" xmlns="" val="0"/>
+                <a14:useLocalDpi xmlns:a14="http://schemas.microsoft.com/office/drawing/2010/main" val="0"/>
               </a:ext>
             </a:extLst>
           </a:blip>
@@ -507,14 +509,14 @@
           </a:ln>
           <a:extLst>
             <a:ext uri="{909E8E84-426E-40DD-AFC4-6F175D3DCCD1}">
-              <a14:hiddenFill xmlns:a14="http://schemas.microsoft.com/office/drawing/2010/main" xmlns="">
+              <a14:hiddenFill xmlns:a14="http://schemas.microsoft.com/office/drawing/2010/main">
                 <a:solidFill>
                   <a:srgbClr val="FFFFFF"/>
                 </a:solidFill>
               </a14:hiddenFill>
             </a:ext>
             <a:ext uri="{91240B29-F687-4F45-9708-019B960494DF}">
-              <a14:hiddenLine xmlns:a14="http://schemas.microsoft.com/office/drawing/2010/main" xmlns="" w="9525">
+              <a14:hiddenLine xmlns:a14="http://schemas.microsoft.com/office/drawing/2010/main" w="9525">
                 <a:solidFill>
                   <a:srgbClr val="000000"/>
                 </a:solidFill>
@@ -529,7 +531,7 @@
     </p:spTree>
     <p:extLst>
       <p:ext uri="{BB962C8B-B14F-4D97-AF65-F5344CB8AC3E}">
-        <p14:creationId xmlns:p14="http://schemas.microsoft.com/office/powerpoint/2010/main" xmlns="" val="1778754129"/>
+        <p14:creationId xmlns:p14="http://schemas.microsoft.com/office/powerpoint/2010/main" val="1778754129"/>
       </p:ext>
     </p:extLst>
   </p:cSld>
@@ -701,7 +703,7 @@
           </a:ln>
           <a:extLst>
             <a:ext uri="{909E8E84-426E-40DD-AFC4-6F175D3DCCD1}">
-              <a14:hiddenFill xmlns:a14="http://schemas.microsoft.com/office/drawing/2010/main" xmlns="">
+              <a14:hiddenFill xmlns:a14="http://schemas.microsoft.com/office/drawing/2010/main">
                 <a:solidFill>
                   <a:srgbClr val="FFFFFF"/>
                 </a:solidFill>
@@ -894,7 +896,7 @@
     </p:spTree>
     <p:extLst>
       <p:ext uri="{BB962C8B-B14F-4D97-AF65-F5344CB8AC3E}">
-        <p14:creationId xmlns:p14="http://schemas.microsoft.com/office/powerpoint/2010/main" xmlns="" val="3790590708"/>
+        <p14:creationId xmlns:p14="http://schemas.microsoft.com/office/powerpoint/2010/main" val="3790590708"/>
       </p:ext>
     </p:extLst>
   </p:cSld>
@@ -1064,14 +1066,14 @@
           </a:ln>
           <a:extLst>
             <a:ext uri="{909E8E84-426E-40DD-AFC4-6F175D3DCCD1}">
-              <a14:hiddenFill xmlns:a14="http://schemas.microsoft.com/office/drawing/2010/main" xmlns="">
+              <a14:hiddenFill xmlns:a14="http://schemas.microsoft.com/office/drawing/2010/main">
                 <a:solidFill>
                   <a:srgbClr val="FFFFFF"/>
                 </a:solidFill>
               </a14:hiddenFill>
             </a:ext>
             <a:ext uri="{91240B29-F687-4F45-9708-019B960494DF}">
-              <a14:hiddenLine xmlns:a14="http://schemas.microsoft.com/office/drawing/2010/main" xmlns="" w="9525">
+              <a14:hiddenLine xmlns:a14="http://schemas.microsoft.com/office/drawing/2010/main" w="9525">
                 <a:solidFill>
                   <a:srgbClr val="000000"/>
                 </a:solidFill>
@@ -1267,7 +1269,7 @@
     </p:spTree>
     <p:extLst>
       <p:ext uri="{BB962C8B-B14F-4D97-AF65-F5344CB8AC3E}">
-        <p14:creationId xmlns:p14="http://schemas.microsoft.com/office/powerpoint/2010/main" xmlns="" val="2386370709"/>
+        <p14:creationId xmlns:p14="http://schemas.microsoft.com/office/powerpoint/2010/main" val="2386370709"/>
       </p:ext>
     </p:extLst>
   </p:cSld>
@@ -1306,7 +1308,7 @@
           <a:blip r:embed="rId2">
             <a:extLst>
               <a:ext uri="{28A0092B-C50C-407E-A947-70E740481C1C}">
-                <a14:useLocalDpi xmlns:a14="http://schemas.microsoft.com/office/drawing/2010/main" xmlns="" val="0"/>
+                <a14:useLocalDpi xmlns:a14="http://schemas.microsoft.com/office/drawing/2010/main" val="0"/>
               </a:ext>
             </a:extLst>
           </a:blip>
@@ -1326,7 +1328,7 @@
           <a:noFill/>
           <a:extLst>
             <a:ext uri="{909E8E84-426E-40DD-AFC4-6F175D3DCCD1}">
-              <a14:hiddenFill xmlns:a14="http://schemas.microsoft.com/office/drawing/2010/main" xmlns="">
+              <a14:hiddenFill xmlns:a14="http://schemas.microsoft.com/office/drawing/2010/main">
                 <a:solidFill>
                   <a:srgbClr val="FFFFFF"/>
                 </a:solidFill>
@@ -1347,7 +1349,7 @@
           <a:blip r:embed="rId3">
             <a:extLst>
               <a:ext uri="{28A0092B-C50C-407E-A947-70E740481C1C}">
-                <a14:useLocalDpi xmlns:a14="http://schemas.microsoft.com/office/drawing/2010/main" xmlns="" val="0"/>
+                <a14:useLocalDpi xmlns:a14="http://schemas.microsoft.com/office/drawing/2010/main" val="0"/>
               </a:ext>
             </a:extLst>
           </a:blip>
@@ -1370,14 +1372,14 @@
           </a:ln>
           <a:extLst>
             <a:ext uri="{909E8E84-426E-40DD-AFC4-6F175D3DCCD1}">
-              <a14:hiddenFill xmlns:a14="http://schemas.microsoft.com/office/drawing/2010/main" xmlns="">
+              <a14:hiddenFill xmlns:a14="http://schemas.microsoft.com/office/drawing/2010/main">
                 <a:solidFill>
                   <a:srgbClr val="FFFFFF"/>
                 </a:solidFill>
               </a14:hiddenFill>
             </a:ext>
             <a:ext uri="{91240B29-F687-4F45-9708-019B960494DF}">
-              <a14:hiddenLine xmlns:a14="http://schemas.microsoft.com/office/drawing/2010/main" xmlns="" w="9525">
+              <a14:hiddenLine xmlns:a14="http://schemas.microsoft.com/office/drawing/2010/main" w="9525">
                 <a:solidFill>
                   <a:srgbClr val="000000"/>
                 </a:solidFill>
@@ -1411,14 +1413,14 @@
           </a:ln>
           <a:extLst>
             <a:ext uri="{909E8E84-426E-40DD-AFC4-6F175D3DCCD1}">
-              <a14:hiddenFill xmlns:a14="http://schemas.microsoft.com/office/drawing/2010/main" xmlns="">
+              <a14:hiddenFill xmlns:a14="http://schemas.microsoft.com/office/drawing/2010/main">
                 <a:solidFill>
                   <a:srgbClr val="FFFFFF"/>
                 </a:solidFill>
               </a14:hiddenFill>
             </a:ext>
             <a:ext uri="{91240B29-F687-4F45-9708-019B960494DF}">
-              <a14:hiddenLine xmlns:a14="http://schemas.microsoft.com/office/drawing/2010/main" xmlns="" w="9525">
+              <a14:hiddenLine xmlns:a14="http://schemas.microsoft.com/office/drawing/2010/main" w="9525">
                 <a:solidFill>
                   <a:srgbClr val="000000"/>
                 </a:solidFill>
@@ -1581,14 +1583,14 @@
           </a:ln>
           <a:extLst>
             <a:ext uri="{909E8E84-426E-40DD-AFC4-6F175D3DCCD1}">
-              <a14:hiddenFill xmlns:a14="http://schemas.microsoft.com/office/drawing/2010/main" xmlns="">
+              <a14:hiddenFill xmlns:a14="http://schemas.microsoft.com/office/drawing/2010/main">
                 <a:solidFill>
                   <a:srgbClr val="FFFFFF"/>
                 </a:solidFill>
               </a14:hiddenFill>
             </a:ext>
             <a:ext uri="{91240B29-F687-4F45-9708-019B960494DF}">
-              <a14:hiddenLine xmlns:a14="http://schemas.microsoft.com/office/drawing/2010/main" xmlns="" w="9525">
+              <a14:hiddenLine xmlns:a14="http://schemas.microsoft.com/office/drawing/2010/main" w="9525">
                 <a:solidFill>
                   <a:srgbClr val="000000"/>
                 </a:solidFill>
@@ -1751,14 +1753,14 @@
           </a:ln>
           <a:extLst>
             <a:ext uri="{909E8E84-426E-40DD-AFC4-6F175D3DCCD1}">
-              <a14:hiddenFill xmlns:a14="http://schemas.microsoft.com/office/drawing/2010/main" xmlns="">
+              <a14:hiddenFill xmlns:a14="http://schemas.microsoft.com/office/drawing/2010/main">
                 <a:solidFill>
                   <a:srgbClr val="FFFFFF"/>
                 </a:solidFill>
               </a14:hiddenFill>
             </a:ext>
             <a:ext uri="{91240B29-F687-4F45-9708-019B960494DF}">
-              <a14:hiddenLine xmlns:a14="http://schemas.microsoft.com/office/drawing/2010/main" xmlns="" w="9525">
+              <a14:hiddenLine xmlns:a14="http://schemas.microsoft.com/office/drawing/2010/main" w="9525">
                 <a:solidFill>
                   <a:srgbClr val="000000"/>
                 </a:solidFill>
@@ -1911,7 +1913,7 @@
           <a:blip r:embed="rId4" cstate="print">
             <a:extLst>
               <a:ext uri="{28A0092B-C50C-407E-A947-70E740481C1C}">
-                <a14:useLocalDpi xmlns:a14="http://schemas.microsoft.com/office/drawing/2010/main" xmlns="" val="0"/>
+                <a14:useLocalDpi xmlns:a14="http://schemas.microsoft.com/office/drawing/2010/main" val="0"/>
               </a:ext>
             </a:extLst>
           </a:blip>
@@ -1934,14 +1936,14 @@
           </a:ln>
           <a:extLst>
             <a:ext uri="{909E8E84-426E-40DD-AFC4-6F175D3DCCD1}">
-              <a14:hiddenFill xmlns:a14="http://schemas.microsoft.com/office/drawing/2010/main" xmlns="">
+              <a14:hiddenFill xmlns:a14="http://schemas.microsoft.com/office/drawing/2010/main">
                 <a:solidFill>
                   <a:srgbClr val="FFFFFF"/>
                 </a:solidFill>
               </a14:hiddenFill>
             </a:ext>
             <a:ext uri="{91240B29-F687-4F45-9708-019B960494DF}">
-              <a14:hiddenLine xmlns:a14="http://schemas.microsoft.com/office/drawing/2010/main" xmlns="" w="9525">
+              <a14:hiddenLine xmlns:a14="http://schemas.microsoft.com/office/drawing/2010/main" w="9525">
                 <a:solidFill>
                   <a:srgbClr val="000000"/>
                 </a:solidFill>
@@ -1956,7 +1958,7 @@
     </p:spTree>
     <p:extLst>
       <p:ext uri="{BB962C8B-B14F-4D97-AF65-F5344CB8AC3E}">
-        <p14:creationId xmlns:p14="http://schemas.microsoft.com/office/powerpoint/2010/main" xmlns="" val="1853772849"/>
+        <p14:creationId xmlns:p14="http://schemas.microsoft.com/office/powerpoint/2010/main" val="1853772849"/>
       </p:ext>
     </p:extLst>
   </p:cSld>
@@ -2069,7 +2071,7 @@
     </p:spTree>
     <p:extLst>
       <p:ext uri="{BB962C8B-B14F-4D97-AF65-F5344CB8AC3E}">
-        <p14:creationId xmlns:p14="http://schemas.microsoft.com/office/powerpoint/2010/main" xmlns="" val="4275079219"/>
+        <p14:creationId xmlns:p14="http://schemas.microsoft.com/office/powerpoint/2010/main" val="4275079219"/>
       </p:ext>
     </p:extLst>
   </p:cSld>
@@ -2184,7 +2186,7 @@
     </p:spTree>
     <p:extLst>
       <p:ext uri="{BB962C8B-B14F-4D97-AF65-F5344CB8AC3E}">
-        <p14:creationId xmlns:p14="http://schemas.microsoft.com/office/powerpoint/2010/main" xmlns="" val="3739785638"/>
+        <p14:creationId xmlns:p14="http://schemas.microsoft.com/office/powerpoint/2010/main" val="3739785638"/>
       </p:ext>
     </p:extLst>
   </p:cSld>
@@ -2267,7 +2269,7 @@
     </p:spTree>
     <p:extLst>
       <p:ext uri="{BB962C8B-B14F-4D97-AF65-F5344CB8AC3E}">
-        <p14:creationId xmlns:p14="http://schemas.microsoft.com/office/powerpoint/2010/main" xmlns="" val="2389652220"/>
+        <p14:creationId xmlns:p14="http://schemas.microsoft.com/office/powerpoint/2010/main" val="2389652220"/>
       </p:ext>
     </p:extLst>
   </p:cSld>
@@ -2379,7 +2381,7 @@
     </p:spTree>
     <p:extLst>
       <p:ext uri="{BB962C8B-B14F-4D97-AF65-F5344CB8AC3E}">
-        <p14:creationId xmlns:p14="http://schemas.microsoft.com/office/powerpoint/2010/main" xmlns="" val="639587486"/>
+        <p14:creationId xmlns:p14="http://schemas.microsoft.com/office/powerpoint/2010/main" val="639587486"/>
       </p:ext>
     </p:extLst>
   </p:cSld>
@@ -2513,7 +2515,7 @@
     </p:spTree>
     <p:extLst>
       <p:ext uri="{BB962C8B-B14F-4D97-AF65-F5344CB8AC3E}">
-        <p14:creationId xmlns:p14="http://schemas.microsoft.com/office/powerpoint/2010/main" xmlns="" val="3851426115"/>
+        <p14:creationId xmlns:p14="http://schemas.microsoft.com/office/powerpoint/2010/main" val="3851426115"/>
       </p:ext>
     </p:extLst>
   </p:cSld>
@@ -2743,7 +2745,7 @@
     </p:spTree>
     <p:extLst>
       <p:ext uri="{BB962C8B-B14F-4D97-AF65-F5344CB8AC3E}">
-        <p14:creationId xmlns:p14="http://schemas.microsoft.com/office/powerpoint/2010/main" xmlns="" val="382903280"/>
+        <p14:creationId xmlns:p14="http://schemas.microsoft.com/office/powerpoint/2010/main" val="382903280"/>
       </p:ext>
     </p:extLst>
   </p:cSld>
@@ -3112,7 +3114,7 @@
     </p:spTree>
     <p:extLst>
       <p:ext uri="{BB962C8B-B14F-4D97-AF65-F5344CB8AC3E}">
-        <p14:creationId xmlns:p14="http://schemas.microsoft.com/office/powerpoint/2010/main" xmlns="" val="1062291010"/>
+        <p14:creationId xmlns:p14="http://schemas.microsoft.com/office/powerpoint/2010/main" val="1062291010"/>
       </p:ext>
     </p:extLst>
   </p:cSld>
@@ -3172,7 +3174,7 @@
     </p:spTree>
     <p:extLst>
       <p:ext uri="{BB962C8B-B14F-4D97-AF65-F5344CB8AC3E}">
-        <p14:creationId xmlns:p14="http://schemas.microsoft.com/office/powerpoint/2010/main" xmlns="" val="2608059310"/>
+        <p14:creationId xmlns:p14="http://schemas.microsoft.com/office/powerpoint/2010/main" val="2608059310"/>
       </p:ext>
     </p:extLst>
   </p:cSld>
@@ -3209,7 +3211,7 @@
     </p:spTree>
     <p:extLst>
       <p:ext uri="{BB962C8B-B14F-4D97-AF65-F5344CB8AC3E}">
-        <p14:creationId xmlns:p14="http://schemas.microsoft.com/office/powerpoint/2010/main" xmlns="" val="229801959"/>
+        <p14:creationId xmlns:p14="http://schemas.microsoft.com/office/powerpoint/2010/main" val="229801959"/>
       </p:ext>
     </p:extLst>
   </p:cSld>
@@ -3421,7 +3423,7 @@
     </p:spTree>
     <p:extLst>
       <p:ext uri="{BB962C8B-B14F-4D97-AF65-F5344CB8AC3E}">
-        <p14:creationId xmlns:p14="http://schemas.microsoft.com/office/powerpoint/2010/main" xmlns="" val="4048644694"/>
+        <p14:creationId xmlns:p14="http://schemas.microsoft.com/office/powerpoint/2010/main" val="4048644694"/>
       </p:ext>
     </p:extLst>
   </p:cSld>
@@ -3610,7 +3612,7 @@
     </p:spTree>
     <p:extLst>
       <p:ext uri="{BB962C8B-B14F-4D97-AF65-F5344CB8AC3E}">
-        <p14:creationId xmlns:p14="http://schemas.microsoft.com/office/powerpoint/2010/main" xmlns="" val="2996506015"/>
+        <p14:creationId xmlns:p14="http://schemas.microsoft.com/office/powerpoint/2010/main" val="2996506015"/>
       </p:ext>
     </p:extLst>
   </p:cSld>
@@ -3657,7 +3659,7 @@
           <a:blip r:embed="rId14">
             <a:extLst>
               <a:ext uri="{28A0092B-C50C-407E-A947-70E740481C1C}">
-                <a14:useLocalDpi xmlns:a14="http://schemas.microsoft.com/office/drawing/2010/main" xmlns="" val="0"/>
+                <a14:useLocalDpi xmlns:a14="http://schemas.microsoft.com/office/drawing/2010/main" val="0"/>
               </a:ext>
             </a:extLst>
           </a:blip>
@@ -3680,14 +3682,14 @@
           </a:ln>
           <a:extLst>
             <a:ext uri="{909E8E84-426E-40DD-AFC4-6F175D3DCCD1}">
-              <a14:hiddenFill xmlns:a14="http://schemas.microsoft.com/office/drawing/2010/main" xmlns="">
+              <a14:hiddenFill xmlns:a14="http://schemas.microsoft.com/office/drawing/2010/main">
                 <a:solidFill>
                   <a:srgbClr val="FFFFFF"/>
                 </a:solidFill>
               </a14:hiddenFill>
             </a:ext>
             <a:ext uri="{91240B29-F687-4F45-9708-019B960494DF}">
-              <a14:hiddenLine xmlns:a14="http://schemas.microsoft.com/office/drawing/2010/main" xmlns="" w="9525">
+              <a14:hiddenLine xmlns:a14="http://schemas.microsoft.com/office/drawing/2010/main" w="9525">
                 <a:solidFill>
                   <a:srgbClr val="000000"/>
                 </a:solidFill>
@@ -3723,14 +3725,14 @@
           </a:ln>
           <a:extLst>
             <a:ext uri="{909E8E84-426E-40DD-AFC4-6F175D3DCCD1}">
-              <a14:hiddenFill xmlns:a14="http://schemas.microsoft.com/office/drawing/2010/main" xmlns="">
+              <a14:hiddenFill xmlns:a14="http://schemas.microsoft.com/office/drawing/2010/main">
                 <a:solidFill>
                   <a:srgbClr val="FFFFFF"/>
                 </a:solidFill>
               </a14:hiddenFill>
             </a:ext>
             <a:ext uri="{91240B29-F687-4F45-9708-019B960494DF}">
-              <a14:hiddenLine xmlns:a14="http://schemas.microsoft.com/office/drawing/2010/main" xmlns="" w="9525">
+              <a14:hiddenLine xmlns:a14="http://schemas.microsoft.com/office/drawing/2010/main" w="9525">
                 <a:solidFill>
                   <a:srgbClr val="000000"/>
                 </a:solidFill>
@@ -3788,14 +3790,14 @@
           </a:ln>
           <a:extLst>
             <a:ext uri="{909E8E84-426E-40DD-AFC4-6F175D3DCCD1}">
-              <a14:hiddenFill xmlns:a14="http://schemas.microsoft.com/office/drawing/2010/main" xmlns="">
+              <a14:hiddenFill xmlns:a14="http://schemas.microsoft.com/office/drawing/2010/main">
                 <a:solidFill>
                   <a:srgbClr val="FFFFFF"/>
                 </a:solidFill>
               </a14:hiddenFill>
             </a:ext>
             <a:ext uri="{91240B29-F687-4F45-9708-019B960494DF}">
-              <a14:hiddenLine xmlns:a14="http://schemas.microsoft.com/office/drawing/2010/main" xmlns="" w="9525">
+              <a14:hiddenLine xmlns:a14="http://schemas.microsoft.com/office/drawing/2010/main" w="9525">
                 <a:solidFill>
                   <a:srgbClr val="000000"/>
                 </a:solidFill>
@@ -3872,14 +3874,14 @@
           </a:ln>
           <a:extLst>
             <a:ext uri="{909E8E84-426E-40DD-AFC4-6F175D3DCCD1}">
-              <a14:hiddenFill xmlns:a14="http://schemas.microsoft.com/office/drawing/2010/main" xmlns="">
+              <a14:hiddenFill xmlns:a14="http://schemas.microsoft.com/office/drawing/2010/main">
                 <a:solidFill>
                   <a:srgbClr val="FFFFFF"/>
                 </a:solidFill>
               </a14:hiddenFill>
             </a:ext>
             <a:ext uri="{91240B29-F687-4F45-9708-019B960494DF}">
-              <a14:hiddenLine xmlns:a14="http://schemas.microsoft.com/office/drawing/2010/main" xmlns="" w="9525">
+              <a14:hiddenLine xmlns:a14="http://schemas.microsoft.com/office/drawing/2010/main" w="9525">
                 <a:solidFill>
                   <a:srgbClr val="000000"/>
                 </a:solidFill>
@@ -4066,14 +4068,14 @@
           </a:ln>
           <a:extLst>
             <a:ext uri="{909E8E84-426E-40DD-AFC4-6F175D3DCCD1}">
-              <a14:hiddenFill xmlns:a14="http://schemas.microsoft.com/office/drawing/2010/main" xmlns="">
+              <a14:hiddenFill xmlns:a14="http://schemas.microsoft.com/office/drawing/2010/main">
                 <a:solidFill>
                   <a:srgbClr val="FFFFFF"/>
                 </a:solidFill>
               </a14:hiddenFill>
             </a:ext>
             <a:ext uri="{91240B29-F687-4F45-9708-019B960494DF}">
-              <a14:hiddenLine xmlns:a14="http://schemas.microsoft.com/office/drawing/2010/main" xmlns="" w="9525">
+              <a14:hiddenLine xmlns:a14="http://schemas.microsoft.com/office/drawing/2010/main" w="9525">
                 <a:solidFill>
                   <a:srgbClr val="000000"/>
                 </a:solidFill>
@@ -4232,7 +4234,7 @@
           <a:blip r:embed="rId15" cstate="print">
             <a:extLst>
               <a:ext uri="{28A0092B-C50C-407E-A947-70E740481C1C}">
-                <a14:useLocalDpi xmlns:a14="http://schemas.microsoft.com/office/drawing/2010/main" xmlns="" val="0"/>
+                <a14:useLocalDpi xmlns:a14="http://schemas.microsoft.com/office/drawing/2010/main" val="0"/>
               </a:ext>
             </a:extLst>
           </a:blip>
@@ -4255,14 +4257,14 @@
           </a:ln>
           <a:extLst>
             <a:ext uri="{909E8E84-426E-40DD-AFC4-6F175D3DCCD1}">
-              <a14:hiddenFill xmlns:a14="http://schemas.microsoft.com/office/drawing/2010/main" xmlns="">
+              <a14:hiddenFill xmlns:a14="http://schemas.microsoft.com/office/drawing/2010/main">
                 <a:solidFill>
                   <a:srgbClr val="FFFFFF"/>
                 </a:solidFill>
               </a14:hiddenFill>
             </a:ext>
             <a:ext uri="{91240B29-F687-4F45-9708-019B960494DF}">
-              <a14:hiddenLine xmlns:a14="http://schemas.microsoft.com/office/drawing/2010/main" xmlns="" w="9525">
+              <a14:hiddenLine xmlns:a14="http://schemas.microsoft.com/office/drawing/2010/main" w="9525">
                 <a:solidFill>
                   <a:srgbClr val="000000"/>
                 </a:solidFill>
@@ -4296,14 +4298,14 @@
           </a:ln>
           <a:extLst>
             <a:ext uri="{909E8E84-426E-40DD-AFC4-6F175D3DCCD1}">
-              <a14:hiddenFill xmlns:a14="http://schemas.microsoft.com/office/drawing/2010/main" xmlns="">
+              <a14:hiddenFill xmlns:a14="http://schemas.microsoft.com/office/drawing/2010/main">
                 <a:solidFill>
                   <a:srgbClr val="FFFFFF"/>
                 </a:solidFill>
               </a14:hiddenFill>
             </a:ext>
             <a:ext uri="{91240B29-F687-4F45-9708-019B960494DF}">
-              <a14:hiddenLine xmlns:a14="http://schemas.microsoft.com/office/drawing/2010/main" xmlns="" w="9525">
+              <a14:hiddenLine xmlns:a14="http://schemas.microsoft.com/office/drawing/2010/main" w="9525">
                 <a:solidFill>
                   <a:srgbClr val="000000"/>
                 </a:solidFill>
@@ -4440,7 +4442,7 @@
               <a:pPr>
                 <a:defRPr/>
               </a:pPr>
-              <a:t>14.07.2016</a:t>
+              <a:t>15.07.2016</a:t>
             </a:fld>
             <a:r>
               <a:rPr lang="de-DE" altLang="de-DE" sz="900" b="0" dirty="0" smtClean="0">
@@ -5001,14 +5003,14 @@
           </a:ln>
           <a:extLst>
             <a:ext uri="{909E8E84-426E-40DD-AFC4-6F175D3DCCD1}">
-              <a14:hiddenFill xmlns:a14="http://schemas.microsoft.com/office/drawing/2010/main" xmlns="">
+              <a14:hiddenFill xmlns:a14="http://schemas.microsoft.com/office/drawing/2010/main">
                 <a:solidFill>
                   <a:srgbClr val="FFFFFF"/>
                 </a:solidFill>
               </a14:hiddenFill>
             </a:ext>
             <a:ext uri="{91240B29-F687-4F45-9708-019B960494DF}">
-              <a14:hiddenLine xmlns:a14="http://schemas.microsoft.com/office/drawing/2010/main" xmlns="" w="9525">
+              <a14:hiddenLine xmlns:a14="http://schemas.microsoft.com/office/drawing/2010/main" w="9525">
                 <a:solidFill>
                   <a:srgbClr val="000000"/>
                 </a:solidFill>
@@ -5202,14 +5204,14 @@
           </a:ln>
           <a:extLst>
             <a:ext uri="{909E8E84-426E-40DD-AFC4-6F175D3DCCD1}">
-              <a14:hiddenFill xmlns:a14="http://schemas.microsoft.com/office/drawing/2010/main" xmlns="">
+              <a14:hiddenFill xmlns:a14="http://schemas.microsoft.com/office/drawing/2010/main">
                 <a:solidFill>
                   <a:srgbClr val="FFFFFF"/>
                 </a:solidFill>
               </a14:hiddenFill>
             </a:ext>
             <a:ext uri="{91240B29-F687-4F45-9708-019B960494DF}">
-              <a14:hiddenLine xmlns:a14="http://schemas.microsoft.com/office/drawing/2010/main" xmlns="" w="9525">
+              <a14:hiddenLine xmlns:a14="http://schemas.microsoft.com/office/drawing/2010/main" w="9525">
                 <a:solidFill>
                   <a:srgbClr val="000000"/>
                 </a:solidFill>
@@ -5403,14 +5405,14 @@
           </a:ln>
           <a:extLst>
             <a:ext uri="{909E8E84-426E-40DD-AFC4-6F175D3DCCD1}">
-              <a14:hiddenFill xmlns:a14="http://schemas.microsoft.com/office/drawing/2010/main" xmlns="">
+              <a14:hiddenFill xmlns:a14="http://schemas.microsoft.com/office/drawing/2010/main">
                 <a:solidFill>
                   <a:srgbClr val="FFFFFF"/>
                 </a:solidFill>
               </a14:hiddenFill>
             </a:ext>
             <a:ext uri="{91240B29-F687-4F45-9708-019B960494DF}">
-              <a14:hiddenLine xmlns:a14="http://schemas.microsoft.com/office/drawing/2010/main" xmlns="" w="9525">
+              <a14:hiddenLine xmlns:a14="http://schemas.microsoft.com/office/drawing/2010/main" w="9525">
                 <a:solidFill>
                   <a:srgbClr val="000000"/>
                 </a:solidFill>
@@ -5604,14 +5606,14 @@
           </a:ln>
           <a:extLst>
             <a:ext uri="{909E8E84-426E-40DD-AFC4-6F175D3DCCD1}">
-              <a14:hiddenFill xmlns:a14="http://schemas.microsoft.com/office/drawing/2010/main" xmlns="">
+              <a14:hiddenFill xmlns:a14="http://schemas.microsoft.com/office/drawing/2010/main">
                 <a:solidFill>
                   <a:srgbClr val="FFFFFF"/>
                 </a:solidFill>
               </a14:hiddenFill>
             </a:ext>
             <a:ext uri="{91240B29-F687-4F45-9708-019B960494DF}">
-              <a14:hiddenLine xmlns:a14="http://schemas.microsoft.com/office/drawing/2010/main" xmlns="" w="9525">
+              <a14:hiddenLine xmlns:a14="http://schemas.microsoft.com/office/drawing/2010/main" w="9525">
                 <a:solidFill>
                   <a:srgbClr val="000000"/>
                 </a:solidFill>
@@ -5832,7 +5834,7 @@
           <a:p>
             <a:r>
               <a:rPr lang="de-DE" dirty="0" smtClean="0"/>
-              <a:t>Programm-Ablauf</a:t>
+              <a:t>Kalibrierung</a:t>
             </a:r>
             <a:endParaRPr lang="de-DE" dirty="0"/>
           </a:p>
@@ -5840,347 +5842,148 @@
       </p:sp>
       <p:sp>
         <p:nvSpPr>
-          <p:cNvPr id="4" name="Flussdiagramm: Alternativer Prozess 3"/>
-          <p:cNvSpPr/>
-          <p:nvPr/>
-        </p:nvSpPr>
-        <p:spPr>
-          <a:xfrm>
-            <a:off x="2971800" y="1040600"/>
-            <a:ext cx="2743200" cy="612648"/>
-          </a:xfrm>
-          <a:prstGeom prst="flowChartAlternateProcess">
-            <a:avLst/>
-          </a:prstGeom>
-          <a:solidFill>
-            <a:schemeClr val="accent1">
-              <a:alpha val="25000"/>
-            </a:schemeClr>
-          </a:solidFill>
-          <a:ln>
-            <a:solidFill>
-              <a:schemeClr val="accent1">
-                <a:shade val="50000"/>
-                <a:alpha val="25000"/>
-              </a:schemeClr>
-            </a:solidFill>
-          </a:ln>
-        </p:spPr>
-        <p:style>
-          <a:lnRef idx="2">
-            <a:schemeClr val="accent1">
-              <a:shade val="50000"/>
-            </a:schemeClr>
-          </a:lnRef>
-          <a:fillRef idx="1">
-            <a:schemeClr val="accent1"/>
-          </a:fillRef>
-          <a:effectRef idx="0">
-            <a:schemeClr val="accent1"/>
-          </a:effectRef>
-          <a:fontRef idx="minor">
-            <a:schemeClr val="lt1"/>
-          </a:fontRef>
-        </p:style>
+          <p:cNvPr id="3" name="Inhaltsplatzhalter 2"/>
+          <p:cNvSpPr>
+            <a:spLocks noGrp="1"/>
+          </p:cNvSpPr>
+          <p:nvPr>
+            <p:ph idx="1"/>
+          </p:nvPr>
+        </p:nvSpPr>
+        <p:spPr/>
         <p:txBody>
-          <a:bodyPr rtlCol="0" anchor="ctr"/>
+          <a:bodyPr/>
           <a:lstStyle/>
           <a:p>
-            <a:pPr algn="ctr"/>
             <a:r>
               <a:rPr lang="de-DE" dirty="0" smtClean="0"/>
-              <a:t>Kalibrierung</a:t>
-            </a:r>
-            <a:endParaRPr lang="de-DE" dirty="0"/>
+              <a:t>Bildvorverarbeitung</a:t>
+            </a:r>
+          </a:p>
+          <a:p>
+            <a:pPr lvl="1"/>
+            <a:r>
+              <a:rPr lang="de-DE" dirty="0" smtClean="0"/>
+              <a:t>Maskieren der Werkstück-Pixel</a:t>
+            </a:r>
+          </a:p>
+          <a:p>
+            <a:pPr lvl="2"/>
+            <a:r>
+              <a:rPr lang="de-DE" dirty="0" smtClean="0"/>
+              <a:t>Pixel mit </a:t>
+            </a:r>
+            <a:r>
+              <a:rPr lang="de-DE" dirty="0" err="1" smtClean="0"/>
+              <a:t>Grauwert</a:t>
+            </a:r>
+            <a:r>
+              <a:rPr lang="de-DE" dirty="0" smtClean="0"/>
+              <a:t> &gt;= 70 werden auf 255 (weiß) gesetzt</a:t>
+            </a:r>
+          </a:p>
+          <a:p>
+            <a:pPr lvl="2"/>
+            <a:r>
+              <a:rPr lang="de-DE" dirty="0" smtClean="0"/>
+              <a:t>Restliche Pixel auf 0 (schwarz)</a:t>
+            </a:r>
+          </a:p>
+          <a:p>
+            <a:pPr lvl="1"/>
+            <a:r>
+              <a:rPr lang="de-DE" dirty="0" smtClean="0"/>
+              <a:t>Reduktion von Noise</a:t>
+            </a:r>
+          </a:p>
+          <a:p>
+            <a:pPr lvl="2"/>
+            <a:r>
+              <a:rPr lang="de-DE" dirty="0" smtClean="0"/>
+              <a:t>Morphologische Erosion und </a:t>
+            </a:r>
+            <a:r>
+              <a:rPr lang="de-DE" dirty="0" err="1" smtClean="0"/>
+              <a:t>Dilitation</a:t>
+            </a:r>
+            <a:r>
+              <a:rPr lang="de-DE" dirty="0" smtClean="0"/>
+              <a:t> zur Reduktion von Noise an den Objektkanten</a:t>
+            </a:r>
+          </a:p>
+          <a:p>
+            <a:pPr lvl="1"/>
+            <a:r>
+              <a:rPr lang="de-DE" dirty="0" err="1" smtClean="0"/>
+              <a:t>Kantendektion</a:t>
+            </a:r>
+            <a:r>
+              <a:rPr lang="de-DE" dirty="0" smtClean="0"/>
+              <a:t> mit </a:t>
+            </a:r>
+            <a:r>
+              <a:rPr lang="de-DE" dirty="0" err="1" smtClean="0"/>
+              <a:t>Canny</a:t>
+            </a:r>
+            <a:endParaRPr lang="de-DE" dirty="0" smtClean="0"/>
+          </a:p>
+          <a:p>
+            <a:pPr lvl="1"/>
+            <a:endParaRPr lang="de-DE" dirty="0" smtClean="0"/>
+          </a:p>
+          <a:p>
+            <a:r>
+              <a:rPr lang="de-DE" dirty="0" smtClean="0"/>
+              <a:t>Ermitteln der Kalibrierungsgröße Pixel-</a:t>
+            </a:r>
+            <a:r>
+              <a:rPr lang="de-DE" dirty="0" err="1" smtClean="0"/>
+              <a:t>to</a:t>
+            </a:r>
+            <a:r>
+              <a:rPr lang="de-DE" dirty="0" smtClean="0"/>
+              <a:t>-</a:t>
+            </a:r>
+            <a:r>
+              <a:rPr lang="de-DE" dirty="0" err="1" smtClean="0"/>
+              <a:t>Centimeter</a:t>
+            </a:r>
+            <a:r>
+              <a:rPr lang="de-DE" dirty="0" smtClean="0"/>
+              <a:t> (PX2CM)</a:t>
+            </a:r>
+          </a:p>
+          <a:p>
+            <a:pPr lvl="1"/>
+            <a:r>
+              <a:rPr lang="de-DE" dirty="0" smtClean="0"/>
+              <a:t>Annahme: Kontur, die den Flächeninhalt des kleinsten, vollständig umschließenden Rechtecks maximiert ist die Kontur des Kalibrierungswerkstücks</a:t>
+            </a:r>
+          </a:p>
+          <a:p>
+            <a:pPr lvl="1"/>
+            <a:r>
+              <a:rPr lang="de-DE" dirty="0" smtClean="0"/>
+              <a:t>Seitenlängen des Kalibrierungswerkstücks sind bekannt</a:t>
+            </a:r>
+          </a:p>
+          <a:p>
+            <a:pPr lvl="1"/>
+            <a:r>
+              <a:rPr lang="de-DE" dirty="0" smtClean="0"/>
+              <a:t>PX2CM = Quotient aus längster Seite und längster bekannter Seitenlänge</a:t>
+            </a:r>
+          </a:p>
+          <a:p>
+            <a:pPr lvl="1"/>
+            <a:endParaRPr lang="de-DE" dirty="0" smtClean="0"/>
+          </a:p>
+          <a:p>
+            <a:endParaRPr lang="de-DE" dirty="0" smtClean="0"/>
           </a:p>
         </p:txBody>
       </p:sp>
-      <p:sp>
-        <p:nvSpPr>
-          <p:cNvPr id="5" name="Flussdiagramm: Alternativer Prozess 4"/>
-          <p:cNvSpPr/>
-          <p:nvPr/>
-        </p:nvSpPr>
-        <p:spPr>
-          <a:xfrm>
-            <a:off x="2971800" y="2397744"/>
-            <a:ext cx="2743200" cy="612648"/>
-          </a:xfrm>
-          <a:prstGeom prst="flowChartAlternateProcess">
-            <a:avLst/>
-          </a:prstGeom>
-          <a:solidFill>
-            <a:schemeClr val="accent1"/>
-          </a:solidFill>
-          <a:ln>
-            <a:solidFill>
-              <a:schemeClr val="accent1"/>
-            </a:solidFill>
-          </a:ln>
-        </p:spPr>
-        <p:style>
-          <a:lnRef idx="2">
-            <a:schemeClr val="accent1">
-              <a:shade val="50000"/>
-            </a:schemeClr>
-          </a:lnRef>
-          <a:fillRef idx="1">
-            <a:schemeClr val="accent1"/>
-          </a:fillRef>
-          <a:effectRef idx="0">
-            <a:schemeClr val="accent1"/>
-          </a:effectRef>
-          <a:fontRef idx="minor">
-            <a:schemeClr val="lt1"/>
-          </a:fontRef>
-        </p:style>
-        <p:txBody>
-          <a:bodyPr rtlCol="0" anchor="ctr"/>
-          <a:lstStyle/>
-          <a:p>
-            <a:pPr algn="ctr"/>
-            <a:r>
-              <a:rPr lang="de-DE" dirty="0"/>
-              <a:t>Lage und Maße</a:t>
-            </a:r>
-          </a:p>
-        </p:txBody>
-      </p:sp>
-      <p:sp>
-        <p:nvSpPr>
-          <p:cNvPr id="6" name="Flussdiagramm: Alternativer Prozess 5"/>
-          <p:cNvSpPr/>
-          <p:nvPr/>
-        </p:nvSpPr>
-        <p:spPr>
-          <a:xfrm>
-            <a:off x="2986216" y="3748710"/>
-            <a:ext cx="2743200" cy="612648"/>
-          </a:xfrm>
-          <a:prstGeom prst="flowChartAlternateProcess">
-            <a:avLst/>
-          </a:prstGeom>
-          <a:solidFill>
-            <a:schemeClr val="accent1">
-              <a:alpha val="25000"/>
-            </a:schemeClr>
-          </a:solidFill>
-          <a:ln>
-            <a:solidFill>
-              <a:schemeClr val="accent1">
-                <a:alpha val="25000"/>
-              </a:schemeClr>
-            </a:solidFill>
-          </a:ln>
-        </p:spPr>
-        <p:style>
-          <a:lnRef idx="2">
-            <a:schemeClr val="accent1">
-              <a:shade val="50000"/>
-            </a:schemeClr>
-          </a:lnRef>
-          <a:fillRef idx="1">
-            <a:schemeClr val="accent1"/>
-          </a:fillRef>
-          <a:effectRef idx="0">
-            <a:schemeClr val="accent1"/>
-          </a:effectRef>
-          <a:fontRef idx="minor">
-            <a:schemeClr val="lt1"/>
-          </a:fontRef>
-        </p:style>
-        <p:txBody>
-          <a:bodyPr rtlCol="0" anchor="ctr"/>
-          <a:lstStyle/>
-          <a:p>
-            <a:pPr algn="ctr"/>
-            <a:r>
-              <a:rPr lang="de-DE" dirty="0" smtClean="0"/>
-              <a:t>Bohrungen</a:t>
-            </a:r>
-            <a:endParaRPr lang="de-DE" dirty="0"/>
-          </a:p>
-        </p:txBody>
-      </p:sp>
-      <p:sp>
-        <p:nvSpPr>
-          <p:cNvPr id="7" name="Flussdiagramm: Alternativer Prozess 6"/>
-          <p:cNvSpPr/>
-          <p:nvPr/>
-        </p:nvSpPr>
-        <p:spPr>
-          <a:xfrm>
-            <a:off x="2971800" y="5105854"/>
-            <a:ext cx="2743200" cy="612648"/>
-          </a:xfrm>
-          <a:prstGeom prst="flowChartAlternateProcess">
-            <a:avLst/>
-          </a:prstGeom>
-          <a:solidFill>
-            <a:schemeClr val="accent1">
-              <a:alpha val="25000"/>
-            </a:schemeClr>
-          </a:solidFill>
-          <a:ln>
-            <a:solidFill>
-              <a:schemeClr val="accent1">
-                <a:alpha val="25000"/>
-              </a:schemeClr>
-            </a:solidFill>
-          </a:ln>
-        </p:spPr>
-        <p:style>
-          <a:lnRef idx="2">
-            <a:schemeClr val="accent1">
-              <a:shade val="50000"/>
-            </a:schemeClr>
-          </a:lnRef>
-          <a:fillRef idx="1">
-            <a:schemeClr val="accent1"/>
-          </a:fillRef>
-          <a:effectRef idx="0">
-            <a:schemeClr val="accent1"/>
-          </a:effectRef>
-          <a:fontRef idx="minor">
-            <a:schemeClr val="lt1"/>
-          </a:fontRef>
-        </p:style>
-        <p:txBody>
-          <a:bodyPr rtlCol="0" anchor="ctr"/>
-          <a:lstStyle/>
-          <a:p>
-            <a:pPr algn="ctr"/>
-            <a:r>
-              <a:rPr lang="de-DE" dirty="0" smtClean="0"/>
-              <a:t>Schäden</a:t>
-            </a:r>
-            <a:endParaRPr lang="de-DE" dirty="0"/>
-          </a:p>
-        </p:txBody>
-      </p:sp>
-      <p:cxnSp>
-        <p:nvCxnSpPr>
-          <p:cNvPr id="11" name="Gerade Verbindung mit Pfeil 10"/>
-          <p:cNvCxnSpPr>
-            <a:stCxn id="4" idx="2"/>
-            <a:endCxn id="5" idx="0"/>
-          </p:cNvCxnSpPr>
-          <p:nvPr/>
-        </p:nvCxnSpPr>
-        <p:spPr>
-          <a:xfrm>
-            <a:off x="4343400" y="1653248"/>
-            <a:ext cx="0" cy="744496"/>
-          </a:xfrm>
-          <a:prstGeom prst="straightConnector1">
-            <a:avLst/>
-          </a:prstGeom>
-          <a:ln>
-            <a:solidFill>
-              <a:schemeClr val="accent1">
-                <a:alpha val="25000"/>
-              </a:schemeClr>
-            </a:solidFill>
-            <a:tailEnd type="triangle"/>
-          </a:ln>
-        </p:spPr>
-        <p:style>
-          <a:lnRef idx="3">
-            <a:schemeClr val="accent1"/>
-          </a:lnRef>
-          <a:fillRef idx="0">
-            <a:schemeClr val="accent1"/>
-          </a:fillRef>
-          <a:effectRef idx="2">
-            <a:schemeClr val="accent1"/>
-          </a:effectRef>
-          <a:fontRef idx="minor">
-            <a:schemeClr val="tx1"/>
-          </a:fontRef>
-        </p:style>
-      </p:cxnSp>
-      <p:cxnSp>
-        <p:nvCxnSpPr>
-          <p:cNvPr id="13" name="Gerade Verbindung mit Pfeil 12"/>
-          <p:cNvCxnSpPr/>
-          <p:nvPr/>
-        </p:nvCxnSpPr>
-        <p:spPr>
-          <a:xfrm>
-            <a:off x="4343400" y="3004214"/>
-            <a:ext cx="0" cy="744496"/>
-          </a:xfrm>
-          <a:prstGeom prst="straightConnector1">
-            <a:avLst/>
-          </a:prstGeom>
-          <a:ln>
-            <a:solidFill>
-              <a:schemeClr val="accent1">
-                <a:alpha val="25000"/>
-              </a:schemeClr>
-            </a:solidFill>
-            <a:tailEnd type="triangle"/>
-          </a:ln>
-        </p:spPr>
-        <p:style>
-          <a:lnRef idx="3">
-            <a:schemeClr val="accent1"/>
-          </a:lnRef>
-          <a:fillRef idx="0">
-            <a:schemeClr val="accent1"/>
-          </a:fillRef>
-          <a:effectRef idx="2">
-            <a:schemeClr val="accent1"/>
-          </a:effectRef>
-          <a:fontRef idx="minor">
-            <a:schemeClr val="tx1"/>
-          </a:fontRef>
-        </p:style>
-      </p:cxnSp>
-      <p:cxnSp>
-        <p:nvCxnSpPr>
-          <p:cNvPr id="14" name="Gerade Verbindung mit Pfeil 13"/>
-          <p:cNvCxnSpPr/>
-          <p:nvPr/>
-        </p:nvCxnSpPr>
-        <p:spPr>
-          <a:xfrm>
-            <a:off x="4333103" y="4361358"/>
-            <a:ext cx="0" cy="744496"/>
-          </a:xfrm>
-          <a:prstGeom prst="straightConnector1">
-            <a:avLst/>
-          </a:prstGeom>
-          <a:ln>
-            <a:solidFill>
-              <a:schemeClr val="accent1">
-                <a:alpha val="25000"/>
-              </a:schemeClr>
-            </a:solidFill>
-            <a:tailEnd type="triangle"/>
-          </a:ln>
-        </p:spPr>
-        <p:style>
-          <a:lnRef idx="3">
-            <a:schemeClr val="accent1"/>
-          </a:lnRef>
-          <a:fillRef idx="0">
-            <a:schemeClr val="accent1"/>
-          </a:fillRef>
-          <a:effectRef idx="2">
-            <a:schemeClr val="accent1"/>
-          </a:effectRef>
-          <a:fontRef idx="minor">
-            <a:schemeClr val="tx1"/>
-          </a:fontRef>
-        </p:style>
-      </p:cxnSp>
     </p:spTree>
-    <p:extLst>
-      <p:ext uri="{BB962C8B-B14F-4D97-AF65-F5344CB8AC3E}">
-        <p14:creationId xmlns:p14="http://schemas.microsoft.com/office/powerpoint/2010/main" xmlns="" val="3681891956"/>
-      </p:ext>
-    </p:extLst>
   </p:cSld>
   <p:clrMapOvr>
     <a:masterClrMapping/>
@@ -6229,11 +6032,7 @@
           <a:p>
             <a:r>
               <a:rPr lang="de-DE" dirty="0" smtClean="0"/>
-              <a:t>Prüfen der Lage und </a:t>
-            </a:r>
-            <a:r>
-              <a:rPr lang="de-DE" dirty="0" err="1" smtClean="0"/>
-              <a:t>Abmaße</a:t>
+              <a:t>Programm-Ablauf</a:t>
             </a:r>
             <a:endParaRPr lang="de-DE" dirty="0"/>
           </a:p>
@@ -6241,92 +6040,347 @@
       </p:sp>
       <p:sp>
         <p:nvSpPr>
-          <p:cNvPr id="3" name="Inhaltsplatzhalter 2"/>
-          <p:cNvSpPr>
-            <a:spLocks noGrp="1"/>
-          </p:cNvSpPr>
-          <p:nvPr>
-            <p:ph idx="1"/>
-          </p:nvPr>
-        </p:nvSpPr>
-        <p:spPr/>
+          <p:cNvPr id="4" name="Flussdiagramm: Alternativer Prozess 3"/>
+          <p:cNvSpPr/>
+          <p:nvPr/>
+        </p:nvSpPr>
+        <p:spPr>
+          <a:xfrm>
+            <a:off x="2971800" y="1040600"/>
+            <a:ext cx="2743200" cy="612648"/>
+          </a:xfrm>
+          <a:prstGeom prst="flowChartAlternateProcess">
+            <a:avLst/>
+          </a:prstGeom>
+          <a:solidFill>
+            <a:schemeClr val="accent1">
+              <a:alpha val="25000"/>
+            </a:schemeClr>
+          </a:solidFill>
+          <a:ln>
+            <a:solidFill>
+              <a:schemeClr val="accent1">
+                <a:shade val="50000"/>
+                <a:alpha val="25000"/>
+              </a:schemeClr>
+            </a:solidFill>
+          </a:ln>
+        </p:spPr>
+        <p:style>
+          <a:lnRef idx="2">
+            <a:schemeClr val="accent1">
+              <a:shade val="50000"/>
+            </a:schemeClr>
+          </a:lnRef>
+          <a:fillRef idx="1">
+            <a:schemeClr val="accent1"/>
+          </a:fillRef>
+          <a:effectRef idx="0">
+            <a:schemeClr val="accent1"/>
+          </a:effectRef>
+          <a:fontRef idx="minor">
+            <a:schemeClr val="lt1"/>
+          </a:fontRef>
+        </p:style>
         <p:txBody>
-          <a:bodyPr/>
+          <a:bodyPr rtlCol="0" anchor="ctr"/>
           <a:lstStyle/>
           <a:p>
+            <a:pPr algn="ctr"/>
             <a:r>
               <a:rPr lang="de-DE" dirty="0" smtClean="0"/>
-              <a:t>Bildvorverarbeitung wie bei der </a:t>
-            </a:r>
-            <a:r>
-              <a:rPr lang="de-DE" dirty="0" err="1" smtClean="0"/>
-              <a:t>Kalibierung</a:t>
-            </a:r>
-            <a:endParaRPr lang="de-DE" dirty="0" smtClean="0"/>
-          </a:p>
-          <a:p>
-            <a:pPr lvl="1"/>
-            <a:endParaRPr lang="de-DE" dirty="0" smtClean="0"/>
-          </a:p>
-          <a:p>
+              <a:t>Kalibrierung</a:t>
+            </a:r>
+            <a:endParaRPr lang="de-DE" dirty="0"/>
+          </a:p>
+        </p:txBody>
+      </p:sp>
+      <p:sp>
+        <p:nvSpPr>
+          <p:cNvPr id="5" name="Flussdiagramm: Alternativer Prozess 4"/>
+          <p:cNvSpPr/>
+          <p:nvPr/>
+        </p:nvSpPr>
+        <p:spPr>
+          <a:xfrm>
+            <a:off x="2971800" y="2397744"/>
+            <a:ext cx="2743200" cy="612648"/>
+          </a:xfrm>
+          <a:prstGeom prst="flowChartAlternateProcess">
+            <a:avLst/>
+          </a:prstGeom>
+          <a:solidFill>
+            <a:schemeClr val="accent1"/>
+          </a:solidFill>
+          <a:ln>
+            <a:solidFill>
+              <a:schemeClr val="accent1"/>
+            </a:solidFill>
+          </a:ln>
+        </p:spPr>
+        <p:style>
+          <a:lnRef idx="2">
+            <a:schemeClr val="accent1">
+              <a:shade val="50000"/>
+            </a:schemeClr>
+          </a:lnRef>
+          <a:fillRef idx="1">
+            <a:schemeClr val="accent1"/>
+          </a:fillRef>
+          <a:effectRef idx="0">
+            <a:schemeClr val="accent1"/>
+          </a:effectRef>
+          <a:fontRef idx="minor">
+            <a:schemeClr val="lt1"/>
+          </a:fontRef>
+        </p:style>
+        <p:txBody>
+          <a:bodyPr rtlCol="0" anchor="ctr"/>
+          <a:lstStyle/>
+          <a:p>
+            <a:pPr algn="ctr"/>
+            <a:r>
+              <a:rPr lang="de-DE" dirty="0"/>
+              <a:t>Lage und Maße</a:t>
+            </a:r>
+          </a:p>
+        </p:txBody>
+      </p:sp>
+      <p:sp>
+        <p:nvSpPr>
+          <p:cNvPr id="6" name="Flussdiagramm: Alternativer Prozess 5"/>
+          <p:cNvSpPr/>
+          <p:nvPr/>
+        </p:nvSpPr>
+        <p:spPr>
+          <a:xfrm>
+            <a:off x="2986216" y="3748710"/>
+            <a:ext cx="2743200" cy="612648"/>
+          </a:xfrm>
+          <a:prstGeom prst="flowChartAlternateProcess">
+            <a:avLst/>
+          </a:prstGeom>
+          <a:solidFill>
+            <a:schemeClr val="accent1">
+              <a:alpha val="25000"/>
+            </a:schemeClr>
+          </a:solidFill>
+          <a:ln>
+            <a:solidFill>
+              <a:schemeClr val="accent1">
+                <a:alpha val="25000"/>
+              </a:schemeClr>
+            </a:solidFill>
+          </a:ln>
+        </p:spPr>
+        <p:style>
+          <a:lnRef idx="2">
+            <a:schemeClr val="accent1">
+              <a:shade val="50000"/>
+            </a:schemeClr>
+          </a:lnRef>
+          <a:fillRef idx="1">
+            <a:schemeClr val="accent1"/>
+          </a:fillRef>
+          <a:effectRef idx="0">
+            <a:schemeClr val="accent1"/>
+          </a:effectRef>
+          <a:fontRef idx="minor">
+            <a:schemeClr val="lt1"/>
+          </a:fontRef>
+        </p:style>
+        <p:txBody>
+          <a:bodyPr rtlCol="0" anchor="ctr"/>
+          <a:lstStyle/>
+          <a:p>
+            <a:pPr algn="ctr"/>
             <a:r>
               <a:rPr lang="de-DE" dirty="0" smtClean="0"/>
-              <a:t>Überprüfen der </a:t>
-            </a:r>
-            <a:r>
-              <a:rPr lang="de-DE" dirty="0" err="1" smtClean="0"/>
-              <a:t>Abmaße</a:t>
-            </a:r>
+              <a:t>Bohrungen</a:t>
+            </a:r>
+            <a:endParaRPr lang="de-DE" dirty="0"/>
+          </a:p>
+        </p:txBody>
+      </p:sp>
+      <p:sp>
+        <p:nvSpPr>
+          <p:cNvPr id="7" name="Flussdiagramm: Alternativer Prozess 6"/>
+          <p:cNvSpPr/>
+          <p:nvPr/>
+        </p:nvSpPr>
+        <p:spPr>
+          <a:xfrm>
+            <a:off x="2971800" y="5105854"/>
+            <a:ext cx="2743200" cy="612648"/>
+          </a:xfrm>
+          <a:prstGeom prst="flowChartAlternateProcess">
+            <a:avLst/>
+          </a:prstGeom>
+          <a:solidFill>
+            <a:schemeClr val="accent1">
+              <a:alpha val="25000"/>
+            </a:schemeClr>
+          </a:solidFill>
+          <a:ln>
+            <a:solidFill>
+              <a:schemeClr val="accent1">
+                <a:alpha val="25000"/>
+              </a:schemeClr>
+            </a:solidFill>
+          </a:ln>
+        </p:spPr>
+        <p:style>
+          <a:lnRef idx="2">
+            <a:schemeClr val="accent1">
+              <a:shade val="50000"/>
+            </a:schemeClr>
+          </a:lnRef>
+          <a:fillRef idx="1">
+            <a:schemeClr val="accent1"/>
+          </a:fillRef>
+          <a:effectRef idx="0">
+            <a:schemeClr val="accent1"/>
+          </a:effectRef>
+          <a:fontRef idx="minor">
+            <a:schemeClr val="lt1"/>
+          </a:fontRef>
+        </p:style>
+        <p:txBody>
+          <a:bodyPr rtlCol="0" anchor="ctr"/>
+          <a:lstStyle/>
+          <a:p>
+            <a:pPr algn="ctr"/>
             <a:r>
               <a:rPr lang="de-DE" dirty="0" smtClean="0"/>
-              <a:t> </a:t>
-            </a:r>
-            <a:r>
-              <a:rPr lang="de-DE" dirty="0" smtClean="0"/>
-              <a:t>und Lage</a:t>
-            </a:r>
-            <a:endParaRPr lang="de-DE" dirty="0" smtClean="0"/>
-          </a:p>
-          <a:p>
-            <a:pPr lvl="1"/>
-            <a:r>
-              <a:rPr lang="de-DE" dirty="0" smtClean="0"/>
-              <a:t>Annahme: Kontur, die den Flächeninhalt des kleinsten, vollständig umschließenden Rechtecks maximiert ist die Kontur des </a:t>
-            </a:r>
-            <a:r>
-              <a:rPr lang="de-DE" dirty="0" smtClean="0"/>
-              <a:t>Werkstücks</a:t>
-            </a:r>
-            <a:endParaRPr lang="de-DE" dirty="0" smtClean="0"/>
-          </a:p>
-          <a:p>
-            <a:pPr lvl="1"/>
-            <a:r>
-              <a:rPr lang="de-DE" dirty="0" smtClean="0"/>
-              <a:t>Überprüfe alle Kanten auf vorgeschriebene Länge</a:t>
-            </a:r>
-          </a:p>
-          <a:p>
-            <a:pPr lvl="1"/>
-            <a:r>
-              <a:rPr lang="de-DE" dirty="0" smtClean="0"/>
-              <a:t>Lage des umschließenden Rechtecks = Lage </a:t>
-            </a:r>
-            <a:r>
-              <a:rPr lang="de-DE" smtClean="0"/>
-              <a:t>des Werkstücks</a:t>
-            </a:r>
-            <a:endParaRPr lang="de-DE" dirty="0" smtClean="0"/>
-          </a:p>
-          <a:p>
-            <a:pPr>
-              <a:buNone/>
-            </a:pPr>
-            <a:endParaRPr lang="de-DE" dirty="0" smtClean="0"/>
+              <a:t>Schäden</a:t>
+            </a:r>
+            <a:endParaRPr lang="de-DE" dirty="0"/>
           </a:p>
         </p:txBody>
       </p:sp>
+      <p:cxnSp>
+        <p:nvCxnSpPr>
+          <p:cNvPr id="11" name="Gerade Verbindung mit Pfeil 10"/>
+          <p:cNvCxnSpPr>
+            <a:stCxn id="4" idx="2"/>
+            <a:endCxn id="5" idx="0"/>
+          </p:cNvCxnSpPr>
+          <p:nvPr/>
+        </p:nvCxnSpPr>
+        <p:spPr>
+          <a:xfrm>
+            <a:off x="4343400" y="1653248"/>
+            <a:ext cx="0" cy="744496"/>
+          </a:xfrm>
+          <a:prstGeom prst="straightConnector1">
+            <a:avLst/>
+          </a:prstGeom>
+          <a:ln>
+            <a:solidFill>
+              <a:schemeClr val="accent1">
+                <a:alpha val="25000"/>
+              </a:schemeClr>
+            </a:solidFill>
+            <a:tailEnd type="triangle"/>
+          </a:ln>
+        </p:spPr>
+        <p:style>
+          <a:lnRef idx="3">
+            <a:schemeClr val="accent1"/>
+          </a:lnRef>
+          <a:fillRef idx="0">
+            <a:schemeClr val="accent1"/>
+          </a:fillRef>
+          <a:effectRef idx="2">
+            <a:schemeClr val="accent1"/>
+          </a:effectRef>
+          <a:fontRef idx="minor">
+            <a:schemeClr val="tx1"/>
+          </a:fontRef>
+        </p:style>
+      </p:cxnSp>
+      <p:cxnSp>
+        <p:nvCxnSpPr>
+          <p:cNvPr id="13" name="Gerade Verbindung mit Pfeil 12"/>
+          <p:cNvCxnSpPr/>
+          <p:nvPr/>
+        </p:nvCxnSpPr>
+        <p:spPr>
+          <a:xfrm>
+            <a:off x="4343400" y="3004214"/>
+            <a:ext cx="0" cy="744496"/>
+          </a:xfrm>
+          <a:prstGeom prst="straightConnector1">
+            <a:avLst/>
+          </a:prstGeom>
+          <a:ln>
+            <a:solidFill>
+              <a:schemeClr val="accent1">
+                <a:alpha val="25000"/>
+              </a:schemeClr>
+            </a:solidFill>
+            <a:tailEnd type="triangle"/>
+          </a:ln>
+        </p:spPr>
+        <p:style>
+          <a:lnRef idx="3">
+            <a:schemeClr val="accent1"/>
+          </a:lnRef>
+          <a:fillRef idx="0">
+            <a:schemeClr val="accent1"/>
+          </a:fillRef>
+          <a:effectRef idx="2">
+            <a:schemeClr val="accent1"/>
+          </a:effectRef>
+          <a:fontRef idx="minor">
+            <a:schemeClr val="tx1"/>
+          </a:fontRef>
+        </p:style>
+      </p:cxnSp>
+      <p:cxnSp>
+        <p:nvCxnSpPr>
+          <p:cNvPr id="14" name="Gerade Verbindung mit Pfeil 13"/>
+          <p:cNvCxnSpPr/>
+          <p:nvPr/>
+        </p:nvCxnSpPr>
+        <p:spPr>
+          <a:xfrm>
+            <a:off x="4333103" y="4361358"/>
+            <a:ext cx="0" cy="744496"/>
+          </a:xfrm>
+          <a:prstGeom prst="straightConnector1">
+            <a:avLst/>
+          </a:prstGeom>
+          <a:ln>
+            <a:solidFill>
+              <a:schemeClr val="accent1">
+                <a:alpha val="25000"/>
+              </a:schemeClr>
+            </a:solidFill>
+            <a:tailEnd type="triangle"/>
+          </a:ln>
+        </p:spPr>
+        <p:style>
+          <a:lnRef idx="3">
+            <a:schemeClr val="accent1"/>
+          </a:lnRef>
+          <a:fillRef idx="0">
+            <a:schemeClr val="accent1"/>
+          </a:fillRef>
+          <a:effectRef idx="2">
+            <a:schemeClr val="accent1"/>
+          </a:effectRef>
+          <a:fontRef idx="minor">
+            <a:schemeClr val="tx1"/>
+          </a:fontRef>
+        </p:style>
+      </p:cxnSp>
     </p:spTree>
+    <p:extLst>
+      <p:ext uri="{BB962C8B-B14F-4D97-AF65-F5344CB8AC3E}">
+        <p14:creationId xmlns:p14="http://schemas.microsoft.com/office/powerpoint/2010/main" val="3681891956"/>
+      </p:ext>
+    </p:extLst>
   </p:cSld>
   <p:clrMapOvr>
     <a:masterClrMapping/>
@@ -6375,7 +6429,11 @@
           <a:p>
             <a:r>
               <a:rPr lang="de-DE" dirty="0" smtClean="0"/>
-              <a:t>Programm-Ablauf</a:t>
+              <a:t>Prüfen der Lage und </a:t>
+            </a:r>
+            <a:r>
+              <a:rPr lang="de-DE" dirty="0" err="1" smtClean="0"/>
+              <a:t>Abmaße</a:t>
             </a:r>
             <a:endParaRPr lang="de-DE" dirty="0"/>
           </a:p>
@@ -6383,347 +6441,77 @@
       </p:sp>
       <p:sp>
         <p:nvSpPr>
-          <p:cNvPr id="4" name="Flussdiagramm: Alternativer Prozess 3"/>
-          <p:cNvSpPr/>
-          <p:nvPr/>
-        </p:nvSpPr>
-        <p:spPr>
-          <a:xfrm>
-            <a:off x="2971800" y="1040600"/>
-            <a:ext cx="2743200" cy="612648"/>
-          </a:xfrm>
-          <a:prstGeom prst="flowChartAlternateProcess">
-            <a:avLst/>
-          </a:prstGeom>
-          <a:solidFill>
-            <a:schemeClr val="accent1">
-              <a:alpha val="25000"/>
-            </a:schemeClr>
-          </a:solidFill>
-          <a:ln>
-            <a:solidFill>
-              <a:schemeClr val="accent1">
-                <a:shade val="50000"/>
-                <a:alpha val="25000"/>
-              </a:schemeClr>
-            </a:solidFill>
-          </a:ln>
-        </p:spPr>
-        <p:style>
-          <a:lnRef idx="2">
-            <a:schemeClr val="accent1">
-              <a:shade val="50000"/>
-            </a:schemeClr>
-          </a:lnRef>
-          <a:fillRef idx="1">
-            <a:schemeClr val="accent1"/>
-          </a:fillRef>
-          <a:effectRef idx="0">
-            <a:schemeClr val="accent1"/>
-          </a:effectRef>
-          <a:fontRef idx="minor">
-            <a:schemeClr val="lt1"/>
-          </a:fontRef>
-        </p:style>
+          <p:cNvPr id="3" name="Inhaltsplatzhalter 2"/>
+          <p:cNvSpPr>
+            <a:spLocks noGrp="1"/>
+          </p:cNvSpPr>
+          <p:nvPr>
+            <p:ph idx="1"/>
+          </p:nvPr>
+        </p:nvSpPr>
+        <p:spPr/>
         <p:txBody>
-          <a:bodyPr rtlCol="0" anchor="ctr"/>
+          <a:bodyPr/>
           <a:lstStyle/>
           <a:p>
-            <a:pPr algn="ctr"/>
             <a:r>
               <a:rPr lang="de-DE" dirty="0" smtClean="0"/>
+              <a:t>Bildvorverarbeitung wie bei der </a:t>
+            </a:r>
+            <a:r>
+              <a:rPr lang="de-DE" dirty="0"/>
               <a:t>Kalibrierung</a:t>
             </a:r>
-            <a:endParaRPr lang="de-DE" dirty="0"/>
+            <a:endParaRPr lang="de-DE" dirty="0" smtClean="0"/>
+          </a:p>
+          <a:p>
+            <a:pPr lvl="1"/>
+            <a:endParaRPr lang="de-DE" dirty="0" smtClean="0"/>
+          </a:p>
+          <a:p>
+            <a:r>
+              <a:rPr lang="de-DE" dirty="0" smtClean="0"/>
+              <a:t>Überprüfen der </a:t>
+            </a:r>
+            <a:r>
+              <a:rPr lang="de-DE" dirty="0" err="1" smtClean="0"/>
+              <a:t>Abmaße</a:t>
+            </a:r>
+            <a:r>
+              <a:rPr lang="de-DE" dirty="0" smtClean="0"/>
+              <a:t> und Lage</a:t>
+            </a:r>
+          </a:p>
+          <a:p>
+            <a:pPr lvl="1"/>
+            <a:r>
+              <a:rPr lang="de-DE" dirty="0" smtClean="0"/>
+              <a:t>Annahme: Kontur, die den Flächeninhalt des kleinsten, vollständig umschließenden Rechtecks maximiert ist die Kontur des Werkstücks</a:t>
+            </a:r>
+          </a:p>
+          <a:p>
+            <a:pPr lvl="1"/>
+            <a:r>
+              <a:rPr lang="de-DE" dirty="0" smtClean="0"/>
+              <a:t>Überprüfe alle Kanten auf vorgeschriebene Länge</a:t>
+            </a:r>
+          </a:p>
+          <a:p>
+            <a:pPr lvl="1"/>
+            <a:r>
+              <a:rPr lang="de-DE" dirty="0" smtClean="0"/>
+              <a:t>Lage des umschließenden Rechtecks = Lage des Werkstücks</a:t>
+            </a:r>
+          </a:p>
+          <a:p>
+            <a:pPr>
+              <a:buNone/>
+            </a:pPr>
+            <a:endParaRPr lang="de-DE" dirty="0" smtClean="0"/>
           </a:p>
         </p:txBody>
       </p:sp>
-      <p:sp>
-        <p:nvSpPr>
-          <p:cNvPr id="5" name="Flussdiagramm: Alternativer Prozess 4"/>
-          <p:cNvSpPr/>
-          <p:nvPr/>
-        </p:nvSpPr>
-        <p:spPr>
-          <a:xfrm>
-            <a:off x="2971800" y="2397744"/>
-            <a:ext cx="2743200" cy="612648"/>
-          </a:xfrm>
-          <a:prstGeom prst="flowChartAlternateProcess">
-            <a:avLst/>
-          </a:prstGeom>
-          <a:solidFill>
-            <a:schemeClr val="accent1">
-              <a:alpha val="25000"/>
-            </a:schemeClr>
-          </a:solidFill>
-          <a:ln>
-            <a:solidFill>
-              <a:schemeClr val="accent1">
-                <a:alpha val="25000"/>
-              </a:schemeClr>
-            </a:solidFill>
-          </a:ln>
-        </p:spPr>
-        <p:style>
-          <a:lnRef idx="2">
-            <a:schemeClr val="accent1">
-              <a:shade val="50000"/>
-            </a:schemeClr>
-          </a:lnRef>
-          <a:fillRef idx="1">
-            <a:schemeClr val="accent1"/>
-          </a:fillRef>
-          <a:effectRef idx="0">
-            <a:schemeClr val="accent1"/>
-          </a:effectRef>
-          <a:fontRef idx="minor">
-            <a:schemeClr val="lt1"/>
-          </a:fontRef>
-        </p:style>
-        <p:txBody>
-          <a:bodyPr rtlCol="0" anchor="ctr"/>
-          <a:lstStyle/>
-          <a:p>
-            <a:pPr algn="ctr"/>
-            <a:r>
-              <a:rPr lang="de-DE" dirty="0"/>
-              <a:t>Lage und Maße</a:t>
-            </a:r>
-          </a:p>
-        </p:txBody>
-      </p:sp>
-      <p:sp>
-        <p:nvSpPr>
-          <p:cNvPr id="6" name="Flussdiagramm: Alternativer Prozess 5"/>
-          <p:cNvSpPr/>
-          <p:nvPr/>
-        </p:nvSpPr>
-        <p:spPr>
-          <a:xfrm>
-            <a:off x="2986216" y="3748710"/>
-            <a:ext cx="2743200" cy="612648"/>
-          </a:xfrm>
-          <a:prstGeom prst="flowChartAlternateProcess">
-            <a:avLst/>
-          </a:prstGeom>
-          <a:solidFill>
-            <a:schemeClr val="accent1"/>
-          </a:solidFill>
-          <a:ln>
-            <a:solidFill>
-              <a:schemeClr val="accent1"/>
-            </a:solidFill>
-          </a:ln>
-        </p:spPr>
-        <p:style>
-          <a:lnRef idx="2">
-            <a:schemeClr val="accent1">
-              <a:shade val="50000"/>
-            </a:schemeClr>
-          </a:lnRef>
-          <a:fillRef idx="1">
-            <a:schemeClr val="accent1"/>
-          </a:fillRef>
-          <a:effectRef idx="0">
-            <a:schemeClr val="accent1"/>
-          </a:effectRef>
-          <a:fontRef idx="minor">
-            <a:schemeClr val="lt1"/>
-          </a:fontRef>
-        </p:style>
-        <p:txBody>
-          <a:bodyPr rtlCol="0" anchor="ctr"/>
-          <a:lstStyle/>
-          <a:p>
-            <a:pPr algn="ctr"/>
-            <a:r>
-              <a:rPr lang="de-DE" dirty="0" smtClean="0"/>
-              <a:t>Bohrungen</a:t>
-            </a:r>
-            <a:endParaRPr lang="de-DE" dirty="0"/>
-          </a:p>
-        </p:txBody>
-      </p:sp>
-      <p:sp>
-        <p:nvSpPr>
-          <p:cNvPr id="7" name="Flussdiagramm: Alternativer Prozess 6"/>
-          <p:cNvSpPr/>
-          <p:nvPr/>
-        </p:nvSpPr>
-        <p:spPr>
-          <a:xfrm>
-            <a:off x="2971800" y="5105854"/>
-            <a:ext cx="2743200" cy="612648"/>
-          </a:xfrm>
-          <a:prstGeom prst="flowChartAlternateProcess">
-            <a:avLst/>
-          </a:prstGeom>
-          <a:solidFill>
-            <a:schemeClr val="accent1">
-              <a:alpha val="25000"/>
-            </a:schemeClr>
-          </a:solidFill>
-          <a:ln>
-            <a:solidFill>
-              <a:schemeClr val="accent1">
-                <a:alpha val="25000"/>
-              </a:schemeClr>
-            </a:solidFill>
-          </a:ln>
-        </p:spPr>
-        <p:style>
-          <a:lnRef idx="2">
-            <a:schemeClr val="accent1">
-              <a:shade val="50000"/>
-            </a:schemeClr>
-          </a:lnRef>
-          <a:fillRef idx="1">
-            <a:schemeClr val="accent1"/>
-          </a:fillRef>
-          <a:effectRef idx="0">
-            <a:schemeClr val="accent1"/>
-          </a:effectRef>
-          <a:fontRef idx="minor">
-            <a:schemeClr val="lt1"/>
-          </a:fontRef>
-        </p:style>
-        <p:txBody>
-          <a:bodyPr rtlCol="0" anchor="ctr"/>
-          <a:lstStyle/>
-          <a:p>
-            <a:pPr algn="ctr"/>
-            <a:r>
-              <a:rPr lang="de-DE" dirty="0" smtClean="0"/>
-              <a:t>Schäden</a:t>
-            </a:r>
-            <a:endParaRPr lang="de-DE" dirty="0"/>
-          </a:p>
-        </p:txBody>
-      </p:sp>
-      <p:cxnSp>
-        <p:nvCxnSpPr>
-          <p:cNvPr id="11" name="Gerade Verbindung mit Pfeil 10"/>
-          <p:cNvCxnSpPr>
-            <a:stCxn id="4" idx="2"/>
-            <a:endCxn id="5" idx="0"/>
-          </p:cNvCxnSpPr>
-          <p:nvPr/>
-        </p:nvCxnSpPr>
-        <p:spPr>
-          <a:xfrm>
-            <a:off x="4343400" y="1653248"/>
-            <a:ext cx="0" cy="744496"/>
-          </a:xfrm>
-          <a:prstGeom prst="straightConnector1">
-            <a:avLst/>
-          </a:prstGeom>
-          <a:ln>
-            <a:solidFill>
-              <a:schemeClr val="accent1">
-                <a:alpha val="25000"/>
-              </a:schemeClr>
-            </a:solidFill>
-            <a:tailEnd type="triangle"/>
-          </a:ln>
-        </p:spPr>
-        <p:style>
-          <a:lnRef idx="3">
-            <a:schemeClr val="accent1"/>
-          </a:lnRef>
-          <a:fillRef idx="0">
-            <a:schemeClr val="accent1"/>
-          </a:fillRef>
-          <a:effectRef idx="2">
-            <a:schemeClr val="accent1"/>
-          </a:effectRef>
-          <a:fontRef idx="minor">
-            <a:schemeClr val="tx1"/>
-          </a:fontRef>
-        </p:style>
-      </p:cxnSp>
-      <p:cxnSp>
-        <p:nvCxnSpPr>
-          <p:cNvPr id="13" name="Gerade Verbindung mit Pfeil 12"/>
-          <p:cNvCxnSpPr/>
-          <p:nvPr/>
-        </p:nvCxnSpPr>
-        <p:spPr>
-          <a:xfrm>
-            <a:off x="4343400" y="3004214"/>
-            <a:ext cx="0" cy="744496"/>
-          </a:xfrm>
-          <a:prstGeom prst="straightConnector1">
-            <a:avLst/>
-          </a:prstGeom>
-          <a:ln>
-            <a:solidFill>
-              <a:schemeClr val="accent1">
-                <a:alpha val="25000"/>
-              </a:schemeClr>
-            </a:solidFill>
-            <a:tailEnd type="triangle"/>
-          </a:ln>
-        </p:spPr>
-        <p:style>
-          <a:lnRef idx="3">
-            <a:schemeClr val="accent1"/>
-          </a:lnRef>
-          <a:fillRef idx="0">
-            <a:schemeClr val="accent1"/>
-          </a:fillRef>
-          <a:effectRef idx="2">
-            <a:schemeClr val="accent1"/>
-          </a:effectRef>
-          <a:fontRef idx="minor">
-            <a:schemeClr val="tx1"/>
-          </a:fontRef>
-        </p:style>
-      </p:cxnSp>
-      <p:cxnSp>
-        <p:nvCxnSpPr>
-          <p:cNvPr id="14" name="Gerade Verbindung mit Pfeil 13"/>
-          <p:cNvCxnSpPr/>
-          <p:nvPr/>
-        </p:nvCxnSpPr>
-        <p:spPr>
-          <a:xfrm>
-            <a:off x="4333103" y="4361358"/>
-            <a:ext cx="0" cy="744496"/>
-          </a:xfrm>
-          <a:prstGeom prst="straightConnector1">
-            <a:avLst/>
-          </a:prstGeom>
-          <a:ln>
-            <a:solidFill>
-              <a:schemeClr val="accent1">
-                <a:alpha val="25000"/>
-              </a:schemeClr>
-            </a:solidFill>
-            <a:tailEnd type="triangle"/>
-          </a:ln>
-        </p:spPr>
-        <p:style>
-          <a:lnRef idx="3">
-            <a:schemeClr val="accent1"/>
-          </a:lnRef>
-          <a:fillRef idx="0">
-            <a:schemeClr val="accent1"/>
-          </a:fillRef>
-          <a:effectRef idx="2">
-            <a:schemeClr val="accent1"/>
-          </a:effectRef>
-          <a:fontRef idx="minor">
-            <a:schemeClr val="tx1"/>
-          </a:fontRef>
-        </p:style>
-      </p:cxnSp>
     </p:spTree>
-    <p:extLst>
-      <p:ext uri="{BB962C8B-B14F-4D97-AF65-F5344CB8AC3E}">
-        <p14:creationId xmlns:p14="http://schemas.microsoft.com/office/powerpoint/2010/main" xmlns="" val="689969953"/>
-      </p:ext>
-    </p:extLst>
   </p:cSld>
   <p:clrMapOvr>
     <a:masterClrMapping/>
@@ -6772,7 +6560,7 @@
           <a:p>
             <a:r>
               <a:rPr lang="de-DE" dirty="0" smtClean="0"/>
-              <a:t>Bohrungspositionen</a:t>
+              <a:t>Programm-Ablauf</a:t>
             </a:r>
             <a:endParaRPr lang="de-DE" dirty="0"/>
           </a:p>
@@ -6780,75 +6568,31 @@
       </p:sp>
       <p:sp>
         <p:nvSpPr>
-          <p:cNvPr id="3" name="Inhaltsplatzhalter 2"/>
-          <p:cNvSpPr>
-            <a:spLocks noGrp="1"/>
-          </p:cNvSpPr>
-          <p:nvPr>
-            <p:ph idx="1"/>
-          </p:nvPr>
-        </p:nvSpPr>
-        <p:spPr/>
-        <p:txBody>
-          <a:bodyPr/>
-          <a:lstStyle/>
-          <a:p>
-            <a:r>
-              <a:rPr lang="de-DE" dirty="0" smtClean="0"/>
-              <a:t>Berechnung der Bohrungspositionen </a:t>
-            </a:r>
-            <a:r>
-              <a:rPr lang="de-DE" dirty="0"/>
-              <a:t>anhand </a:t>
-            </a:r>
-            <a:r>
-              <a:rPr lang="de-DE" dirty="0" smtClean="0"/>
-              <a:t>Rechteck-Eckpunkten</a:t>
-            </a:r>
-            <a:endParaRPr lang="de-DE" dirty="0"/>
-          </a:p>
-        </p:txBody>
-      </p:sp>
-      <p:pic>
-        <p:nvPicPr>
-          <p:cNvPr id="4" name="Grafik 3" descr="Perfekt3.png"/>
-          <p:cNvPicPr>
-            <a:picLocks noChangeAspect="1"/>
-          </p:cNvPicPr>
+          <p:cNvPr id="4" name="Flussdiagramm: Alternativer Prozess 3"/>
+          <p:cNvSpPr/>
           <p:nvPr/>
-        </p:nvPicPr>
-        <p:blipFill>
-          <a:blip r:embed="rId2"/>
-          <a:stretch>
-            <a:fillRect/>
-          </a:stretch>
-        </p:blipFill>
+        </p:nvSpPr>
         <p:spPr>
-          <a:xfrm flipH="1">
-            <a:off x="762000" y="2232658"/>
-            <a:ext cx="3048000" cy="3025817"/>
-          </a:xfrm>
-          <a:prstGeom prst="rect">
+          <a:xfrm>
+            <a:off x="2971800" y="1040600"/>
+            <a:ext cx="2743200" cy="612648"/>
+          </a:xfrm>
+          <a:prstGeom prst="flowChartAlternateProcess">
             <a:avLst/>
           </a:prstGeom>
-        </p:spPr>
-      </p:pic>
-      <p:sp>
-        <p:nvSpPr>
-          <p:cNvPr id="5" name="Rechteck 4"/>
-          <p:cNvSpPr/>
-          <p:nvPr/>
-        </p:nvSpPr>
-        <p:spPr>
-          <a:xfrm>
-            <a:off x="4648200" y="2362200"/>
-            <a:ext cx="2743200" cy="2743200"/>
-          </a:xfrm>
-          <a:prstGeom prst="rect">
-            <a:avLst/>
-          </a:prstGeom>
-          <a:noFill/>
-          <a:ln w="38100"/>
+          <a:solidFill>
+            <a:schemeClr val="accent1">
+              <a:alpha val="25000"/>
+            </a:schemeClr>
+          </a:solidFill>
+          <a:ln>
+            <a:solidFill>
+              <a:schemeClr val="accent1">
+                <a:shade val="50000"/>
+                <a:alpha val="25000"/>
+              </a:schemeClr>
+            </a:solidFill>
+          </a:ln>
         </p:spPr>
         <p:style>
           <a:lnRef idx="2">
@@ -6871,24 +6615,40 @@
           <a:lstStyle/>
           <a:p>
             <a:pPr algn="ctr"/>
-            <a:endParaRPr lang="de-DE"/>
+            <a:r>
+              <a:rPr lang="de-DE" dirty="0" smtClean="0"/>
+              <a:t>Kalibrierung</a:t>
+            </a:r>
+            <a:endParaRPr lang="de-DE" dirty="0"/>
           </a:p>
         </p:txBody>
       </p:sp>
       <p:sp>
         <p:nvSpPr>
-          <p:cNvPr id="6" name="Ellipse 5"/>
+          <p:cNvPr id="5" name="Flussdiagramm: Alternativer Prozess 4"/>
           <p:cNvSpPr/>
           <p:nvPr/>
         </p:nvSpPr>
         <p:spPr>
           <a:xfrm>
-            <a:off x="5029200" y="2697481"/>
-            <a:ext cx="45719" cy="45719"/>
-          </a:xfrm>
-          <a:prstGeom prst="ellipse">
+            <a:off x="2971800" y="2397744"/>
+            <a:ext cx="2743200" cy="612648"/>
+          </a:xfrm>
+          <a:prstGeom prst="flowChartAlternateProcess">
             <a:avLst/>
           </a:prstGeom>
+          <a:solidFill>
+            <a:schemeClr val="accent1">
+              <a:alpha val="25000"/>
+            </a:schemeClr>
+          </a:solidFill>
+          <a:ln>
+            <a:solidFill>
+              <a:schemeClr val="accent1">
+                <a:alpha val="25000"/>
+              </a:schemeClr>
+            </a:solidFill>
+          </a:ln>
         </p:spPr>
         <p:style>
           <a:lnRef idx="2">
@@ -6911,24 +6671,35 @@
           <a:lstStyle/>
           <a:p>
             <a:pPr algn="ctr"/>
-            <a:endParaRPr lang="de-DE"/>
+            <a:r>
+              <a:rPr lang="de-DE" dirty="0"/>
+              <a:t>Lage und Maße</a:t>
+            </a:r>
           </a:p>
         </p:txBody>
       </p:sp>
       <p:sp>
         <p:nvSpPr>
-          <p:cNvPr id="7" name="Ellipse 6"/>
+          <p:cNvPr id="6" name="Flussdiagramm: Alternativer Prozess 5"/>
           <p:cNvSpPr/>
           <p:nvPr/>
         </p:nvSpPr>
         <p:spPr>
           <a:xfrm>
-            <a:off x="6991349" y="2697481"/>
-            <a:ext cx="45719" cy="45719"/>
-          </a:xfrm>
-          <a:prstGeom prst="ellipse">
+            <a:off x="2986216" y="3748710"/>
+            <a:ext cx="2743200" cy="612648"/>
+          </a:xfrm>
+          <a:prstGeom prst="flowChartAlternateProcess">
             <a:avLst/>
           </a:prstGeom>
+          <a:solidFill>
+            <a:schemeClr val="accent1"/>
+          </a:solidFill>
+          <a:ln>
+            <a:solidFill>
+              <a:schemeClr val="accent1"/>
+            </a:solidFill>
+          </a:ln>
         </p:spPr>
         <p:style>
           <a:lnRef idx="2">
@@ -6951,24 +6722,40 @@
           <a:lstStyle/>
           <a:p>
             <a:pPr algn="ctr"/>
-            <a:endParaRPr lang="de-DE"/>
+            <a:r>
+              <a:rPr lang="de-DE" dirty="0" smtClean="0"/>
+              <a:t>Bohrungen</a:t>
+            </a:r>
+            <a:endParaRPr lang="de-DE" dirty="0"/>
           </a:p>
         </p:txBody>
       </p:sp>
       <p:sp>
         <p:nvSpPr>
-          <p:cNvPr id="8" name="Ellipse 7"/>
+          <p:cNvPr id="7" name="Flussdiagramm: Alternativer Prozess 6"/>
           <p:cNvSpPr/>
           <p:nvPr/>
         </p:nvSpPr>
         <p:spPr>
           <a:xfrm>
-            <a:off x="5029200" y="4754881"/>
-            <a:ext cx="45719" cy="45719"/>
-          </a:xfrm>
-          <a:prstGeom prst="ellipse">
+            <a:off x="2971800" y="5105854"/>
+            <a:ext cx="2743200" cy="612648"/>
+          </a:xfrm>
+          <a:prstGeom prst="flowChartAlternateProcess">
             <a:avLst/>
           </a:prstGeom>
+          <a:solidFill>
+            <a:schemeClr val="accent1">
+              <a:alpha val="25000"/>
+            </a:schemeClr>
+          </a:solidFill>
+          <a:ln>
+            <a:solidFill>
+              <a:schemeClr val="accent1">
+                <a:alpha val="25000"/>
+              </a:schemeClr>
+            </a:solidFill>
+          </a:ln>
         </p:spPr>
         <p:style>
           <a:lnRef idx="2">
@@ -6991,251 +6778,137 @@
           <a:lstStyle/>
           <a:p>
             <a:pPr algn="ctr"/>
-            <a:endParaRPr lang="de-DE"/>
+            <a:r>
+              <a:rPr lang="de-DE" dirty="0" smtClean="0"/>
+              <a:t>Schäden</a:t>
+            </a:r>
+            <a:endParaRPr lang="de-DE" dirty="0"/>
           </a:p>
         </p:txBody>
       </p:sp>
-      <p:sp>
-        <p:nvSpPr>
-          <p:cNvPr id="9" name="Ellipse 8"/>
-          <p:cNvSpPr/>
+      <p:cxnSp>
+        <p:nvCxnSpPr>
+          <p:cNvPr id="11" name="Gerade Verbindung mit Pfeil 10"/>
+          <p:cNvCxnSpPr>
+            <a:stCxn id="4" idx="2"/>
+            <a:endCxn id="5" idx="0"/>
+          </p:cNvCxnSpPr>
           <p:nvPr/>
-        </p:nvSpPr>
+        </p:nvCxnSpPr>
         <p:spPr>
           <a:xfrm>
-            <a:off x="6987540" y="4754882"/>
-            <a:ext cx="45719" cy="45719"/>
-          </a:xfrm>
-          <a:prstGeom prst="ellipse">
+            <a:off x="4343400" y="1653248"/>
+            <a:ext cx="0" cy="744496"/>
+          </a:xfrm>
+          <a:prstGeom prst="straightConnector1">
             <a:avLst/>
           </a:prstGeom>
+          <a:ln>
+            <a:solidFill>
+              <a:schemeClr val="accent1">
+                <a:alpha val="25000"/>
+              </a:schemeClr>
+            </a:solidFill>
+            <a:tailEnd type="triangle"/>
+          </a:ln>
         </p:spPr>
         <p:style>
-          <a:lnRef idx="2">
-            <a:schemeClr val="accent1">
-              <a:shade val="50000"/>
-            </a:schemeClr>
+          <a:lnRef idx="3">
+            <a:schemeClr val="accent1"/>
           </a:lnRef>
-          <a:fillRef idx="1">
+          <a:fillRef idx="0">
             <a:schemeClr val="accent1"/>
           </a:fillRef>
-          <a:effectRef idx="0">
+          <a:effectRef idx="2">
             <a:schemeClr val="accent1"/>
           </a:effectRef>
           <a:fontRef idx="minor">
-            <a:schemeClr val="lt1"/>
+            <a:schemeClr val="tx1"/>
           </a:fontRef>
         </p:style>
-        <p:txBody>
-          <a:bodyPr rtlCol="0" anchor="ctr"/>
-          <a:lstStyle/>
-          <a:p>
-            <a:pPr algn="ctr"/>
-            <a:endParaRPr lang="de-DE"/>
-          </a:p>
-        </p:txBody>
-      </p:sp>
-      <p:sp>
-        <p:nvSpPr>
-          <p:cNvPr id="10" name="Ellipse 9"/>
-          <p:cNvSpPr/>
+      </p:cxnSp>
+      <p:cxnSp>
+        <p:nvCxnSpPr>
+          <p:cNvPr id="13" name="Gerade Verbindung mit Pfeil 12"/>
+          <p:cNvCxnSpPr/>
           <p:nvPr/>
-        </p:nvSpPr>
+        </p:nvCxnSpPr>
         <p:spPr>
           <a:xfrm>
-            <a:off x="5985194" y="3581400"/>
-            <a:ext cx="45719" cy="45719"/>
-          </a:xfrm>
-          <a:prstGeom prst="ellipse">
+            <a:off x="4343400" y="3004214"/>
+            <a:ext cx="0" cy="744496"/>
+          </a:xfrm>
+          <a:prstGeom prst="straightConnector1">
             <a:avLst/>
           </a:prstGeom>
+          <a:ln>
+            <a:solidFill>
+              <a:schemeClr val="accent1">
+                <a:alpha val="25000"/>
+              </a:schemeClr>
+            </a:solidFill>
+            <a:tailEnd type="triangle"/>
+          </a:ln>
         </p:spPr>
         <p:style>
-          <a:lnRef idx="2">
-            <a:schemeClr val="accent1">
-              <a:shade val="50000"/>
-            </a:schemeClr>
+          <a:lnRef idx="3">
+            <a:schemeClr val="accent1"/>
           </a:lnRef>
-          <a:fillRef idx="1">
+          <a:fillRef idx="0">
             <a:schemeClr val="accent1"/>
           </a:fillRef>
-          <a:effectRef idx="0">
+          <a:effectRef idx="2">
             <a:schemeClr val="accent1"/>
           </a:effectRef>
           <a:fontRef idx="minor">
-            <a:schemeClr val="lt1"/>
+            <a:schemeClr val="tx1"/>
           </a:fontRef>
         </p:style>
-        <p:txBody>
-          <a:bodyPr rtlCol="0" anchor="ctr"/>
-          <a:lstStyle/>
-          <a:p>
-            <a:pPr algn="ctr"/>
-            <a:endParaRPr lang="de-DE"/>
-          </a:p>
-        </p:txBody>
-      </p:sp>
-      <p:sp>
-        <p:nvSpPr>
-          <p:cNvPr id="11" name="Ellipse 10"/>
-          <p:cNvSpPr/>
+      </p:cxnSp>
+      <p:cxnSp>
+        <p:nvCxnSpPr>
+          <p:cNvPr id="14" name="Gerade Verbindung mit Pfeil 13"/>
+          <p:cNvCxnSpPr/>
           <p:nvPr/>
-        </p:nvSpPr>
+        </p:nvCxnSpPr>
         <p:spPr>
           <a:xfrm>
-            <a:off x="5985193" y="3810000"/>
-            <a:ext cx="45719" cy="45719"/>
-          </a:xfrm>
-          <a:prstGeom prst="ellipse">
+            <a:off x="4333103" y="4361358"/>
+            <a:ext cx="0" cy="744496"/>
+          </a:xfrm>
+          <a:prstGeom prst="straightConnector1">
             <a:avLst/>
           </a:prstGeom>
+          <a:ln>
+            <a:solidFill>
+              <a:schemeClr val="accent1">
+                <a:alpha val="25000"/>
+              </a:schemeClr>
+            </a:solidFill>
+            <a:tailEnd type="triangle"/>
+          </a:ln>
         </p:spPr>
         <p:style>
-          <a:lnRef idx="2">
-            <a:schemeClr val="accent1">
-              <a:shade val="50000"/>
-            </a:schemeClr>
+          <a:lnRef idx="3">
+            <a:schemeClr val="accent1"/>
           </a:lnRef>
-          <a:fillRef idx="1">
+          <a:fillRef idx="0">
             <a:schemeClr val="accent1"/>
           </a:fillRef>
-          <a:effectRef idx="0">
+          <a:effectRef idx="2">
             <a:schemeClr val="accent1"/>
           </a:effectRef>
           <a:fontRef idx="minor">
-            <a:schemeClr val="lt1"/>
+            <a:schemeClr val="tx1"/>
           </a:fontRef>
         </p:style>
-        <p:txBody>
-          <a:bodyPr rtlCol="0" anchor="ctr"/>
-          <a:lstStyle/>
-          <a:p>
-            <a:pPr algn="ctr"/>
-            <a:endParaRPr lang="de-DE"/>
-          </a:p>
-        </p:txBody>
-      </p:sp>
-      <p:sp>
-        <p:nvSpPr>
-          <p:cNvPr id="12" name="Ellipse 11"/>
-          <p:cNvSpPr/>
-          <p:nvPr/>
-        </p:nvSpPr>
-        <p:spPr>
-          <a:xfrm>
-            <a:off x="5867400" y="3699848"/>
-            <a:ext cx="45719" cy="45719"/>
-          </a:xfrm>
-          <a:prstGeom prst="ellipse">
-            <a:avLst/>
-          </a:prstGeom>
-        </p:spPr>
-        <p:style>
-          <a:lnRef idx="2">
-            <a:schemeClr val="accent1">
-              <a:shade val="50000"/>
-            </a:schemeClr>
-          </a:lnRef>
-          <a:fillRef idx="1">
-            <a:schemeClr val="accent1"/>
-          </a:fillRef>
-          <a:effectRef idx="0">
-            <a:schemeClr val="accent1"/>
-          </a:effectRef>
-          <a:fontRef idx="minor">
-            <a:schemeClr val="lt1"/>
-          </a:fontRef>
-        </p:style>
-        <p:txBody>
-          <a:bodyPr rtlCol="0" anchor="ctr"/>
-          <a:lstStyle/>
-          <a:p>
-            <a:pPr algn="ctr"/>
-            <a:endParaRPr lang="de-DE"/>
-          </a:p>
-        </p:txBody>
-      </p:sp>
-      <p:sp>
-        <p:nvSpPr>
-          <p:cNvPr id="13" name="Ellipse 12"/>
-          <p:cNvSpPr/>
-          <p:nvPr/>
-        </p:nvSpPr>
-        <p:spPr>
-          <a:xfrm>
-            <a:off x="6096000" y="3699848"/>
-            <a:ext cx="45719" cy="45719"/>
-          </a:xfrm>
-          <a:prstGeom prst="ellipse">
-            <a:avLst/>
-          </a:prstGeom>
-        </p:spPr>
-        <p:style>
-          <a:lnRef idx="2">
-            <a:schemeClr val="accent1">
-              <a:shade val="50000"/>
-            </a:schemeClr>
-          </a:lnRef>
-          <a:fillRef idx="1">
-            <a:schemeClr val="accent1"/>
-          </a:fillRef>
-          <a:effectRef idx="0">
-            <a:schemeClr val="accent1"/>
-          </a:effectRef>
-          <a:fontRef idx="minor">
-            <a:schemeClr val="lt1"/>
-          </a:fontRef>
-        </p:style>
-        <p:txBody>
-          <a:bodyPr rtlCol="0" anchor="ctr"/>
-          <a:lstStyle/>
-          <a:p>
-            <a:pPr algn="ctr"/>
-            <a:endParaRPr lang="de-DE"/>
-          </a:p>
-        </p:txBody>
-      </p:sp>
-      <p:sp>
-        <p:nvSpPr>
-          <p:cNvPr id="14" name="Pfeil nach rechts 13"/>
-          <p:cNvSpPr/>
-          <p:nvPr/>
-        </p:nvSpPr>
-        <p:spPr>
-          <a:xfrm>
-            <a:off x="4038600" y="3516966"/>
-            <a:ext cx="381000" cy="411481"/>
-          </a:xfrm>
-          <a:prstGeom prst="rightArrow">
-            <a:avLst/>
-          </a:prstGeom>
-        </p:spPr>
-        <p:style>
-          <a:lnRef idx="2">
-            <a:schemeClr val="accent1">
-              <a:shade val="50000"/>
-            </a:schemeClr>
-          </a:lnRef>
-          <a:fillRef idx="1">
-            <a:schemeClr val="accent1"/>
-          </a:fillRef>
-          <a:effectRef idx="0">
-            <a:schemeClr val="accent1"/>
-          </a:effectRef>
-          <a:fontRef idx="minor">
-            <a:schemeClr val="lt1"/>
-          </a:fontRef>
-        </p:style>
-        <p:txBody>
-          <a:bodyPr rtlCol="0" anchor="ctr"/>
-          <a:lstStyle/>
-          <a:p>
-            <a:pPr algn="ctr"/>
-            <a:endParaRPr lang="de-DE"/>
-          </a:p>
-        </p:txBody>
-      </p:sp>
+      </p:cxnSp>
     </p:spTree>
+    <p:extLst>
+      <p:ext uri="{BB962C8B-B14F-4D97-AF65-F5344CB8AC3E}">
+        <p14:creationId xmlns:p14="http://schemas.microsoft.com/office/powerpoint/2010/main" val="689969953"/>
+      </p:ext>
+    </p:extLst>
   </p:cSld>
   <p:clrMapOvr>
     <a:masterClrMapping/>
@@ -7284,7 +6957,7 @@
           <a:p>
             <a:r>
               <a:rPr lang="de-DE" dirty="0" smtClean="0"/>
-              <a:t>Bohrungsdetektion</a:t>
+              <a:t>Bohrungspositionen</a:t>
             </a:r>
             <a:endParaRPr lang="de-DE" dirty="0"/>
           </a:p>
@@ -7307,14 +6980,15 @@
           <a:p>
             <a:r>
               <a:rPr lang="de-DE" dirty="0" smtClean="0"/>
-              <a:t>Anwendung eines Gauß-Filters</a:t>
-            </a:r>
-          </a:p>
-          <a:p>
-            <a:pPr lvl="1"/>
+              <a:t>Berechnung der Bohrungspositionen </a:t>
+            </a:r>
+            <a:r>
+              <a:rPr lang="de-DE" dirty="0"/>
+              <a:t>anhand </a:t>
+            </a:r>
             <a:r>
               <a:rPr lang="de-DE" dirty="0" smtClean="0"/>
-              <a:t>Rauschentfernung</a:t>
+              <a:t>Rechteck-Eckpunkten</a:t>
             </a:r>
             <a:endParaRPr lang="de-DE" dirty="0"/>
           </a:p>
@@ -7322,76 +6996,44 @@
       </p:sp>
       <p:pic>
         <p:nvPicPr>
-          <p:cNvPr id="16" name="Grafik 15"/>
+          <p:cNvPr id="4" name="Grafik 3" descr="Perfekt3.png"/>
           <p:cNvPicPr>
             <a:picLocks noChangeAspect="1"/>
           </p:cNvPicPr>
           <p:nvPr/>
         </p:nvPicPr>
-        <p:blipFill rotWithShape="1">
-          <a:blip r:embed="rId2">
-            <a:extLst>
-              <a:ext uri="{28A0092B-C50C-407E-A947-70E740481C1C}">
-                <a14:useLocalDpi xmlns:a14="http://schemas.microsoft.com/office/drawing/2010/main" xmlns="" val="0"/>
-              </a:ext>
-            </a:extLst>
-          </a:blip>
-          <a:srcRect l="34215" t="16164" r="11647" b="5403"/>
-          <a:stretch/>
+        <p:blipFill>
+          <a:blip r:embed="rId2"/>
+          <a:stretch>
+            <a:fillRect/>
+          </a:stretch>
         </p:blipFill>
         <p:spPr>
-          <a:xfrm>
-            <a:off x="298382" y="2225833"/>
-            <a:ext cx="3657600" cy="3327717"/>
+          <a:xfrm flipH="1">
+            <a:off x="762000" y="2232658"/>
+            <a:ext cx="3048000" cy="3025817"/>
           </a:xfrm>
           <a:prstGeom prst="rect">
             <a:avLst/>
           </a:prstGeom>
         </p:spPr>
       </p:pic>
-      <p:pic>
-        <p:nvPicPr>
-          <p:cNvPr id="17" name="Grafik 16"/>
-          <p:cNvPicPr>
-            <a:picLocks noChangeAspect="1"/>
-          </p:cNvPicPr>
+      <p:sp>
+        <p:nvSpPr>
+          <p:cNvPr id="5" name="Rechteck 4"/>
+          <p:cNvSpPr/>
           <p:nvPr/>
-        </p:nvPicPr>
-        <p:blipFill rotWithShape="1">
-          <a:blip r:embed="rId3">
-            <a:extLst>
-              <a:ext uri="{28A0092B-C50C-407E-A947-70E740481C1C}">
-                <a14:useLocalDpi xmlns:a14="http://schemas.microsoft.com/office/drawing/2010/main" xmlns="" val="0"/>
-              </a:ext>
-            </a:extLst>
-          </a:blip>
-          <a:srcRect l="17500" t="14095" r="15833" b="3671"/>
-          <a:stretch/>
-        </p:blipFill>
+        </p:nvSpPr>
         <p:spPr>
           <a:xfrm>
-            <a:off x="4803842" y="2225832"/>
-            <a:ext cx="3749541" cy="3327717"/>
+            <a:off x="4648200" y="2362200"/>
+            <a:ext cx="2743200" cy="2743200"/>
           </a:xfrm>
           <a:prstGeom prst="rect">
             <a:avLst/>
           </a:prstGeom>
-        </p:spPr>
-      </p:pic>
-      <p:sp>
-        <p:nvSpPr>
-          <p:cNvPr id="20" name="Pfeil nach rechts 19"/>
-          <p:cNvSpPr/>
-          <p:nvPr/>
-        </p:nvSpPr>
-        <p:spPr>
-          <a:xfrm>
-            <a:off x="4189412" y="3538377"/>
-            <a:ext cx="381000" cy="411481"/>
-          </a:xfrm>
-          <a:prstGeom prst="rightArrow">
-            <a:avLst/>
-          </a:prstGeom>
+          <a:noFill/>
+          <a:ln w="38100"/>
         </p:spPr>
         <p:style>
           <a:lnRef idx="2">
@@ -7418,12 +7060,367 @@
           </a:p>
         </p:txBody>
       </p:sp>
+      <p:sp>
+        <p:nvSpPr>
+          <p:cNvPr id="6" name="Ellipse 5"/>
+          <p:cNvSpPr/>
+          <p:nvPr/>
+        </p:nvSpPr>
+        <p:spPr>
+          <a:xfrm>
+            <a:off x="5029200" y="2697481"/>
+            <a:ext cx="45719" cy="45719"/>
+          </a:xfrm>
+          <a:prstGeom prst="ellipse">
+            <a:avLst/>
+          </a:prstGeom>
+        </p:spPr>
+        <p:style>
+          <a:lnRef idx="2">
+            <a:schemeClr val="accent1">
+              <a:shade val="50000"/>
+            </a:schemeClr>
+          </a:lnRef>
+          <a:fillRef idx="1">
+            <a:schemeClr val="accent1"/>
+          </a:fillRef>
+          <a:effectRef idx="0">
+            <a:schemeClr val="accent1"/>
+          </a:effectRef>
+          <a:fontRef idx="minor">
+            <a:schemeClr val="lt1"/>
+          </a:fontRef>
+        </p:style>
+        <p:txBody>
+          <a:bodyPr rtlCol="0" anchor="ctr"/>
+          <a:lstStyle/>
+          <a:p>
+            <a:pPr algn="ctr"/>
+            <a:endParaRPr lang="de-DE"/>
+          </a:p>
+        </p:txBody>
+      </p:sp>
+      <p:sp>
+        <p:nvSpPr>
+          <p:cNvPr id="7" name="Ellipse 6"/>
+          <p:cNvSpPr/>
+          <p:nvPr/>
+        </p:nvSpPr>
+        <p:spPr>
+          <a:xfrm>
+            <a:off x="6991349" y="2697481"/>
+            <a:ext cx="45719" cy="45719"/>
+          </a:xfrm>
+          <a:prstGeom prst="ellipse">
+            <a:avLst/>
+          </a:prstGeom>
+        </p:spPr>
+        <p:style>
+          <a:lnRef idx="2">
+            <a:schemeClr val="accent1">
+              <a:shade val="50000"/>
+            </a:schemeClr>
+          </a:lnRef>
+          <a:fillRef idx="1">
+            <a:schemeClr val="accent1"/>
+          </a:fillRef>
+          <a:effectRef idx="0">
+            <a:schemeClr val="accent1"/>
+          </a:effectRef>
+          <a:fontRef idx="minor">
+            <a:schemeClr val="lt1"/>
+          </a:fontRef>
+        </p:style>
+        <p:txBody>
+          <a:bodyPr rtlCol="0" anchor="ctr"/>
+          <a:lstStyle/>
+          <a:p>
+            <a:pPr algn="ctr"/>
+            <a:endParaRPr lang="de-DE"/>
+          </a:p>
+        </p:txBody>
+      </p:sp>
+      <p:sp>
+        <p:nvSpPr>
+          <p:cNvPr id="8" name="Ellipse 7"/>
+          <p:cNvSpPr/>
+          <p:nvPr/>
+        </p:nvSpPr>
+        <p:spPr>
+          <a:xfrm>
+            <a:off x="5029200" y="4754881"/>
+            <a:ext cx="45719" cy="45719"/>
+          </a:xfrm>
+          <a:prstGeom prst="ellipse">
+            <a:avLst/>
+          </a:prstGeom>
+        </p:spPr>
+        <p:style>
+          <a:lnRef idx="2">
+            <a:schemeClr val="accent1">
+              <a:shade val="50000"/>
+            </a:schemeClr>
+          </a:lnRef>
+          <a:fillRef idx="1">
+            <a:schemeClr val="accent1"/>
+          </a:fillRef>
+          <a:effectRef idx="0">
+            <a:schemeClr val="accent1"/>
+          </a:effectRef>
+          <a:fontRef idx="minor">
+            <a:schemeClr val="lt1"/>
+          </a:fontRef>
+        </p:style>
+        <p:txBody>
+          <a:bodyPr rtlCol="0" anchor="ctr"/>
+          <a:lstStyle/>
+          <a:p>
+            <a:pPr algn="ctr"/>
+            <a:endParaRPr lang="de-DE"/>
+          </a:p>
+        </p:txBody>
+      </p:sp>
+      <p:sp>
+        <p:nvSpPr>
+          <p:cNvPr id="9" name="Ellipse 8"/>
+          <p:cNvSpPr/>
+          <p:nvPr/>
+        </p:nvSpPr>
+        <p:spPr>
+          <a:xfrm>
+            <a:off x="6987540" y="4754882"/>
+            <a:ext cx="45719" cy="45719"/>
+          </a:xfrm>
+          <a:prstGeom prst="ellipse">
+            <a:avLst/>
+          </a:prstGeom>
+        </p:spPr>
+        <p:style>
+          <a:lnRef idx="2">
+            <a:schemeClr val="accent1">
+              <a:shade val="50000"/>
+            </a:schemeClr>
+          </a:lnRef>
+          <a:fillRef idx="1">
+            <a:schemeClr val="accent1"/>
+          </a:fillRef>
+          <a:effectRef idx="0">
+            <a:schemeClr val="accent1"/>
+          </a:effectRef>
+          <a:fontRef idx="minor">
+            <a:schemeClr val="lt1"/>
+          </a:fontRef>
+        </p:style>
+        <p:txBody>
+          <a:bodyPr rtlCol="0" anchor="ctr"/>
+          <a:lstStyle/>
+          <a:p>
+            <a:pPr algn="ctr"/>
+            <a:endParaRPr lang="de-DE"/>
+          </a:p>
+        </p:txBody>
+      </p:sp>
+      <p:sp>
+        <p:nvSpPr>
+          <p:cNvPr id="10" name="Ellipse 9"/>
+          <p:cNvSpPr/>
+          <p:nvPr/>
+        </p:nvSpPr>
+        <p:spPr>
+          <a:xfrm>
+            <a:off x="5985194" y="3581400"/>
+            <a:ext cx="45719" cy="45719"/>
+          </a:xfrm>
+          <a:prstGeom prst="ellipse">
+            <a:avLst/>
+          </a:prstGeom>
+        </p:spPr>
+        <p:style>
+          <a:lnRef idx="2">
+            <a:schemeClr val="accent1">
+              <a:shade val="50000"/>
+            </a:schemeClr>
+          </a:lnRef>
+          <a:fillRef idx="1">
+            <a:schemeClr val="accent1"/>
+          </a:fillRef>
+          <a:effectRef idx="0">
+            <a:schemeClr val="accent1"/>
+          </a:effectRef>
+          <a:fontRef idx="minor">
+            <a:schemeClr val="lt1"/>
+          </a:fontRef>
+        </p:style>
+        <p:txBody>
+          <a:bodyPr rtlCol="0" anchor="ctr"/>
+          <a:lstStyle/>
+          <a:p>
+            <a:pPr algn="ctr"/>
+            <a:endParaRPr lang="de-DE"/>
+          </a:p>
+        </p:txBody>
+      </p:sp>
+      <p:sp>
+        <p:nvSpPr>
+          <p:cNvPr id="11" name="Ellipse 10"/>
+          <p:cNvSpPr/>
+          <p:nvPr/>
+        </p:nvSpPr>
+        <p:spPr>
+          <a:xfrm>
+            <a:off x="5985193" y="3810000"/>
+            <a:ext cx="45719" cy="45719"/>
+          </a:xfrm>
+          <a:prstGeom prst="ellipse">
+            <a:avLst/>
+          </a:prstGeom>
+        </p:spPr>
+        <p:style>
+          <a:lnRef idx="2">
+            <a:schemeClr val="accent1">
+              <a:shade val="50000"/>
+            </a:schemeClr>
+          </a:lnRef>
+          <a:fillRef idx="1">
+            <a:schemeClr val="accent1"/>
+          </a:fillRef>
+          <a:effectRef idx="0">
+            <a:schemeClr val="accent1"/>
+          </a:effectRef>
+          <a:fontRef idx="minor">
+            <a:schemeClr val="lt1"/>
+          </a:fontRef>
+        </p:style>
+        <p:txBody>
+          <a:bodyPr rtlCol="0" anchor="ctr"/>
+          <a:lstStyle/>
+          <a:p>
+            <a:pPr algn="ctr"/>
+            <a:endParaRPr lang="de-DE"/>
+          </a:p>
+        </p:txBody>
+      </p:sp>
+      <p:sp>
+        <p:nvSpPr>
+          <p:cNvPr id="12" name="Ellipse 11"/>
+          <p:cNvSpPr/>
+          <p:nvPr/>
+        </p:nvSpPr>
+        <p:spPr>
+          <a:xfrm>
+            <a:off x="5867400" y="3699848"/>
+            <a:ext cx="45719" cy="45719"/>
+          </a:xfrm>
+          <a:prstGeom prst="ellipse">
+            <a:avLst/>
+          </a:prstGeom>
+        </p:spPr>
+        <p:style>
+          <a:lnRef idx="2">
+            <a:schemeClr val="accent1">
+              <a:shade val="50000"/>
+            </a:schemeClr>
+          </a:lnRef>
+          <a:fillRef idx="1">
+            <a:schemeClr val="accent1"/>
+          </a:fillRef>
+          <a:effectRef idx="0">
+            <a:schemeClr val="accent1"/>
+          </a:effectRef>
+          <a:fontRef idx="minor">
+            <a:schemeClr val="lt1"/>
+          </a:fontRef>
+        </p:style>
+        <p:txBody>
+          <a:bodyPr rtlCol="0" anchor="ctr"/>
+          <a:lstStyle/>
+          <a:p>
+            <a:pPr algn="ctr"/>
+            <a:endParaRPr lang="de-DE"/>
+          </a:p>
+        </p:txBody>
+      </p:sp>
+      <p:sp>
+        <p:nvSpPr>
+          <p:cNvPr id="13" name="Ellipse 12"/>
+          <p:cNvSpPr/>
+          <p:nvPr/>
+        </p:nvSpPr>
+        <p:spPr>
+          <a:xfrm>
+            <a:off x="6096000" y="3699848"/>
+            <a:ext cx="45719" cy="45719"/>
+          </a:xfrm>
+          <a:prstGeom prst="ellipse">
+            <a:avLst/>
+          </a:prstGeom>
+        </p:spPr>
+        <p:style>
+          <a:lnRef idx="2">
+            <a:schemeClr val="accent1">
+              <a:shade val="50000"/>
+            </a:schemeClr>
+          </a:lnRef>
+          <a:fillRef idx="1">
+            <a:schemeClr val="accent1"/>
+          </a:fillRef>
+          <a:effectRef idx="0">
+            <a:schemeClr val="accent1"/>
+          </a:effectRef>
+          <a:fontRef idx="minor">
+            <a:schemeClr val="lt1"/>
+          </a:fontRef>
+        </p:style>
+        <p:txBody>
+          <a:bodyPr rtlCol="0" anchor="ctr"/>
+          <a:lstStyle/>
+          <a:p>
+            <a:pPr algn="ctr"/>
+            <a:endParaRPr lang="de-DE"/>
+          </a:p>
+        </p:txBody>
+      </p:sp>
+      <p:sp>
+        <p:nvSpPr>
+          <p:cNvPr id="14" name="Pfeil nach rechts 13"/>
+          <p:cNvSpPr/>
+          <p:nvPr/>
+        </p:nvSpPr>
+        <p:spPr>
+          <a:xfrm>
+            <a:off x="4038600" y="3516966"/>
+            <a:ext cx="381000" cy="411481"/>
+          </a:xfrm>
+          <a:prstGeom prst="rightArrow">
+            <a:avLst/>
+          </a:prstGeom>
+        </p:spPr>
+        <p:style>
+          <a:lnRef idx="2">
+            <a:schemeClr val="accent1">
+              <a:shade val="50000"/>
+            </a:schemeClr>
+          </a:lnRef>
+          <a:fillRef idx="1">
+            <a:schemeClr val="accent1"/>
+          </a:fillRef>
+          <a:effectRef idx="0">
+            <a:schemeClr val="accent1"/>
+          </a:effectRef>
+          <a:fontRef idx="minor">
+            <a:schemeClr val="lt1"/>
+          </a:fontRef>
+        </p:style>
+        <p:txBody>
+          <a:bodyPr rtlCol="0" anchor="ctr"/>
+          <a:lstStyle/>
+          <a:p>
+            <a:pPr algn="ctr"/>
+            <a:endParaRPr lang="de-DE"/>
+          </a:p>
+        </p:txBody>
+      </p:sp>
     </p:spTree>
-    <p:extLst>
-      <p:ext uri="{BB962C8B-B14F-4D97-AF65-F5344CB8AC3E}">
-        <p14:creationId xmlns:p14="http://schemas.microsoft.com/office/powerpoint/2010/main" xmlns="" val="3604075679"/>
-      </p:ext>
-    </p:extLst>
   </p:cSld>
   <p:clrMapOvr>
     <a:masterClrMapping/>
@@ -7471,9 +7468,10 @@
           <a:lstStyle/>
           <a:p>
             <a:r>
-              <a:rPr lang="de-DE" dirty="0"/>
+              <a:rPr lang="de-DE" dirty="0" smtClean="0"/>
               <a:t>Bohrungsdetektion</a:t>
             </a:r>
+            <a:endParaRPr lang="de-DE" dirty="0"/>
           </a:p>
         </p:txBody>
       </p:sp>
@@ -7494,14 +7492,14 @@
           <a:p>
             <a:r>
               <a:rPr lang="de-DE" dirty="0" smtClean="0"/>
-              <a:t>Entfernung von Hintergrund mittels Schwellwert</a:t>
+              <a:t>Anwendung eines Gauß-Filters</a:t>
             </a:r>
           </a:p>
           <a:p>
             <a:pPr lvl="1"/>
             <a:r>
               <a:rPr lang="de-DE" dirty="0" smtClean="0"/>
-              <a:t>Bessere Erkennung von Bohrungen</a:t>
+              <a:t>Rauschentfernung</a:t>
             </a:r>
             <a:endParaRPr lang="de-DE" dirty="0"/>
           </a:p>
@@ -7509,7 +7507,7 @@
       </p:sp>
       <p:pic>
         <p:nvPicPr>
-          <p:cNvPr id="18" name="Grafik 17"/>
+          <p:cNvPr id="16" name="Grafik 15"/>
           <p:cNvPicPr>
             <a:picLocks noChangeAspect="1"/>
           </p:cNvPicPr>
@@ -7519,27 +7517,96 @@
           <a:blip r:embed="rId2">
             <a:extLst>
               <a:ext uri="{28A0092B-C50C-407E-A947-70E740481C1C}">
-                <a14:useLocalDpi xmlns:a14="http://schemas.microsoft.com/office/drawing/2010/main" xmlns="" val="0"/>
+                <a14:useLocalDpi xmlns:a14="http://schemas.microsoft.com/office/drawing/2010/main" val="0"/>
               </a:ext>
             </a:extLst>
           </a:blip>
-          <a:srcRect l="15834" t="11170" r="14166" b="3088"/>
+          <a:srcRect l="34215" t="16164" r="11647" b="5403"/>
           <a:stretch/>
         </p:blipFill>
         <p:spPr>
           <a:xfrm>
-            <a:off x="2133600" y="2133600"/>
-            <a:ext cx="4267200" cy="3899694"/>
+            <a:off x="298382" y="2225833"/>
+            <a:ext cx="3657600" cy="3327717"/>
           </a:xfrm>
           <a:prstGeom prst="rect">
             <a:avLst/>
           </a:prstGeom>
         </p:spPr>
       </p:pic>
+      <p:pic>
+        <p:nvPicPr>
+          <p:cNvPr id="17" name="Grafik 16"/>
+          <p:cNvPicPr>
+            <a:picLocks noChangeAspect="1"/>
+          </p:cNvPicPr>
+          <p:nvPr/>
+        </p:nvPicPr>
+        <p:blipFill rotWithShape="1">
+          <a:blip r:embed="rId3">
+            <a:extLst>
+              <a:ext uri="{28A0092B-C50C-407E-A947-70E740481C1C}">
+                <a14:useLocalDpi xmlns:a14="http://schemas.microsoft.com/office/drawing/2010/main" val="0"/>
+              </a:ext>
+            </a:extLst>
+          </a:blip>
+          <a:srcRect l="17500" t="14095" r="15833" b="3671"/>
+          <a:stretch/>
+        </p:blipFill>
+        <p:spPr>
+          <a:xfrm>
+            <a:off x="4803842" y="2225832"/>
+            <a:ext cx="3749541" cy="3327717"/>
+          </a:xfrm>
+          <a:prstGeom prst="rect">
+            <a:avLst/>
+          </a:prstGeom>
+        </p:spPr>
+      </p:pic>
+      <p:sp>
+        <p:nvSpPr>
+          <p:cNvPr id="20" name="Pfeil nach rechts 19"/>
+          <p:cNvSpPr/>
+          <p:nvPr/>
+        </p:nvSpPr>
+        <p:spPr>
+          <a:xfrm>
+            <a:off x="4189412" y="3538377"/>
+            <a:ext cx="381000" cy="411481"/>
+          </a:xfrm>
+          <a:prstGeom prst="rightArrow">
+            <a:avLst/>
+          </a:prstGeom>
+        </p:spPr>
+        <p:style>
+          <a:lnRef idx="2">
+            <a:schemeClr val="accent1">
+              <a:shade val="50000"/>
+            </a:schemeClr>
+          </a:lnRef>
+          <a:fillRef idx="1">
+            <a:schemeClr val="accent1"/>
+          </a:fillRef>
+          <a:effectRef idx="0">
+            <a:schemeClr val="accent1"/>
+          </a:effectRef>
+          <a:fontRef idx="minor">
+            <a:schemeClr val="lt1"/>
+          </a:fontRef>
+        </p:style>
+        <p:txBody>
+          <a:bodyPr rtlCol="0" anchor="ctr"/>
+          <a:lstStyle/>
+          <a:p>
+            <a:pPr algn="ctr"/>
+            <a:endParaRPr lang="de-DE"/>
+          </a:p>
+        </p:txBody>
+      </p:sp>
     </p:spTree>
     <p:extLst>
       <p:ext uri="{BB962C8B-B14F-4D97-AF65-F5344CB8AC3E}">
-        <p14:creationId xmlns:p14="http://schemas.microsoft.com/office/powerpoint/2010/main" xmlns="" val="901032271"/>
+        <p14:creationId xmlns:p14="http://schemas.microsoft.com/office/powerpoint/2010/main" val="3604075679"/>
       </p:ext>
     </p:extLst>
   </p:cSld>
@@ -7612,14 +7679,14 @@
           <a:p>
             <a:r>
               <a:rPr lang="de-DE" dirty="0" smtClean="0"/>
-              <a:t>Maskierung pro erwarteter Bohrungsposition</a:t>
+              <a:t>Entfernung von Hintergrund mittels Schwellwert</a:t>
             </a:r>
           </a:p>
           <a:p>
             <a:pPr lvl="1"/>
             <a:r>
               <a:rPr lang="de-DE" dirty="0" smtClean="0"/>
-              <a:t>Individuelle Schwellwerte für unterschiedliche Beleuchtung</a:t>
+              <a:t>Bessere Erkennung von Bohrungen</a:t>
             </a:r>
             <a:endParaRPr lang="de-DE" dirty="0"/>
           </a:p>
@@ -7627,7 +7694,7 @@
       </p:sp>
       <p:pic>
         <p:nvPicPr>
-          <p:cNvPr id="17" name="Grafik 16"/>
+          <p:cNvPr id="18" name="Grafik 17"/>
           <p:cNvPicPr>
             <a:picLocks noChangeAspect="1"/>
           </p:cNvPicPr>
@@ -7637,145 +7704,27 @@
           <a:blip r:embed="rId2">
             <a:extLst>
               <a:ext uri="{28A0092B-C50C-407E-A947-70E740481C1C}">
-                <a14:useLocalDpi xmlns:a14="http://schemas.microsoft.com/office/drawing/2010/main" xmlns="" val="0"/>
+                <a14:useLocalDpi xmlns:a14="http://schemas.microsoft.com/office/drawing/2010/main" val="0"/>
               </a:ext>
             </a:extLst>
           </a:blip>
-          <a:srcRect l="17500" t="14095" r="15833" b="3671"/>
+          <a:srcRect l="15834" t="11170" r="14166" b="3088"/>
           <a:stretch/>
         </p:blipFill>
         <p:spPr>
           <a:xfrm>
-            <a:off x="2895600" y="2439353"/>
-            <a:ext cx="3733800" cy="3313747"/>
+            <a:off x="2133600" y="2133600"/>
+            <a:ext cx="4267200" cy="3899694"/>
           </a:xfrm>
           <a:prstGeom prst="rect">
             <a:avLst/>
           </a:prstGeom>
         </p:spPr>
       </p:pic>
-      <p:pic>
-        <p:nvPicPr>
-          <p:cNvPr id="9" name="Grafik 8"/>
-          <p:cNvPicPr>
-            <a:picLocks noChangeAspect="1"/>
-          </p:cNvPicPr>
-          <p:nvPr/>
-        </p:nvPicPr>
-        <p:blipFill rotWithShape="1">
-          <a:blip r:embed="rId2">
-            <a:extLst>
-              <a:ext uri="{28A0092B-C50C-407E-A947-70E740481C1C}">
-                <a14:useLocalDpi xmlns:a14="http://schemas.microsoft.com/office/drawing/2010/main" xmlns="" val="0"/>
-              </a:ext>
-            </a:extLst>
-          </a:blip>
-          <a:srcRect l="68909" t="77989" r="21232" b="9287"/>
-          <a:stretch/>
-        </p:blipFill>
-        <p:spPr>
-          <a:xfrm>
-            <a:off x="7085817" y="5257800"/>
-            <a:ext cx="1066800" cy="990600"/>
-          </a:xfrm>
-          <a:prstGeom prst="rect">
-            <a:avLst/>
-          </a:prstGeom>
-        </p:spPr>
-      </p:pic>
-      <p:pic>
-        <p:nvPicPr>
-          <p:cNvPr id="10" name="Grafik 9"/>
-          <p:cNvPicPr>
-            <a:picLocks noChangeAspect="1"/>
-          </p:cNvPicPr>
-          <p:nvPr/>
-        </p:nvPicPr>
-        <p:blipFill rotWithShape="1">
-          <a:blip r:embed="rId2">
-            <a:extLst>
-              <a:ext uri="{28A0092B-C50C-407E-A947-70E740481C1C}">
-                <a14:useLocalDpi xmlns:a14="http://schemas.microsoft.com/office/drawing/2010/main" xmlns="" val="0"/>
-              </a:ext>
-            </a:extLst>
-          </a:blip>
-          <a:srcRect l="24542" t="22098" r="65599" b="65177"/>
-          <a:stretch/>
-        </p:blipFill>
-        <p:spPr>
-          <a:xfrm>
-            <a:off x="1219200" y="2068172"/>
-            <a:ext cx="1066800" cy="990600"/>
-          </a:xfrm>
-          <a:prstGeom prst="rect">
-            <a:avLst/>
-          </a:prstGeom>
-        </p:spPr>
-      </p:pic>
-      <p:cxnSp>
-        <p:nvCxnSpPr>
-          <p:cNvPr id="5" name="Gerader Verbinder 4"/>
-          <p:cNvCxnSpPr/>
-          <p:nvPr/>
-        </p:nvCxnSpPr>
-        <p:spPr>
-          <a:xfrm>
-            <a:off x="2057400" y="2563472"/>
-            <a:ext cx="1295400" cy="408328"/>
-          </a:xfrm>
-          <a:prstGeom prst="line">
-            <a:avLst/>
-          </a:prstGeom>
-        </p:spPr>
-        <p:style>
-          <a:lnRef idx="3">
-            <a:schemeClr val="accent1"/>
-          </a:lnRef>
-          <a:fillRef idx="0">
-            <a:schemeClr val="accent1"/>
-          </a:fillRef>
-          <a:effectRef idx="2">
-            <a:schemeClr val="accent1"/>
-          </a:effectRef>
-          <a:fontRef idx="minor">
-            <a:schemeClr val="tx1"/>
-          </a:fontRef>
-        </p:style>
-      </p:cxnSp>
-      <p:cxnSp>
-        <p:nvCxnSpPr>
-          <p:cNvPr id="11" name="Gerader Verbinder 10"/>
-          <p:cNvCxnSpPr/>
-          <p:nvPr/>
-        </p:nvCxnSpPr>
-        <p:spPr>
-          <a:xfrm>
-            <a:off x="6228959" y="5354297"/>
-            <a:ext cx="1010041" cy="364502"/>
-          </a:xfrm>
-          <a:prstGeom prst="line">
-            <a:avLst/>
-          </a:prstGeom>
-        </p:spPr>
-        <p:style>
-          <a:lnRef idx="3">
-            <a:schemeClr val="accent1"/>
-          </a:lnRef>
-          <a:fillRef idx="0">
-            <a:schemeClr val="accent1"/>
-          </a:fillRef>
-          <a:effectRef idx="2">
-            <a:schemeClr val="accent1"/>
-          </a:effectRef>
-          <a:fontRef idx="minor">
-            <a:schemeClr val="tx1"/>
-          </a:fontRef>
-        </p:style>
-      </p:cxnSp>
     </p:spTree>
     <p:extLst>
       <p:ext uri="{BB962C8B-B14F-4D97-AF65-F5344CB8AC3E}">
-        <p14:creationId xmlns:p14="http://schemas.microsoft.com/office/powerpoint/2010/main" xmlns="" val="3862156488"/>
+        <p14:creationId xmlns:p14="http://schemas.microsoft.com/office/powerpoint/2010/main" val="901032271"/>
       </p:ext>
     </p:extLst>
   </p:cSld>
@@ -7848,240 +7797,170 @@
           <a:p>
             <a:r>
               <a:rPr lang="de-DE" dirty="0" smtClean="0"/>
-              <a:t>XOR von Schwellwertbild und Maskierung</a:t>
+              <a:t>Maskierung pro erwarteter Bohrungsposition</a:t>
             </a:r>
           </a:p>
           <a:p>
             <a:pPr lvl="1"/>
             <a:r>
               <a:rPr lang="de-DE" dirty="0" smtClean="0"/>
-              <a:t>Einzelne Detektion von Bohrungen</a:t>
+              <a:t>Individuelle Schwellwerte für unterschiedliche Beleuchtung</a:t>
             </a:r>
             <a:endParaRPr lang="de-DE" dirty="0"/>
-          </a:p>
-          <a:p>
-            <a:endParaRPr lang="de-DE" dirty="0" smtClean="0"/>
-          </a:p>
-          <a:p>
-            <a:endParaRPr lang="de-DE" dirty="0"/>
-          </a:p>
-          <a:p>
-            <a:endParaRPr lang="de-DE" dirty="0" smtClean="0"/>
-          </a:p>
-          <a:p>
-            <a:endParaRPr lang="de-DE" dirty="0"/>
-          </a:p>
-          <a:p>
-            <a:endParaRPr lang="de-DE" dirty="0" smtClean="0"/>
-          </a:p>
-          <a:p>
-            <a:endParaRPr lang="de-DE" dirty="0"/>
-          </a:p>
-          <a:p>
-            <a:endParaRPr lang="de-DE" dirty="0" smtClean="0"/>
-          </a:p>
-          <a:p>
-            <a:endParaRPr lang="de-DE" dirty="0"/>
-          </a:p>
-          <a:p>
-            <a:r>
-              <a:rPr lang="de-DE" dirty="0" smtClean="0"/>
-              <a:t>Hough Transformation zur Kreis-Detektion</a:t>
-            </a:r>
           </a:p>
         </p:txBody>
       </p:sp>
       <p:pic>
         <p:nvPicPr>
-          <p:cNvPr id="7" name="Grafik 6"/>
+          <p:cNvPr id="17" name="Grafik 16"/>
           <p:cNvPicPr>
             <a:picLocks noChangeAspect="1"/>
           </p:cNvPicPr>
           <p:nvPr/>
         </p:nvPicPr>
         <p:blipFill rotWithShape="1">
-          <a:blip r:embed="rId2" cstate="print">
+          <a:blip r:embed="rId2">
             <a:extLst>
               <a:ext uri="{28A0092B-C50C-407E-A947-70E740481C1C}">
-                <a14:useLocalDpi xmlns:a14="http://schemas.microsoft.com/office/drawing/2010/main" xmlns="" val="0"/>
+                <a14:useLocalDpi xmlns:a14="http://schemas.microsoft.com/office/drawing/2010/main" val="0"/>
               </a:ext>
             </a:extLst>
           </a:blip>
-          <a:srcRect l="15834" t="11170" r="14166" b="3088"/>
+          <a:srcRect l="17500" t="14095" r="15833" b="3671"/>
           <a:stretch/>
         </p:blipFill>
         <p:spPr>
           <a:xfrm>
-            <a:off x="228600" y="2057400"/>
-            <a:ext cx="2363152" cy="2159629"/>
+            <a:off x="2895600" y="2439353"/>
+            <a:ext cx="3733800" cy="3313747"/>
           </a:xfrm>
           <a:prstGeom prst="rect">
             <a:avLst/>
           </a:prstGeom>
         </p:spPr>
       </p:pic>
-      <p:sp>
-        <p:nvSpPr>
-          <p:cNvPr id="4" name="Flussdiagramm: Prozess 3"/>
-          <p:cNvSpPr/>
-          <p:nvPr/>
-        </p:nvSpPr>
-        <p:spPr>
-          <a:xfrm>
-            <a:off x="2743200" y="2819400"/>
-            <a:ext cx="685800" cy="459486"/>
-          </a:xfrm>
-          <a:prstGeom prst="flowChartProcess">
-            <a:avLst/>
-          </a:prstGeom>
-        </p:spPr>
-        <p:style>
-          <a:lnRef idx="2">
-            <a:schemeClr val="accent1">
-              <a:shade val="50000"/>
-            </a:schemeClr>
-          </a:lnRef>
-          <a:fillRef idx="1">
-            <a:schemeClr val="accent1"/>
-          </a:fillRef>
-          <a:effectRef idx="0">
-            <a:schemeClr val="accent1"/>
-          </a:effectRef>
-          <a:fontRef idx="minor">
-            <a:schemeClr val="lt1"/>
-          </a:fontRef>
-        </p:style>
-        <p:txBody>
-          <a:bodyPr rtlCol="0" anchor="ctr"/>
-          <a:lstStyle/>
-          <a:p>
-            <a:pPr algn="ctr"/>
-            <a:r>
-              <a:rPr lang="de-DE" dirty="0" smtClean="0"/>
-              <a:t>XOR</a:t>
-            </a:r>
-            <a:endParaRPr lang="de-DE" dirty="0"/>
-          </a:p>
-        </p:txBody>
-      </p:sp>
       <p:pic>
         <p:nvPicPr>
-          <p:cNvPr id="8" name="Grafik 7"/>
+          <p:cNvPr id="9" name="Grafik 8"/>
           <p:cNvPicPr>
             <a:picLocks noChangeAspect="1"/>
           </p:cNvPicPr>
           <p:nvPr/>
         </p:nvPicPr>
         <p:blipFill rotWithShape="1">
-          <a:blip r:embed="rId3" cstate="print">
+          <a:blip r:embed="rId2">
             <a:extLst>
               <a:ext uri="{28A0092B-C50C-407E-A947-70E740481C1C}">
-                <a14:useLocalDpi xmlns:a14="http://schemas.microsoft.com/office/drawing/2010/main" xmlns="" val="0"/>
+                <a14:useLocalDpi xmlns:a14="http://schemas.microsoft.com/office/drawing/2010/main" val="0"/>
               </a:ext>
             </a:extLst>
           </a:blip>
-          <a:srcRect l="15966" t="15556" r="16839" b="6666"/>
+          <a:srcRect l="68909" t="77989" r="21232" b="9287"/>
           <a:stretch/>
         </p:blipFill>
         <p:spPr>
           <a:xfrm>
-            <a:off x="6553200" y="2057400"/>
-            <a:ext cx="2423161" cy="2133601"/>
+            <a:off x="7085817" y="5257800"/>
+            <a:ext cx="1066800" cy="990600"/>
           </a:xfrm>
           <a:prstGeom prst="rect">
             <a:avLst/>
           </a:prstGeom>
-          <a:ln w="38100">
-            <a:solidFill>
-              <a:schemeClr val="bg1">
-                <a:lumMod val="85000"/>
-              </a:schemeClr>
-            </a:solidFill>
-          </a:ln>
         </p:spPr>
       </p:pic>
       <p:pic>
         <p:nvPicPr>
-          <p:cNvPr id="5" name="Grafik 4"/>
+          <p:cNvPr id="10" name="Grafik 9"/>
           <p:cNvPicPr>
             <a:picLocks noChangeAspect="1"/>
           </p:cNvPicPr>
           <p:nvPr/>
         </p:nvPicPr>
-        <p:blipFill>
-          <a:blip r:embed="rId4">
+        <p:blipFill rotWithShape="1">
+          <a:blip r:embed="rId2">
             <a:extLst>
               <a:ext uri="{28A0092B-C50C-407E-A947-70E740481C1C}">
-                <a14:useLocalDpi xmlns:a14="http://schemas.microsoft.com/office/drawing/2010/main" xmlns="" val="0"/>
+                <a14:useLocalDpi xmlns:a14="http://schemas.microsoft.com/office/drawing/2010/main" val="0"/>
               </a:ext>
             </a:extLst>
           </a:blip>
-          <a:stretch>
-            <a:fillRect/>
-          </a:stretch>
+          <a:srcRect l="24542" t="22098" r="65599" b="65177"/>
+          <a:stretch/>
         </p:blipFill>
         <p:spPr>
           <a:xfrm>
-            <a:off x="3606551" y="2057401"/>
-            <a:ext cx="2337049" cy="2133600"/>
+            <a:off x="1219200" y="2068172"/>
+            <a:ext cx="1066800" cy="990600"/>
           </a:xfrm>
           <a:prstGeom prst="rect">
             <a:avLst/>
           </a:prstGeom>
-          <a:noFill/>
-          <a:ln w="28575">
-            <a:solidFill>
-              <a:schemeClr val="bg1">
-                <a:lumMod val="85000"/>
-              </a:schemeClr>
-            </a:solidFill>
-          </a:ln>
         </p:spPr>
       </p:pic>
-      <p:sp>
-        <p:nvSpPr>
-          <p:cNvPr id="9" name="Pfeil nach rechts 8"/>
-          <p:cNvSpPr/>
+      <p:cxnSp>
+        <p:nvCxnSpPr>
+          <p:cNvPr id="5" name="Gerader Verbinder 4"/>
+          <p:cNvCxnSpPr/>
           <p:nvPr/>
-        </p:nvSpPr>
+        </p:nvCxnSpPr>
         <p:spPr>
           <a:xfrm>
-            <a:off x="6096000" y="2867405"/>
-            <a:ext cx="381000" cy="411481"/>
-          </a:xfrm>
-          <a:prstGeom prst="rightArrow">
+            <a:off x="2057400" y="2563472"/>
+            <a:ext cx="1295400" cy="408328"/>
+          </a:xfrm>
+          <a:prstGeom prst="line">
             <a:avLst/>
           </a:prstGeom>
         </p:spPr>
         <p:style>
-          <a:lnRef idx="2">
-            <a:schemeClr val="accent1">
-              <a:shade val="50000"/>
-            </a:schemeClr>
+          <a:lnRef idx="3">
+            <a:schemeClr val="accent1"/>
           </a:lnRef>
-          <a:fillRef idx="1">
+          <a:fillRef idx="0">
             <a:schemeClr val="accent1"/>
           </a:fillRef>
-          <a:effectRef idx="0">
+          <a:effectRef idx="2">
             <a:schemeClr val="accent1"/>
           </a:effectRef>
           <a:fontRef idx="minor">
-            <a:schemeClr val="lt1"/>
+            <a:schemeClr val="tx1"/>
           </a:fontRef>
         </p:style>
-        <p:txBody>
-          <a:bodyPr rtlCol="0" anchor="ctr"/>
-          <a:lstStyle/>
-          <a:p>
-            <a:pPr algn="ctr"/>
-            <a:endParaRPr lang="de-DE"/>
-          </a:p>
-        </p:txBody>
-      </p:sp>
+      </p:cxnSp>
+      <p:cxnSp>
+        <p:nvCxnSpPr>
+          <p:cNvPr id="11" name="Gerader Verbinder 10"/>
+          <p:cNvCxnSpPr/>
+          <p:nvPr/>
+        </p:nvCxnSpPr>
+        <p:spPr>
+          <a:xfrm>
+            <a:off x="6228959" y="5354297"/>
+            <a:ext cx="1010041" cy="364502"/>
+          </a:xfrm>
+          <a:prstGeom prst="line">
+            <a:avLst/>
+          </a:prstGeom>
+        </p:spPr>
+        <p:style>
+          <a:lnRef idx="3">
+            <a:schemeClr val="accent1"/>
+          </a:lnRef>
+          <a:fillRef idx="0">
+            <a:schemeClr val="accent1"/>
+          </a:fillRef>
+          <a:effectRef idx="2">
+            <a:schemeClr val="accent1"/>
+          </a:effectRef>
+          <a:fontRef idx="minor">
+            <a:schemeClr val="tx1"/>
+          </a:fontRef>
+        </p:style>
+      </p:cxnSp>
     </p:spTree>
     <p:extLst>
       <p:ext uri="{BB962C8B-B14F-4D97-AF65-F5344CB8AC3E}">
-        <p14:creationId xmlns:p14="http://schemas.microsoft.com/office/powerpoint/2010/main" xmlns="" val="1185749361"/>
+        <p14:creationId xmlns:p14="http://schemas.microsoft.com/office/powerpoint/2010/main" val="3862156488"/>
       </p:ext>
     </p:extLst>
   </p:cSld>
@@ -8131,10 +8010,9 @@
           <a:lstStyle/>
           <a:p>
             <a:r>
-              <a:rPr lang="de-DE" dirty="0" smtClean="0"/>
-              <a:t>Bohrungsüberprüfung</a:t>
-            </a:r>
-            <a:endParaRPr lang="de-DE" dirty="0"/>
+              <a:rPr lang="de-DE" dirty="0"/>
+              <a:t>Bohrungsdetektion</a:t>
+            </a:r>
           </a:p>
         </p:txBody>
       </p:sp>
@@ -8155,62 +8033,156 @@
           <a:p>
             <a:r>
               <a:rPr lang="de-DE" dirty="0" smtClean="0"/>
-              <a:t>Existenz von Bohrung in Nähe der berechneten Bohrungsposition</a:t>
-            </a:r>
-          </a:p>
-          <a:p>
+              <a:t>XOR von Schwellwertbild und Maskierung</a:t>
+            </a:r>
+          </a:p>
+          <a:p>
+            <a:pPr lvl="1"/>
             <a:r>
               <a:rPr lang="de-DE" dirty="0" smtClean="0"/>
-              <a:t>Zuordnung zu Bohrungsgrößen</a:t>
-            </a:r>
+              <a:t>Einzelne Detektion von Bohrungen</a:t>
+            </a:r>
+            <a:endParaRPr lang="de-DE" dirty="0"/>
+          </a:p>
+          <a:p>
+            <a:endParaRPr lang="de-DE" dirty="0" smtClean="0"/>
+          </a:p>
+          <a:p>
+            <a:endParaRPr lang="de-DE" dirty="0"/>
+          </a:p>
+          <a:p>
+            <a:endParaRPr lang="de-DE" dirty="0" smtClean="0"/>
+          </a:p>
+          <a:p>
+            <a:endParaRPr lang="de-DE" dirty="0"/>
+          </a:p>
+          <a:p>
+            <a:endParaRPr lang="de-DE" dirty="0" smtClean="0"/>
+          </a:p>
+          <a:p>
+            <a:endParaRPr lang="de-DE" dirty="0"/>
+          </a:p>
+          <a:p>
+            <a:endParaRPr lang="de-DE" dirty="0" smtClean="0"/>
+          </a:p>
+          <a:p>
+            <a:endParaRPr lang="de-DE" dirty="0"/>
           </a:p>
           <a:p>
             <a:r>
               <a:rPr lang="de-DE" dirty="0" smtClean="0"/>
-              <a:t>Anordnung der erkannten Bohrungsgrößen</a:t>
-            </a:r>
-          </a:p>
-          <a:p>
-            <a:r>
-              <a:rPr lang="de-DE" dirty="0" smtClean="0"/>
-              <a:t>Markierung im Fehlerfall</a:t>
-            </a:r>
-          </a:p>
-          <a:p>
-            <a:pPr lvl="1"/>
-            <a:endParaRPr lang="de-DE" dirty="0" smtClean="0"/>
-          </a:p>
-          <a:p>
-            <a:endParaRPr lang="de-DE" dirty="0" smtClean="0"/>
-          </a:p>
-          <a:p>
-            <a:pPr lvl="1"/>
-            <a:endParaRPr lang="de-DE" dirty="0"/>
+              <a:t>Hough Transformation zur Kreis-Detektion</a:t>
+            </a:r>
           </a:p>
         </p:txBody>
       </p:sp>
       <p:pic>
         <p:nvPicPr>
-          <p:cNvPr id="8" name="Grafik 7" descr="Perfekt3.png"/>
+          <p:cNvPr id="7" name="Grafik 6"/>
           <p:cNvPicPr>
             <a:picLocks noChangeAspect="1"/>
           </p:cNvPicPr>
           <p:nvPr/>
         </p:nvPicPr>
-        <p:blipFill>
-          <a:blip r:embed="rId2"/>
-          <a:stretch>
-            <a:fillRect/>
-          </a:stretch>
+        <p:blipFill rotWithShape="1">
+          <a:blip r:embed="rId2" cstate="print">
+            <a:extLst>
+              <a:ext uri="{28A0092B-C50C-407E-A947-70E740481C1C}">
+                <a14:useLocalDpi xmlns:a14="http://schemas.microsoft.com/office/drawing/2010/main" val="0"/>
+              </a:ext>
+            </a:extLst>
+          </a:blip>
+          <a:srcRect l="15834" t="11170" r="14166" b="3088"/>
+          <a:stretch/>
         </p:blipFill>
         <p:spPr>
-          <a:xfrm flipH="1">
-            <a:off x="762000" y="2844356"/>
-            <a:ext cx="3429000" cy="3404044"/>
+          <a:xfrm>
+            <a:off x="228600" y="2057400"/>
+            <a:ext cx="2363152" cy="2159629"/>
           </a:xfrm>
           <a:prstGeom prst="rect">
             <a:avLst/>
           </a:prstGeom>
+        </p:spPr>
+      </p:pic>
+      <p:sp>
+        <p:nvSpPr>
+          <p:cNvPr id="4" name="Flussdiagramm: Prozess 3"/>
+          <p:cNvSpPr/>
+          <p:nvPr/>
+        </p:nvSpPr>
+        <p:spPr>
+          <a:xfrm>
+            <a:off x="2743200" y="2819400"/>
+            <a:ext cx="685800" cy="459486"/>
+          </a:xfrm>
+          <a:prstGeom prst="flowChartProcess">
+            <a:avLst/>
+          </a:prstGeom>
+        </p:spPr>
+        <p:style>
+          <a:lnRef idx="2">
+            <a:schemeClr val="accent1">
+              <a:shade val="50000"/>
+            </a:schemeClr>
+          </a:lnRef>
+          <a:fillRef idx="1">
+            <a:schemeClr val="accent1"/>
+          </a:fillRef>
+          <a:effectRef idx="0">
+            <a:schemeClr val="accent1"/>
+          </a:effectRef>
+          <a:fontRef idx="minor">
+            <a:schemeClr val="lt1"/>
+          </a:fontRef>
+        </p:style>
+        <p:txBody>
+          <a:bodyPr rtlCol="0" anchor="ctr"/>
+          <a:lstStyle/>
+          <a:p>
+            <a:pPr algn="ctr"/>
+            <a:r>
+              <a:rPr lang="de-DE" dirty="0" smtClean="0"/>
+              <a:t>XOR</a:t>
+            </a:r>
+            <a:endParaRPr lang="de-DE" dirty="0"/>
+          </a:p>
+        </p:txBody>
+      </p:sp>
+      <p:pic>
+        <p:nvPicPr>
+          <p:cNvPr id="8" name="Grafik 7"/>
+          <p:cNvPicPr>
+            <a:picLocks noChangeAspect="1"/>
+          </p:cNvPicPr>
+          <p:nvPr/>
+        </p:nvPicPr>
+        <p:blipFill rotWithShape="1">
+          <a:blip r:embed="rId3" cstate="print">
+            <a:extLst>
+              <a:ext uri="{28A0092B-C50C-407E-A947-70E740481C1C}">
+                <a14:useLocalDpi xmlns:a14="http://schemas.microsoft.com/office/drawing/2010/main" val="0"/>
+              </a:ext>
+            </a:extLst>
+          </a:blip>
+          <a:srcRect l="15966" t="15556" r="16839" b="6666"/>
+          <a:stretch/>
+        </p:blipFill>
+        <p:spPr>
+          <a:xfrm>
+            <a:off x="6553200" y="2057400"/>
+            <a:ext cx="2423161" cy="2133601"/>
+          </a:xfrm>
+          <a:prstGeom prst="rect">
+            <a:avLst/>
+          </a:prstGeom>
+          <a:ln w="38100">
+            <a:solidFill>
+              <a:schemeClr val="bg1">
+                <a:lumMod val="85000"/>
+              </a:schemeClr>
+            </a:solidFill>
+          </a:ln>
         </p:spPr>
       </p:pic>
       <p:pic>
@@ -8221,31 +8193,80 @@
           </p:cNvPicPr>
           <p:nvPr/>
         </p:nvPicPr>
-        <p:blipFill rotWithShape="1">
-          <a:blip r:embed="rId3">
+        <p:blipFill>
+          <a:blip r:embed="rId4">
             <a:extLst>
               <a:ext uri="{28A0092B-C50C-407E-A947-70E740481C1C}">
-                <a14:useLocalDpi xmlns:a14="http://schemas.microsoft.com/office/drawing/2010/main" xmlns="" val="0"/>
+                <a14:useLocalDpi xmlns:a14="http://schemas.microsoft.com/office/drawing/2010/main" val="0"/>
               </a:ext>
             </a:extLst>
           </a:blip>
-          <a:srcRect l="35833" t="8401" r="11667" b="6192"/>
-          <a:stretch/>
+          <a:stretch>
+            <a:fillRect/>
+          </a:stretch>
         </p:blipFill>
         <p:spPr>
           <a:xfrm>
-            <a:off x="4953000" y="2819400"/>
-            <a:ext cx="3515652" cy="3404044"/>
+            <a:off x="3606551" y="2057401"/>
+            <a:ext cx="2337049" cy="2133600"/>
           </a:xfrm>
           <a:prstGeom prst="rect">
             <a:avLst/>
           </a:prstGeom>
+          <a:noFill/>
+          <a:ln w="28575">
+            <a:solidFill>
+              <a:schemeClr val="bg1">
+                <a:lumMod val="85000"/>
+              </a:schemeClr>
+            </a:solidFill>
+          </a:ln>
         </p:spPr>
       </p:pic>
+      <p:sp>
+        <p:nvSpPr>
+          <p:cNvPr id="9" name="Pfeil nach rechts 8"/>
+          <p:cNvSpPr/>
+          <p:nvPr/>
+        </p:nvSpPr>
+        <p:spPr>
+          <a:xfrm>
+            <a:off x="6096000" y="2867405"/>
+            <a:ext cx="381000" cy="411481"/>
+          </a:xfrm>
+          <a:prstGeom prst="rightArrow">
+            <a:avLst/>
+          </a:prstGeom>
+        </p:spPr>
+        <p:style>
+          <a:lnRef idx="2">
+            <a:schemeClr val="accent1">
+              <a:shade val="50000"/>
+            </a:schemeClr>
+          </a:lnRef>
+          <a:fillRef idx="1">
+            <a:schemeClr val="accent1"/>
+          </a:fillRef>
+          <a:effectRef idx="0">
+            <a:schemeClr val="accent1"/>
+          </a:effectRef>
+          <a:fontRef idx="minor">
+            <a:schemeClr val="lt1"/>
+          </a:fontRef>
+        </p:style>
+        <p:txBody>
+          <a:bodyPr rtlCol="0" anchor="ctr"/>
+          <a:lstStyle/>
+          <a:p>
+            <a:pPr algn="ctr"/>
+            <a:endParaRPr lang="de-DE"/>
+          </a:p>
+        </p:txBody>
+      </p:sp>
     </p:spTree>
     <p:extLst>
       <p:ext uri="{BB962C8B-B14F-4D97-AF65-F5344CB8AC3E}">
-        <p14:creationId xmlns:p14="http://schemas.microsoft.com/office/powerpoint/2010/main" xmlns="" val="2797205545"/>
+        <p14:creationId xmlns:p14="http://schemas.microsoft.com/office/powerpoint/2010/main" val="1185749361"/>
       </p:ext>
     </p:extLst>
   </p:cSld>
@@ -8296,7 +8317,7 @@
           <a:p>
             <a:r>
               <a:rPr lang="de-DE" dirty="0" smtClean="0"/>
-              <a:t>Programm-Ablauf</a:t>
+              <a:t>Bohrungsüberprüfung</a:t>
             </a:r>
             <a:endParaRPr lang="de-DE" dirty="0"/>
           </a:p>
@@ -8304,345 +8325,112 @@
       </p:sp>
       <p:sp>
         <p:nvSpPr>
-          <p:cNvPr id="4" name="Flussdiagramm: Alternativer Prozess 3"/>
-          <p:cNvSpPr/>
+          <p:cNvPr id="3" name="Inhaltsplatzhalter 2"/>
+          <p:cNvSpPr>
+            <a:spLocks noGrp="1"/>
+          </p:cNvSpPr>
+          <p:nvPr>
+            <p:ph idx="1"/>
+          </p:nvPr>
+        </p:nvSpPr>
+        <p:spPr/>
+        <p:txBody>
+          <a:bodyPr/>
+          <a:lstStyle/>
+          <a:p>
+            <a:r>
+              <a:rPr lang="de-DE" dirty="0" smtClean="0"/>
+              <a:t>Existenz von Bohrung in Nähe der berechneten Bohrungsposition</a:t>
+            </a:r>
+          </a:p>
+          <a:p>
+            <a:r>
+              <a:rPr lang="de-DE" dirty="0" smtClean="0"/>
+              <a:t>Zuordnung zu Bohrungsgrößen</a:t>
+            </a:r>
+          </a:p>
+          <a:p>
+            <a:r>
+              <a:rPr lang="de-DE" dirty="0" smtClean="0"/>
+              <a:t>Anordnung der erkannten Bohrungsgrößen</a:t>
+            </a:r>
+          </a:p>
+          <a:p>
+            <a:r>
+              <a:rPr lang="de-DE" dirty="0" smtClean="0"/>
+              <a:t>Markierung im Fehlerfall</a:t>
+            </a:r>
+          </a:p>
+          <a:p>
+            <a:pPr lvl="1"/>
+            <a:endParaRPr lang="de-DE" dirty="0" smtClean="0"/>
+          </a:p>
+          <a:p>
+            <a:endParaRPr lang="de-DE" dirty="0" smtClean="0"/>
+          </a:p>
+          <a:p>
+            <a:pPr lvl="1"/>
+            <a:endParaRPr lang="de-DE" dirty="0"/>
+          </a:p>
+        </p:txBody>
+      </p:sp>
+      <p:pic>
+        <p:nvPicPr>
+          <p:cNvPr id="8" name="Grafik 7" descr="Perfekt3.png"/>
+          <p:cNvPicPr>
+            <a:picLocks noChangeAspect="1"/>
+          </p:cNvPicPr>
           <p:nvPr/>
-        </p:nvSpPr>
+        </p:nvPicPr>
+        <p:blipFill>
+          <a:blip r:embed="rId2"/>
+          <a:stretch>
+            <a:fillRect/>
+          </a:stretch>
+        </p:blipFill>
+        <p:spPr>
+          <a:xfrm flipH="1">
+            <a:off x="762000" y="2844356"/>
+            <a:ext cx="3429000" cy="3404044"/>
+          </a:xfrm>
+          <a:prstGeom prst="rect">
+            <a:avLst/>
+          </a:prstGeom>
+        </p:spPr>
+      </p:pic>
+      <p:pic>
+        <p:nvPicPr>
+          <p:cNvPr id="5" name="Grafik 4"/>
+          <p:cNvPicPr>
+            <a:picLocks noChangeAspect="1"/>
+          </p:cNvPicPr>
+          <p:nvPr/>
+        </p:nvPicPr>
+        <p:blipFill rotWithShape="1">
+          <a:blip r:embed="rId3">
+            <a:extLst>
+              <a:ext uri="{28A0092B-C50C-407E-A947-70E740481C1C}">
+                <a14:useLocalDpi xmlns:a14="http://schemas.microsoft.com/office/drawing/2010/main" val="0"/>
+              </a:ext>
+            </a:extLst>
+          </a:blip>
+          <a:srcRect l="35833" t="8401" r="11667" b="6192"/>
+          <a:stretch/>
+        </p:blipFill>
         <p:spPr>
           <a:xfrm>
-            <a:off x="2971800" y="1040600"/>
-            <a:ext cx="2743200" cy="612648"/>
-          </a:xfrm>
-          <a:prstGeom prst="flowChartAlternateProcess">
+            <a:off x="4953000" y="2819400"/>
+            <a:ext cx="3515652" cy="3404044"/>
+          </a:xfrm>
+          <a:prstGeom prst="rect">
             <a:avLst/>
           </a:prstGeom>
-          <a:solidFill>
-            <a:schemeClr val="accent1">
-              <a:alpha val="25000"/>
-            </a:schemeClr>
-          </a:solidFill>
-          <a:ln>
-            <a:solidFill>
-              <a:schemeClr val="accent1">
-                <a:shade val="50000"/>
-                <a:alpha val="25000"/>
-              </a:schemeClr>
-            </a:solidFill>
-          </a:ln>
-        </p:spPr>
-        <p:style>
-          <a:lnRef idx="2">
-            <a:schemeClr val="accent1">
-              <a:shade val="50000"/>
-            </a:schemeClr>
-          </a:lnRef>
-          <a:fillRef idx="1">
-            <a:schemeClr val="accent1"/>
-          </a:fillRef>
-          <a:effectRef idx="0">
-            <a:schemeClr val="accent1"/>
-          </a:effectRef>
-          <a:fontRef idx="minor">
-            <a:schemeClr val="lt1"/>
-          </a:fontRef>
-        </p:style>
-        <p:txBody>
-          <a:bodyPr rtlCol="0" anchor="ctr"/>
-          <a:lstStyle/>
-          <a:p>
-            <a:pPr algn="ctr"/>
-            <a:r>
-              <a:rPr lang="de-DE" dirty="0" smtClean="0"/>
-              <a:t>Kalibrierung</a:t>
-            </a:r>
-            <a:endParaRPr lang="de-DE" dirty="0"/>
-          </a:p>
-        </p:txBody>
-      </p:sp>
-      <p:sp>
-        <p:nvSpPr>
-          <p:cNvPr id="5" name="Flussdiagramm: Alternativer Prozess 4"/>
-          <p:cNvSpPr/>
-          <p:nvPr/>
-        </p:nvSpPr>
-        <p:spPr>
-          <a:xfrm>
-            <a:off x="2971800" y="2397744"/>
-            <a:ext cx="2743200" cy="612648"/>
-          </a:xfrm>
-          <a:prstGeom prst="flowChartAlternateProcess">
-            <a:avLst/>
-          </a:prstGeom>
-          <a:solidFill>
-            <a:schemeClr val="accent1">
-              <a:alpha val="25000"/>
-            </a:schemeClr>
-          </a:solidFill>
-          <a:ln>
-            <a:solidFill>
-              <a:schemeClr val="accent1">
-                <a:alpha val="25000"/>
-              </a:schemeClr>
-            </a:solidFill>
-          </a:ln>
-        </p:spPr>
-        <p:style>
-          <a:lnRef idx="2">
-            <a:schemeClr val="accent1">
-              <a:shade val="50000"/>
-            </a:schemeClr>
-          </a:lnRef>
-          <a:fillRef idx="1">
-            <a:schemeClr val="accent1"/>
-          </a:fillRef>
-          <a:effectRef idx="0">
-            <a:schemeClr val="accent1"/>
-          </a:effectRef>
-          <a:fontRef idx="minor">
-            <a:schemeClr val="lt1"/>
-          </a:fontRef>
-        </p:style>
-        <p:txBody>
-          <a:bodyPr rtlCol="0" anchor="ctr"/>
-          <a:lstStyle/>
-          <a:p>
-            <a:pPr algn="ctr"/>
-            <a:r>
-              <a:rPr lang="de-DE" dirty="0"/>
-              <a:t>Lage und Maße</a:t>
-            </a:r>
-          </a:p>
-        </p:txBody>
-      </p:sp>
-      <p:sp>
-        <p:nvSpPr>
-          <p:cNvPr id="6" name="Flussdiagramm: Alternativer Prozess 5"/>
-          <p:cNvSpPr/>
-          <p:nvPr/>
-        </p:nvSpPr>
-        <p:spPr>
-          <a:xfrm>
-            <a:off x="2986216" y="3748710"/>
-            <a:ext cx="2743200" cy="612648"/>
-          </a:xfrm>
-          <a:prstGeom prst="flowChartAlternateProcess">
-            <a:avLst/>
-          </a:prstGeom>
-          <a:solidFill>
-            <a:schemeClr val="accent1">
-              <a:alpha val="25000"/>
-            </a:schemeClr>
-          </a:solidFill>
-          <a:ln>
-            <a:solidFill>
-              <a:schemeClr val="accent1">
-                <a:alpha val="25000"/>
-              </a:schemeClr>
-            </a:solidFill>
-          </a:ln>
-        </p:spPr>
-        <p:style>
-          <a:lnRef idx="2">
-            <a:schemeClr val="accent1">
-              <a:shade val="50000"/>
-            </a:schemeClr>
-          </a:lnRef>
-          <a:fillRef idx="1">
-            <a:schemeClr val="accent1"/>
-          </a:fillRef>
-          <a:effectRef idx="0">
-            <a:schemeClr val="accent1"/>
-          </a:effectRef>
-          <a:fontRef idx="minor">
-            <a:schemeClr val="lt1"/>
-          </a:fontRef>
-        </p:style>
-        <p:txBody>
-          <a:bodyPr rtlCol="0" anchor="ctr"/>
-          <a:lstStyle/>
-          <a:p>
-            <a:pPr algn="ctr"/>
-            <a:r>
-              <a:rPr lang="de-DE" dirty="0" smtClean="0"/>
-              <a:t>Bohrungen</a:t>
-            </a:r>
-            <a:endParaRPr lang="de-DE" dirty="0"/>
-          </a:p>
-        </p:txBody>
-      </p:sp>
-      <p:sp>
-        <p:nvSpPr>
-          <p:cNvPr id="7" name="Flussdiagramm: Alternativer Prozess 6"/>
-          <p:cNvSpPr/>
-          <p:nvPr/>
-        </p:nvSpPr>
-        <p:spPr>
-          <a:xfrm>
-            <a:off x="2971800" y="5105854"/>
-            <a:ext cx="2743200" cy="612648"/>
-          </a:xfrm>
-          <a:prstGeom prst="flowChartAlternateProcess">
-            <a:avLst/>
-          </a:prstGeom>
-          <a:solidFill>
-            <a:schemeClr val="accent1"/>
-          </a:solidFill>
-          <a:ln>
-            <a:solidFill>
-              <a:schemeClr val="accent1"/>
-            </a:solidFill>
-          </a:ln>
-        </p:spPr>
-        <p:style>
-          <a:lnRef idx="2">
-            <a:schemeClr val="accent1">
-              <a:shade val="50000"/>
-            </a:schemeClr>
-          </a:lnRef>
-          <a:fillRef idx="1">
-            <a:schemeClr val="accent1"/>
-          </a:fillRef>
-          <a:effectRef idx="0">
-            <a:schemeClr val="accent1"/>
-          </a:effectRef>
-          <a:fontRef idx="minor">
-            <a:schemeClr val="lt1"/>
-          </a:fontRef>
-        </p:style>
-        <p:txBody>
-          <a:bodyPr rtlCol="0" anchor="ctr"/>
-          <a:lstStyle/>
-          <a:p>
-            <a:pPr algn="ctr"/>
-            <a:r>
-              <a:rPr lang="de-DE" dirty="0" smtClean="0"/>
-              <a:t>Schäden</a:t>
-            </a:r>
-            <a:endParaRPr lang="de-DE" dirty="0"/>
-          </a:p>
-        </p:txBody>
-      </p:sp>
-      <p:cxnSp>
-        <p:nvCxnSpPr>
-          <p:cNvPr id="11" name="Gerade Verbindung mit Pfeil 10"/>
-          <p:cNvCxnSpPr>
-            <a:stCxn id="4" idx="2"/>
-            <a:endCxn id="5" idx="0"/>
-          </p:cNvCxnSpPr>
-          <p:nvPr/>
-        </p:nvCxnSpPr>
-        <p:spPr>
-          <a:xfrm>
-            <a:off x="4343400" y="1653248"/>
-            <a:ext cx="0" cy="744496"/>
-          </a:xfrm>
-          <a:prstGeom prst="straightConnector1">
-            <a:avLst/>
-          </a:prstGeom>
-          <a:ln>
-            <a:solidFill>
-              <a:schemeClr val="accent1">
-                <a:alpha val="25000"/>
-              </a:schemeClr>
-            </a:solidFill>
-            <a:tailEnd type="triangle"/>
-          </a:ln>
-        </p:spPr>
-        <p:style>
-          <a:lnRef idx="3">
-            <a:schemeClr val="accent1"/>
-          </a:lnRef>
-          <a:fillRef idx="0">
-            <a:schemeClr val="accent1"/>
-          </a:fillRef>
-          <a:effectRef idx="2">
-            <a:schemeClr val="accent1"/>
-          </a:effectRef>
-          <a:fontRef idx="minor">
-            <a:schemeClr val="tx1"/>
-          </a:fontRef>
-        </p:style>
-      </p:cxnSp>
-      <p:cxnSp>
-        <p:nvCxnSpPr>
-          <p:cNvPr id="13" name="Gerade Verbindung mit Pfeil 12"/>
-          <p:cNvCxnSpPr/>
-          <p:nvPr/>
-        </p:nvCxnSpPr>
-        <p:spPr>
-          <a:xfrm>
-            <a:off x="4343400" y="3004214"/>
-            <a:ext cx="0" cy="744496"/>
-          </a:xfrm>
-          <a:prstGeom prst="straightConnector1">
-            <a:avLst/>
-          </a:prstGeom>
-          <a:ln>
-            <a:solidFill>
-              <a:schemeClr val="accent1">
-                <a:alpha val="25000"/>
-              </a:schemeClr>
-            </a:solidFill>
-            <a:tailEnd type="triangle"/>
-          </a:ln>
-        </p:spPr>
-        <p:style>
-          <a:lnRef idx="3">
-            <a:schemeClr val="accent1"/>
-          </a:lnRef>
-          <a:fillRef idx="0">
-            <a:schemeClr val="accent1"/>
-          </a:fillRef>
-          <a:effectRef idx="2">
-            <a:schemeClr val="accent1"/>
-          </a:effectRef>
-          <a:fontRef idx="minor">
-            <a:schemeClr val="tx1"/>
-          </a:fontRef>
-        </p:style>
-      </p:cxnSp>
-      <p:cxnSp>
-        <p:nvCxnSpPr>
-          <p:cNvPr id="14" name="Gerade Verbindung mit Pfeil 13"/>
-          <p:cNvCxnSpPr/>
-          <p:nvPr/>
-        </p:nvCxnSpPr>
-        <p:spPr>
-          <a:xfrm>
-            <a:off x="4333103" y="4361358"/>
-            <a:ext cx="0" cy="744496"/>
-          </a:xfrm>
-          <a:prstGeom prst="straightConnector1">
-            <a:avLst/>
-          </a:prstGeom>
-          <a:ln>
-            <a:solidFill>
-              <a:schemeClr val="accent1">
-                <a:alpha val="25000"/>
-              </a:schemeClr>
-            </a:solidFill>
-            <a:tailEnd type="triangle"/>
-          </a:ln>
-        </p:spPr>
-        <p:style>
-          <a:lnRef idx="3">
-            <a:schemeClr val="accent1"/>
-          </a:lnRef>
-          <a:fillRef idx="0">
-            <a:schemeClr val="accent1"/>
-          </a:fillRef>
-          <a:effectRef idx="2">
-            <a:schemeClr val="accent1"/>
-          </a:effectRef>
-          <a:fontRef idx="minor">
-            <a:schemeClr val="tx1"/>
-          </a:fontRef>
-        </p:style>
-      </p:cxnSp>
+        </p:spPr>
+      </p:pic>
     </p:spTree>
     <p:extLst>
       <p:ext uri="{BB962C8B-B14F-4D97-AF65-F5344CB8AC3E}">
-        <p14:creationId xmlns:p14="http://schemas.microsoft.com/office/powerpoint/2010/main" xmlns="" val="1212497302"/>
+        <p14:creationId xmlns:p14="http://schemas.microsoft.com/office/powerpoint/2010/main" val="2797205545"/>
       </p:ext>
     </p:extLst>
   </p:cSld>
@@ -8740,7 +8528,13 @@
           <a:p>
             <a:r>
               <a:rPr lang="de-DE" sz="2400" dirty="0" smtClean="0"/>
-              <a:t>Vorgehensweise</a:t>
+              <a:t>Programmablauf</a:t>
+            </a:r>
+          </a:p>
+          <a:p>
+            <a:r>
+              <a:rPr lang="de-DE" sz="2400" dirty="0" smtClean="0"/>
+              <a:t>Was wir gelernt haben</a:t>
             </a:r>
           </a:p>
           <a:p>
@@ -8812,7 +8606,7 @@
           <a:p>
             <a:r>
               <a:rPr lang="de-DE" dirty="0" smtClean="0"/>
-              <a:t>Prüfen auf Beschädigungen</a:t>
+              <a:t>Programm-Ablauf</a:t>
             </a:r>
             <a:endParaRPr lang="de-DE" dirty="0"/>
           </a:p>
@@ -8820,81 +8614,347 @@
       </p:sp>
       <p:sp>
         <p:nvSpPr>
-          <p:cNvPr id="3" name="Inhaltsplatzhalter 2"/>
-          <p:cNvSpPr>
-            <a:spLocks noGrp="1"/>
-          </p:cNvSpPr>
-          <p:nvPr>
-            <p:ph idx="1"/>
-          </p:nvPr>
-        </p:nvSpPr>
-        <p:spPr/>
+          <p:cNvPr id="4" name="Flussdiagramm: Alternativer Prozess 3"/>
+          <p:cNvSpPr/>
+          <p:nvPr/>
+        </p:nvSpPr>
+        <p:spPr>
+          <a:xfrm>
+            <a:off x="2971800" y="1040600"/>
+            <a:ext cx="2743200" cy="612648"/>
+          </a:xfrm>
+          <a:prstGeom prst="flowChartAlternateProcess">
+            <a:avLst/>
+          </a:prstGeom>
+          <a:solidFill>
+            <a:schemeClr val="accent1">
+              <a:alpha val="25000"/>
+            </a:schemeClr>
+          </a:solidFill>
+          <a:ln>
+            <a:solidFill>
+              <a:schemeClr val="accent1">
+                <a:shade val="50000"/>
+                <a:alpha val="25000"/>
+              </a:schemeClr>
+            </a:solidFill>
+          </a:ln>
+        </p:spPr>
+        <p:style>
+          <a:lnRef idx="2">
+            <a:schemeClr val="accent1">
+              <a:shade val="50000"/>
+            </a:schemeClr>
+          </a:lnRef>
+          <a:fillRef idx="1">
+            <a:schemeClr val="accent1"/>
+          </a:fillRef>
+          <a:effectRef idx="0">
+            <a:schemeClr val="accent1"/>
+          </a:effectRef>
+          <a:fontRef idx="minor">
+            <a:schemeClr val="lt1"/>
+          </a:fontRef>
+        </p:style>
         <p:txBody>
-          <a:bodyPr/>
+          <a:bodyPr rtlCol="0" anchor="ctr"/>
           <a:lstStyle/>
           <a:p>
+            <a:pPr algn="ctr"/>
             <a:r>
               <a:rPr lang="de-DE" dirty="0" smtClean="0"/>
-              <a:t>Maskieren des Werkstücks</a:t>
-            </a:r>
-          </a:p>
-          <a:p>
+              <a:t>Kalibrierung</a:t>
+            </a:r>
+            <a:endParaRPr lang="de-DE" dirty="0"/>
+          </a:p>
+        </p:txBody>
+      </p:sp>
+      <p:sp>
+        <p:nvSpPr>
+          <p:cNvPr id="5" name="Flussdiagramm: Alternativer Prozess 4"/>
+          <p:cNvSpPr/>
+          <p:nvPr/>
+        </p:nvSpPr>
+        <p:spPr>
+          <a:xfrm>
+            <a:off x="2971800" y="2397744"/>
+            <a:ext cx="2743200" cy="612648"/>
+          </a:xfrm>
+          <a:prstGeom prst="flowChartAlternateProcess">
+            <a:avLst/>
+          </a:prstGeom>
+          <a:solidFill>
+            <a:schemeClr val="accent1">
+              <a:alpha val="25000"/>
+            </a:schemeClr>
+          </a:solidFill>
+          <a:ln>
+            <a:solidFill>
+              <a:schemeClr val="accent1">
+                <a:alpha val="25000"/>
+              </a:schemeClr>
+            </a:solidFill>
+          </a:ln>
+        </p:spPr>
+        <p:style>
+          <a:lnRef idx="2">
+            <a:schemeClr val="accent1">
+              <a:shade val="50000"/>
+            </a:schemeClr>
+          </a:lnRef>
+          <a:fillRef idx="1">
+            <a:schemeClr val="accent1"/>
+          </a:fillRef>
+          <a:effectRef idx="0">
+            <a:schemeClr val="accent1"/>
+          </a:effectRef>
+          <a:fontRef idx="minor">
+            <a:schemeClr val="lt1"/>
+          </a:fontRef>
+        </p:style>
+        <p:txBody>
+          <a:bodyPr rtlCol="0" anchor="ctr"/>
+          <a:lstStyle/>
+          <a:p>
+            <a:pPr algn="ctr"/>
+            <a:r>
+              <a:rPr lang="de-DE" dirty="0"/>
+              <a:t>Lage und Maße</a:t>
+            </a:r>
+          </a:p>
+        </p:txBody>
+      </p:sp>
+      <p:sp>
+        <p:nvSpPr>
+          <p:cNvPr id="6" name="Flussdiagramm: Alternativer Prozess 5"/>
+          <p:cNvSpPr/>
+          <p:nvPr/>
+        </p:nvSpPr>
+        <p:spPr>
+          <a:xfrm>
+            <a:off x="2986216" y="3748710"/>
+            <a:ext cx="2743200" cy="612648"/>
+          </a:xfrm>
+          <a:prstGeom prst="flowChartAlternateProcess">
+            <a:avLst/>
+          </a:prstGeom>
+          <a:solidFill>
+            <a:schemeClr val="accent1">
+              <a:alpha val="25000"/>
+            </a:schemeClr>
+          </a:solidFill>
+          <a:ln>
+            <a:solidFill>
+              <a:schemeClr val="accent1">
+                <a:alpha val="25000"/>
+              </a:schemeClr>
+            </a:solidFill>
+          </a:ln>
+        </p:spPr>
+        <p:style>
+          <a:lnRef idx="2">
+            <a:schemeClr val="accent1">
+              <a:shade val="50000"/>
+            </a:schemeClr>
+          </a:lnRef>
+          <a:fillRef idx="1">
+            <a:schemeClr val="accent1"/>
+          </a:fillRef>
+          <a:effectRef idx="0">
+            <a:schemeClr val="accent1"/>
+          </a:effectRef>
+          <a:fontRef idx="minor">
+            <a:schemeClr val="lt1"/>
+          </a:fontRef>
+        </p:style>
+        <p:txBody>
+          <a:bodyPr rtlCol="0" anchor="ctr"/>
+          <a:lstStyle/>
+          <a:p>
+            <a:pPr algn="ctr"/>
             <a:r>
               <a:rPr lang="de-DE" dirty="0" smtClean="0"/>
-              <a:t>Filtern</a:t>
-            </a:r>
-          </a:p>
-          <a:p>
-            <a:pPr lvl="1"/>
-            <a:r>
-              <a:rPr lang="de-DE" dirty="0" err="1" smtClean="0"/>
-              <a:t>Guided</a:t>
-            </a:r>
+              <a:t>Bohrungen</a:t>
+            </a:r>
+            <a:endParaRPr lang="de-DE" dirty="0"/>
+          </a:p>
+        </p:txBody>
+      </p:sp>
+      <p:sp>
+        <p:nvSpPr>
+          <p:cNvPr id="7" name="Flussdiagramm: Alternativer Prozess 6"/>
+          <p:cNvSpPr/>
+          <p:nvPr/>
+        </p:nvSpPr>
+        <p:spPr>
+          <a:xfrm>
+            <a:off x="2971800" y="5105854"/>
+            <a:ext cx="2743200" cy="612648"/>
+          </a:xfrm>
+          <a:prstGeom prst="flowChartAlternateProcess">
+            <a:avLst/>
+          </a:prstGeom>
+          <a:solidFill>
+            <a:schemeClr val="accent1"/>
+          </a:solidFill>
+          <a:ln>
+            <a:solidFill>
+              <a:schemeClr val="accent1"/>
+            </a:solidFill>
+          </a:ln>
+        </p:spPr>
+        <p:style>
+          <a:lnRef idx="2">
+            <a:schemeClr val="accent1">
+              <a:shade val="50000"/>
+            </a:schemeClr>
+          </a:lnRef>
+          <a:fillRef idx="1">
+            <a:schemeClr val="accent1"/>
+          </a:fillRef>
+          <a:effectRef idx="0">
+            <a:schemeClr val="accent1"/>
+          </a:effectRef>
+          <a:fontRef idx="minor">
+            <a:schemeClr val="lt1"/>
+          </a:fontRef>
+        </p:style>
+        <p:txBody>
+          <a:bodyPr rtlCol="0" anchor="ctr"/>
+          <a:lstStyle/>
+          <a:p>
+            <a:pPr algn="ctr"/>
             <a:r>
               <a:rPr lang="de-DE" dirty="0" smtClean="0"/>
-              <a:t> Image Filter</a:t>
-            </a:r>
-          </a:p>
-          <a:p>
-            <a:r>
-              <a:rPr lang="de-DE" dirty="0" smtClean="0"/>
-              <a:t>Kantendetektion mit </a:t>
-            </a:r>
-            <a:r>
-              <a:rPr lang="de-DE" dirty="0" err="1" smtClean="0"/>
-              <a:t>Canny</a:t>
-            </a:r>
-            <a:endParaRPr lang="de-DE" dirty="0" smtClean="0"/>
-          </a:p>
-          <a:p>
-            <a:r>
-              <a:rPr lang="de-DE" dirty="0" smtClean="0"/>
-              <a:t>Kanten und Bohrungen entfernen</a:t>
-            </a:r>
-          </a:p>
-          <a:p>
-            <a:r>
-              <a:rPr lang="de-DE" dirty="0" smtClean="0"/>
-              <a:t>Cluster finden</a:t>
-            </a:r>
-          </a:p>
-          <a:p>
-            <a:r>
-              <a:rPr lang="de-DE" dirty="0" smtClean="0"/>
-              <a:t>Zusätzlich: Überprüfung des Stegs</a:t>
-            </a:r>
-          </a:p>
-          <a:p>
-            <a:pPr lvl="1"/>
-            <a:r>
-              <a:rPr lang="de-DE" dirty="0" err="1" smtClean="0"/>
-              <a:t>Threshold</a:t>
+              <a:t>Schäden</a:t>
             </a:r>
             <a:endParaRPr lang="de-DE" dirty="0"/>
           </a:p>
         </p:txBody>
       </p:sp>
+      <p:cxnSp>
+        <p:nvCxnSpPr>
+          <p:cNvPr id="11" name="Gerade Verbindung mit Pfeil 10"/>
+          <p:cNvCxnSpPr>
+            <a:stCxn id="4" idx="2"/>
+            <a:endCxn id="5" idx="0"/>
+          </p:cNvCxnSpPr>
+          <p:nvPr/>
+        </p:nvCxnSpPr>
+        <p:spPr>
+          <a:xfrm>
+            <a:off x="4343400" y="1653248"/>
+            <a:ext cx="0" cy="744496"/>
+          </a:xfrm>
+          <a:prstGeom prst="straightConnector1">
+            <a:avLst/>
+          </a:prstGeom>
+          <a:ln>
+            <a:solidFill>
+              <a:schemeClr val="accent1">
+                <a:alpha val="25000"/>
+              </a:schemeClr>
+            </a:solidFill>
+            <a:tailEnd type="triangle"/>
+          </a:ln>
+        </p:spPr>
+        <p:style>
+          <a:lnRef idx="3">
+            <a:schemeClr val="accent1"/>
+          </a:lnRef>
+          <a:fillRef idx="0">
+            <a:schemeClr val="accent1"/>
+          </a:fillRef>
+          <a:effectRef idx="2">
+            <a:schemeClr val="accent1"/>
+          </a:effectRef>
+          <a:fontRef idx="minor">
+            <a:schemeClr val="tx1"/>
+          </a:fontRef>
+        </p:style>
+      </p:cxnSp>
+      <p:cxnSp>
+        <p:nvCxnSpPr>
+          <p:cNvPr id="13" name="Gerade Verbindung mit Pfeil 12"/>
+          <p:cNvCxnSpPr/>
+          <p:nvPr/>
+        </p:nvCxnSpPr>
+        <p:spPr>
+          <a:xfrm>
+            <a:off x="4343400" y="3004214"/>
+            <a:ext cx="0" cy="744496"/>
+          </a:xfrm>
+          <a:prstGeom prst="straightConnector1">
+            <a:avLst/>
+          </a:prstGeom>
+          <a:ln>
+            <a:solidFill>
+              <a:schemeClr val="accent1">
+                <a:alpha val="25000"/>
+              </a:schemeClr>
+            </a:solidFill>
+            <a:tailEnd type="triangle"/>
+          </a:ln>
+        </p:spPr>
+        <p:style>
+          <a:lnRef idx="3">
+            <a:schemeClr val="accent1"/>
+          </a:lnRef>
+          <a:fillRef idx="0">
+            <a:schemeClr val="accent1"/>
+          </a:fillRef>
+          <a:effectRef idx="2">
+            <a:schemeClr val="accent1"/>
+          </a:effectRef>
+          <a:fontRef idx="minor">
+            <a:schemeClr val="tx1"/>
+          </a:fontRef>
+        </p:style>
+      </p:cxnSp>
+      <p:cxnSp>
+        <p:nvCxnSpPr>
+          <p:cNvPr id="14" name="Gerade Verbindung mit Pfeil 13"/>
+          <p:cNvCxnSpPr/>
+          <p:nvPr/>
+        </p:nvCxnSpPr>
+        <p:spPr>
+          <a:xfrm>
+            <a:off x="4333103" y="4361358"/>
+            <a:ext cx="0" cy="744496"/>
+          </a:xfrm>
+          <a:prstGeom prst="straightConnector1">
+            <a:avLst/>
+          </a:prstGeom>
+          <a:ln>
+            <a:solidFill>
+              <a:schemeClr val="accent1">
+                <a:alpha val="25000"/>
+              </a:schemeClr>
+            </a:solidFill>
+            <a:tailEnd type="triangle"/>
+          </a:ln>
+        </p:spPr>
+        <p:style>
+          <a:lnRef idx="3">
+            <a:schemeClr val="accent1"/>
+          </a:lnRef>
+          <a:fillRef idx="0">
+            <a:schemeClr val="accent1"/>
+          </a:fillRef>
+          <a:effectRef idx="2">
+            <a:schemeClr val="accent1"/>
+          </a:effectRef>
+          <a:fontRef idx="minor">
+            <a:schemeClr val="tx1"/>
+          </a:fontRef>
+        </p:style>
+      </p:cxnSp>
     </p:spTree>
+    <p:extLst>
+      <p:ext uri="{BB962C8B-B14F-4D97-AF65-F5344CB8AC3E}">
+        <p14:creationId xmlns:p14="http://schemas.microsoft.com/office/powerpoint/2010/main" val="1212497302"/>
+      </p:ext>
+    </p:extLst>
   </p:cSld>
   <p:clrMapOvr>
     <a:masterClrMapping/>
@@ -8936,6 +8996,269 @@
             <p:ph type="title"/>
           </p:nvPr>
         </p:nvSpPr>
+        <p:spPr/>
+        <p:txBody>
+          <a:bodyPr/>
+          <a:lstStyle/>
+          <a:p>
+            <a:r>
+              <a:rPr lang="de-DE" dirty="0" smtClean="0"/>
+              <a:t>Prüfen auf Beschädigungen</a:t>
+            </a:r>
+            <a:endParaRPr lang="de-DE" dirty="0"/>
+          </a:p>
+        </p:txBody>
+      </p:sp>
+      <p:sp>
+        <p:nvSpPr>
+          <p:cNvPr id="3" name="Inhaltsplatzhalter 2"/>
+          <p:cNvSpPr>
+            <a:spLocks noGrp="1"/>
+          </p:cNvSpPr>
+          <p:nvPr>
+            <p:ph idx="1"/>
+          </p:nvPr>
+        </p:nvSpPr>
+        <p:spPr/>
+        <p:txBody>
+          <a:bodyPr/>
+          <a:lstStyle/>
+          <a:p>
+            <a:r>
+              <a:rPr lang="de-DE" dirty="0" smtClean="0"/>
+              <a:t>Maskieren des Werkstücks</a:t>
+            </a:r>
+          </a:p>
+          <a:p>
+            <a:r>
+              <a:rPr lang="de-DE" dirty="0" smtClean="0"/>
+              <a:t>Filtern</a:t>
+            </a:r>
+          </a:p>
+          <a:p>
+            <a:pPr lvl="1"/>
+            <a:r>
+              <a:rPr lang="de-DE" dirty="0" err="1" smtClean="0"/>
+              <a:t>Guided</a:t>
+            </a:r>
+            <a:r>
+              <a:rPr lang="de-DE" dirty="0" smtClean="0"/>
+              <a:t> Image Filter</a:t>
+            </a:r>
+          </a:p>
+          <a:p>
+            <a:r>
+              <a:rPr lang="de-DE" dirty="0" smtClean="0"/>
+              <a:t>Kantendetektion mit </a:t>
+            </a:r>
+            <a:r>
+              <a:rPr lang="de-DE" dirty="0" err="1" smtClean="0"/>
+              <a:t>Canny</a:t>
+            </a:r>
+            <a:endParaRPr lang="de-DE" dirty="0" smtClean="0"/>
+          </a:p>
+          <a:p>
+            <a:r>
+              <a:rPr lang="de-DE" dirty="0" smtClean="0"/>
+              <a:t>Kanten und Bohrungen entfernen</a:t>
+            </a:r>
+          </a:p>
+          <a:p>
+            <a:r>
+              <a:rPr lang="de-DE" dirty="0" smtClean="0"/>
+              <a:t>Cluster finden</a:t>
+            </a:r>
+          </a:p>
+          <a:p>
+            <a:r>
+              <a:rPr lang="de-DE" dirty="0" smtClean="0"/>
+              <a:t>Zusätzlich: Überprüfung des Stegs</a:t>
+            </a:r>
+          </a:p>
+          <a:p>
+            <a:pPr lvl="1"/>
+            <a:r>
+              <a:rPr lang="de-DE" dirty="0" err="1" smtClean="0"/>
+              <a:t>Threshold</a:t>
+            </a:r>
+            <a:endParaRPr lang="de-DE" dirty="0"/>
+          </a:p>
+        </p:txBody>
+      </p:sp>
+    </p:spTree>
+  </p:cSld>
+  <p:clrMapOvr>
+    <a:masterClrMapping/>
+  </p:clrMapOvr>
+  <p:timing>
+    <p:tnLst>
+      <p:par>
+        <p:cTn id="1" dur="indefinite" restart="never" nodeType="tmRoot"/>
+      </p:par>
+    </p:tnLst>
+  </p:timing>
+</p:sld>
+</file>
+
+<file path=ppt/slides/slide22.xml><?xml version="1.0" encoding="utf-8"?>
+<p:sld xmlns:a="http://schemas.openxmlformats.org/drawingml/2006/main" xmlns:r="http://schemas.openxmlformats.org/officeDocument/2006/relationships" xmlns:p="http://schemas.openxmlformats.org/presentationml/2006/main">
+  <p:cSld>
+    <p:spTree>
+      <p:nvGrpSpPr>
+        <p:cNvPr id="1" name=""/>
+        <p:cNvGrpSpPr/>
+        <p:nvPr/>
+      </p:nvGrpSpPr>
+      <p:grpSpPr>
+        <a:xfrm>
+          <a:off x="0" y="0"/>
+          <a:ext cx="0" cy="0"/>
+          <a:chOff x="0" y="0"/>
+          <a:chExt cx="0" cy="0"/>
+        </a:xfrm>
+      </p:grpSpPr>
+      <p:sp>
+        <p:nvSpPr>
+          <p:cNvPr id="2" name="Titel 1"/>
+          <p:cNvSpPr>
+            <a:spLocks noGrp="1"/>
+          </p:cNvSpPr>
+          <p:nvPr>
+            <p:ph type="title"/>
+          </p:nvPr>
+        </p:nvSpPr>
+        <p:spPr/>
+        <p:txBody>
+          <a:bodyPr/>
+          <a:lstStyle/>
+          <a:p>
+            <a:r>
+              <a:rPr lang="de-DE" dirty="0" smtClean="0"/>
+              <a:t>Was wir gelernt haben</a:t>
+            </a:r>
+            <a:endParaRPr lang="de-DE" dirty="0"/>
+          </a:p>
+        </p:txBody>
+      </p:sp>
+      <p:sp>
+        <p:nvSpPr>
+          <p:cNvPr id="3" name="Inhaltsplatzhalter 2"/>
+          <p:cNvSpPr>
+            <a:spLocks noGrp="1"/>
+          </p:cNvSpPr>
+          <p:nvPr>
+            <p:ph idx="1"/>
+          </p:nvPr>
+        </p:nvSpPr>
+        <p:spPr/>
+        <p:txBody>
+          <a:bodyPr/>
+          <a:lstStyle/>
+          <a:p>
+            <a:r>
+              <a:rPr lang="de-DE" dirty="0" smtClean="0"/>
+              <a:t>Simulation und Realität unterscheiden sich stark</a:t>
+            </a:r>
+          </a:p>
+          <a:p>
+            <a:pPr lvl="1"/>
+            <a:r>
+              <a:rPr lang="de-DE" dirty="0" smtClean="0"/>
+              <a:t>Beleuchtung</a:t>
+            </a:r>
+          </a:p>
+          <a:p>
+            <a:pPr lvl="1"/>
+            <a:r>
+              <a:rPr lang="de-DE" dirty="0" smtClean="0"/>
+              <a:t>Messgenauigkeit</a:t>
+            </a:r>
+          </a:p>
+          <a:p>
+            <a:r>
+              <a:rPr lang="de-DE" dirty="0" smtClean="0"/>
+              <a:t>Gute Beleuchtung ist </a:t>
+            </a:r>
+            <a:r>
+              <a:rPr lang="de-DE" dirty="0" smtClean="0"/>
+              <a:t>entscheidend</a:t>
+            </a:r>
+          </a:p>
+          <a:p>
+            <a:r>
+              <a:rPr lang="de-DE" dirty="0" smtClean="0"/>
+              <a:t>Wahl der idealen Parameter/Schwellwerte aufwendig</a:t>
+            </a:r>
+          </a:p>
+          <a:p>
+            <a:pPr lvl="1"/>
+            <a:r>
+              <a:rPr lang="de-DE" dirty="0" smtClean="0"/>
+              <a:t>Unterschiedliche Beleuchtung benötigt andere Werte</a:t>
+            </a:r>
+            <a:endParaRPr lang="de-DE" dirty="0" smtClean="0"/>
+          </a:p>
+          <a:p>
+            <a:r>
+              <a:rPr lang="de-DE" dirty="0" smtClean="0"/>
+              <a:t>Messungenauigkeiten summieren sich auf</a:t>
+            </a:r>
+          </a:p>
+          <a:p>
+            <a:pPr lvl="1"/>
+            <a:r>
+              <a:rPr lang="de-DE" dirty="0" smtClean="0"/>
+              <a:t>1mm Toleranz schwierig zu erzielen</a:t>
+            </a:r>
+          </a:p>
+          <a:p>
+            <a:endParaRPr lang="de-DE" dirty="0" smtClean="0"/>
+          </a:p>
+          <a:p>
+            <a:endParaRPr lang="de-DE" dirty="0"/>
+          </a:p>
+        </p:txBody>
+      </p:sp>
+    </p:spTree>
+    <p:extLst>
+      <p:ext uri="{BB962C8B-B14F-4D97-AF65-F5344CB8AC3E}">
+        <p14:creationId xmlns:p14="http://schemas.microsoft.com/office/powerpoint/2010/main" val="2171939774"/>
+      </p:ext>
+    </p:extLst>
+  </p:cSld>
+  <p:clrMapOvr>
+    <a:masterClrMapping/>
+  </p:clrMapOvr>
+</p:sld>
+</file>
+
+<file path=ppt/slides/slide23.xml><?xml version="1.0" encoding="utf-8"?>
+<p:sld xmlns:a="http://schemas.openxmlformats.org/drawingml/2006/main" xmlns:r="http://schemas.openxmlformats.org/officeDocument/2006/relationships" xmlns:p="http://schemas.openxmlformats.org/presentationml/2006/main">
+  <p:cSld>
+    <p:spTree>
+      <p:nvGrpSpPr>
+        <p:cNvPr id="1" name=""/>
+        <p:cNvGrpSpPr/>
+        <p:nvPr/>
+      </p:nvGrpSpPr>
+      <p:grpSpPr>
+        <a:xfrm>
+          <a:off x="0" y="0"/>
+          <a:ext cx="0" cy="0"/>
+          <a:chOff x="0" y="0"/>
+          <a:chExt cx="0" cy="0"/>
+        </a:xfrm>
+      </p:grpSpPr>
+      <p:sp>
+        <p:nvSpPr>
+          <p:cNvPr id="2" name="Titel 1"/>
+          <p:cNvSpPr>
+            <a:spLocks noGrp="1"/>
+          </p:cNvSpPr>
+          <p:nvPr>
+            <p:ph type="title"/>
+          </p:nvPr>
+        </p:nvSpPr>
         <p:spPr>
           <a:xfrm>
             <a:off x="1905000" y="2895600"/>
@@ -8957,7 +9280,7 @@
     </p:spTree>
     <p:extLst>
       <p:ext uri="{BB962C8B-B14F-4D97-AF65-F5344CB8AC3E}">
-        <p14:creationId xmlns:p14="http://schemas.microsoft.com/office/powerpoint/2010/main" xmlns="" val="543134797"/>
+        <p14:creationId xmlns:p14="http://schemas.microsoft.com/office/powerpoint/2010/main" val="543134797"/>
       </p:ext>
     </p:extLst>
   </p:cSld>
@@ -9343,7 +9666,7 @@
           <a:blip r:embed="rId2">
             <a:extLst>
               <a:ext uri="{28A0092B-C50C-407E-A947-70E740481C1C}">
-                <a14:useLocalDpi xmlns:a14="http://schemas.microsoft.com/office/drawing/2010/main" xmlns="" val="0"/>
+                <a14:useLocalDpi xmlns:a14="http://schemas.microsoft.com/office/drawing/2010/main" val="0"/>
               </a:ext>
             </a:extLst>
           </a:blip>
@@ -9363,7 +9686,7 @@
           <a:noFill/>
           <a:extLst>
             <a:ext uri="{909E8E84-426E-40DD-AFC4-6F175D3DCCD1}">
-              <a14:hiddenFill xmlns:a14="http://schemas.microsoft.com/office/drawing/2010/main" xmlns="">
+              <a14:hiddenFill xmlns:a14="http://schemas.microsoft.com/office/drawing/2010/main">
                 <a:solidFill>
                   <a:srgbClr val="FFFFFF"/>
                 </a:solidFill>
@@ -9462,7 +9785,7 @@
           <a:blip r:embed="rId3" cstate="print">
             <a:extLst>
               <a:ext uri="{28A0092B-C50C-407E-A947-70E740481C1C}">
-                <a14:useLocalDpi xmlns:a14="http://schemas.microsoft.com/office/drawing/2010/main" xmlns="" val="0"/>
+                <a14:useLocalDpi xmlns:a14="http://schemas.microsoft.com/office/drawing/2010/main" val="0"/>
               </a:ext>
             </a:extLst>
           </a:blip>
@@ -9482,7 +9805,7 @@
           <a:noFill/>
           <a:extLst>
             <a:ext uri="{909E8E84-426E-40DD-AFC4-6F175D3DCCD1}">
-              <a14:hiddenFill xmlns:a14="http://schemas.microsoft.com/office/drawing/2010/main" xmlns="">
+              <a14:hiddenFill xmlns:a14="http://schemas.microsoft.com/office/drawing/2010/main">
                 <a:solidFill>
                   <a:srgbClr val="FFFFFF"/>
                 </a:solidFill>
@@ -9503,7 +9826,7 @@
           <a:blip r:embed="rId4">
             <a:extLst>
               <a:ext uri="{28A0092B-C50C-407E-A947-70E740481C1C}">
-                <a14:useLocalDpi xmlns:a14="http://schemas.microsoft.com/office/drawing/2010/main" xmlns="" val="0"/>
+                <a14:useLocalDpi xmlns:a14="http://schemas.microsoft.com/office/drawing/2010/main" val="0"/>
               </a:ext>
             </a:extLst>
           </a:blip>
@@ -9523,7 +9846,7 @@
           <a:noFill/>
           <a:extLst>
             <a:ext uri="{909E8E84-426E-40DD-AFC4-6F175D3DCCD1}">
-              <a14:hiddenFill xmlns:a14="http://schemas.microsoft.com/office/drawing/2010/main" xmlns="">
+              <a14:hiddenFill xmlns:a14="http://schemas.microsoft.com/office/drawing/2010/main">
                 <a:solidFill>
                   <a:srgbClr val="FFFFFF"/>
                 </a:solidFill>
@@ -9544,7 +9867,7 @@
           <a:blip r:embed="rId5" cstate="print">
             <a:extLst>
               <a:ext uri="{28A0092B-C50C-407E-A947-70E740481C1C}">
-                <a14:useLocalDpi xmlns:a14="http://schemas.microsoft.com/office/drawing/2010/main" xmlns="" val="0"/>
+                <a14:useLocalDpi xmlns:a14="http://schemas.microsoft.com/office/drawing/2010/main" val="0"/>
               </a:ext>
             </a:extLst>
           </a:blip>
@@ -9564,7 +9887,7 @@
           <a:noFill/>
           <a:extLst>
             <a:ext uri="{909E8E84-426E-40DD-AFC4-6F175D3DCCD1}">
-              <a14:hiddenFill xmlns:a14="http://schemas.microsoft.com/office/drawing/2010/main" xmlns="">
+              <a14:hiddenFill xmlns:a14="http://schemas.microsoft.com/office/drawing/2010/main">
                 <a:solidFill>
                   <a:srgbClr val="FFFFFF"/>
                 </a:solidFill>
@@ -10103,7 +10426,7 @@
     </p:spTree>
     <p:extLst>
       <p:ext uri="{BB962C8B-B14F-4D97-AF65-F5344CB8AC3E}">
-        <p14:creationId xmlns:p14="http://schemas.microsoft.com/office/powerpoint/2010/main" xmlns="" val="2825131093"/>
+        <p14:creationId xmlns:p14="http://schemas.microsoft.com/office/powerpoint/2010/main" val="2825131093"/>
       </p:ext>
     </p:extLst>
   </p:cSld>
@@ -10160,347 +10483,47 @@
           </a:p>
         </p:txBody>
       </p:sp>
-      <p:sp>
-        <p:nvSpPr>
-          <p:cNvPr id="4" name="Flussdiagramm: Alternativer Prozess 3"/>
-          <p:cNvSpPr/>
+      <p:pic>
+        <p:nvPicPr>
+          <p:cNvPr id="3" name="Grafik 2"/>
+          <p:cNvPicPr>
+            <a:picLocks noChangeAspect="1"/>
+          </p:cNvPicPr>
           <p:nvPr/>
-        </p:nvSpPr>
+        </p:nvPicPr>
+        <p:blipFill>
+          <a:blip r:embed="rId2">
+            <a:extLst>
+              <a:ext uri="{28A0092B-C50C-407E-A947-70E740481C1C}">
+                <a14:useLocalDpi xmlns:a14="http://schemas.microsoft.com/office/drawing/2010/main" val="0"/>
+              </a:ext>
+            </a:extLst>
+          </a:blip>
+          <a:stretch>
+            <a:fillRect/>
+          </a:stretch>
+        </p:blipFill>
         <p:spPr>
           <a:xfrm>
-            <a:off x="2971800" y="1040600"/>
-            <a:ext cx="2743200" cy="612648"/>
-          </a:xfrm>
-          <a:prstGeom prst="flowChartAlternateProcess">
+            <a:off x="381000" y="871654"/>
+            <a:ext cx="8540813" cy="5083410"/>
+          </a:xfrm>
+          <a:prstGeom prst="rect">
             <a:avLst/>
           </a:prstGeom>
-          <a:solidFill>
-            <a:schemeClr val="accent1"/>
-          </a:solidFill>
-          <a:ln>
+          <a:ln w="38100">
             <a:solidFill>
-              <a:schemeClr val="accent1">
-                <a:shade val="50000"/>
+              <a:schemeClr val="bg1">
+                <a:lumMod val="75000"/>
               </a:schemeClr>
             </a:solidFill>
           </a:ln>
         </p:spPr>
-        <p:style>
-          <a:lnRef idx="2">
-            <a:schemeClr val="accent1">
-              <a:shade val="50000"/>
-            </a:schemeClr>
-          </a:lnRef>
-          <a:fillRef idx="1">
-            <a:schemeClr val="accent1"/>
-          </a:fillRef>
-          <a:effectRef idx="0">
-            <a:schemeClr val="accent1"/>
-          </a:effectRef>
-          <a:fontRef idx="minor">
-            <a:schemeClr val="lt1"/>
-          </a:fontRef>
-        </p:style>
-        <p:txBody>
-          <a:bodyPr rtlCol="0" anchor="ctr"/>
-          <a:lstStyle/>
-          <a:p>
-            <a:pPr algn="ctr"/>
-            <a:r>
-              <a:rPr lang="de-DE" dirty="0" smtClean="0"/>
-              <a:t>Kalibrierung</a:t>
-            </a:r>
-            <a:endParaRPr lang="de-DE" dirty="0"/>
-          </a:p>
-        </p:txBody>
-      </p:sp>
-      <p:sp>
-        <p:nvSpPr>
-          <p:cNvPr id="5" name="Flussdiagramm: Alternativer Prozess 4"/>
-          <p:cNvSpPr/>
-          <p:nvPr/>
-        </p:nvSpPr>
-        <p:spPr>
-          <a:xfrm>
-            <a:off x="2971800" y="2397744"/>
-            <a:ext cx="2743200" cy="612648"/>
-          </a:xfrm>
-          <a:prstGeom prst="flowChartAlternateProcess">
-            <a:avLst/>
-          </a:prstGeom>
-          <a:solidFill>
-            <a:schemeClr val="accent1">
-              <a:alpha val="25000"/>
-            </a:schemeClr>
-          </a:solidFill>
-          <a:ln>
-            <a:solidFill>
-              <a:schemeClr val="accent1">
-                <a:alpha val="25000"/>
-              </a:schemeClr>
-            </a:solidFill>
-          </a:ln>
-        </p:spPr>
-        <p:style>
-          <a:lnRef idx="2">
-            <a:schemeClr val="accent1">
-              <a:shade val="50000"/>
-            </a:schemeClr>
-          </a:lnRef>
-          <a:fillRef idx="1">
-            <a:schemeClr val="accent1"/>
-          </a:fillRef>
-          <a:effectRef idx="0">
-            <a:schemeClr val="accent1"/>
-          </a:effectRef>
-          <a:fontRef idx="minor">
-            <a:schemeClr val="lt1"/>
-          </a:fontRef>
-        </p:style>
-        <p:txBody>
-          <a:bodyPr rtlCol="0" anchor="ctr"/>
-          <a:lstStyle/>
-          <a:p>
-            <a:pPr algn="ctr"/>
-            <a:r>
-              <a:rPr lang="de-DE" dirty="0"/>
-              <a:t>Lage und Maße</a:t>
-            </a:r>
-          </a:p>
-        </p:txBody>
-      </p:sp>
-      <p:sp>
-        <p:nvSpPr>
-          <p:cNvPr id="6" name="Flussdiagramm: Alternativer Prozess 5"/>
-          <p:cNvSpPr/>
-          <p:nvPr/>
-        </p:nvSpPr>
-        <p:spPr>
-          <a:xfrm>
-            <a:off x="2986216" y="3748710"/>
-            <a:ext cx="2743200" cy="612648"/>
-          </a:xfrm>
-          <a:prstGeom prst="flowChartAlternateProcess">
-            <a:avLst/>
-          </a:prstGeom>
-          <a:solidFill>
-            <a:schemeClr val="accent1">
-              <a:alpha val="25000"/>
-            </a:schemeClr>
-          </a:solidFill>
-          <a:ln>
-            <a:solidFill>
-              <a:schemeClr val="accent1">
-                <a:alpha val="25000"/>
-              </a:schemeClr>
-            </a:solidFill>
-          </a:ln>
-        </p:spPr>
-        <p:style>
-          <a:lnRef idx="2">
-            <a:schemeClr val="accent1">
-              <a:shade val="50000"/>
-            </a:schemeClr>
-          </a:lnRef>
-          <a:fillRef idx="1">
-            <a:schemeClr val="accent1"/>
-          </a:fillRef>
-          <a:effectRef idx="0">
-            <a:schemeClr val="accent1"/>
-          </a:effectRef>
-          <a:fontRef idx="minor">
-            <a:schemeClr val="lt1"/>
-          </a:fontRef>
-        </p:style>
-        <p:txBody>
-          <a:bodyPr rtlCol="0" anchor="ctr"/>
-          <a:lstStyle/>
-          <a:p>
-            <a:pPr algn="ctr"/>
-            <a:r>
-              <a:rPr lang="de-DE" dirty="0"/>
-              <a:t>Bohrungen</a:t>
-            </a:r>
-          </a:p>
-        </p:txBody>
-      </p:sp>
-      <p:sp>
-        <p:nvSpPr>
-          <p:cNvPr id="7" name="Flussdiagramm: Alternativer Prozess 6"/>
-          <p:cNvSpPr/>
-          <p:nvPr/>
-        </p:nvSpPr>
-        <p:spPr>
-          <a:xfrm>
-            <a:off x="2971800" y="5105854"/>
-            <a:ext cx="2743200" cy="612648"/>
-          </a:xfrm>
-          <a:prstGeom prst="flowChartAlternateProcess">
-            <a:avLst/>
-          </a:prstGeom>
-          <a:solidFill>
-            <a:schemeClr val="accent1">
-              <a:alpha val="25000"/>
-            </a:schemeClr>
-          </a:solidFill>
-          <a:ln>
-            <a:solidFill>
-              <a:schemeClr val="accent1">
-                <a:alpha val="25000"/>
-              </a:schemeClr>
-            </a:solidFill>
-          </a:ln>
-        </p:spPr>
-        <p:style>
-          <a:lnRef idx="2">
-            <a:schemeClr val="accent1">
-              <a:shade val="50000"/>
-            </a:schemeClr>
-          </a:lnRef>
-          <a:fillRef idx="1">
-            <a:schemeClr val="accent1"/>
-          </a:fillRef>
-          <a:effectRef idx="0">
-            <a:schemeClr val="accent1"/>
-          </a:effectRef>
-          <a:fontRef idx="minor">
-            <a:schemeClr val="lt1"/>
-          </a:fontRef>
-        </p:style>
-        <p:txBody>
-          <a:bodyPr rtlCol="0" anchor="ctr"/>
-          <a:lstStyle/>
-          <a:p>
-            <a:pPr algn="ctr"/>
-            <a:r>
-              <a:rPr lang="de-DE" dirty="0" smtClean="0"/>
-              <a:t>Schäden</a:t>
-            </a:r>
-            <a:endParaRPr lang="de-DE" dirty="0"/>
-          </a:p>
-        </p:txBody>
-      </p:sp>
-      <p:cxnSp>
-        <p:nvCxnSpPr>
-          <p:cNvPr id="11" name="Gerade Verbindung mit Pfeil 10"/>
-          <p:cNvCxnSpPr>
-            <a:stCxn id="4" idx="2"/>
-            <a:endCxn id="5" idx="0"/>
-          </p:cNvCxnSpPr>
-          <p:nvPr/>
-        </p:nvCxnSpPr>
-        <p:spPr>
-          <a:xfrm>
-            <a:off x="4343400" y="1653248"/>
-            <a:ext cx="0" cy="744496"/>
-          </a:xfrm>
-          <a:prstGeom prst="straightConnector1">
-            <a:avLst/>
-          </a:prstGeom>
-          <a:ln>
-            <a:solidFill>
-              <a:schemeClr val="accent1">
-                <a:alpha val="25000"/>
-              </a:schemeClr>
-            </a:solidFill>
-            <a:tailEnd type="triangle"/>
-          </a:ln>
-        </p:spPr>
-        <p:style>
-          <a:lnRef idx="3">
-            <a:schemeClr val="accent1"/>
-          </a:lnRef>
-          <a:fillRef idx="0">
-            <a:schemeClr val="accent1"/>
-          </a:fillRef>
-          <a:effectRef idx="2">
-            <a:schemeClr val="accent1"/>
-          </a:effectRef>
-          <a:fontRef idx="minor">
-            <a:schemeClr val="tx1"/>
-          </a:fontRef>
-        </p:style>
-      </p:cxnSp>
-      <p:cxnSp>
-        <p:nvCxnSpPr>
-          <p:cNvPr id="13" name="Gerade Verbindung mit Pfeil 12"/>
-          <p:cNvCxnSpPr/>
-          <p:nvPr/>
-        </p:nvCxnSpPr>
-        <p:spPr>
-          <a:xfrm>
-            <a:off x="4343400" y="3004214"/>
-            <a:ext cx="0" cy="744496"/>
-          </a:xfrm>
-          <a:prstGeom prst="straightConnector1">
-            <a:avLst/>
-          </a:prstGeom>
-          <a:ln>
-            <a:solidFill>
-              <a:schemeClr val="accent1">
-                <a:alpha val="25000"/>
-              </a:schemeClr>
-            </a:solidFill>
-            <a:tailEnd type="triangle"/>
-          </a:ln>
-        </p:spPr>
-        <p:style>
-          <a:lnRef idx="3">
-            <a:schemeClr val="accent1"/>
-          </a:lnRef>
-          <a:fillRef idx="0">
-            <a:schemeClr val="accent1"/>
-          </a:fillRef>
-          <a:effectRef idx="2">
-            <a:schemeClr val="accent1"/>
-          </a:effectRef>
-          <a:fontRef idx="minor">
-            <a:schemeClr val="tx1"/>
-          </a:fontRef>
-        </p:style>
-      </p:cxnSp>
-      <p:cxnSp>
-        <p:nvCxnSpPr>
-          <p:cNvPr id="14" name="Gerade Verbindung mit Pfeil 13"/>
-          <p:cNvCxnSpPr/>
-          <p:nvPr/>
-        </p:nvCxnSpPr>
-        <p:spPr>
-          <a:xfrm>
-            <a:off x="4333103" y="4361358"/>
-            <a:ext cx="0" cy="744496"/>
-          </a:xfrm>
-          <a:prstGeom prst="straightConnector1">
-            <a:avLst/>
-          </a:prstGeom>
-          <a:ln>
-            <a:solidFill>
-              <a:schemeClr val="accent1">
-                <a:alpha val="25000"/>
-              </a:schemeClr>
-            </a:solidFill>
-            <a:tailEnd type="triangle"/>
-          </a:ln>
-        </p:spPr>
-        <p:style>
-          <a:lnRef idx="3">
-            <a:schemeClr val="accent1"/>
-          </a:lnRef>
-          <a:fillRef idx="0">
-            <a:schemeClr val="accent1"/>
-          </a:fillRef>
-          <a:effectRef idx="2">
-            <a:schemeClr val="accent1"/>
-          </a:effectRef>
-          <a:fontRef idx="minor">
-            <a:schemeClr val="tx1"/>
-          </a:fontRef>
-        </p:style>
-      </p:cxnSp>
+      </p:pic>
     </p:spTree>
     <p:extLst>
       <p:ext uri="{BB962C8B-B14F-4D97-AF65-F5344CB8AC3E}">
-        <p14:creationId xmlns:p14="http://schemas.microsoft.com/office/powerpoint/2010/main" xmlns="" val="3187124118"/>
+        <p14:creationId xmlns:p14="http://schemas.microsoft.com/office/powerpoint/2010/main" val="3744826316"/>
       </p:ext>
     </p:extLst>
   </p:cSld>
@@ -10551,6 +10574,60 @@
           <a:p>
             <a:r>
               <a:rPr lang="de-DE" dirty="0" smtClean="0"/>
+              <a:t>Programm-Ablauf</a:t>
+            </a:r>
+            <a:endParaRPr lang="de-DE" dirty="0"/>
+          </a:p>
+        </p:txBody>
+      </p:sp>
+      <p:sp>
+        <p:nvSpPr>
+          <p:cNvPr id="4" name="Flussdiagramm: Alternativer Prozess 3"/>
+          <p:cNvSpPr/>
+          <p:nvPr/>
+        </p:nvSpPr>
+        <p:spPr>
+          <a:xfrm>
+            <a:off x="2971800" y="1040600"/>
+            <a:ext cx="2743200" cy="612648"/>
+          </a:xfrm>
+          <a:prstGeom prst="flowChartAlternateProcess">
+            <a:avLst/>
+          </a:prstGeom>
+          <a:solidFill>
+            <a:schemeClr val="accent1"/>
+          </a:solidFill>
+          <a:ln>
+            <a:solidFill>
+              <a:schemeClr val="accent1">
+                <a:shade val="50000"/>
+              </a:schemeClr>
+            </a:solidFill>
+          </a:ln>
+        </p:spPr>
+        <p:style>
+          <a:lnRef idx="2">
+            <a:schemeClr val="accent1">
+              <a:shade val="50000"/>
+            </a:schemeClr>
+          </a:lnRef>
+          <a:fillRef idx="1">
+            <a:schemeClr val="accent1"/>
+          </a:fillRef>
+          <a:effectRef idx="0">
+            <a:schemeClr val="accent1"/>
+          </a:effectRef>
+          <a:fontRef idx="minor">
+            <a:schemeClr val="lt1"/>
+          </a:fontRef>
+        </p:style>
+        <p:txBody>
+          <a:bodyPr rtlCol="0" anchor="ctr"/>
+          <a:lstStyle/>
+          <a:p>
+            <a:pPr algn="ctr"/>
+            <a:r>
+              <a:rPr lang="de-DE" dirty="0" smtClean="0"/>
               <a:t>Kalibrierung</a:t>
             </a:r>
             <a:endParaRPr lang="de-DE" dirty="0"/>
@@ -10559,158 +10636,293 @@
       </p:sp>
       <p:sp>
         <p:nvSpPr>
-          <p:cNvPr id="3" name="Inhaltsplatzhalter 2"/>
-          <p:cNvSpPr>
-            <a:spLocks noGrp="1"/>
-          </p:cNvSpPr>
-          <p:nvPr>
-            <p:ph idx="1"/>
-          </p:nvPr>
-        </p:nvSpPr>
-        <p:spPr/>
+          <p:cNvPr id="5" name="Flussdiagramm: Alternativer Prozess 4"/>
+          <p:cNvSpPr/>
+          <p:nvPr/>
+        </p:nvSpPr>
+        <p:spPr>
+          <a:xfrm>
+            <a:off x="2971800" y="2397744"/>
+            <a:ext cx="2743200" cy="612648"/>
+          </a:xfrm>
+          <a:prstGeom prst="flowChartAlternateProcess">
+            <a:avLst/>
+          </a:prstGeom>
+          <a:solidFill>
+            <a:schemeClr val="accent1">
+              <a:alpha val="25000"/>
+            </a:schemeClr>
+          </a:solidFill>
+          <a:ln>
+            <a:solidFill>
+              <a:schemeClr val="accent1">
+                <a:alpha val="25000"/>
+              </a:schemeClr>
+            </a:solidFill>
+          </a:ln>
+        </p:spPr>
+        <p:style>
+          <a:lnRef idx="2">
+            <a:schemeClr val="accent1">
+              <a:shade val="50000"/>
+            </a:schemeClr>
+          </a:lnRef>
+          <a:fillRef idx="1">
+            <a:schemeClr val="accent1"/>
+          </a:fillRef>
+          <a:effectRef idx="0">
+            <a:schemeClr val="accent1"/>
+          </a:effectRef>
+          <a:fontRef idx="minor">
+            <a:schemeClr val="lt1"/>
+          </a:fontRef>
+        </p:style>
         <p:txBody>
-          <a:bodyPr/>
+          <a:bodyPr rtlCol="0" anchor="ctr"/>
           <a:lstStyle/>
           <a:p>
+            <a:pPr algn="ctr"/>
+            <a:r>
+              <a:rPr lang="de-DE" dirty="0"/>
+              <a:t>Lage und Maße</a:t>
+            </a:r>
+          </a:p>
+        </p:txBody>
+      </p:sp>
+      <p:sp>
+        <p:nvSpPr>
+          <p:cNvPr id="6" name="Flussdiagramm: Alternativer Prozess 5"/>
+          <p:cNvSpPr/>
+          <p:nvPr/>
+        </p:nvSpPr>
+        <p:spPr>
+          <a:xfrm>
+            <a:off x="2986216" y="3748710"/>
+            <a:ext cx="2743200" cy="612648"/>
+          </a:xfrm>
+          <a:prstGeom prst="flowChartAlternateProcess">
+            <a:avLst/>
+          </a:prstGeom>
+          <a:solidFill>
+            <a:schemeClr val="accent1">
+              <a:alpha val="25000"/>
+            </a:schemeClr>
+          </a:solidFill>
+          <a:ln>
+            <a:solidFill>
+              <a:schemeClr val="accent1">
+                <a:alpha val="25000"/>
+              </a:schemeClr>
+            </a:solidFill>
+          </a:ln>
+        </p:spPr>
+        <p:style>
+          <a:lnRef idx="2">
+            <a:schemeClr val="accent1">
+              <a:shade val="50000"/>
+            </a:schemeClr>
+          </a:lnRef>
+          <a:fillRef idx="1">
+            <a:schemeClr val="accent1"/>
+          </a:fillRef>
+          <a:effectRef idx="0">
+            <a:schemeClr val="accent1"/>
+          </a:effectRef>
+          <a:fontRef idx="minor">
+            <a:schemeClr val="lt1"/>
+          </a:fontRef>
+        </p:style>
+        <p:txBody>
+          <a:bodyPr rtlCol="0" anchor="ctr"/>
+          <a:lstStyle/>
+          <a:p>
+            <a:pPr algn="ctr"/>
+            <a:r>
+              <a:rPr lang="de-DE" dirty="0"/>
+              <a:t>Bohrungen</a:t>
+            </a:r>
+          </a:p>
+        </p:txBody>
+      </p:sp>
+      <p:sp>
+        <p:nvSpPr>
+          <p:cNvPr id="7" name="Flussdiagramm: Alternativer Prozess 6"/>
+          <p:cNvSpPr/>
+          <p:nvPr/>
+        </p:nvSpPr>
+        <p:spPr>
+          <a:xfrm>
+            <a:off x="2971800" y="5105854"/>
+            <a:ext cx="2743200" cy="612648"/>
+          </a:xfrm>
+          <a:prstGeom prst="flowChartAlternateProcess">
+            <a:avLst/>
+          </a:prstGeom>
+          <a:solidFill>
+            <a:schemeClr val="accent1">
+              <a:alpha val="25000"/>
+            </a:schemeClr>
+          </a:solidFill>
+          <a:ln>
+            <a:solidFill>
+              <a:schemeClr val="accent1">
+                <a:alpha val="25000"/>
+              </a:schemeClr>
+            </a:solidFill>
+          </a:ln>
+        </p:spPr>
+        <p:style>
+          <a:lnRef idx="2">
+            <a:schemeClr val="accent1">
+              <a:shade val="50000"/>
+            </a:schemeClr>
+          </a:lnRef>
+          <a:fillRef idx="1">
+            <a:schemeClr val="accent1"/>
+          </a:fillRef>
+          <a:effectRef idx="0">
+            <a:schemeClr val="accent1"/>
+          </a:effectRef>
+          <a:fontRef idx="minor">
+            <a:schemeClr val="lt1"/>
+          </a:fontRef>
+        </p:style>
+        <p:txBody>
+          <a:bodyPr rtlCol="0" anchor="ctr"/>
+          <a:lstStyle/>
+          <a:p>
+            <a:pPr algn="ctr"/>
             <a:r>
               <a:rPr lang="de-DE" dirty="0" smtClean="0"/>
-              <a:t>Bildvorverarbeitung</a:t>
-            </a:r>
-          </a:p>
-          <a:p>
-            <a:pPr lvl="1"/>
-            <a:r>
-              <a:rPr lang="de-DE" dirty="0" smtClean="0"/>
-              <a:t>Maskieren der Werkstück </a:t>
-            </a:r>
-            <a:r>
-              <a:rPr lang="de-DE" dirty="0" err="1" smtClean="0"/>
-              <a:t>pixel</a:t>
-            </a:r>
-            <a:endParaRPr lang="de-DE" dirty="0" smtClean="0"/>
-          </a:p>
-          <a:p>
-            <a:pPr lvl="2"/>
-            <a:r>
-              <a:rPr lang="de-DE" dirty="0" smtClean="0"/>
-              <a:t>Pixel mit </a:t>
-            </a:r>
-            <a:r>
-              <a:rPr lang="de-DE" dirty="0" err="1" smtClean="0"/>
-              <a:t>Grauwert</a:t>
-            </a:r>
-            <a:r>
-              <a:rPr lang="de-DE" dirty="0" smtClean="0"/>
-              <a:t> &gt;= 70 werden auf 255 (weiß) gesetzt</a:t>
-            </a:r>
-          </a:p>
-          <a:p>
-            <a:pPr lvl="2"/>
-            <a:r>
-              <a:rPr lang="de-DE" dirty="0" smtClean="0"/>
-              <a:t>Restliche Pixel auf 0 (schwarz)</a:t>
-            </a:r>
-          </a:p>
-          <a:p>
-            <a:pPr lvl="1"/>
-            <a:r>
-              <a:rPr lang="de-DE" dirty="0" smtClean="0"/>
-              <a:t>Reduktion von Noise</a:t>
-            </a:r>
-          </a:p>
-          <a:p>
-            <a:pPr lvl="2"/>
-            <a:r>
-              <a:rPr lang="de-DE" dirty="0" smtClean="0"/>
-              <a:t>Morphologische Erosion und </a:t>
-            </a:r>
-            <a:r>
-              <a:rPr lang="de-DE" dirty="0" err="1" smtClean="0"/>
-              <a:t>Dilitation</a:t>
-            </a:r>
-            <a:r>
-              <a:rPr lang="de-DE" dirty="0" smtClean="0"/>
-              <a:t> zur Reduktion von Noise an den Objektkanten</a:t>
-            </a:r>
-          </a:p>
-          <a:p>
-            <a:pPr lvl="1"/>
-            <a:r>
-              <a:rPr lang="de-DE" dirty="0" err="1" smtClean="0"/>
-              <a:t>Kantendektion</a:t>
-            </a:r>
-            <a:r>
-              <a:rPr lang="de-DE" dirty="0" smtClean="0"/>
-              <a:t> mit </a:t>
-            </a:r>
-            <a:r>
-              <a:rPr lang="de-DE" dirty="0" err="1" smtClean="0"/>
-              <a:t>Canny</a:t>
-            </a:r>
-            <a:endParaRPr lang="de-DE" dirty="0" smtClean="0"/>
-          </a:p>
-          <a:p>
-            <a:pPr lvl="1"/>
-            <a:endParaRPr lang="de-DE" dirty="0" smtClean="0"/>
-          </a:p>
-          <a:p>
-            <a:r>
-              <a:rPr lang="de-DE" dirty="0" smtClean="0"/>
-              <a:t>Ermitteln der Kalibrierungsgröße Pixel-</a:t>
-            </a:r>
-            <a:r>
-              <a:rPr lang="de-DE" dirty="0" err="1" smtClean="0"/>
-              <a:t>to</a:t>
-            </a:r>
-            <a:r>
-              <a:rPr lang="de-DE" dirty="0" smtClean="0"/>
-              <a:t>-</a:t>
-            </a:r>
-            <a:r>
-              <a:rPr lang="de-DE" dirty="0" err="1" smtClean="0"/>
-              <a:t>Centimeter</a:t>
-            </a:r>
-            <a:r>
-              <a:rPr lang="de-DE" dirty="0" smtClean="0"/>
-              <a:t> (PX2CM)</a:t>
-            </a:r>
-            <a:endParaRPr lang="de-DE" dirty="0" smtClean="0"/>
-          </a:p>
-          <a:p>
-            <a:pPr lvl="1"/>
-            <a:r>
-              <a:rPr lang="de-DE" dirty="0" smtClean="0"/>
-              <a:t>Annahme: Kontur, die den Flächeninhalt des kleinsten, vollständig umschließenden Rechtecks maximiert ist die Kontur des </a:t>
-            </a:r>
-            <a:r>
-              <a:rPr lang="de-DE" dirty="0" smtClean="0"/>
-              <a:t>Kalibrierungswerkstücks</a:t>
-            </a:r>
-          </a:p>
-          <a:p>
-            <a:pPr lvl="1"/>
-            <a:r>
-              <a:rPr lang="de-DE" dirty="0" smtClean="0"/>
-              <a:t>Seitenlängen des Kalibrierungswerkstücks sind bekannt</a:t>
-            </a:r>
-          </a:p>
-          <a:p>
-            <a:pPr lvl="1"/>
-            <a:r>
-              <a:rPr lang="de-DE" dirty="0" smtClean="0"/>
-              <a:t>PX2CM = Quotient aus längster Seite und längster bekannter Seitenlänge</a:t>
-            </a:r>
-          </a:p>
-          <a:p>
-            <a:pPr lvl="1"/>
-            <a:endParaRPr lang="de-DE" dirty="0" smtClean="0"/>
-          </a:p>
-          <a:p>
-            <a:endParaRPr lang="de-DE" dirty="0" smtClean="0"/>
+              <a:t>Schäden</a:t>
+            </a:r>
+            <a:endParaRPr lang="de-DE" dirty="0"/>
           </a:p>
         </p:txBody>
       </p:sp>
+      <p:cxnSp>
+        <p:nvCxnSpPr>
+          <p:cNvPr id="11" name="Gerade Verbindung mit Pfeil 10"/>
+          <p:cNvCxnSpPr>
+            <a:stCxn id="4" idx="2"/>
+            <a:endCxn id="5" idx="0"/>
+          </p:cNvCxnSpPr>
+          <p:nvPr/>
+        </p:nvCxnSpPr>
+        <p:spPr>
+          <a:xfrm>
+            <a:off x="4343400" y="1653248"/>
+            <a:ext cx="0" cy="744496"/>
+          </a:xfrm>
+          <a:prstGeom prst="straightConnector1">
+            <a:avLst/>
+          </a:prstGeom>
+          <a:ln>
+            <a:solidFill>
+              <a:schemeClr val="accent1">
+                <a:alpha val="25000"/>
+              </a:schemeClr>
+            </a:solidFill>
+            <a:tailEnd type="triangle"/>
+          </a:ln>
+        </p:spPr>
+        <p:style>
+          <a:lnRef idx="3">
+            <a:schemeClr val="accent1"/>
+          </a:lnRef>
+          <a:fillRef idx="0">
+            <a:schemeClr val="accent1"/>
+          </a:fillRef>
+          <a:effectRef idx="2">
+            <a:schemeClr val="accent1"/>
+          </a:effectRef>
+          <a:fontRef idx="minor">
+            <a:schemeClr val="tx1"/>
+          </a:fontRef>
+        </p:style>
+      </p:cxnSp>
+      <p:cxnSp>
+        <p:nvCxnSpPr>
+          <p:cNvPr id="13" name="Gerade Verbindung mit Pfeil 12"/>
+          <p:cNvCxnSpPr/>
+          <p:nvPr/>
+        </p:nvCxnSpPr>
+        <p:spPr>
+          <a:xfrm>
+            <a:off x="4343400" y="3004214"/>
+            <a:ext cx="0" cy="744496"/>
+          </a:xfrm>
+          <a:prstGeom prst="straightConnector1">
+            <a:avLst/>
+          </a:prstGeom>
+          <a:ln>
+            <a:solidFill>
+              <a:schemeClr val="accent1">
+                <a:alpha val="25000"/>
+              </a:schemeClr>
+            </a:solidFill>
+            <a:tailEnd type="triangle"/>
+          </a:ln>
+        </p:spPr>
+        <p:style>
+          <a:lnRef idx="3">
+            <a:schemeClr val="accent1"/>
+          </a:lnRef>
+          <a:fillRef idx="0">
+            <a:schemeClr val="accent1"/>
+          </a:fillRef>
+          <a:effectRef idx="2">
+            <a:schemeClr val="accent1"/>
+          </a:effectRef>
+          <a:fontRef idx="minor">
+            <a:schemeClr val="tx1"/>
+          </a:fontRef>
+        </p:style>
+      </p:cxnSp>
+      <p:cxnSp>
+        <p:nvCxnSpPr>
+          <p:cNvPr id="14" name="Gerade Verbindung mit Pfeil 13"/>
+          <p:cNvCxnSpPr/>
+          <p:nvPr/>
+        </p:nvCxnSpPr>
+        <p:spPr>
+          <a:xfrm>
+            <a:off x="4333103" y="4361358"/>
+            <a:ext cx="0" cy="744496"/>
+          </a:xfrm>
+          <a:prstGeom prst="straightConnector1">
+            <a:avLst/>
+          </a:prstGeom>
+          <a:ln>
+            <a:solidFill>
+              <a:schemeClr val="accent1">
+                <a:alpha val="25000"/>
+              </a:schemeClr>
+            </a:solidFill>
+            <a:tailEnd type="triangle"/>
+          </a:ln>
+        </p:spPr>
+        <p:style>
+          <a:lnRef idx="3">
+            <a:schemeClr val="accent1"/>
+          </a:lnRef>
+          <a:fillRef idx="0">
+            <a:schemeClr val="accent1"/>
+          </a:fillRef>
+          <a:effectRef idx="2">
+            <a:schemeClr val="accent1"/>
+          </a:effectRef>
+          <a:fontRef idx="minor">
+            <a:schemeClr val="tx1"/>
+          </a:fontRef>
+        </p:style>
+      </p:cxnSp>
     </p:spTree>
+    <p:extLst>
+      <p:ext uri="{BB962C8B-B14F-4D97-AF65-F5344CB8AC3E}">
+        <p14:creationId xmlns:p14="http://schemas.microsoft.com/office/powerpoint/2010/main" val="3187124118"/>
+      </p:ext>
+    </p:extLst>
   </p:cSld>
   <p:clrMapOvr>
     <a:masterClrMapping/>
